--- a/W3/2. W3S2 final/W3S2.pptx
+++ b/W3/2. W3S2 final/W3S2.pptx
@@ -231,7 +231,7 @@
 <file path=ppt/revisionInfo.xml><?xml version="1.0" encoding="utf-8"?>
 <p1510:revInfo xmlns:a="http://schemas.openxmlformats.org/drawingml/2006/main" xmlns:r="http://schemas.openxmlformats.org/officeDocument/2006/relationships" xmlns:p1510="http://schemas.microsoft.com/office/powerpoint/2015/10/main">
   <p1510:revLst>
-    <p1510:client id="{CD3BCE5D-F1D9-409A-9E6B-AD5ABB34863C}" v="14" dt="2023-02-07T02:34:13.486"/>
+    <p1510:client id="{851712E7-4765-4026-AAE1-C7179918B94D}" v="17" dt="2023-06-22T06:23:29.777"/>
   </p1510:revLst>
 </p1510:revInfo>
 </file>
@@ -4654,6 +4654,240 @@
           </ac:spMkLst>
         </pc:spChg>
       </pc:sldMasterChg>
+    </pc:docChg>
+  </pc:docChgLst>
+  <pc:docChgLst>
+    <pc:chgData name="Matthieu De Mari" userId="dfb708c9-d8dc-439f-9a3b-c772bf4a311c" providerId="ADAL" clId="{851712E7-4765-4026-AAE1-C7179918B94D}"/>
+    <pc:docChg chg="custSel modSld">
+      <pc:chgData name="Matthieu De Mari" userId="dfb708c9-d8dc-439f-9a3b-c772bf4a311c" providerId="ADAL" clId="{851712E7-4765-4026-AAE1-C7179918B94D}" dt="2023-06-22T06:25:12.048" v="476" actId="20577"/>
+      <pc:docMkLst>
+        <pc:docMk/>
+      </pc:docMkLst>
+      <pc:sldChg chg="modSp mod">
+        <pc:chgData name="Matthieu De Mari" userId="dfb708c9-d8dc-439f-9a3b-c772bf4a311c" providerId="ADAL" clId="{851712E7-4765-4026-AAE1-C7179918B94D}" dt="2023-06-22T06:16:08.154" v="32" actId="20577"/>
+        <pc:sldMkLst>
+          <pc:docMk/>
+          <pc:sldMk cId="2474697269" sldId="387"/>
+        </pc:sldMkLst>
+        <pc:spChg chg="mod">
+          <ac:chgData name="Matthieu De Mari" userId="dfb708c9-d8dc-439f-9a3b-c772bf4a311c" providerId="ADAL" clId="{851712E7-4765-4026-AAE1-C7179918B94D}" dt="2023-06-22T06:16:08.154" v="32" actId="20577"/>
+          <ac:spMkLst>
+            <pc:docMk/>
+            <pc:sldMk cId="2474697269" sldId="387"/>
+            <ac:spMk id="3" creationId="{C7732CA9-163D-B4B0-71B2-AEA1EC81E0E6}"/>
+          </ac:spMkLst>
+        </pc:spChg>
+      </pc:sldChg>
+      <pc:sldChg chg="modSp mod">
+        <pc:chgData name="Matthieu De Mari" userId="dfb708c9-d8dc-439f-9a3b-c772bf4a311c" providerId="ADAL" clId="{851712E7-4765-4026-AAE1-C7179918B94D}" dt="2023-06-22T06:19:47.086" v="196" actId="20577"/>
+        <pc:sldMkLst>
+          <pc:docMk/>
+          <pc:sldMk cId="481628505" sldId="389"/>
+        </pc:sldMkLst>
+        <pc:spChg chg="mod">
+          <ac:chgData name="Matthieu De Mari" userId="dfb708c9-d8dc-439f-9a3b-c772bf4a311c" providerId="ADAL" clId="{851712E7-4765-4026-AAE1-C7179918B94D}" dt="2023-06-22T06:19:47.086" v="196" actId="20577"/>
+          <ac:spMkLst>
+            <pc:docMk/>
+            <pc:sldMk cId="481628505" sldId="389"/>
+            <ac:spMk id="3" creationId="{6C4142A3-3578-C842-742A-3495AD72B776}"/>
+          </ac:spMkLst>
+        </pc:spChg>
+      </pc:sldChg>
+      <pc:sldChg chg="modSp mod">
+        <pc:chgData name="Matthieu De Mari" userId="dfb708c9-d8dc-439f-9a3b-c772bf4a311c" providerId="ADAL" clId="{851712E7-4765-4026-AAE1-C7179918B94D}" dt="2023-06-22T06:22:05.105" v="314" actId="20577"/>
+        <pc:sldMkLst>
+          <pc:docMk/>
+          <pc:sldMk cId="1283478655" sldId="391"/>
+        </pc:sldMkLst>
+        <pc:spChg chg="mod">
+          <ac:chgData name="Matthieu De Mari" userId="dfb708c9-d8dc-439f-9a3b-c772bf4a311c" providerId="ADAL" clId="{851712E7-4765-4026-AAE1-C7179918B94D}" dt="2023-06-22T06:22:05.105" v="314" actId="20577"/>
+          <ac:spMkLst>
+            <pc:docMk/>
+            <pc:sldMk cId="1283478655" sldId="391"/>
+            <ac:spMk id="3" creationId="{EDC87932-752D-FABC-76EF-38023409D8D8}"/>
+          </ac:spMkLst>
+        </pc:spChg>
+      </pc:sldChg>
+      <pc:sldChg chg="modSp mod">
+        <pc:chgData name="Matthieu De Mari" userId="dfb708c9-d8dc-439f-9a3b-c772bf4a311c" providerId="ADAL" clId="{851712E7-4765-4026-AAE1-C7179918B94D}" dt="2023-06-22T06:24:28.011" v="466" actId="20577"/>
+        <pc:sldMkLst>
+          <pc:docMk/>
+          <pc:sldMk cId="164097668" sldId="394"/>
+        </pc:sldMkLst>
+        <pc:spChg chg="mod">
+          <ac:chgData name="Matthieu De Mari" userId="dfb708c9-d8dc-439f-9a3b-c772bf4a311c" providerId="ADAL" clId="{851712E7-4765-4026-AAE1-C7179918B94D}" dt="2023-06-22T06:24:28.011" v="466" actId="20577"/>
+          <ac:spMkLst>
+            <pc:docMk/>
+            <pc:sldMk cId="164097668" sldId="394"/>
+            <ac:spMk id="4" creationId="{7B27ED01-4B43-7115-3D3C-53FF72E7590A}"/>
+          </ac:spMkLst>
+        </pc:spChg>
+      </pc:sldChg>
+      <pc:sldChg chg="modSp mod">
+        <pc:chgData name="Matthieu De Mari" userId="dfb708c9-d8dc-439f-9a3b-c772bf4a311c" providerId="ADAL" clId="{851712E7-4765-4026-AAE1-C7179918B94D}" dt="2023-06-22T06:16:18.530" v="33" actId="5793"/>
+        <pc:sldMkLst>
+          <pc:docMk/>
+          <pc:sldMk cId="3339699406" sldId="761"/>
+        </pc:sldMkLst>
+        <pc:spChg chg="mod">
+          <ac:chgData name="Matthieu De Mari" userId="dfb708c9-d8dc-439f-9a3b-c772bf4a311c" providerId="ADAL" clId="{851712E7-4765-4026-AAE1-C7179918B94D}" dt="2023-06-22T06:16:18.530" v="33" actId="5793"/>
+          <ac:spMkLst>
+            <pc:docMk/>
+            <pc:sldMk cId="3339699406" sldId="761"/>
+            <ac:spMk id="11" creationId="{0EEC07FE-D839-07DF-7C1A-CDBE72FE6BB9}"/>
+          </ac:spMkLst>
+        </pc:spChg>
+      </pc:sldChg>
+      <pc:sldChg chg="modSp">
+        <pc:chgData name="Matthieu De Mari" userId="dfb708c9-d8dc-439f-9a3b-c772bf4a311c" providerId="ADAL" clId="{851712E7-4765-4026-AAE1-C7179918B94D}" dt="2023-06-22T06:16:31.856" v="34" actId="20577"/>
+        <pc:sldMkLst>
+          <pc:docMk/>
+          <pc:sldMk cId="1546007078" sldId="762"/>
+        </pc:sldMkLst>
+        <pc:spChg chg="mod">
+          <ac:chgData name="Matthieu De Mari" userId="dfb708c9-d8dc-439f-9a3b-c772bf4a311c" providerId="ADAL" clId="{851712E7-4765-4026-AAE1-C7179918B94D}" dt="2023-06-22T06:16:31.856" v="34" actId="20577"/>
+          <ac:spMkLst>
+            <pc:docMk/>
+            <pc:sldMk cId="1546007078" sldId="762"/>
+            <ac:spMk id="11" creationId="{0EEC07FE-D839-07DF-7C1A-CDBE72FE6BB9}"/>
+          </ac:spMkLst>
+        </pc:spChg>
+      </pc:sldChg>
+      <pc:sldChg chg="modSp mod">
+        <pc:chgData name="Matthieu De Mari" userId="dfb708c9-d8dc-439f-9a3b-c772bf4a311c" providerId="ADAL" clId="{851712E7-4765-4026-AAE1-C7179918B94D}" dt="2023-06-22T06:17:43.042" v="142" actId="20577"/>
+        <pc:sldMkLst>
+          <pc:docMk/>
+          <pc:sldMk cId="2580175991" sldId="763"/>
+        </pc:sldMkLst>
+        <pc:spChg chg="mod">
+          <ac:chgData name="Matthieu De Mari" userId="dfb708c9-d8dc-439f-9a3b-c772bf4a311c" providerId="ADAL" clId="{851712E7-4765-4026-AAE1-C7179918B94D}" dt="2023-06-22T06:17:43.042" v="142" actId="20577"/>
+          <ac:spMkLst>
+            <pc:docMk/>
+            <pc:sldMk cId="2580175991" sldId="763"/>
+            <ac:spMk id="5" creationId="{1A87BA25-5926-816A-6E16-0F90D4B62FB8}"/>
+          </ac:spMkLst>
+        </pc:spChg>
+      </pc:sldChg>
+      <pc:sldChg chg="modSp mod">
+        <pc:chgData name="Matthieu De Mari" userId="dfb708c9-d8dc-439f-9a3b-c772bf4a311c" providerId="ADAL" clId="{851712E7-4765-4026-AAE1-C7179918B94D}" dt="2023-06-22T06:17:51.599" v="143" actId="5793"/>
+        <pc:sldMkLst>
+          <pc:docMk/>
+          <pc:sldMk cId="1879463264" sldId="764"/>
+        </pc:sldMkLst>
+        <pc:spChg chg="mod">
+          <ac:chgData name="Matthieu De Mari" userId="dfb708c9-d8dc-439f-9a3b-c772bf4a311c" providerId="ADAL" clId="{851712E7-4765-4026-AAE1-C7179918B94D}" dt="2023-06-22T06:17:51.599" v="143" actId="5793"/>
+          <ac:spMkLst>
+            <pc:docMk/>
+            <pc:sldMk cId="1879463264" sldId="764"/>
+            <ac:spMk id="5" creationId="{1A87BA25-5926-816A-6E16-0F90D4B62FB8}"/>
+          </ac:spMkLst>
+        </pc:spChg>
+      </pc:sldChg>
+      <pc:sldChg chg="modSp">
+        <pc:chgData name="Matthieu De Mari" userId="dfb708c9-d8dc-439f-9a3b-c772bf4a311c" providerId="ADAL" clId="{851712E7-4765-4026-AAE1-C7179918B94D}" dt="2023-06-22T06:18:41.461" v="144" actId="20577"/>
+        <pc:sldMkLst>
+          <pc:docMk/>
+          <pc:sldMk cId="1996337912" sldId="765"/>
+        </pc:sldMkLst>
+        <pc:spChg chg="mod">
+          <ac:chgData name="Matthieu De Mari" userId="dfb708c9-d8dc-439f-9a3b-c772bf4a311c" providerId="ADAL" clId="{851712E7-4765-4026-AAE1-C7179918B94D}" dt="2023-06-22T06:18:41.461" v="144" actId="20577"/>
+          <ac:spMkLst>
+            <pc:docMk/>
+            <pc:sldMk cId="1996337912" sldId="765"/>
+            <ac:spMk id="3" creationId="{46D88AA4-084D-50F6-7F5E-69051FD9A887}"/>
+          </ac:spMkLst>
+        </pc:spChg>
+      </pc:sldChg>
+      <pc:sldChg chg="modSp mod">
+        <pc:chgData name="Matthieu De Mari" userId="dfb708c9-d8dc-439f-9a3b-c772bf4a311c" providerId="ADAL" clId="{851712E7-4765-4026-AAE1-C7179918B94D}" dt="2023-06-22T06:20:11.669" v="212" actId="113"/>
+        <pc:sldMkLst>
+          <pc:docMk/>
+          <pc:sldMk cId="1554669076" sldId="766"/>
+        </pc:sldMkLst>
+        <pc:spChg chg="mod">
+          <ac:chgData name="Matthieu De Mari" userId="dfb708c9-d8dc-439f-9a3b-c772bf4a311c" providerId="ADAL" clId="{851712E7-4765-4026-AAE1-C7179918B94D}" dt="2023-06-22T06:20:11.669" v="212" actId="113"/>
+          <ac:spMkLst>
+            <pc:docMk/>
+            <pc:sldMk cId="1554669076" sldId="766"/>
+            <ac:spMk id="3" creationId="{6C4142A3-3578-C842-742A-3495AD72B776}"/>
+          </ac:spMkLst>
+        </pc:spChg>
+      </pc:sldChg>
+      <pc:sldChg chg="modSp mod">
+        <pc:chgData name="Matthieu De Mari" userId="dfb708c9-d8dc-439f-9a3b-c772bf4a311c" providerId="ADAL" clId="{851712E7-4765-4026-AAE1-C7179918B94D}" dt="2023-06-22T06:21:19.225" v="268" actId="20577"/>
+        <pc:sldMkLst>
+          <pc:docMk/>
+          <pc:sldMk cId="2909899754" sldId="769"/>
+        </pc:sldMkLst>
+        <pc:spChg chg="mod">
+          <ac:chgData name="Matthieu De Mari" userId="dfb708c9-d8dc-439f-9a3b-c772bf4a311c" providerId="ADAL" clId="{851712E7-4765-4026-AAE1-C7179918B94D}" dt="2023-06-22T06:21:19.225" v="268" actId="20577"/>
+          <ac:spMkLst>
+            <pc:docMk/>
+            <pc:sldMk cId="2909899754" sldId="769"/>
+            <ac:spMk id="3" creationId="{70FF8A92-BFB5-623C-CBC8-C3AB284F9C4F}"/>
+          </ac:spMkLst>
+        </pc:spChg>
+      </pc:sldChg>
+      <pc:sldChg chg="modSp mod">
+        <pc:chgData name="Matthieu De Mari" userId="dfb708c9-d8dc-439f-9a3b-c772bf4a311c" providerId="ADAL" clId="{851712E7-4765-4026-AAE1-C7179918B94D}" dt="2023-06-22T06:22:41.678" v="327" actId="113"/>
+        <pc:sldMkLst>
+          <pc:docMk/>
+          <pc:sldMk cId="743119883" sldId="775"/>
+        </pc:sldMkLst>
+        <pc:spChg chg="mod">
+          <ac:chgData name="Matthieu De Mari" userId="dfb708c9-d8dc-439f-9a3b-c772bf4a311c" providerId="ADAL" clId="{851712E7-4765-4026-AAE1-C7179918B94D}" dt="2023-06-22T06:22:41.678" v="327" actId="113"/>
+          <ac:spMkLst>
+            <pc:docMk/>
+            <pc:sldMk cId="743119883" sldId="775"/>
+            <ac:spMk id="3" creationId="{EDC87932-752D-FABC-76EF-38023409D8D8}"/>
+          </ac:spMkLst>
+        </pc:spChg>
+      </pc:sldChg>
+      <pc:sldChg chg="modSp mod">
+        <pc:chgData name="Matthieu De Mari" userId="dfb708c9-d8dc-439f-9a3b-c772bf4a311c" providerId="ADAL" clId="{851712E7-4765-4026-AAE1-C7179918B94D}" dt="2023-06-22T06:23:30.838" v="392" actId="20577"/>
+        <pc:sldMkLst>
+          <pc:docMk/>
+          <pc:sldMk cId="3349972987" sldId="777"/>
+        </pc:sldMkLst>
+        <pc:spChg chg="mod">
+          <ac:chgData name="Matthieu De Mari" userId="dfb708c9-d8dc-439f-9a3b-c772bf4a311c" providerId="ADAL" clId="{851712E7-4765-4026-AAE1-C7179918B94D}" dt="2023-06-22T06:23:30.838" v="392" actId="20577"/>
+          <ac:spMkLst>
+            <pc:docMk/>
+            <pc:sldMk cId="3349972987" sldId="777"/>
+            <ac:spMk id="3" creationId="{EDC87932-752D-FABC-76EF-38023409D8D8}"/>
+          </ac:spMkLst>
+        </pc:spChg>
+      </pc:sldChg>
+      <pc:sldChg chg="modSp mod">
+        <pc:chgData name="Matthieu De Mari" userId="dfb708c9-d8dc-439f-9a3b-c772bf4a311c" providerId="ADAL" clId="{851712E7-4765-4026-AAE1-C7179918B94D}" dt="2023-06-22T06:24:34.830" v="468" actId="113"/>
+        <pc:sldMkLst>
+          <pc:docMk/>
+          <pc:sldMk cId="2678238830" sldId="780"/>
+        </pc:sldMkLst>
+        <pc:spChg chg="mod">
+          <ac:chgData name="Matthieu De Mari" userId="dfb708c9-d8dc-439f-9a3b-c772bf4a311c" providerId="ADAL" clId="{851712E7-4765-4026-AAE1-C7179918B94D}" dt="2023-06-22T06:24:34.830" v="468" actId="113"/>
+          <ac:spMkLst>
+            <pc:docMk/>
+            <pc:sldMk cId="2678238830" sldId="780"/>
+            <ac:spMk id="4" creationId="{7B27ED01-4B43-7115-3D3C-53FF72E7590A}"/>
+          </ac:spMkLst>
+        </pc:spChg>
+      </pc:sldChg>
+      <pc:sldChg chg="modSp mod">
+        <pc:chgData name="Matthieu De Mari" userId="dfb708c9-d8dc-439f-9a3b-c772bf4a311c" providerId="ADAL" clId="{851712E7-4765-4026-AAE1-C7179918B94D}" dt="2023-06-22T06:25:12.048" v="476" actId="20577"/>
+        <pc:sldMkLst>
+          <pc:docMk/>
+          <pc:sldMk cId="278531271" sldId="782"/>
+        </pc:sldMkLst>
+        <pc:spChg chg="mod">
+          <ac:chgData name="Matthieu De Mari" userId="dfb708c9-d8dc-439f-9a3b-c772bf4a311c" providerId="ADAL" clId="{851712E7-4765-4026-AAE1-C7179918B94D}" dt="2023-06-22T06:25:12.048" v="476" actId="20577"/>
+          <ac:spMkLst>
+            <pc:docMk/>
+            <pc:sldMk cId="278531271" sldId="782"/>
+            <ac:spMk id="6" creationId="{5282BC02-8C8A-BDB1-A192-B4E530ACD8B1}"/>
+          </ac:spMkLst>
+        </pc:spChg>
+      </pc:sldChg>
     </pc:docChg>
   </pc:docChgLst>
 </pc:chgInfo>
@@ -4741,7 +4975,7 @@
           <a:p>
             <a:fld id="{61478373-EB31-4867-8CF0-FA31364748A5}" type="datetimeFigureOut">
               <a:rPr lang="en-GB" smtClean="0"/>
-              <a:t>07/02/2023</a:t>
+              <a:t>22/06/2023</a:t>
             </a:fld>
             <a:endParaRPr lang="en-GB"/>
           </a:p>
@@ -5158,7 +5392,7 @@
           <a:p>
             <a:fld id="{E85DF616-B21E-4EF6-A6A5-95E2FB3EB1A1}" type="datetimeFigureOut">
               <a:rPr lang="en-GB" smtClean="0"/>
-              <a:t>07/02/2023</a:t>
+              <a:t>22/06/2023</a:t>
             </a:fld>
             <a:endParaRPr lang="en-GB"/>
           </a:p>
@@ -5358,7 +5592,7 @@
           <a:p>
             <a:fld id="{E85DF616-B21E-4EF6-A6A5-95E2FB3EB1A1}" type="datetimeFigureOut">
               <a:rPr lang="en-GB" smtClean="0"/>
-              <a:t>07/02/2023</a:t>
+              <a:t>22/06/2023</a:t>
             </a:fld>
             <a:endParaRPr lang="en-GB"/>
           </a:p>
@@ -5568,7 +5802,7 @@
           <a:p>
             <a:fld id="{E85DF616-B21E-4EF6-A6A5-95E2FB3EB1A1}" type="datetimeFigureOut">
               <a:rPr lang="en-GB" smtClean="0"/>
-              <a:t>07/02/2023</a:t>
+              <a:t>22/06/2023</a:t>
             </a:fld>
             <a:endParaRPr lang="en-GB"/>
           </a:p>
@@ -5768,7 +6002,7 @@
           <a:p>
             <a:fld id="{E85DF616-B21E-4EF6-A6A5-95E2FB3EB1A1}" type="datetimeFigureOut">
               <a:rPr lang="en-GB" smtClean="0"/>
-              <a:t>07/02/2023</a:t>
+              <a:t>22/06/2023</a:t>
             </a:fld>
             <a:endParaRPr lang="en-GB"/>
           </a:p>
@@ -6044,7 +6278,7 @@
           <a:p>
             <a:fld id="{E85DF616-B21E-4EF6-A6A5-95E2FB3EB1A1}" type="datetimeFigureOut">
               <a:rPr lang="en-GB" smtClean="0"/>
-              <a:t>07/02/2023</a:t>
+              <a:t>22/06/2023</a:t>
             </a:fld>
             <a:endParaRPr lang="en-GB"/>
           </a:p>
@@ -6312,7 +6546,7 @@
           <a:p>
             <a:fld id="{E85DF616-B21E-4EF6-A6A5-95E2FB3EB1A1}" type="datetimeFigureOut">
               <a:rPr lang="en-GB" smtClean="0"/>
-              <a:t>07/02/2023</a:t>
+              <a:t>22/06/2023</a:t>
             </a:fld>
             <a:endParaRPr lang="en-GB"/>
           </a:p>
@@ -6727,7 +6961,7 @@
           <a:p>
             <a:fld id="{E85DF616-B21E-4EF6-A6A5-95E2FB3EB1A1}" type="datetimeFigureOut">
               <a:rPr lang="en-GB" smtClean="0"/>
-              <a:t>07/02/2023</a:t>
+              <a:t>22/06/2023</a:t>
             </a:fld>
             <a:endParaRPr lang="en-GB"/>
           </a:p>
@@ -6869,7 +7103,7 @@
           <a:p>
             <a:fld id="{E85DF616-B21E-4EF6-A6A5-95E2FB3EB1A1}" type="datetimeFigureOut">
               <a:rPr lang="en-GB" smtClean="0"/>
-              <a:t>07/02/2023</a:t>
+              <a:t>22/06/2023</a:t>
             </a:fld>
             <a:endParaRPr lang="en-GB"/>
           </a:p>
@@ -6982,7 +7216,7 @@
           <a:p>
             <a:fld id="{E85DF616-B21E-4EF6-A6A5-95E2FB3EB1A1}" type="datetimeFigureOut">
               <a:rPr lang="en-GB" smtClean="0"/>
-              <a:t>07/02/2023</a:t>
+              <a:t>22/06/2023</a:t>
             </a:fld>
             <a:endParaRPr lang="en-GB"/>
           </a:p>
@@ -7295,7 +7529,7 @@
           <a:p>
             <a:fld id="{E85DF616-B21E-4EF6-A6A5-95E2FB3EB1A1}" type="datetimeFigureOut">
               <a:rPr lang="en-GB" smtClean="0"/>
-              <a:t>07/02/2023</a:t>
+              <a:t>22/06/2023</a:t>
             </a:fld>
             <a:endParaRPr lang="en-GB"/>
           </a:p>
@@ -7584,7 +7818,7 @@
           <a:p>
             <a:fld id="{E85DF616-B21E-4EF6-A6A5-95E2FB3EB1A1}" type="datetimeFigureOut">
               <a:rPr lang="en-GB" smtClean="0"/>
-              <a:t>07/02/2023</a:t>
+              <a:t>22/06/2023</a:t>
             </a:fld>
             <a:endParaRPr lang="en-GB"/>
           </a:p>
@@ -7827,7 +8061,7 @@
           <a:p>
             <a:fld id="{E85DF616-B21E-4EF6-A6A5-95E2FB3EB1A1}" type="datetimeFigureOut">
               <a:rPr lang="en-GB" smtClean="0"/>
-              <a:t>07/02/2023</a:t>
+              <a:t>22/06/2023</a:t>
             </a:fld>
             <a:endParaRPr lang="en-GB"/>
           </a:p>
@@ -8561,6 +8795,9 @@
               </a:bodyPr>
               <a:lstStyle/>
               <a:p>
+                <a:pPr marL="0" indent="0">
+                  <a:buNone/>
+                </a:pPr>
                 <a:r>
                   <a:rPr lang="en-GB" dirty="0"/>
                   <a:t>Recall Week 2 Notebook 8, the three layers model.</a:t>
@@ -8647,7 +8884,7 @@
               <a:blipFill>
                 <a:blip r:embed="rId2"/>
                 <a:stretch>
-                  <a:fillRect l="-2452" t="-1937" r="-409"/>
+                  <a:fillRect l="-2725" t="-1937" r="-136"/>
                 </a:stretch>
               </a:blipFill>
             </p:spPr>
@@ -9536,8 +9773,8 @@
           </a:p>
         </p:txBody>
       </p:sp>
-      <mc:AlternateContent xmlns:mc="http://schemas.openxmlformats.org/markup-compatibility/2006" xmlns:a14="http://schemas.microsoft.com/office/drawing/2010/main">
-        <mc:Choice Requires="a14">
+      <mc:AlternateContent xmlns:mc="http://schemas.openxmlformats.org/markup-compatibility/2006">
+        <mc:Choice xmlns:a14="http://schemas.microsoft.com/office/drawing/2010/main" Requires="a14">
           <p:sp>
             <p:nvSpPr>
               <p:cNvPr id="3" name="Content Placeholder 2">
@@ -9889,7 +10126,7 @@
                 </a14:m>
                 <a:r>
                   <a:rPr lang="en-GB" dirty="0"/>
-                  <a:t> by 1, and </a:t>
+                  <a:t> by 1 and </a:t>
                 </a:r>
                 <a:r>
                   <a:rPr lang="en-GB" b="1" dirty="0"/>
@@ -9903,7 +10140,7 @@
             </p:txBody>
           </p:sp>
         </mc:Choice>
-        <mc:Fallback xmlns="">
+        <mc:Fallback>
           <p:sp>
             <p:nvSpPr>
               <p:cNvPr id="3" name="Content Placeholder 2">
@@ -10059,7 +10296,9 @@
           </a:xfrm>
         </p:spPr>
         <p:txBody>
-          <a:bodyPr/>
+          <a:bodyPr>
+            <a:normAutofit/>
+          </a:bodyPr>
           <a:lstStyle/>
           <a:p>
             <a:pPr marL="0" indent="0">
@@ -10067,7 +10306,7 @@
             </a:pPr>
             <a:r>
               <a:rPr lang="en-GB" dirty="0"/>
-              <a:t>In order to train our Neural Network, we will rely on the power of the </a:t>
+              <a:t>In order to train our Neural Network using backprop, we rely on </a:t>
             </a:r>
             <a:r>
               <a:rPr lang="en-GB" dirty="0" err="1"/>
@@ -10075,19 +10314,13 @@
             </a:r>
             <a:r>
               <a:rPr lang="en-GB" dirty="0"/>
-              <a:t> to compute the gradient update for us automatically.</a:t>
+              <a:t> to compute the gradient updates for us automatically.</a:t>
             </a:r>
           </a:p>
           <a:p>
             <a:pPr marL="0" indent="0">
               <a:buNone/>
             </a:pPr>
-            <a:endParaRPr lang="en-GB" dirty="0"/>
-          </a:p>
-          <a:p>
-            <a:pPr marL="0" indent="0">
-              <a:buNone/>
-            </a:pPr>
             <a:r>
               <a:rPr lang="en-GB" dirty="0"/>
               <a:t>For this reason,</a:t>
@@ -10134,42 +10367,50 @@
             </a:r>
             <a:r>
               <a:rPr lang="en-GB" dirty="0"/>
-              <a:t>method will consist of several iterations of</a:t>
+              <a:t>method will now consist of several iterations of</a:t>
             </a:r>
           </a:p>
           <a:p>
             <a:pPr lvl="1"/>
             <a:r>
-              <a:rPr lang="en-GB" b="1" dirty="0"/>
+              <a:rPr lang="en-GB" sz="2800" b="1" dirty="0"/>
               <a:t>forward()</a:t>
             </a:r>
             <a:r>
-              <a:rPr lang="en-GB" dirty="0"/>
+              <a:rPr lang="en-GB" sz="2800" dirty="0"/>
               <a:t> pass and loss calculation,</a:t>
             </a:r>
           </a:p>
           <a:p>
             <a:pPr lvl="1"/>
             <a:r>
-              <a:rPr lang="en-GB" dirty="0"/>
-              <a:t>gradient computation with </a:t>
-            </a:r>
-            <a:r>
-              <a:rPr lang="en-GB" b="1" dirty="0"/>
-              <a:t>backward()</a:t>
-            </a:r>
-            <a:r>
-              <a:rPr lang="en-GB" dirty="0"/>
-              <a:t>, used on loss,</a:t>
+              <a:rPr lang="en-GB" sz="2800" dirty="0"/>
+              <a:t>gradient computation with the </a:t>
+            </a:r>
+            <a:r>
+              <a:rPr lang="en-GB" sz="2800" b="1" dirty="0"/>
+              <a:t>backward() </a:t>
+            </a:r>
+            <a:r>
+              <a:rPr lang="en-GB" sz="2800" dirty="0"/>
+              <a:t>method, used on loss,</a:t>
             </a:r>
           </a:p>
           <a:p>
             <a:pPr lvl="1"/>
             <a:r>
-              <a:rPr lang="en-GB" dirty="0"/>
-              <a:t>and gradient descent updates on trainable parameters.</a:t>
-            </a:r>
-            <a:endParaRPr lang="en-SG" dirty="0"/>
+              <a:rPr lang="en-GB" sz="2800" dirty="0"/>
+              <a:t>and </a:t>
+            </a:r>
+            <a:r>
+              <a:rPr lang="en-GB" sz="2800" b="1" dirty="0"/>
+              <a:t>gradient descent updates </a:t>
+            </a:r>
+            <a:r>
+              <a:rPr lang="en-GB" sz="2800" dirty="0"/>
+              <a:t>on trainable parameters.</a:t>
+            </a:r>
+            <a:endParaRPr lang="en-SG" sz="2800" dirty="0"/>
           </a:p>
         </p:txBody>
       </p:sp>
@@ -10289,21 +10530,29 @@
           <a:p>
             <a:r>
               <a:rPr lang="en-GB" dirty="0"/>
-              <a:t>gradient computation with </a:t>
+              <a:t>gradient computation with the </a:t>
             </a:r>
             <a:r>
               <a:rPr lang="en-GB" b="1" dirty="0"/>
-              <a:t>backward()</a:t>
-            </a:r>
-            <a:r>
-              <a:rPr lang="en-GB" dirty="0"/>
-              <a:t>, used on loss,</a:t>
-            </a:r>
-          </a:p>
-          <a:p>
-            <a:r>
-              <a:rPr lang="en-GB" dirty="0"/>
-              <a:t>and gradient descent updates on trainable parameters.</a:t>
+              <a:t>backward() </a:t>
+            </a:r>
+            <a:r>
+              <a:rPr lang="en-GB" dirty="0"/>
+              <a:t>method, used on loss,</a:t>
+            </a:r>
+          </a:p>
+          <a:p>
+            <a:r>
+              <a:rPr lang="en-GB" dirty="0"/>
+              <a:t>and </a:t>
+            </a:r>
+            <a:r>
+              <a:rPr lang="en-GB" b="1" dirty="0"/>
+              <a:t>gradient descent updates </a:t>
+            </a:r>
+            <a:r>
+              <a:rPr lang="en-GB" dirty="0"/>
+              <a:t>on trainable parameters.</a:t>
             </a:r>
             <a:endParaRPr lang="en-SG" dirty="0"/>
           </a:p>
@@ -11494,7 +11743,7 @@
             </a:r>
             <a:r>
               <a:rPr lang="en-GB" dirty="0"/>
-              <a:t>methods will therefore be replaced with the </a:t>
+              <a:t>methods will therefore be replaced with the built-in </a:t>
             </a:r>
             <a:r>
               <a:rPr lang="en-GB" b="1" dirty="0" err="1"/>
@@ -11506,7 +11755,7 @@
             </a:r>
             <a:r>
               <a:rPr lang="en-GB" dirty="0"/>
-              <a:t>function and the </a:t>
+              <a:t>and the </a:t>
             </a:r>
             <a:r>
               <a:rPr lang="en-GB" b="1" dirty="0" err="1"/>
@@ -11574,7 +11823,7 @@
             </a:r>
             <a:r>
               <a:rPr lang="en-GB" dirty="0"/>
-              <a:t> also provides a few additional losses and metrics functions, ready to use with </a:t>
+              <a:t> is a supporting library, which provides a few additional losses and metrics functions, ready to use with </a:t>
             </a:r>
             <a:r>
               <a:rPr lang="en-GB" b="1" dirty="0" err="1"/>
@@ -12011,7 +12260,12 @@
             <p:ph idx="1"/>
           </p:nvPr>
         </p:nvSpPr>
-        <p:spPr/>
+        <p:spPr>
+          <a:xfrm>
+            <a:off x="838200" y="1825624"/>
+            <a:ext cx="10515600" cy="5032375"/>
+          </a:xfrm>
+        </p:spPr>
         <p:txBody>
           <a:bodyPr/>
           <a:lstStyle/>
@@ -12021,7 +12275,15 @@
             </a:pPr>
             <a:r>
               <a:rPr lang="en-GB" dirty="0"/>
-              <a:t>Our next step is logically to replace our vanilla gradient descent with some more advanced optimizers, e.g. Adam, </a:t>
+              <a:t>Our next step is logically to </a:t>
+            </a:r>
+            <a:r>
+              <a:rPr lang="en-GB" b="1" dirty="0"/>
+              <a:t>replace our vanilla gradient descent with some more advanced optimizers</a:t>
+            </a:r>
+            <a:r>
+              <a:rPr lang="en-GB" dirty="0"/>
+              <a:t>, e.g. Adam, </a:t>
             </a:r>
             <a:r>
               <a:rPr lang="en-GB" dirty="0" err="1"/>
@@ -12075,7 +12337,15 @@
             </a:pPr>
             <a:r>
               <a:rPr lang="en-GB" dirty="0"/>
-              <a:t>Feel free to have a look at all the available optimizers, here: </a:t>
+              <a:t>Feel free to have a look at all the available built-in optimizers, available in </a:t>
+            </a:r>
+            <a:r>
+              <a:rPr lang="en-GB" dirty="0" err="1"/>
+              <a:t>PyTorch</a:t>
+            </a:r>
+            <a:r>
+              <a:rPr lang="en-GB" dirty="0"/>
+              <a:t>, here: </a:t>
             </a:r>
             <a:r>
               <a:rPr lang="en-GB" dirty="0">
@@ -12097,7 +12367,7 @@
             </a:pPr>
             <a:r>
               <a:rPr lang="en-GB" dirty="0"/>
-              <a:t>Let us discuss how to use them in our Neural Network!</a:t>
+              <a:t>Let us demonstrate how to use them in our Neural Network!</a:t>
             </a:r>
           </a:p>
           <a:p>
@@ -12197,7 +12467,15 @@
             </a:pPr>
             <a:r>
               <a:rPr lang="en-GB" dirty="0"/>
-              <a:t>Three modifications are to be considered to use Adam instead of the Vanilla gradient descent rule.</a:t>
+              <a:t>Three modifications are to be considered to use </a:t>
+            </a:r>
+            <a:r>
+              <a:rPr lang="en-GB" b="1" dirty="0"/>
+              <a:t>Adam</a:t>
+            </a:r>
+            <a:r>
+              <a:rPr lang="en-GB" dirty="0"/>
+              <a:t> instead of the Vanilla gradient descent rule.</a:t>
             </a:r>
             <a:endParaRPr lang="en-SG" dirty="0"/>
           </a:p>
@@ -12278,7 +12556,15 @@
             </a:r>
             <a:r>
               <a:rPr lang="en-GB" dirty="0"/>
-              <a:t>is used to update the V and S parameters in Adam. This also replaces the gradient rule update entirely (damn!).</a:t>
+              <a:t>is used to update the V and S parameters in Adam. This also </a:t>
+            </a:r>
+            <a:r>
+              <a:rPr lang="en-GB" b="1" dirty="0"/>
+              <a:t>replaces the gradient rule update procedure entirely</a:t>
+            </a:r>
+            <a:r>
+              <a:rPr lang="en-GB" dirty="0"/>
+              <a:t> (damn!).</a:t>
             </a:r>
           </a:p>
           <a:p>
@@ -12686,14 +12972,14 @@
             </a:pPr>
             <a:r>
               <a:rPr lang="en-GB" dirty="0"/>
-              <a:t>Feel free to also have a look at the implementation of these optimizers. You should recognize our concepts from Week 2!</a:t>
+              <a:t>Feel free to also have a look at the implementation of these optimizers. You should be able to recognize some concepts from Week 2!</a:t>
             </a:r>
             <a:br>
               <a:rPr lang="en-GB" dirty="0"/>
             </a:br>
             <a:r>
               <a:rPr lang="en-GB" dirty="0"/>
-              <a:t>These optimizers come with a few more features that might be worth exploring!</a:t>
+              <a:t>These optimizers come with a few more features that might be worth exploring (but we will consider them out-of-scope)!</a:t>
             </a:r>
           </a:p>
           <a:p>
@@ -12724,7 +13010,7 @@
             </a:r>
             <a:r>
               <a:rPr lang="en-GB" dirty="0"/>
-              <a:t>implementing your own optimizer is generally a bad idea, but feel free to have a look at the code to see what it takes!</a:t>
+              <a:t>implementing your own optimizer is generally a bad idea, but feel free to have a look at the codes to see what it takes!</a:t>
             </a:r>
           </a:p>
           <a:p>
@@ -13758,15 +14044,18 @@
         <p:spPr>
           <a:xfrm>
             <a:off x="234462" y="1825625"/>
-            <a:ext cx="2860430" cy="4351338"/>
+            <a:ext cx="3108506" cy="4351338"/>
           </a:xfrm>
         </p:spPr>
         <p:txBody>
           <a:bodyPr>
-            <a:normAutofit lnSpcReduction="10000"/>
+            <a:normAutofit/>
           </a:bodyPr>
           <a:lstStyle/>
           <a:p>
+            <a:pPr marL="0" indent="0">
+              <a:buNone/>
+            </a:pPr>
             <a:r>
               <a:rPr lang="en-GB" dirty="0"/>
               <a:t>This part is a bit tedious and relies on our own manual implementation of a random normal initializer.</a:t>
@@ -13775,7 +14064,7 @@
           <a:p>
             <a:r>
               <a:rPr lang="en-GB" b="1" dirty="0"/>
-              <a:t>Need for </a:t>
+              <a:t>Need to replace these RNG with built-in </a:t>
             </a:r>
             <a:r>
               <a:rPr lang="en-GB" b="1" dirty="0" err="1"/>
@@ -13785,7 +14074,6 @@
               <a:rPr lang="en-GB" b="1" dirty="0"/>
               <a:t> initializers!</a:t>
             </a:r>
-            <a:endParaRPr lang="en-SG" b="1" dirty="0"/>
           </a:p>
         </p:txBody>
       </p:sp>
@@ -14002,7 +14290,23 @@
           <a:p>
             <a:r>
               <a:rPr lang="en-GB" dirty="0"/>
-              <a:t>Feel free to have a look at this for additional initializers in </a:t>
+              <a:t>Feel free to have a look at this for </a:t>
+            </a:r>
+            <a:r>
+              <a:rPr lang="en-GB" b="1" dirty="0"/>
+              <a:t>additional</a:t>
+            </a:r>
+            <a:r>
+              <a:rPr lang="en-GB" dirty="0"/>
+              <a:t> </a:t>
+            </a:r>
+            <a:r>
+              <a:rPr lang="en-GB" b="1" dirty="0"/>
+              <a:t>initializers</a:t>
+            </a:r>
+            <a:r>
+              <a:rPr lang="en-GB" dirty="0"/>
+              <a:t> in </a:t>
             </a:r>
             <a:r>
               <a:rPr lang="en-GB" dirty="0" err="1"/>
@@ -14487,7 +14791,7 @@
             </a:pPr>
             <a:r>
               <a:rPr lang="en-GB" dirty="0"/>
-              <a:t>We now have a full Neural Network class, in </a:t>
+              <a:t>We now have a full Neural Network class, written in </a:t>
             </a:r>
             <a:r>
               <a:rPr lang="en-GB" dirty="0" err="1"/>
@@ -14560,21 +14864,8 @@
             </a:pPr>
             <a:r>
               <a:rPr lang="en-SG" dirty="0"/>
-              <a:t>And </a:t>
-            </a:r>
-            <a:r>
-              <a:rPr lang="en-SG"/>
-              <a:t>it runs/trains </a:t>
-            </a:r>
-            <a:r>
-              <a:rPr lang="en-SG" dirty="0"/>
-              <a:t>at the speed of light (</a:t>
-            </a:r>
-            <a:r>
-              <a:rPr lang="en-SG"/>
-              <a:t>almost…) on GPU!</a:t>
-            </a:r>
-            <a:endParaRPr lang="en-SG" dirty="0"/>
+              <a:t>And it runs/trains at the speed of light (almost…) on GPU!</a:t>
+            </a:r>
           </a:p>
         </p:txBody>
       </p:sp>
@@ -15119,8 +15410,8 @@
           </a:p>
         </p:txBody>
       </p:sp>
-      <mc:AlternateContent xmlns:mc="http://schemas.openxmlformats.org/markup-compatibility/2006" xmlns:a14="http://schemas.microsoft.com/office/drawing/2010/main">
-        <mc:Choice Requires="a14">
+      <mc:AlternateContent xmlns:mc="http://schemas.openxmlformats.org/markup-compatibility/2006">
+        <mc:Choice xmlns:a14="http://schemas.microsoft.com/office/drawing/2010/main" Requires="a14">
           <p:sp>
             <p:nvSpPr>
               <p:cNvPr id="3" name="Content Placeholder 2">
@@ -15154,7 +15445,7 @@
                 </a:pPr>
                 <a:r>
                   <a:rPr lang="en-GB" dirty="0"/>
-                  <a:t>What makes </a:t>
+                  <a:t>A feature that makes </a:t>
                 </a:r>
                 <a:r>
                   <a:rPr lang="en-GB" dirty="0" err="1"/>
@@ -15174,7 +15465,7 @@
                 </a:r>
                 <a:r>
                   <a:rPr lang="en-GB" b="1" dirty="0"/>
-                  <a:t>computational graph able to provide automatic differentiation for all operations on Tensors</a:t>
+                  <a:t>computational graph able to provide automatic differentiation for all operations made on Tensors</a:t>
                 </a:r>
                 <a:r>
                   <a:rPr lang="en-GB" dirty="0"/>
@@ -15184,7 +15475,7 @@
               <a:p>
                 <a:r>
                   <a:rPr lang="en-GB" dirty="0"/>
-                  <a:t>For instance, let us consider the function </a:t>
+                  <a:t>To demonstrate, let us consider the function </a:t>
                 </a:r>
                 <a14:m>
                   <m:oMath xmlns:m="http://schemas.openxmlformats.org/officeDocument/2006/math">
@@ -15407,7 +15698,7 @@
             </p:txBody>
           </p:sp>
         </mc:Choice>
-        <mc:Fallback xmlns="">
+        <mc:Fallback>
           <p:sp>
             <p:nvSpPr>
               <p:cNvPr id="3" name="Content Placeholder 2">
@@ -15547,8 +15838,8 @@
           </a:p>
         </p:txBody>
       </p:sp>
-      <mc:AlternateContent xmlns:mc="http://schemas.openxmlformats.org/markup-compatibility/2006" xmlns:a14="http://schemas.microsoft.com/office/drawing/2010/main">
-        <mc:Choice Requires="a14">
+      <mc:AlternateContent xmlns:mc="http://schemas.openxmlformats.org/markup-compatibility/2006">
+        <mc:Choice xmlns:a14="http://schemas.microsoft.com/office/drawing/2010/main" Requires="a14">
           <p:sp>
             <p:nvSpPr>
               <p:cNvPr id="11" name="Content Placeholder 10">
@@ -15577,6 +15868,9 @@
               </a:bodyPr>
               <a:lstStyle/>
               <a:p>
+                <a:pPr marL="0" indent="0">
+                  <a:buNone/>
+                </a:pPr>
                 <a:r>
                   <a:rPr lang="en-GB" dirty="0"/>
                   <a:t>Define our function and its derivative (for reference).</a:t>
@@ -15768,7 +16062,7 @@
             </p:txBody>
           </p:sp>
         </mc:Choice>
-        <mc:Fallback xmlns="">
+        <mc:Fallback>
           <p:sp>
             <p:nvSpPr>
               <p:cNvPr id="11" name="Content Placeholder 10">
@@ -15793,7 +16087,7 @@
               <a:blipFill>
                 <a:blip r:embed="rId3"/>
                 <a:stretch>
-                  <a:fillRect l="-2242" t="-2000" b="-875"/>
+                  <a:fillRect l="-2615" t="-2000" b="-875"/>
                 </a:stretch>
               </a:blipFill>
             </p:spPr>
@@ -15878,8 +16172,8 @@
           </a:p>
         </p:txBody>
       </p:sp>
-      <mc:AlternateContent xmlns:mc="http://schemas.openxmlformats.org/markup-compatibility/2006" xmlns:a14="http://schemas.microsoft.com/office/drawing/2010/main">
-        <mc:Choice Requires="a14">
+      <mc:AlternateContent xmlns:mc="http://schemas.openxmlformats.org/markup-compatibility/2006">
+        <mc:Choice xmlns:a14="http://schemas.microsoft.com/office/drawing/2010/main" Requires="a14">
           <p:sp>
             <p:nvSpPr>
               <p:cNvPr id="11" name="Content Placeholder 10">
@@ -15916,7 +16210,7 @@
               <a:p>
                 <a:r>
                   <a:rPr lang="en-GB" dirty="0"/>
-                  <a:t>For instance let us define a 1D tensor </a:t>
+                  <a:t>For instance, let us define a 1D tensor </a:t>
                 </a:r>
                 <a14:m>
                   <m:oMath xmlns:m="http://schemas.openxmlformats.org/officeDocument/2006/math">
@@ -16369,7 +16663,7 @@
             </p:txBody>
           </p:sp>
         </mc:Choice>
-        <mc:Fallback xmlns="">
+        <mc:Fallback>
           <p:sp>
             <p:nvSpPr>
               <p:cNvPr id="11" name="Content Placeholder 10">
@@ -16534,6 +16828,9 @@
           </a:bodyPr>
           <a:lstStyle/>
           <a:p>
+            <a:pPr marL="0" indent="0">
+              <a:buNone/>
+            </a:pPr>
             <a:r>
               <a:rPr lang="en-GB" dirty="0"/>
               <a:t>The </a:t>
@@ -16544,7 +16841,7 @@
             </a:r>
             <a:r>
               <a:rPr lang="en-GB" dirty="0"/>
-              <a:t> is the key component of </a:t>
+              <a:t> is one of the most powerful features of the </a:t>
             </a:r>
             <a:r>
               <a:rPr lang="en-GB" dirty="0" err="1"/>
@@ -16552,17 +16849,29 @@
             </a:r>
             <a:r>
               <a:rPr lang="en-GB" dirty="0"/>
-              <a:t>, and why we like it so much.</a:t>
-            </a:r>
-          </a:p>
-          <a:p>
-            <a:r>
-              <a:rPr lang="en-GB" dirty="0"/>
-              <a:t>This basically means that </a:t>
-            </a:r>
+              <a:t> </a:t>
+            </a:r>
+            <a:r>
+              <a:rPr lang="en-GB" dirty="0" err="1"/>
+              <a:t>frmework</a:t>
+            </a:r>
+            <a:r>
+              <a:rPr lang="en-GB" dirty="0"/>
+              <a:t>, and why we like it so much for training Neural Networks.</a:t>
+            </a:r>
+          </a:p>
+          <a:p>
             <a:r>
               <a:rPr lang="en-GB" b="1" dirty="0"/>
-              <a:t>we do not need to calculate the gradients for any of our future gradient descent rules, manually again! (yay!)</a:t>
+              <a:t>Thanks to </a:t>
+            </a:r>
+            <a:r>
+              <a:rPr lang="en-GB" b="1" dirty="0" err="1"/>
+              <a:t>autograd</a:t>
+            </a:r>
+            <a:r>
+              <a:rPr lang="en-GB" b="1" dirty="0"/>
+              <a:t>, we do not need to calculate the gradients for any of our future gradient descent rules, manually again! (yay!)</a:t>
             </a:r>
           </a:p>
           <a:p>
@@ -16582,7 +16891,7 @@
           <a:p>
             <a:r>
               <a:rPr lang="en-GB" dirty="0"/>
-              <a:t>You do not need to know how it implements the computation of all gradients in the background, but if you are curious, have a look at this: </a:t>
+              <a:t>You do not need to know how it implements the computation of all gradients in the background, but if you are curious, have a look at: </a:t>
             </a:r>
             <a:r>
               <a:rPr lang="en-GB" dirty="0">

--- a/W3/2. W3S2 final/W3S2.pptx
+++ b/W3/2. W3S2 final/W3S2.pptx
@@ -231,7 +231,7 @@
 <file path=ppt/revisionInfo.xml><?xml version="1.0" encoding="utf-8"?>
 <p1510:revInfo xmlns:a="http://schemas.openxmlformats.org/drawingml/2006/main" xmlns:r="http://schemas.openxmlformats.org/officeDocument/2006/relationships" xmlns:p1510="http://schemas.microsoft.com/office/powerpoint/2015/10/main">
   <p1510:revLst>
-    <p1510:client id="{851712E7-4765-4026-AAE1-C7179918B94D}" v="17" dt="2023-06-22T06:23:29.777"/>
+    <p1510:client id="{851712E7-4765-4026-AAE1-C7179918B94D}" v="29" dt="2023-07-06T03:06:10.979"/>
   </p1510:revLst>
 </p1510:revInfo>
 </file>
@@ -4659,18 +4659,33 @@
   <pc:docChgLst>
     <pc:chgData name="Matthieu De Mari" userId="dfb708c9-d8dc-439f-9a3b-c772bf4a311c" providerId="ADAL" clId="{851712E7-4765-4026-AAE1-C7179918B94D}"/>
     <pc:docChg chg="custSel modSld">
-      <pc:chgData name="Matthieu De Mari" userId="dfb708c9-d8dc-439f-9a3b-c772bf4a311c" providerId="ADAL" clId="{851712E7-4765-4026-AAE1-C7179918B94D}" dt="2023-06-22T06:25:12.048" v="476" actId="20577"/>
+      <pc:chgData name="Matthieu De Mari" userId="dfb708c9-d8dc-439f-9a3b-c772bf4a311c" providerId="ADAL" clId="{851712E7-4765-4026-AAE1-C7179918B94D}" dt="2023-07-06T03:12:53.570" v="760" actId="20577"/>
       <pc:docMkLst>
         <pc:docMk/>
       </pc:docMkLst>
       <pc:sldChg chg="modSp mod">
-        <pc:chgData name="Matthieu De Mari" userId="dfb708c9-d8dc-439f-9a3b-c772bf4a311c" providerId="ADAL" clId="{851712E7-4765-4026-AAE1-C7179918B94D}" dt="2023-06-22T06:16:08.154" v="32" actId="20577"/>
+        <pc:chgData name="Matthieu De Mari" userId="dfb708c9-d8dc-439f-9a3b-c772bf4a311c" providerId="ADAL" clId="{851712E7-4765-4026-AAE1-C7179918B94D}" dt="2023-07-06T02:50:03.612" v="477" actId="20577"/>
+        <pc:sldMkLst>
+          <pc:docMk/>
+          <pc:sldMk cId="1040156172" sldId="377"/>
+        </pc:sldMkLst>
+        <pc:spChg chg="mod">
+          <ac:chgData name="Matthieu De Mari" userId="dfb708c9-d8dc-439f-9a3b-c772bf4a311c" providerId="ADAL" clId="{851712E7-4765-4026-AAE1-C7179918B94D}" dt="2023-07-06T02:50:03.612" v="477" actId="20577"/>
+          <ac:spMkLst>
+            <pc:docMk/>
+            <pc:sldMk cId="1040156172" sldId="377"/>
+            <ac:spMk id="2" creationId="{080CEB46-CC16-4D19-8C2C-AEE9471D8168}"/>
+          </ac:spMkLst>
+        </pc:spChg>
+      </pc:sldChg>
+      <pc:sldChg chg="modSp mod">
+        <pc:chgData name="Matthieu De Mari" userId="dfb708c9-d8dc-439f-9a3b-c772bf4a311c" providerId="ADAL" clId="{851712E7-4765-4026-AAE1-C7179918B94D}" dt="2023-07-06T03:00:07.628" v="478" actId="113"/>
         <pc:sldMkLst>
           <pc:docMk/>
           <pc:sldMk cId="2474697269" sldId="387"/>
         </pc:sldMkLst>
         <pc:spChg chg="mod">
-          <ac:chgData name="Matthieu De Mari" userId="dfb708c9-d8dc-439f-9a3b-c772bf4a311c" providerId="ADAL" clId="{851712E7-4765-4026-AAE1-C7179918B94D}" dt="2023-06-22T06:16:08.154" v="32" actId="20577"/>
+          <ac:chgData name="Matthieu De Mari" userId="dfb708c9-d8dc-439f-9a3b-c772bf4a311c" providerId="ADAL" clId="{851712E7-4765-4026-AAE1-C7179918B94D}" dt="2023-07-06T03:00:07.628" v="478" actId="113"/>
           <ac:spMkLst>
             <pc:docMk/>
             <pc:sldMk cId="2474697269" sldId="387"/>
@@ -4678,14 +4693,29 @@
           </ac:spMkLst>
         </pc:spChg>
       </pc:sldChg>
+      <pc:sldChg chg="modSp">
+        <pc:chgData name="Matthieu De Mari" userId="dfb708c9-d8dc-439f-9a3b-c772bf4a311c" providerId="ADAL" clId="{851712E7-4765-4026-AAE1-C7179918B94D}" dt="2023-07-06T03:04:04.577" v="568" actId="20577"/>
+        <pc:sldMkLst>
+          <pc:docMk/>
+          <pc:sldMk cId="4198773114" sldId="388"/>
+        </pc:sldMkLst>
+        <pc:spChg chg="mod">
+          <ac:chgData name="Matthieu De Mari" userId="dfb708c9-d8dc-439f-9a3b-c772bf4a311c" providerId="ADAL" clId="{851712E7-4765-4026-AAE1-C7179918B94D}" dt="2023-07-06T03:04:04.577" v="568" actId="20577"/>
+          <ac:spMkLst>
+            <pc:docMk/>
+            <pc:sldMk cId="4198773114" sldId="388"/>
+            <ac:spMk id="3" creationId="{46D88AA4-084D-50F6-7F5E-69051FD9A887}"/>
+          </ac:spMkLst>
+        </pc:spChg>
+      </pc:sldChg>
       <pc:sldChg chg="modSp mod">
-        <pc:chgData name="Matthieu De Mari" userId="dfb708c9-d8dc-439f-9a3b-c772bf4a311c" providerId="ADAL" clId="{851712E7-4765-4026-AAE1-C7179918B94D}" dt="2023-06-22T06:19:47.086" v="196" actId="20577"/>
+        <pc:chgData name="Matthieu De Mari" userId="dfb708c9-d8dc-439f-9a3b-c772bf4a311c" providerId="ADAL" clId="{851712E7-4765-4026-AAE1-C7179918B94D}" dt="2023-07-06T03:05:25.247" v="619" actId="20577"/>
         <pc:sldMkLst>
           <pc:docMk/>
           <pc:sldMk cId="481628505" sldId="389"/>
         </pc:sldMkLst>
         <pc:spChg chg="mod">
-          <ac:chgData name="Matthieu De Mari" userId="dfb708c9-d8dc-439f-9a3b-c772bf4a311c" providerId="ADAL" clId="{851712E7-4765-4026-AAE1-C7179918B94D}" dt="2023-06-22T06:19:47.086" v="196" actId="20577"/>
+          <ac:chgData name="Matthieu De Mari" userId="dfb708c9-d8dc-439f-9a3b-c772bf4a311c" providerId="ADAL" clId="{851712E7-4765-4026-AAE1-C7179918B94D}" dt="2023-07-06T03:05:25.247" v="619" actId="20577"/>
           <ac:spMkLst>
             <pc:docMk/>
             <pc:sldMk cId="481628505" sldId="389"/>
@@ -4694,13 +4724,13 @@
         </pc:spChg>
       </pc:sldChg>
       <pc:sldChg chg="modSp mod">
-        <pc:chgData name="Matthieu De Mari" userId="dfb708c9-d8dc-439f-9a3b-c772bf4a311c" providerId="ADAL" clId="{851712E7-4765-4026-AAE1-C7179918B94D}" dt="2023-06-22T06:22:05.105" v="314" actId="20577"/>
+        <pc:chgData name="Matthieu De Mari" userId="dfb708c9-d8dc-439f-9a3b-c772bf4a311c" providerId="ADAL" clId="{851712E7-4765-4026-AAE1-C7179918B94D}" dt="2023-07-06T03:08:28.347" v="634" actId="20577"/>
         <pc:sldMkLst>
           <pc:docMk/>
           <pc:sldMk cId="1283478655" sldId="391"/>
         </pc:sldMkLst>
         <pc:spChg chg="mod">
-          <ac:chgData name="Matthieu De Mari" userId="dfb708c9-d8dc-439f-9a3b-c772bf4a311c" providerId="ADAL" clId="{851712E7-4765-4026-AAE1-C7179918B94D}" dt="2023-06-22T06:22:05.105" v="314" actId="20577"/>
+          <ac:chgData name="Matthieu De Mari" userId="dfb708c9-d8dc-439f-9a3b-c772bf4a311c" providerId="ADAL" clId="{851712E7-4765-4026-AAE1-C7179918B94D}" dt="2023-07-06T03:08:28.347" v="634" actId="20577"/>
           <ac:spMkLst>
             <pc:docMk/>
             <pc:sldMk cId="1283478655" sldId="391"/>
@@ -4724,28 +4754,67 @@
         </pc:spChg>
       </pc:sldChg>
       <pc:sldChg chg="modSp mod">
-        <pc:chgData name="Matthieu De Mari" userId="dfb708c9-d8dc-439f-9a3b-c772bf4a311c" providerId="ADAL" clId="{851712E7-4765-4026-AAE1-C7179918B94D}" dt="2023-06-22T06:16:18.530" v="33" actId="5793"/>
+        <pc:chgData name="Matthieu De Mari" userId="dfb708c9-d8dc-439f-9a3b-c772bf4a311c" providerId="ADAL" clId="{851712E7-4765-4026-AAE1-C7179918B94D}" dt="2023-07-06T03:12:41.739" v="758" actId="20577"/>
+        <pc:sldMkLst>
+          <pc:docMk/>
+          <pc:sldMk cId="3048177291" sldId="395"/>
+        </pc:sldMkLst>
+        <pc:spChg chg="mod">
+          <ac:chgData name="Matthieu De Mari" userId="dfb708c9-d8dc-439f-9a3b-c772bf4a311c" providerId="ADAL" clId="{851712E7-4765-4026-AAE1-C7179918B94D}" dt="2023-07-06T03:12:41.739" v="758" actId="20577"/>
+          <ac:spMkLst>
+            <pc:docMk/>
+            <pc:sldMk cId="3048177291" sldId="395"/>
+            <ac:spMk id="2" creationId="{C0AEB798-137F-1C5F-D3F8-E30049627063}"/>
+          </ac:spMkLst>
+        </pc:spChg>
+        <pc:spChg chg="mod">
+          <ac:chgData name="Matthieu De Mari" userId="dfb708c9-d8dc-439f-9a3b-c772bf4a311c" providerId="ADAL" clId="{851712E7-4765-4026-AAE1-C7179918B94D}" dt="2023-07-06T03:12:29.312" v="757" actId="20577"/>
+          <ac:spMkLst>
+            <pc:docMk/>
+            <pc:sldMk cId="3048177291" sldId="395"/>
+            <ac:spMk id="3" creationId="{6A509501-56C2-23F3-214C-C91AB5067894}"/>
+          </ac:spMkLst>
+        </pc:spChg>
+        <pc:picChg chg="mod">
+          <ac:chgData name="Matthieu De Mari" userId="dfb708c9-d8dc-439f-9a3b-c772bf4a311c" providerId="ADAL" clId="{851712E7-4765-4026-AAE1-C7179918B94D}" dt="2023-07-06T03:12:15.129" v="723" actId="1076"/>
+          <ac:picMkLst>
+            <pc:docMk/>
+            <pc:sldMk cId="3048177291" sldId="395"/>
+            <ac:picMk id="8" creationId="{A052F437-7E98-33DE-6B4B-B496C1861CFF}"/>
+          </ac:picMkLst>
+        </pc:picChg>
+      </pc:sldChg>
+      <pc:sldChg chg="modSp mod">
+        <pc:chgData name="Matthieu De Mari" userId="dfb708c9-d8dc-439f-9a3b-c772bf4a311c" providerId="ADAL" clId="{851712E7-4765-4026-AAE1-C7179918B94D}" dt="2023-07-06T03:01:23.820" v="541" actId="14100"/>
         <pc:sldMkLst>
           <pc:docMk/>
           <pc:sldMk cId="3339699406" sldId="761"/>
         </pc:sldMkLst>
         <pc:spChg chg="mod">
-          <ac:chgData name="Matthieu De Mari" userId="dfb708c9-d8dc-439f-9a3b-c772bf4a311c" providerId="ADAL" clId="{851712E7-4765-4026-AAE1-C7179918B94D}" dt="2023-06-22T06:16:18.530" v="33" actId="5793"/>
+          <ac:chgData name="Matthieu De Mari" userId="dfb708c9-d8dc-439f-9a3b-c772bf4a311c" providerId="ADAL" clId="{851712E7-4765-4026-AAE1-C7179918B94D}" dt="2023-07-06T03:01:18.505" v="540" actId="27636"/>
           <ac:spMkLst>
             <pc:docMk/>
             <pc:sldMk cId="3339699406" sldId="761"/>
             <ac:spMk id="11" creationId="{0EEC07FE-D839-07DF-7C1A-CDBE72FE6BB9}"/>
           </ac:spMkLst>
         </pc:spChg>
-      </pc:sldChg>
-      <pc:sldChg chg="modSp">
-        <pc:chgData name="Matthieu De Mari" userId="dfb708c9-d8dc-439f-9a3b-c772bf4a311c" providerId="ADAL" clId="{851712E7-4765-4026-AAE1-C7179918B94D}" dt="2023-06-22T06:16:31.856" v="34" actId="20577"/>
+        <pc:picChg chg="mod">
+          <ac:chgData name="Matthieu De Mari" userId="dfb708c9-d8dc-439f-9a3b-c772bf4a311c" providerId="ADAL" clId="{851712E7-4765-4026-AAE1-C7179918B94D}" dt="2023-07-06T03:01:23.820" v="541" actId="14100"/>
+          <ac:picMkLst>
+            <pc:docMk/>
+            <pc:sldMk cId="3339699406" sldId="761"/>
+            <ac:picMk id="9" creationId="{423131A8-4BB8-05EA-55DF-8D5EE17B8509}"/>
+          </ac:picMkLst>
+        </pc:picChg>
+      </pc:sldChg>
+      <pc:sldChg chg="modSp mod">
+        <pc:chgData name="Matthieu De Mari" userId="dfb708c9-d8dc-439f-9a3b-c772bf4a311c" providerId="ADAL" clId="{851712E7-4765-4026-AAE1-C7179918B94D}" dt="2023-07-06T03:01:40.402" v="556" actId="27636"/>
         <pc:sldMkLst>
           <pc:docMk/>
           <pc:sldMk cId="1546007078" sldId="762"/>
         </pc:sldMkLst>
         <pc:spChg chg="mod">
-          <ac:chgData name="Matthieu De Mari" userId="dfb708c9-d8dc-439f-9a3b-c772bf4a311c" providerId="ADAL" clId="{851712E7-4765-4026-AAE1-C7179918B94D}" dt="2023-06-22T06:16:31.856" v="34" actId="20577"/>
+          <ac:chgData name="Matthieu De Mari" userId="dfb708c9-d8dc-439f-9a3b-c772bf4a311c" providerId="ADAL" clId="{851712E7-4765-4026-AAE1-C7179918B94D}" dt="2023-07-06T03:01:40.402" v="556" actId="27636"/>
           <ac:spMkLst>
             <pc:docMk/>
             <pc:sldMk cId="1546007078" sldId="762"/>
@@ -4769,13 +4838,13 @@
         </pc:spChg>
       </pc:sldChg>
       <pc:sldChg chg="modSp mod">
-        <pc:chgData name="Matthieu De Mari" userId="dfb708c9-d8dc-439f-9a3b-c772bf4a311c" providerId="ADAL" clId="{851712E7-4765-4026-AAE1-C7179918B94D}" dt="2023-06-22T06:17:51.599" v="143" actId="5793"/>
+        <pc:chgData name="Matthieu De Mari" userId="dfb708c9-d8dc-439f-9a3b-c772bf4a311c" providerId="ADAL" clId="{851712E7-4765-4026-AAE1-C7179918B94D}" dt="2023-07-06T03:03:15.891" v="566" actId="20577"/>
         <pc:sldMkLst>
           <pc:docMk/>
           <pc:sldMk cId="1879463264" sldId="764"/>
         </pc:sldMkLst>
         <pc:spChg chg="mod">
-          <ac:chgData name="Matthieu De Mari" userId="dfb708c9-d8dc-439f-9a3b-c772bf4a311c" providerId="ADAL" clId="{851712E7-4765-4026-AAE1-C7179918B94D}" dt="2023-06-22T06:17:51.599" v="143" actId="5793"/>
+          <ac:chgData name="Matthieu De Mari" userId="dfb708c9-d8dc-439f-9a3b-c772bf4a311c" providerId="ADAL" clId="{851712E7-4765-4026-AAE1-C7179918B94D}" dt="2023-07-06T03:03:15.891" v="566" actId="20577"/>
           <ac:spMkLst>
             <pc:docMk/>
             <pc:sldMk cId="1879463264" sldId="764"/>
@@ -4783,14 +4852,14 @@
           </ac:spMkLst>
         </pc:spChg>
       </pc:sldChg>
-      <pc:sldChg chg="modSp">
-        <pc:chgData name="Matthieu De Mari" userId="dfb708c9-d8dc-439f-9a3b-c772bf4a311c" providerId="ADAL" clId="{851712E7-4765-4026-AAE1-C7179918B94D}" dt="2023-06-22T06:18:41.461" v="144" actId="20577"/>
+      <pc:sldChg chg="modSp mod">
+        <pc:chgData name="Matthieu De Mari" userId="dfb708c9-d8dc-439f-9a3b-c772bf4a311c" providerId="ADAL" clId="{851712E7-4765-4026-AAE1-C7179918B94D}" dt="2023-07-06T03:04:48.912" v="573" actId="27636"/>
         <pc:sldMkLst>
           <pc:docMk/>
           <pc:sldMk cId="1996337912" sldId="765"/>
         </pc:sldMkLst>
         <pc:spChg chg="mod">
-          <ac:chgData name="Matthieu De Mari" userId="dfb708c9-d8dc-439f-9a3b-c772bf4a311c" providerId="ADAL" clId="{851712E7-4765-4026-AAE1-C7179918B94D}" dt="2023-06-22T06:18:41.461" v="144" actId="20577"/>
+          <ac:chgData name="Matthieu De Mari" userId="dfb708c9-d8dc-439f-9a3b-c772bf4a311c" providerId="ADAL" clId="{851712E7-4765-4026-AAE1-C7179918B94D}" dt="2023-07-06T03:04:48.912" v="573" actId="27636"/>
           <ac:spMkLst>
             <pc:docMk/>
             <pc:sldMk cId="1996337912" sldId="765"/>
@@ -4813,6 +4882,36 @@
           </ac:spMkLst>
         </pc:spChg>
       </pc:sldChg>
+      <pc:sldChg chg="addSp modSp mod">
+        <pc:chgData name="Matthieu De Mari" userId="dfb708c9-d8dc-439f-9a3b-c772bf4a311c" providerId="ADAL" clId="{851712E7-4765-4026-AAE1-C7179918B94D}" dt="2023-07-06T03:06:07.523" v="624" actId="693"/>
+        <pc:sldMkLst>
+          <pc:docMk/>
+          <pc:sldMk cId="887698529" sldId="767"/>
+        </pc:sldMkLst>
+        <pc:spChg chg="add mod">
+          <ac:chgData name="Matthieu De Mari" userId="dfb708c9-d8dc-439f-9a3b-c772bf4a311c" providerId="ADAL" clId="{851712E7-4765-4026-AAE1-C7179918B94D}" dt="2023-07-06T03:06:07.523" v="624" actId="693"/>
+          <ac:spMkLst>
+            <pc:docMk/>
+            <pc:sldMk cId="887698529" sldId="767"/>
+            <ac:spMk id="4" creationId="{E4C24245-B4D0-5518-62ED-4B29EF65505E}"/>
+          </ac:spMkLst>
+        </pc:spChg>
+      </pc:sldChg>
+      <pc:sldChg chg="addSp modSp mod">
+        <pc:chgData name="Matthieu De Mari" userId="dfb708c9-d8dc-439f-9a3b-c772bf4a311c" providerId="ADAL" clId="{851712E7-4765-4026-AAE1-C7179918B94D}" dt="2023-07-06T03:06:16.222" v="627" actId="14100"/>
+        <pc:sldMkLst>
+          <pc:docMk/>
+          <pc:sldMk cId="3101493777" sldId="768"/>
+        </pc:sldMkLst>
+        <pc:spChg chg="add mod">
+          <ac:chgData name="Matthieu De Mari" userId="dfb708c9-d8dc-439f-9a3b-c772bf4a311c" providerId="ADAL" clId="{851712E7-4765-4026-AAE1-C7179918B94D}" dt="2023-07-06T03:06:16.222" v="627" actId="14100"/>
+          <ac:spMkLst>
+            <pc:docMk/>
+            <pc:sldMk cId="3101493777" sldId="768"/>
+            <ac:spMk id="4" creationId="{777842EB-FFEB-F535-408B-75E036D5B1B3}"/>
+          </ac:spMkLst>
+        </pc:spChg>
+      </pc:sldChg>
       <pc:sldChg chg="modSp mod">
         <pc:chgData name="Matthieu De Mari" userId="dfb708c9-d8dc-439f-9a3b-c772bf4a311c" providerId="ADAL" clId="{851712E7-4765-4026-AAE1-C7179918B94D}" dt="2023-06-22T06:21:19.225" v="268" actId="20577"/>
         <pc:sldMkLst>
@@ -4844,13 +4943,28 @@
         </pc:spChg>
       </pc:sldChg>
       <pc:sldChg chg="modSp mod">
-        <pc:chgData name="Matthieu De Mari" userId="dfb708c9-d8dc-439f-9a3b-c772bf4a311c" providerId="ADAL" clId="{851712E7-4765-4026-AAE1-C7179918B94D}" dt="2023-06-22T06:23:30.838" v="392" actId="20577"/>
+        <pc:chgData name="Matthieu De Mari" userId="dfb708c9-d8dc-439f-9a3b-c772bf4a311c" providerId="ADAL" clId="{851712E7-4765-4026-AAE1-C7179918B94D}" dt="2023-07-06T03:09:16.298" v="635" actId="14100"/>
+        <pc:sldMkLst>
+          <pc:docMk/>
+          <pc:sldMk cId="1966383991" sldId="776"/>
+        </pc:sldMkLst>
+        <pc:spChg chg="mod">
+          <ac:chgData name="Matthieu De Mari" userId="dfb708c9-d8dc-439f-9a3b-c772bf4a311c" providerId="ADAL" clId="{851712E7-4765-4026-AAE1-C7179918B94D}" dt="2023-07-06T03:09:16.298" v="635" actId="14100"/>
+          <ac:spMkLst>
+            <pc:docMk/>
+            <pc:sldMk cId="1966383991" sldId="776"/>
+            <ac:spMk id="6" creationId="{B81BF3B3-CE84-481C-BA68-D4C15AEFD0C8}"/>
+          </ac:spMkLst>
+        </pc:spChg>
+      </pc:sldChg>
+      <pc:sldChg chg="modSp mod">
+        <pc:chgData name="Matthieu De Mari" userId="dfb708c9-d8dc-439f-9a3b-c772bf4a311c" providerId="ADAL" clId="{851712E7-4765-4026-AAE1-C7179918B94D}" dt="2023-07-06T03:10:32.745" v="707" actId="20577"/>
         <pc:sldMkLst>
           <pc:docMk/>
           <pc:sldMk cId="3349972987" sldId="777"/>
         </pc:sldMkLst>
         <pc:spChg chg="mod">
-          <ac:chgData name="Matthieu De Mari" userId="dfb708c9-d8dc-439f-9a3b-c772bf4a311c" providerId="ADAL" clId="{851712E7-4765-4026-AAE1-C7179918B94D}" dt="2023-06-22T06:23:30.838" v="392" actId="20577"/>
+          <ac:chgData name="Matthieu De Mari" userId="dfb708c9-d8dc-439f-9a3b-c772bf4a311c" providerId="ADAL" clId="{851712E7-4765-4026-AAE1-C7179918B94D}" dt="2023-07-06T03:10:32.745" v="707" actId="20577"/>
           <ac:spMkLst>
             <pc:docMk/>
             <pc:sldMk cId="3349972987" sldId="777"/>
@@ -4859,13 +4973,13 @@
         </pc:spChg>
       </pc:sldChg>
       <pc:sldChg chg="modSp mod">
-        <pc:chgData name="Matthieu De Mari" userId="dfb708c9-d8dc-439f-9a3b-c772bf4a311c" providerId="ADAL" clId="{851712E7-4765-4026-AAE1-C7179918B94D}" dt="2023-06-22T06:24:34.830" v="468" actId="113"/>
+        <pc:chgData name="Matthieu De Mari" userId="dfb708c9-d8dc-439f-9a3b-c772bf4a311c" providerId="ADAL" clId="{851712E7-4765-4026-AAE1-C7179918B94D}" dt="2023-07-06T03:11:49.580" v="708" actId="5793"/>
         <pc:sldMkLst>
           <pc:docMk/>
           <pc:sldMk cId="2678238830" sldId="780"/>
         </pc:sldMkLst>
         <pc:spChg chg="mod">
-          <ac:chgData name="Matthieu De Mari" userId="dfb708c9-d8dc-439f-9a3b-c772bf4a311c" providerId="ADAL" clId="{851712E7-4765-4026-AAE1-C7179918B94D}" dt="2023-06-22T06:24:34.830" v="468" actId="113"/>
+          <ac:chgData name="Matthieu De Mari" userId="dfb708c9-d8dc-439f-9a3b-c772bf4a311c" providerId="ADAL" clId="{851712E7-4765-4026-AAE1-C7179918B94D}" dt="2023-07-06T03:11:49.580" v="708" actId="5793"/>
           <ac:spMkLst>
             <pc:docMk/>
             <pc:sldMk cId="2678238830" sldId="780"/>
@@ -4874,13 +4988,13 @@
         </pc:spChg>
       </pc:sldChg>
       <pc:sldChg chg="modSp mod">
-        <pc:chgData name="Matthieu De Mari" userId="dfb708c9-d8dc-439f-9a3b-c772bf4a311c" providerId="ADAL" clId="{851712E7-4765-4026-AAE1-C7179918B94D}" dt="2023-06-22T06:25:12.048" v="476" actId="20577"/>
+        <pc:chgData name="Matthieu De Mari" userId="dfb708c9-d8dc-439f-9a3b-c772bf4a311c" providerId="ADAL" clId="{851712E7-4765-4026-AAE1-C7179918B94D}" dt="2023-07-06T03:12:53.570" v="760" actId="20577"/>
         <pc:sldMkLst>
           <pc:docMk/>
           <pc:sldMk cId="278531271" sldId="782"/>
         </pc:sldMkLst>
         <pc:spChg chg="mod">
-          <ac:chgData name="Matthieu De Mari" userId="dfb708c9-d8dc-439f-9a3b-c772bf4a311c" providerId="ADAL" clId="{851712E7-4765-4026-AAE1-C7179918B94D}" dt="2023-06-22T06:25:12.048" v="476" actId="20577"/>
+          <ac:chgData name="Matthieu De Mari" userId="dfb708c9-d8dc-439f-9a3b-c772bf4a311c" providerId="ADAL" clId="{851712E7-4765-4026-AAE1-C7179918B94D}" dt="2023-07-06T03:12:53.570" v="760" actId="20577"/>
           <ac:spMkLst>
             <pc:docMk/>
             <pc:sldMk cId="278531271" sldId="782"/>
@@ -4975,7 +5089,7 @@
           <a:p>
             <a:fld id="{61478373-EB31-4867-8CF0-FA31364748A5}" type="datetimeFigureOut">
               <a:rPr lang="en-GB" smtClean="0"/>
-              <a:t>22/06/2023</a:t>
+              <a:t>06/07/2023</a:t>
             </a:fld>
             <a:endParaRPr lang="en-GB"/>
           </a:p>
@@ -5392,7 +5506,7 @@
           <a:p>
             <a:fld id="{E85DF616-B21E-4EF6-A6A5-95E2FB3EB1A1}" type="datetimeFigureOut">
               <a:rPr lang="en-GB" smtClean="0"/>
-              <a:t>22/06/2023</a:t>
+              <a:t>06/07/2023</a:t>
             </a:fld>
             <a:endParaRPr lang="en-GB"/>
           </a:p>
@@ -5592,7 +5706,7 @@
           <a:p>
             <a:fld id="{E85DF616-B21E-4EF6-A6A5-95E2FB3EB1A1}" type="datetimeFigureOut">
               <a:rPr lang="en-GB" smtClean="0"/>
-              <a:t>22/06/2023</a:t>
+              <a:t>06/07/2023</a:t>
             </a:fld>
             <a:endParaRPr lang="en-GB"/>
           </a:p>
@@ -5802,7 +5916,7 @@
           <a:p>
             <a:fld id="{E85DF616-B21E-4EF6-A6A5-95E2FB3EB1A1}" type="datetimeFigureOut">
               <a:rPr lang="en-GB" smtClean="0"/>
-              <a:t>22/06/2023</a:t>
+              <a:t>06/07/2023</a:t>
             </a:fld>
             <a:endParaRPr lang="en-GB"/>
           </a:p>
@@ -6002,7 +6116,7 @@
           <a:p>
             <a:fld id="{E85DF616-B21E-4EF6-A6A5-95E2FB3EB1A1}" type="datetimeFigureOut">
               <a:rPr lang="en-GB" smtClean="0"/>
-              <a:t>22/06/2023</a:t>
+              <a:t>06/07/2023</a:t>
             </a:fld>
             <a:endParaRPr lang="en-GB"/>
           </a:p>
@@ -6278,7 +6392,7 @@
           <a:p>
             <a:fld id="{E85DF616-B21E-4EF6-A6A5-95E2FB3EB1A1}" type="datetimeFigureOut">
               <a:rPr lang="en-GB" smtClean="0"/>
-              <a:t>22/06/2023</a:t>
+              <a:t>06/07/2023</a:t>
             </a:fld>
             <a:endParaRPr lang="en-GB"/>
           </a:p>
@@ -6546,7 +6660,7 @@
           <a:p>
             <a:fld id="{E85DF616-B21E-4EF6-A6A5-95E2FB3EB1A1}" type="datetimeFigureOut">
               <a:rPr lang="en-GB" smtClean="0"/>
-              <a:t>22/06/2023</a:t>
+              <a:t>06/07/2023</a:t>
             </a:fld>
             <a:endParaRPr lang="en-GB"/>
           </a:p>
@@ -6961,7 +7075,7 @@
           <a:p>
             <a:fld id="{E85DF616-B21E-4EF6-A6A5-95E2FB3EB1A1}" type="datetimeFigureOut">
               <a:rPr lang="en-GB" smtClean="0"/>
-              <a:t>22/06/2023</a:t>
+              <a:t>06/07/2023</a:t>
             </a:fld>
             <a:endParaRPr lang="en-GB"/>
           </a:p>
@@ -7103,7 +7217,7 @@
           <a:p>
             <a:fld id="{E85DF616-B21E-4EF6-A6A5-95E2FB3EB1A1}" type="datetimeFigureOut">
               <a:rPr lang="en-GB" smtClean="0"/>
-              <a:t>22/06/2023</a:t>
+              <a:t>06/07/2023</a:t>
             </a:fld>
             <a:endParaRPr lang="en-GB"/>
           </a:p>
@@ -7216,7 +7330,7 @@
           <a:p>
             <a:fld id="{E85DF616-B21E-4EF6-A6A5-95E2FB3EB1A1}" type="datetimeFigureOut">
               <a:rPr lang="en-GB" smtClean="0"/>
-              <a:t>22/06/2023</a:t>
+              <a:t>06/07/2023</a:t>
             </a:fld>
             <a:endParaRPr lang="en-GB"/>
           </a:p>
@@ -7529,7 +7643,7 @@
           <a:p>
             <a:fld id="{E85DF616-B21E-4EF6-A6A5-95E2FB3EB1A1}" type="datetimeFigureOut">
               <a:rPr lang="en-GB" smtClean="0"/>
-              <a:t>22/06/2023</a:t>
+              <a:t>06/07/2023</a:t>
             </a:fld>
             <a:endParaRPr lang="en-GB"/>
           </a:p>
@@ -7818,7 +7932,7 @@
           <a:p>
             <a:fld id="{E85DF616-B21E-4EF6-A6A5-95E2FB3EB1A1}" type="datetimeFigureOut">
               <a:rPr lang="en-GB" smtClean="0"/>
-              <a:t>22/06/2023</a:t>
+              <a:t>06/07/2023</a:t>
             </a:fld>
             <a:endParaRPr lang="en-GB"/>
           </a:p>
@@ -8061,7 +8175,7 @@
           <a:p>
             <a:fld id="{E85DF616-B21E-4EF6-A6A5-95E2FB3EB1A1}" type="datetimeFigureOut">
               <a:rPr lang="en-GB" smtClean="0"/>
-              <a:t>22/06/2023</a:t>
+              <a:t>06/07/2023</a:t>
             </a:fld>
             <a:endParaRPr lang="en-GB"/>
           </a:p>
@@ -8616,7 +8730,7 @@
             </a:br>
             <a:r>
               <a:rPr lang="en-US" dirty="0"/>
-              <a:t>W3-S2 Introduction to Deep Learning using the </a:t>
+              <a:t>W3-2 Introduction to Deep Learning using the </a:t>
             </a:r>
             <a:r>
               <a:rPr lang="en-US" dirty="0" err="1"/>
@@ -8800,7 +8914,7 @@
                 </a:pPr>
                 <a:r>
                   <a:rPr lang="en-GB" dirty="0"/>
-                  <a:t>Recall Week 2 Notebook 8, the three layers model.</a:t>
+                  <a:t>Recall Week 2 Notebook 8, our three-layers model.</a:t>
                 </a:r>
               </a:p>
               <a:p>
@@ -8832,18 +8946,32 @@
                 </a:r>
               </a:p>
               <a:p>
+                <a:pPr marL="0" indent="0" algn="ctr">
+                  <a:buNone/>
+                </a:pPr>
                 <a:r>
-                  <a:rPr lang="en-GB" b="1" dirty="0"/>
+                  <a:rPr lang="en-GB" b="1" dirty="0">
+                    <a:solidFill>
+                      <a:srgbClr val="7030A0"/>
+                    </a:solidFill>
+                  </a:rPr>
                   <a:t>Practice: </a:t>
                 </a:r>
                 <a:r>
-                  <a:rPr lang="en-GB" dirty="0"/>
-                  <a:t>automatizing the process for </a:t>
+                  <a:rPr lang="en-GB" dirty="0">
+                    <a:solidFill>
+                      <a:srgbClr val="7030A0"/>
+                    </a:solidFill>
+                  </a:rPr>
+                  <a:t>automate the process for </a:t>
                 </a:r>
                 <a14:m>
                   <m:oMath xmlns:m="http://schemas.openxmlformats.org/officeDocument/2006/math">
                     <m:r>
                       <a:rPr lang="en-GB" i="1" dirty="0" smtClean="0">
+                        <a:solidFill>
+                          <a:srgbClr val="7030A0"/>
+                        </a:solidFill>
                         <a:latin typeface="Cambria Math" panose="02040503050406030204" pitchFamily="18" charset="0"/>
                       </a:rPr>
                       <m:t>𝑁</m:t>
@@ -8851,10 +8979,18 @@
                   </m:oMath>
                 </a14:m>
                 <a:r>
-                  <a:rPr lang="en-GB" dirty="0"/>
+                  <a:rPr lang="en-GB" dirty="0">
+                    <a:solidFill>
+                      <a:srgbClr val="7030A0"/>
+                    </a:solidFill>
+                  </a:rPr>
                   <a:t> layers?</a:t>
                 </a:r>
-                <a:endParaRPr lang="en-SG" dirty="0"/>
+                <a:endParaRPr lang="en-SG" dirty="0">
+                  <a:solidFill>
+                    <a:srgbClr val="7030A0"/>
+                  </a:solidFill>
+                </a:endParaRPr>
               </a:p>
             </p:txBody>
           </p:sp>
@@ -9208,8 +9344,8 @@
           </a:p>
         </p:txBody>
       </p:sp>
-      <mc:AlternateContent xmlns:mc="http://schemas.openxmlformats.org/markup-compatibility/2006" xmlns:a14="http://schemas.microsoft.com/office/drawing/2010/main">
-        <mc:Choice Requires="a14">
+      <mc:AlternateContent xmlns:mc="http://schemas.openxmlformats.org/markup-compatibility/2006">
+        <mc:Choice xmlns:a14="http://schemas.microsoft.com/office/drawing/2010/main" Requires="a14">
           <p:sp>
             <p:nvSpPr>
               <p:cNvPr id="3" name="Content Placeholder 2">
@@ -9660,13 +9796,13 @@
                 </a:r>
                 <a:r>
                   <a:rPr lang="en-GB" dirty="0"/>
-                  <a:t> for a given number of iterations or until convergence is observed.</a:t>
+                  <a:t> for a given number of iterations (or until convergence is observed).</a:t>
                 </a:r>
               </a:p>
             </p:txBody>
           </p:sp>
         </mc:Choice>
-        <mc:Fallback xmlns="">
+        <mc:Fallback>
           <p:sp>
             <p:nvSpPr>
               <p:cNvPr id="3" name="Content Placeholder 2">
@@ -9793,13 +9929,13 @@
             </p:nvSpPr>
             <p:spPr>
               <a:xfrm>
-                <a:off x="422031" y="1825625"/>
-                <a:ext cx="5189415" cy="5032376"/>
+                <a:off x="343373" y="1489398"/>
+                <a:ext cx="5189415" cy="5368602"/>
               </a:xfrm>
             </p:spPr>
             <p:txBody>
               <a:bodyPr>
-                <a:normAutofit lnSpcReduction="10000"/>
+                <a:normAutofit/>
               </a:bodyPr>
               <a:lstStyle/>
               <a:p>
@@ -10134,7 +10270,7 @@
                 </a:r>
                 <a:r>
                   <a:rPr lang="en-GB" dirty="0"/>
-                  <a:t> for a given number of iterations or until convergence is observed.</a:t>
+                  <a:t> for a given number of iterations (or until convergence is observed).</a:t>
                 </a:r>
               </a:p>
             </p:txBody>
@@ -10159,13 +10295,13 @@
             </p:nvSpPr>
             <p:spPr>
               <a:xfrm>
-                <a:off x="422031" y="1825625"/>
-                <a:ext cx="5189415" cy="5032376"/>
+                <a:off x="343373" y="1489398"/>
+                <a:ext cx="5189415" cy="5368602"/>
               </a:xfrm>
               <a:blipFill>
                 <a:blip r:embed="rId2"/>
                 <a:stretch>
-                  <a:fillRect l="-2347" t="-2663" r="-3169"/>
+                  <a:fillRect l="-2347" t="-1816" r="-3169" b="-227"/>
                 </a:stretch>
               </a:blipFill>
             </p:spPr>
@@ -10337,7 +10473,15 @@
             </a:r>
             <a:r>
               <a:rPr lang="en-GB" dirty="0"/>
-              <a:t>method as before to compute gradients and gradient descent update rules (covered automatically by </a:t>
+              <a:t>method as before to compute gradients and gradient descent update rules (built-in method for </a:t>
+            </a:r>
+            <a:r>
+              <a:rPr lang="en-GB" dirty="0" err="1"/>
+              <a:t>nn.Module</a:t>
+            </a:r>
+            <a:r>
+              <a:rPr lang="en-GB" dirty="0"/>
+              <a:t> classes, covered automatically by </a:t>
             </a:r>
             <a:r>
               <a:rPr lang="en-GB" dirty="0" err="1"/>
@@ -10771,6 +10915,59 @@
           </a:prstGeom>
         </p:spPr>
       </p:pic>
+      <p:sp>
+        <p:nvSpPr>
+          <p:cNvPr id="4" name="Rectangle 3">
+            <a:extLst>
+              <a:ext uri="{FF2B5EF4-FFF2-40B4-BE49-F238E27FC236}">
+                <a16:creationId xmlns:a16="http://schemas.microsoft.com/office/drawing/2014/main" id="{E4C24245-B4D0-5518-62ED-4B29EF65505E}"/>
+              </a:ext>
+            </a:extLst>
+          </p:cNvPr>
+          <p:cNvSpPr/>
+          <p:nvPr/>
+        </p:nvSpPr>
+        <p:spPr>
+          <a:xfrm>
+            <a:off x="5683045" y="3333135"/>
+            <a:ext cx="5670755" cy="1671484"/>
+          </a:xfrm>
+          <a:prstGeom prst="rect">
+            <a:avLst/>
+          </a:prstGeom>
+          <a:noFill/>
+          <a:ln w="38100">
+            <a:solidFill>
+              <a:schemeClr val="accent2"/>
+            </a:solidFill>
+            <a:prstDash val="sysDash"/>
+          </a:ln>
+        </p:spPr>
+        <p:style>
+          <a:lnRef idx="2">
+            <a:schemeClr val="accent1">
+              <a:shade val="15000"/>
+            </a:schemeClr>
+          </a:lnRef>
+          <a:fillRef idx="1">
+            <a:schemeClr val="accent1"/>
+          </a:fillRef>
+          <a:effectRef idx="0">
+            <a:schemeClr val="accent1"/>
+          </a:effectRef>
+          <a:fontRef idx="minor">
+            <a:schemeClr val="lt1"/>
+          </a:fontRef>
+        </p:style>
+        <p:txBody>
+          <a:bodyPr rtlCol="0" anchor="ctr"/>
+          <a:lstStyle/>
+          <a:p>
+            <a:pPr algn="ctr"/>
+            <a:endParaRPr lang="en-SG"/>
+          </a:p>
+        </p:txBody>
+      </p:sp>
     </p:spTree>
     <p:extLst>
       <p:ext uri="{BB962C8B-B14F-4D97-AF65-F5344CB8AC3E}">
@@ -10942,6 +11139,59 @@
           </a:prstGeom>
         </p:spPr>
       </p:pic>
+      <p:sp>
+        <p:nvSpPr>
+          <p:cNvPr id="4" name="Rectangle 3">
+            <a:extLst>
+              <a:ext uri="{FF2B5EF4-FFF2-40B4-BE49-F238E27FC236}">
+                <a16:creationId xmlns:a16="http://schemas.microsoft.com/office/drawing/2014/main" id="{777842EB-FFEB-F535-408B-75E036D5B1B3}"/>
+              </a:ext>
+            </a:extLst>
+          </p:cNvPr>
+          <p:cNvSpPr/>
+          <p:nvPr/>
+        </p:nvSpPr>
+        <p:spPr>
+          <a:xfrm flipV="1">
+            <a:off x="5683045" y="5004617"/>
+            <a:ext cx="2231923" cy="1091381"/>
+          </a:xfrm>
+          <a:prstGeom prst="rect">
+            <a:avLst/>
+          </a:prstGeom>
+          <a:noFill/>
+          <a:ln w="38100">
+            <a:solidFill>
+              <a:schemeClr val="accent2"/>
+            </a:solidFill>
+            <a:prstDash val="sysDash"/>
+          </a:ln>
+        </p:spPr>
+        <p:style>
+          <a:lnRef idx="2">
+            <a:schemeClr val="accent1">
+              <a:shade val="15000"/>
+            </a:schemeClr>
+          </a:lnRef>
+          <a:fillRef idx="1">
+            <a:schemeClr val="accent1"/>
+          </a:fillRef>
+          <a:effectRef idx="0">
+            <a:schemeClr val="accent1"/>
+          </a:effectRef>
+          <a:fontRef idx="minor">
+            <a:schemeClr val="lt1"/>
+          </a:fontRef>
+        </p:style>
+        <p:txBody>
+          <a:bodyPr rtlCol="0" anchor="ctr"/>
+          <a:lstStyle/>
+          <a:p>
+            <a:pPr algn="ctr"/>
+            <a:endParaRPr lang="en-SG"/>
+          </a:p>
+        </p:txBody>
+      </p:sp>
     </p:spTree>
     <p:extLst>
       <p:ext uri="{BB962C8B-B14F-4D97-AF65-F5344CB8AC3E}">
@@ -12306,12 +12556,6 @@
             <a:pPr marL="0" indent="0">
               <a:buNone/>
             </a:pPr>
-            <a:endParaRPr lang="en-GB" dirty="0"/>
-          </a:p>
-          <a:p>
-            <a:pPr marL="0" indent="0">
-              <a:buNone/>
-            </a:pPr>
             <a:r>
               <a:rPr lang="en-GB" dirty="0"/>
               <a:t>Again, we will be relying on </a:t>
@@ -12337,7 +12581,23 @@
             </a:pPr>
             <a:r>
               <a:rPr lang="en-GB" dirty="0"/>
-              <a:t>Feel free to have a look at all the available built-in optimizers, available in </a:t>
+              <a:t>Feel free to have a look at all the available </a:t>
+            </a:r>
+            <a:r>
+              <a:rPr lang="en-GB" b="1" dirty="0"/>
+              <a:t>built-in</a:t>
+            </a:r>
+            <a:r>
+              <a:rPr lang="en-GB" dirty="0"/>
+              <a:t> </a:t>
+            </a:r>
+            <a:r>
+              <a:rPr lang="en-GB" b="1" dirty="0"/>
+              <a:t>optimizers</a:t>
+            </a:r>
+            <a:r>
+              <a:rPr lang="en-GB" dirty="0"/>
+              <a:t>, available in </a:t>
             </a:r>
             <a:r>
               <a:rPr lang="en-GB" dirty="0" err="1"/>
@@ -12367,7 +12627,7 @@
             </a:pPr>
             <a:r>
               <a:rPr lang="en-GB" dirty="0"/>
-              <a:t>Let us demonstrate how to use them in our Neural Network!</a:t>
+              <a:t>Let us now demonstrate how to use them in our Neural Network!</a:t>
             </a:r>
           </a:p>
           <a:p>
@@ -12683,7 +12943,7 @@
         <p:spPr>
           <a:xfrm flipV="1">
             <a:off x="2583944" y="195384"/>
-            <a:ext cx="7024111" cy="1422399"/>
+            <a:ext cx="7024111" cy="1338448"/>
           </a:xfrm>
           <a:prstGeom prst="rect">
             <a:avLst/>
@@ -12979,7 +13239,7 @@
             </a:br>
             <a:r>
               <a:rPr lang="en-GB" dirty="0"/>
-              <a:t>These optimizers come with a few more features that might be worth exploring (but we will consider them out-of-scope)!</a:t>
+              <a:t>These optimizers come with a few more features that might be worth exploring if you are curious (but we will consider them out-of-scope)!</a:t>
             </a:r>
           </a:p>
           <a:p>
@@ -13010,7 +13270,7 @@
             </a:r>
             <a:r>
               <a:rPr lang="en-GB" dirty="0"/>
-              <a:t>implementing your own optimizer is generally a bad idea, but feel free to have a look at the codes to see what it takes!</a:t>
+              <a:t>implementing your own optimizer is generally a “bad” idea (takes lots of work!), but feel free to look at source codes to see what it takes!</a:t>
             </a:r>
           </a:p>
           <a:p>
@@ -14281,6 +14541,9 @@
           </a:bodyPr>
           <a:lstStyle/>
           <a:p>
+            <a:pPr marL="0" indent="0">
+              <a:buNone/>
+            </a:pPr>
             <a:r>
               <a:rPr lang="en-GB" dirty="0"/>
               <a:t>Fixed!</a:t>
@@ -14435,7 +14698,7 @@
           <a:p>
             <a:r>
               <a:rPr lang="en-GB" dirty="0"/>
-              <a:t>Adding a L1 regularization to our loss</a:t>
+              <a:t>Adding a regularization to our loss</a:t>
             </a:r>
             <a:endParaRPr lang="en-SG" dirty="0"/>
           </a:p>
@@ -14485,7 +14748,7 @@
             </a:r>
             <a:r>
               <a:rPr lang="en-GB" dirty="0"/>
-              <a:t> that we can add a </a:t>
+              <a:t> (on Week 1) that it is sometimes beneficial to add a </a:t>
             </a:r>
             <a:r>
               <a:rPr lang="en-GB" b="1" dirty="0"/>
@@ -14493,7 +14756,7 @@
             </a:r>
             <a:r>
               <a:rPr lang="en-GB" dirty="0"/>
-              <a:t> term to our loss function. </a:t>
+              <a:t> term to our loss functions. </a:t>
             </a:r>
           </a:p>
           <a:p>
@@ -14661,7 +14924,7 @@
         </p:blipFill>
         <p:spPr>
           <a:xfrm>
-            <a:off x="148166" y="5405394"/>
+            <a:off x="187087" y="5721306"/>
             <a:ext cx="6172556" cy="771569"/>
           </a:xfrm>
           <a:prstGeom prst="rect">
@@ -14849,7 +15112,7 @@
           <a:p>
             <a:r>
               <a:rPr lang="en-SG" dirty="0"/>
-              <a:t>Cross entropy loss and accuracies,</a:t>
+              <a:t>Cross-entropy loss and accuracies,</a:t>
             </a:r>
           </a:p>
           <a:p>
@@ -15617,7 +15880,15 @@
               <a:p>
                 <a:r>
                   <a:rPr lang="en-GB" dirty="0"/>
-                  <a:t>The automatic differentiation is done by </a:t>
+                  <a:t>The </a:t>
+                </a:r>
+                <a:r>
+                  <a:rPr lang="en-GB" b="1" dirty="0"/>
+                  <a:t>automatic differentiation </a:t>
+                </a:r>
+                <a:r>
+                  <a:rPr lang="en-GB" dirty="0"/>
+                  <a:t>is done by </a:t>
                 </a:r>
                 <a:r>
                   <a:rPr lang="en-GB" dirty="0" err="1"/>
@@ -15794,8 +16065,8 @@
         </p:blipFill>
         <p:spPr>
           <a:xfrm>
-            <a:off x="5318017" y="902906"/>
-            <a:ext cx="6792273" cy="5458587"/>
+            <a:off x="5540306" y="1081548"/>
+            <a:ext cx="6569984" cy="5279945"/>
           </a:xfrm>
           <a:prstGeom prst="rect">
             <a:avLst/>
@@ -15859,7 +16130,7 @@
             <p:spPr>
               <a:xfrm>
                 <a:off x="211015" y="1825625"/>
-                <a:ext cx="4900247" cy="4872160"/>
+                <a:ext cx="5226224" cy="4872160"/>
               </a:xfrm>
             </p:spPr>
             <p:txBody>
@@ -15879,13 +16150,13 @@
               <a:p>
                 <a:r>
                   <a:rPr lang="en-GB" dirty="0"/>
-                  <a:t>Create tensor x, scalar with value 1.</a:t>
+                  <a:t>Create tensor x, containing a single scalar with value 1.</a:t>
                 </a:r>
               </a:p>
               <a:p>
                 <a:r>
                   <a:rPr lang="en-GB" dirty="0"/>
-                  <a:t>Requires/Retain grad is set to True for x.</a:t>
+                  <a:t>Requires/Retain grad is set to True for tensor x.</a:t>
                 </a:r>
               </a:p>
               <a:p>
@@ -15959,7 +16230,7 @@
               <a:p>
                 <a:r>
                   <a:rPr lang="en-SG" dirty="0"/>
-                  <a:t>Use backward to ask </a:t>
+                  <a:t>Use backward() to ask </a:t>
                 </a:r>
                 <a:r>
                   <a:rPr lang="en-SG" dirty="0" err="1"/>
@@ -16048,7 +16319,7 @@
               <a:p>
                 <a:r>
                   <a:rPr lang="en-SG" dirty="0"/>
-                  <a:t>Value is stored in </a:t>
+                  <a:t>Derivative value stored in </a:t>
                 </a:r>
                 <a:r>
                   <a:rPr lang="en-SG" b="1" dirty="0" err="1"/>
@@ -16082,12 +16353,12 @@
             <p:spPr>
               <a:xfrm>
                 <a:off x="211015" y="1825625"/>
-                <a:ext cx="4900247" cy="4872160"/>
+                <a:ext cx="5226224" cy="4872160"/>
               </a:xfrm>
               <a:blipFill>
                 <a:blip r:embed="rId3"/>
                 <a:stretch>
-                  <a:fillRect l="-2615" t="-2000" b="-875"/>
+                  <a:fillRect l="-2450" t="-2000" r="-3151" b="-875"/>
                 </a:stretch>
               </a:blipFill>
             </p:spPr>
@@ -16192,8 +16463,8 @@
             </p:nvSpPr>
             <p:spPr>
               <a:xfrm>
-                <a:off x="211015" y="1825625"/>
-                <a:ext cx="5107002" cy="4872160"/>
+                <a:off x="211015" y="1825624"/>
+                <a:ext cx="5107002" cy="5032375"/>
               </a:xfrm>
             </p:spPr>
             <p:txBody>
@@ -16201,6 +16472,15 @@
                 <a:normAutofit/>
               </a:bodyPr>
               <a:lstStyle/>
+              <a:p>
+                <a:pPr marL="0" indent="0">
+                  <a:buNone/>
+                </a:pPr>
+                <a:r>
+                  <a:rPr lang="en-GB" dirty="0"/>
+                  <a:t>Similarly,</a:t>
+                </a:r>
+              </a:p>
               <a:p>
                 <a:r>
                   <a:rPr lang="en-GB" dirty="0"/>
@@ -16682,13 +16962,13 @@
             </p:nvSpPr>
             <p:spPr>
               <a:xfrm>
-                <a:off x="211015" y="1825625"/>
-                <a:ext cx="5107002" cy="4872160"/>
+                <a:off x="211015" y="1825624"/>
+                <a:ext cx="5107002" cy="5032375"/>
               </a:xfrm>
               <a:blipFill>
                 <a:blip r:embed="rId2"/>
                 <a:stretch>
-                  <a:fillRect l="-2151" t="-2000" r="-717"/>
+                  <a:fillRect l="-2509" t="-1937" r="-717" b="-484"/>
                 </a:stretch>
               </a:blipFill>
             </p:spPr>

--- a/W3/2. W3S2 final/W3S2.pptx
+++ b/W3/2. W3S2 final/W3S2.pptx
@@ -231,13 +231,142 @@
 <file path=ppt/revisionInfo.xml><?xml version="1.0" encoding="utf-8"?>
 <p1510:revInfo xmlns:a="http://schemas.openxmlformats.org/drawingml/2006/main" xmlns:r="http://schemas.openxmlformats.org/officeDocument/2006/relationships" xmlns:p1510="http://schemas.microsoft.com/office/powerpoint/2015/10/main">
   <p1510:revLst>
-    <p1510:client id="{851712E7-4765-4026-AAE1-C7179918B94D}" v="29" dt="2023-07-06T03:06:10.979"/>
+    <p1510:client id="{3C5169EE-A97A-435D-9C7E-3653962501C6}" v="40" dt="2024-01-21T10:08:16.662"/>
   </p1510:revLst>
 </p1510:revInfo>
 </file>
 
 <file path=ppt/changesInfos/changesInfo1.xml><?xml version="1.0" encoding="utf-8"?>
 <pc:chgInfo xmlns:a="http://schemas.openxmlformats.org/drawingml/2006/main" xmlns:r="http://schemas.openxmlformats.org/officeDocument/2006/relationships" xmlns:ac="http://schemas.microsoft.com/office/drawing/2013/main/command" xmlns:pc="http://schemas.microsoft.com/office/powerpoint/2013/main/command">
+  <pc:docChgLst>
+    <pc:chgData name="Matthieu De Mari" userId="dfb708c9-d8dc-439f-9a3b-c772bf4a311c" providerId="ADAL" clId="{3C5169EE-A97A-435D-9C7E-3653962501C6}"/>
+    <pc:docChg chg="custSel modSld">
+      <pc:chgData name="Matthieu De Mari" userId="dfb708c9-d8dc-439f-9a3b-c772bf4a311c" providerId="ADAL" clId="{3C5169EE-A97A-435D-9C7E-3653962501C6}" dt="2024-01-21T10:12:49.414" v="91" actId="20577"/>
+      <pc:docMkLst>
+        <pc:docMk/>
+      </pc:docMkLst>
+      <pc:sldChg chg="modSp mod">
+        <pc:chgData name="Matthieu De Mari" userId="dfb708c9-d8dc-439f-9a3b-c772bf4a311c" providerId="ADAL" clId="{3C5169EE-A97A-435D-9C7E-3653962501C6}" dt="2024-01-21T10:09:58.088" v="59" actId="20577"/>
+        <pc:sldMkLst>
+          <pc:docMk/>
+          <pc:sldMk cId="2128707751" sldId="390"/>
+        </pc:sldMkLst>
+        <pc:spChg chg="mod">
+          <ac:chgData name="Matthieu De Mari" userId="dfb708c9-d8dc-439f-9a3b-c772bf4a311c" providerId="ADAL" clId="{3C5169EE-A97A-435D-9C7E-3653962501C6}" dt="2024-01-21T10:09:58.088" v="59" actId="20577"/>
+          <ac:spMkLst>
+            <pc:docMk/>
+            <pc:sldMk cId="2128707751" sldId="390"/>
+            <ac:spMk id="2" creationId="{C902DDAE-7B18-E047-726C-A4619D106A2D}"/>
+          </ac:spMkLst>
+        </pc:spChg>
+      </pc:sldChg>
+      <pc:sldChg chg="modSp mod">
+        <pc:chgData name="Matthieu De Mari" userId="dfb708c9-d8dc-439f-9a3b-c772bf4a311c" providerId="ADAL" clId="{3C5169EE-A97A-435D-9C7E-3653962501C6}" dt="2024-01-21T10:07:13.728" v="0" actId="20577"/>
+        <pc:sldMkLst>
+          <pc:docMk/>
+          <pc:sldMk cId="2580175991" sldId="763"/>
+        </pc:sldMkLst>
+        <pc:spChg chg="mod">
+          <ac:chgData name="Matthieu De Mari" userId="dfb708c9-d8dc-439f-9a3b-c772bf4a311c" providerId="ADAL" clId="{3C5169EE-A97A-435D-9C7E-3653962501C6}" dt="2024-01-21T10:07:13.728" v="0" actId="20577"/>
+          <ac:spMkLst>
+            <pc:docMk/>
+            <pc:sldMk cId="2580175991" sldId="763"/>
+            <ac:spMk id="5" creationId="{1A87BA25-5926-816A-6E16-0F90D4B62FB8}"/>
+          </ac:spMkLst>
+        </pc:spChg>
+      </pc:sldChg>
+      <pc:sldChg chg="modSp mod">
+        <pc:chgData name="Matthieu De Mari" userId="dfb708c9-d8dc-439f-9a3b-c772bf4a311c" providerId="ADAL" clId="{3C5169EE-A97A-435D-9C7E-3653962501C6}" dt="2024-01-21T10:08:16.662" v="47" actId="20577"/>
+        <pc:sldMkLst>
+          <pc:docMk/>
+          <pc:sldMk cId="1879463264" sldId="764"/>
+        </pc:sldMkLst>
+        <pc:spChg chg="mod">
+          <ac:chgData name="Matthieu De Mari" userId="dfb708c9-d8dc-439f-9a3b-c772bf4a311c" providerId="ADAL" clId="{3C5169EE-A97A-435D-9C7E-3653962501C6}" dt="2024-01-21T10:08:16.662" v="47" actId="20577"/>
+          <ac:spMkLst>
+            <pc:docMk/>
+            <pc:sldMk cId="1879463264" sldId="764"/>
+            <ac:spMk id="5" creationId="{1A87BA25-5926-816A-6E16-0F90D4B62FB8}"/>
+          </ac:spMkLst>
+        </pc:spChg>
+      </pc:sldChg>
+      <pc:sldChg chg="modSp mod">
+        <pc:chgData name="Matthieu De Mari" userId="dfb708c9-d8dc-439f-9a3b-c772bf4a311c" providerId="ADAL" clId="{3C5169EE-A97A-435D-9C7E-3653962501C6}" dt="2024-01-21T10:10:04.734" v="60"/>
+        <pc:sldMkLst>
+          <pc:docMk/>
+          <pc:sldMk cId="581091786" sldId="770"/>
+        </pc:sldMkLst>
+        <pc:spChg chg="mod">
+          <ac:chgData name="Matthieu De Mari" userId="dfb708c9-d8dc-439f-9a3b-c772bf4a311c" providerId="ADAL" clId="{3C5169EE-A97A-435D-9C7E-3653962501C6}" dt="2024-01-21T10:10:04.734" v="60"/>
+          <ac:spMkLst>
+            <pc:docMk/>
+            <pc:sldMk cId="581091786" sldId="770"/>
+            <ac:spMk id="2" creationId="{C902DDAE-7B18-E047-726C-A4619D106A2D}"/>
+          </ac:spMkLst>
+        </pc:spChg>
+      </pc:sldChg>
+      <pc:sldChg chg="modSp mod">
+        <pc:chgData name="Matthieu De Mari" userId="dfb708c9-d8dc-439f-9a3b-c772bf4a311c" providerId="ADAL" clId="{3C5169EE-A97A-435D-9C7E-3653962501C6}" dt="2024-01-21T10:10:07.404" v="61"/>
+        <pc:sldMkLst>
+          <pc:docMk/>
+          <pc:sldMk cId="2768410648" sldId="771"/>
+        </pc:sldMkLst>
+        <pc:spChg chg="mod">
+          <ac:chgData name="Matthieu De Mari" userId="dfb708c9-d8dc-439f-9a3b-c772bf4a311c" providerId="ADAL" clId="{3C5169EE-A97A-435D-9C7E-3653962501C6}" dt="2024-01-21T10:10:07.404" v="61"/>
+          <ac:spMkLst>
+            <pc:docMk/>
+            <pc:sldMk cId="2768410648" sldId="771"/>
+            <ac:spMk id="2" creationId="{C902DDAE-7B18-E047-726C-A4619D106A2D}"/>
+          </ac:spMkLst>
+        </pc:spChg>
+      </pc:sldChg>
+      <pc:sldChg chg="modSp mod">
+        <pc:chgData name="Matthieu De Mari" userId="dfb708c9-d8dc-439f-9a3b-c772bf4a311c" providerId="ADAL" clId="{3C5169EE-A97A-435D-9C7E-3653962501C6}" dt="2024-01-21T10:11:42.482" v="82" actId="20577"/>
+        <pc:sldMkLst>
+          <pc:docMk/>
+          <pc:sldMk cId="743119883" sldId="775"/>
+        </pc:sldMkLst>
+        <pc:spChg chg="mod">
+          <ac:chgData name="Matthieu De Mari" userId="dfb708c9-d8dc-439f-9a3b-c772bf4a311c" providerId="ADAL" clId="{3C5169EE-A97A-435D-9C7E-3653962501C6}" dt="2024-01-21T10:11:42.482" v="82" actId="20577"/>
+          <ac:spMkLst>
+            <pc:docMk/>
+            <pc:sldMk cId="743119883" sldId="775"/>
+            <ac:spMk id="3" creationId="{EDC87932-752D-FABC-76EF-38023409D8D8}"/>
+          </ac:spMkLst>
+        </pc:spChg>
+      </pc:sldChg>
+      <pc:sldChg chg="modSp mod">
+        <pc:chgData name="Matthieu De Mari" userId="dfb708c9-d8dc-439f-9a3b-c772bf4a311c" providerId="ADAL" clId="{3C5169EE-A97A-435D-9C7E-3653962501C6}" dt="2024-01-21T10:12:20.983" v="89" actId="27636"/>
+        <pc:sldMkLst>
+          <pc:docMk/>
+          <pc:sldMk cId="3349972987" sldId="777"/>
+        </pc:sldMkLst>
+        <pc:spChg chg="mod">
+          <ac:chgData name="Matthieu De Mari" userId="dfb708c9-d8dc-439f-9a3b-c772bf4a311c" providerId="ADAL" clId="{3C5169EE-A97A-435D-9C7E-3653962501C6}" dt="2024-01-21T10:12:20.983" v="89" actId="27636"/>
+          <ac:spMkLst>
+            <pc:docMk/>
+            <pc:sldMk cId="3349972987" sldId="777"/>
+            <ac:spMk id="3" creationId="{EDC87932-752D-FABC-76EF-38023409D8D8}"/>
+          </ac:spMkLst>
+        </pc:spChg>
+      </pc:sldChg>
+      <pc:sldChg chg="modSp mod">
+        <pc:chgData name="Matthieu De Mari" userId="dfb708c9-d8dc-439f-9a3b-c772bf4a311c" providerId="ADAL" clId="{3C5169EE-A97A-435D-9C7E-3653962501C6}" dt="2024-01-21T10:12:49.414" v="91" actId="20577"/>
+        <pc:sldMkLst>
+          <pc:docMk/>
+          <pc:sldMk cId="4008937125" sldId="778"/>
+        </pc:sldMkLst>
+        <pc:spChg chg="mod">
+          <ac:chgData name="Matthieu De Mari" userId="dfb708c9-d8dc-439f-9a3b-c772bf4a311c" providerId="ADAL" clId="{3C5169EE-A97A-435D-9C7E-3653962501C6}" dt="2024-01-21T10:12:49.414" v="91" actId="20577"/>
+          <ac:spMkLst>
+            <pc:docMk/>
+            <pc:sldMk cId="4008937125" sldId="778"/>
+            <ac:spMk id="3" creationId="{434F9CC2-454D-E009-C2D1-3A775BEB1B4B}"/>
+          </ac:spMkLst>
+        </pc:spChg>
+      </pc:sldChg>
+    </pc:docChg>
+  </pc:docChgLst>
   <pc:docChgLst>
     <pc:chgData name="Matthieu De Mari" userId="dfb708c9-d8dc-439f-9a3b-c772bf4a311c" providerId="ADAL" clId="{D2FDBEB2-E663-41FC-8A3C-AC79657DF6AB}"/>
     <pc:docChg chg="undo custSel addSld delSld modSld sldOrd addSection delSection modSection">
@@ -5089,7 +5218,7 @@
           <a:p>
             <a:fld id="{61478373-EB31-4867-8CF0-FA31364748A5}" type="datetimeFigureOut">
               <a:rPr lang="en-GB" smtClean="0"/>
-              <a:t>06/07/2023</a:t>
+              <a:t>21/01/2024</a:t>
             </a:fld>
             <a:endParaRPr lang="en-GB"/>
           </a:p>
@@ -5506,7 +5635,7 @@
           <a:p>
             <a:fld id="{E85DF616-B21E-4EF6-A6A5-95E2FB3EB1A1}" type="datetimeFigureOut">
               <a:rPr lang="en-GB" smtClean="0"/>
-              <a:t>06/07/2023</a:t>
+              <a:t>21/01/2024</a:t>
             </a:fld>
             <a:endParaRPr lang="en-GB"/>
           </a:p>
@@ -5706,7 +5835,7 @@
           <a:p>
             <a:fld id="{E85DF616-B21E-4EF6-A6A5-95E2FB3EB1A1}" type="datetimeFigureOut">
               <a:rPr lang="en-GB" smtClean="0"/>
-              <a:t>06/07/2023</a:t>
+              <a:t>21/01/2024</a:t>
             </a:fld>
             <a:endParaRPr lang="en-GB"/>
           </a:p>
@@ -5916,7 +6045,7 @@
           <a:p>
             <a:fld id="{E85DF616-B21E-4EF6-A6A5-95E2FB3EB1A1}" type="datetimeFigureOut">
               <a:rPr lang="en-GB" smtClean="0"/>
-              <a:t>06/07/2023</a:t>
+              <a:t>21/01/2024</a:t>
             </a:fld>
             <a:endParaRPr lang="en-GB"/>
           </a:p>
@@ -6116,7 +6245,7 @@
           <a:p>
             <a:fld id="{E85DF616-B21E-4EF6-A6A5-95E2FB3EB1A1}" type="datetimeFigureOut">
               <a:rPr lang="en-GB" smtClean="0"/>
-              <a:t>06/07/2023</a:t>
+              <a:t>21/01/2024</a:t>
             </a:fld>
             <a:endParaRPr lang="en-GB"/>
           </a:p>
@@ -6392,7 +6521,7 @@
           <a:p>
             <a:fld id="{E85DF616-B21E-4EF6-A6A5-95E2FB3EB1A1}" type="datetimeFigureOut">
               <a:rPr lang="en-GB" smtClean="0"/>
-              <a:t>06/07/2023</a:t>
+              <a:t>21/01/2024</a:t>
             </a:fld>
             <a:endParaRPr lang="en-GB"/>
           </a:p>
@@ -6660,7 +6789,7 @@
           <a:p>
             <a:fld id="{E85DF616-B21E-4EF6-A6A5-95E2FB3EB1A1}" type="datetimeFigureOut">
               <a:rPr lang="en-GB" smtClean="0"/>
-              <a:t>06/07/2023</a:t>
+              <a:t>21/01/2024</a:t>
             </a:fld>
             <a:endParaRPr lang="en-GB"/>
           </a:p>
@@ -7075,7 +7204,7 @@
           <a:p>
             <a:fld id="{E85DF616-B21E-4EF6-A6A5-95E2FB3EB1A1}" type="datetimeFigureOut">
               <a:rPr lang="en-GB" smtClean="0"/>
-              <a:t>06/07/2023</a:t>
+              <a:t>21/01/2024</a:t>
             </a:fld>
             <a:endParaRPr lang="en-GB"/>
           </a:p>
@@ -7217,7 +7346,7 @@
           <a:p>
             <a:fld id="{E85DF616-B21E-4EF6-A6A5-95E2FB3EB1A1}" type="datetimeFigureOut">
               <a:rPr lang="en-GB" smtClean="0"/>
-              <a:t>06/07/2023</a:t>
+              <a:t>21/01/2024</a:t>
             </a:fld>
             <a:endParaRPr lang="en-GB"/>
           </a:p>
@@ -7330,7 +7459,7 @@
           <a:p>
             <a:fld id="{E85DF616-B21E-4EF6-A6A5-95E2FB3EB1A1}" type="datetimeFigureOut">
               <a:rPr lang="en-GB" smtClean="0"/>
-              <a:t>06/07/2023</a:t>
+              <a:t>21/01/2024</a:t>
             </a:fld>
             <a:endParaRPr lang="en-GB"/>
           </a:p>
@@ -7643,7 +7772,7 @@
           <a:p>
             <a:fld id="{E85DF616-B21E-4EF6-A6A5-95E2FB3EB1A1}" type="datetimeFigureOut">
               <a:rPr lang="en-GB" smtClean="0"/>
-              <a:t>06/07/2023</a:t>
+              <a:t>21/01/2024</a:t>
             </a:fld>
             <a:endParaRPr lang="en-GB"/>
           </a:p>
@@ -7932,7 +8061,7 @@
           <a:p>
             <a:fld id="{E85DF616-B21E-4EF6-A6A5-95E2FB3EB1A1}" type="datetimeFigureOut">
               <a:rPr lang="en-GB" smtClean="0"/>
-              <a:t>06/07/2023</a:t>
+              <a:t>21/01/2024</a:t>
             </a:fld>
             <a:endParaRPr lang="en-GB"/>
           </a:p>
@@ -8175,7 +8304,7 @@
           <a:p>
             <a:fld id="{E85DF616-B21E-4EF6-A6A5-95E2FB3EB1A1}" type="datetimeFigureOut">
               <a:rPr lang="en-GB" smtClean="0"/>
-              <a:t>06/07/2023</a:t>
+              <a:t>21/01/2024</a:t>
             </a:fld>
             <a:endParaRPr lang="en-GB"/>
           </a:p>
@@ -8899,13 +9028,13 @@
             </p:nvSpPr>
             <p:spPr>
               <a:xfrm>
-                <a:off x="508001" y="1825624"/>
-                <a:ext cx="4474556" cy="5032375"/>
+                <a:off x="508000" y="1825624"/>
+                <a:ext cx="4726487" cy="5032375"/>
               </a:xfrm>
             </p:spPr>
             <p:txBody>
               <a:bodyPr>
-                <a:normAutofit/>
+                <a:normAutofit lnSpcReduction="10000"/>
               </a:bodyPr>
               <a:lstStyle/>
               <a:p>
@@ -8920,11 +9049,11 @@
               <a:p>
                 <a:r>
                   <a:rPr lang="en-GB" dirty="0"/>
-                  <a:t>We </a:t>
+                  <a:t>We can </a:t>
                 </a:r>
                 <a:r>
                   <a:rPr lang="en-GB" b="1" dirty="0"/>
-                  <a:t>recognized</a:t>
+                  <a:t>recognize</a:t>
                 </a:r>
                 <a:r>
                   <a:rPr lang="en-GB" dirty="0"/>
@@ -8946,9 +9075,16 @@
                 </a:r>
               </a:p>
               <a:p>
-                <a:pPr marL="0" indent="0" algn="ctr">
+                <a:pPr marL="0" indent="0">
                   <a:buNone/>
                 </a:pPr>
+                <a:br>
+                  <a:rPr lang="en-GB" b="1" dirty="0">
+                    <a:solidFill>
+                      <a:srgbClr val="7030A0"/>
+                    </a:solidFill>
+                  </a:rPr>
+                </a:br>
                 <a:r>
                   <a:rPr lang="en-GB" b="1" dirty="0">
                     <a:solidFill>
@@ -8963,7 +9099,7 @@
                       <a:srgbClr val="7030A0"/>
                     </a:solidFill>
                   </a:rPr>
-                  <a:t>automate the process for </a:t>
+                  <a:t>automate the gradient descent rule process for any number </a:t>
                 </a:r>
                 <a14:m>
                   <m:oMath xmlns:m="http://schemas.openxmlformats.org/officeDocument/2006/math">
@@ -8984,7 +9120,7 @@
                       <a:srgbClr val="7030A0"/>
                     </a:solidFill>
                   </a:rPr>
-                  <a:t> layers?</a:t>
+                  <a:t> of layers?</a:t>
                 </a:r>
                 <a:endParaRPr lang="en-SG" dirty="0">
                   <a:solidFill>
@@ -9014,13 +9150,13 @@
             </p:nvSpPr>
             <p:spPr>
               <a:xfrm>
-                <a:off x="508001" y="1825624"/>
-                <a:ext cx="4474556" cy="5032375"/>
+                <a:off x="508000" y="1825624"/>
+                <a:ext cx="4726487" cy="5032375"/>
               </a:xfrm>
               <a:blipFill>
                 <a:blip r:embed="rId2"/>
                 <a:stretch>
-                  <a:fillRect l="-2725" t="-1937" r="-136"/>
+                  <a:fillRect l="-2577" t="-2663" r="-2320" b="-1211"/>
                 </a:stretch>
               </a:blipFill>
             </p:spPr>
@@ -9029,7 +9165,7 @@
               <a:lstStyle/>
               <a:p>
                 <a:r>
-                  <a:rPr lang="en-SG">
+                  <a:rPr lang="en-GB">
                     <a:noFill/>
                   </a:rPr>
                   <a:t> </a:t>
@@ -9344,8 +9480,8 @@
           </a:p>
         </p:txBody>
       </p:sp>
-      <mc:AlternateContent xmlns:mc="http://schemas.openxmlformats.org/markup-compatibility/2006">
-        <mc:Choice xmlns:a14="http://schemas.microsoft.com/office/drawing/2010/main" Requires="a14">
+      <mc:AlternateContent xmlns:mc="http://schemas.openxmlformats.org/markup-compatibility/2006" xmlns:a14="http://schemas.microsoft.com/office/drawing/2010/main">
+        <mc:Choice Requires="a14">
           <p:sp>
             <p:nvSpPr>
               <p:cNvPr id="3" name="Content Placeholder 2">
@@ -9802,7 +9938,7 @@
             </p:txBody>
           </p:sp>
         </mc:Choice>
-        <mc:Fallback>
+        <mc:Fallback xmlns="">
           <p:sp>
             <p:nvSpPr>
               <p:cNvPr id="3" name="Content Placeholder 2">
@@ -9909,8 +10045,8 @@
           </a:p>
         </p:txBody>
       </p:sp>
-      <mc:AlternateContent xmlns:mc="http://schemas.openxmlformats.org/markup-compatibility/2006">
-        <mc:Choice xmlns:a14="http://schemas.microsoft.com/office/drawing/2010/main" Requires="a14">
+      <mc:AlternateContent xmlns:mc="http://schemas.openxmlformats.org/markup-compatibility/2006" xmlns:a14="http://schemas.microsoft.com/office/drawing/2010/main">
+        <mc:Choice Requires="a14">
           <p:sp>
             <p:nvSpPr>
               <p:cNvPr id="3" name="Content Placeholder 2">
@@ -10276,7 +10412,7 @@
             </p:txBody>
           </p:sp>
         </mc:Choice>
-        <mc:Fallback>
+        <mc:Fallback xmlns="">
           <p:sp>
             <p:nvSpPr>
               <p:cNvPr id="3" name="Content Placeholder 2">
@@ -11245,8 +11381,11 @@
           <a:p>
             <a:r>
               <a:rPr lang="en-GB" dirty="0"/>
-              <a:t>Trying our trainer function</a:t>
-            </a:r>
+              <a:t>Trying our trainer function… Works!</a:t>
+            </a:r>
+            <a:br>
+              <a:rPr lang="en-GB" dirty="0"/>
+            </a:br>
             <a:endParaRPr lang="en-SG" dirty="0"/>
           </a:p>
         </p:txBody>
@@ -11334,8 +11473,11 @@
           <a:p>
             <a:r>
               <a:rPr lang="en-GB" dirty="0"/>
-              <a:t>Trying our trainer function</a:t>
-            </a:r>
+              <a:t>Trying our trainer function… Works!</a:t>
+            </a:r>
+            <a:br>
+              <a:rPr lang="en-GB" dirty="0"/>
+            </a:br>
             <a:endParaRPr lang="en-SG" dirty="0"/>
           </a:p>
         </p:txBody>
@@ -11423,8 +11565,11 @@
           <a:p>
             <a:r>
               <a:rPr lang="en-GB" dirty="0"/>
-              <a:t>Trying our trainer function</a:t>
-            </a:r>
+              <a:t>Trying our trainer function… Works!</a:t>
+            </a:r>
+            <a:br>
+              <a:rPr lang="en-GB" dirty="0"/>
+            </a:br>
             <a:endParaRPr lang="en-SG" dirty="0"/>
           </a:p>
         </p:txBody>
@@ -12746,7 +12891,7 @@
             </a:r>
             <a:r>
               <a:rPr lang="en-GB" dirty="0"/>
-              <a:t> will be added as an optimizer and its parameters can be passed to the </a:t>
+              <a:t> will be added as an optimizer object and can be passed to the </a:t>
             </a:r>
             <a:r>
               <a:rPr lang="en-GB" b="1" dirty="0"/>
@@ -12816,15 +12961,11 @@
             </a:r>
             <a:r>
               <a:rPr lang="en-GB" dirty="0"/>
-              <a:t>is used to update the V and S parameters in Adam. This also </a:t>
+              <a:t>is used to update the V and S parameters in Adam. </a:t>
             </a:r>
             <a:r>
               <a:rPr lang="en-GB" b="1" dirty="0"/>
-              <a:t>replaces the gradient rule update procedure entirely</a:t>
-            </a:r>
-            <a:r>
-              <a:rPr lang="en-GB" dirty="0"/>
-              <a:t> (damn!).</a:t>
+              <a:t>This also realizes the gradient rule update procedure entirely (damn!).</a:t>
             </a:r>
           </a:p>
           <a:p>
@@ -13232,8 +13373,11 @@
             </a:pPr>
             <a:r>
               <a:rPr lang="en-GB" dirty="0"/>
-              <a:t>Feel free to also have a look at the implementation of these optimizers. You should be able to recognize some concepts from Week 2!</a:t>
-            </a:r>
+              <a:t>Feel free to also have a look at the implementation of these optimizers. (You should be able to recognize some concepts from Week 2!)</a:t>
+            </a:r>
+            <a:br>
+              <a:rPr lang="en-GB" dirty="0"/>
+            </a:br>
             <a:br>
               <a:rPr lang="en-GB" dirty="0"/>
             </a:br>
@@ -13272,11 +13416,9 @@
               <a:rPr lang="en-GB" dirty="0"/>
               <a:t>implementing your own optimizer is generally a “bad” idea (takes lots of work!), but feel free to look at source codes to see what it takes!</a:t>
             </a:r>
-          </a:p>
-          <a:p>
-            <a:pPr marL="0" indent="0">
-              <a:buNone/>
-            </a:pPr>
+            <a:br>
+              <a:rPr lang="en-GB" dirty="0"/>
+            </a:br>
             <a:r>
               <a:rPr lang="en-GB" dirty="0">
                 <a:hlinkClick r:id="rId3"/>
@@ -13467,7 +13609,7 @@
             </a:r>
             <a:r>
               <a:rPr lang="en-GB" i="1" dirty="0"/>
-              <a:t> objects in the next notebook and lecture. For now, just consider that it allows to conveniently zip the data in an object that is able to shuffle and draw randomly mini-batches of data for us.)</a:t>
+              <a:t> objects in the next notebook and lecture. For now, just consider that it allows to conveniently zip the data in an object that is able to shuffle and draw random mini-batches of data for us.)</a:t>
             </a:r>
           </a:p>
           <a:p>
@@ -15673,8 +15815,8 @@
           </a:p>
         </p:txBody>
       </p:sp>
-      <mc:AlternateContent xmlns:mc="http://schemas.openxmlformats.org/markup-compatibility/2006">
-        <mc:Choice xmlns:a14="http://schemas.microsoft.com/office/drawing/2010/main" Requires="a14">
+      <mc:AlternateContent xmlns:mc="http://schemas.openxmlformats.org/markup-compatibility/2006" xmlns:a14="http://schemas.microsoft.com/office/drawing/2010/main">
+        <mc:Choice Requires="a14">
           <p:sp>
             <p:nvSpPr>
               <p:cNvPr id="3" name="Content Placeholder 2">
@@ -15969,7 +16111,7 @@
             </p:txBody>
           </p:sp>
         </mc:Choice>
-        <mc:Fallback>
+        <mc:Fallback xmlns="">
           <p:sp>
             <p:nvSpPr>
               <p:cNvPr id="3" name="Content Placeholder 2">
@@ -16109,8 +16251,8 @@
           </a:p>
         </p:txBody>
       </p:sp>
-      <mc:AlternateContent xmlns:mc="http://schemas.openxmlformats.org/markup-compatibility/2006">
-        <mc:Choice xmlns:a14="http://schemas.microsoft.com/office/drawing/2010/main" Requires="a14">
+      <mc:AlternateContent xmlns:mc="http://schemas.openxmlformats.org/markup-compatibility/2006" xmlns:a14="http://schemas.microsoft.com/office/drawing/2010/main">
+        <mc:Choice Requires="a14">
           <p:sp>
             <p:nvSpPr>
               <p:cNvPr id="11" name="Content Placeholder 10">
@@ -16333,7 +16475,7 @@
             </p:txBody>
           </p:sp>
         </mc:Choice>
-        <mc:Fallback>
+        <mc:Fallback xmlns="">
           <p:sp>
             <p:nvSpPr>
               <p:cNvPr id="11" name="Content Placeholder 10">
@@ -16443,8 +16585,8 @@
           </a:p>
         </p:txBody>
       </p:sp>
-      <mc:AlternateContent xmlns:mc="http://schemas.openxmlformats.org/markup-compatibility/2006">
-        <mc:Choice xmlns:a14="http://schemas.microsoft.com/office/drawing/2010/main" Requires="a14">
+      <mc:AlternateContent xmlns:mc="http://schemas.openxmlformats.org/markup-compatibility/2006" xmlns:a14="http://schemas.microsoft.com/office/drawing/2010/main">
+        <mc:Choice Requires="a14">
           <p:sp>
             <p:nvSpPr>
               <p:cNvPr id="11" name="Content Placeholder 10">
@@ -16943,7 +17085,7 @@
             </p:txBody>
           </p:sp>
         </mc:Choice>
-        <mc:Fallback>
+        <mc:Fallback xmlns="">
           <p:sp>
             <p:nvSpPr>
               <p:cNvPr id="11" name="Content Placeholder 10">
@@ -17129,15 +17271,7 @@
             </a:r>
             <a:r>
               <a:rPr lang="en-GB" dirty="0"/>
-              <a:t> </a:t>
-            </a:r>
-            <a:r>
-              <a:rPr lang="en-GB" dirty="0" err="1"/>
-              <a:t>frmework</a:t>
-            </a:r>
-            <a:r>
-              <a:rPr lang="en-GB" dirty="0"/>
-              <a:t>, and why we like it so much for training Neural Networks.</a:t>
+              <a:t> framework, and why we like it so much for training Neural Networks.</a:t>
             </a:r>
           </a:p>
           <a:p>

--- a/W3/2. W3S2 final/W3S2.pptx
+++ b/W3/2. W3S2 final/W3S2.pptx
@@ -5,7 +5,7 @@
     <p:sldMasterId id="2147483648" r:id="rId1"/>
   </p:sldMasterIdLst>
   <p:notesMasterIdLst>
-    <p:notesMasterId r:id="rId37"/>
+    <p:notesMasterId r:id="rId38"/>
   </p:notesMasterIdLst>
   <p:sldIdLst>
     <p:sldId id="377" r:id="rId2"/>
@@ -41,8 +41,9 @@
     <p:sldId id="394" r:id="rId32"/>
     <p:sldId id="780" r:id="rId33"/>
     <p:sldId id="395" r:id="rId34"/>
-    <p:sldId id="782" r:id="rId35"/>
-    <p:sldId id="781" r:id="rId36"/>
+    <p:sldId id="786" r:id="rId35"/>
+    <p:sldId id="782" r:id="rId36"/>
+    <p:sldId id="781" r:id="rId37"/>
   </p:sldIdLst>
   <p:sldSz cx="12192000" cy="6858000"/>
   <p:notesSz cx="6858000" cy="9144000"/>
@@ -215,6 +216,11 @@
         <p14:section name="V.3. Regularization" id="{FC804AC1-DACD-4AFE-AF3D-8D0DC3116991}">
           <p14:sldIdLst>
             <p14:sldId id="395"/>
+          </p14:sldIdLst>
+        </p14:section>
+        <p14:section name="V.4. Using Linears" id="{ECDEEBB9-B447-4508-8F5C-EC08C6957CE7}">
+          <p14:sldIdLst>
+            <p14:sldId id="786"/>
             <p14:sldId id="782"/>
             <p14:sldId id="781"/>
           </p14:sldIdLst>
@@ -231,7 +237,7 @@
 <file path=ppt/revisionInfo.xml><?xml version="1.0" encoding="utf-8"?>
 <p1510:revInfo xmlns:a="http://schemas.openxmlformats.org/drawingml/2006/main" xmlns:r="http://schemas.openxmlformats.org/officeDocument/2006/relationships" xmlns:p1510="http://schemas.microsoft.com/office/powerpoint/2015/10/main">
   <p1510:revLst>
-    <p1510:client id="{3C5169EE-A97A-435D-9C7E-3653962501C6}" v="40" dt="2024-01-21T10:08:16.662"/>
+    <p1510:client id="{3C5169EE-A97A-435D-9C7E-3653962501C6}" v="46" dt="2024-02-06T09:28:00.005"/>
   </p1510:revLst>
 </p1510:revInfo>
 </file>
@@ -240,8 +246,8 @@
 <pc:chgInfo xmlns:a="http://schemas.openxmlformats.org/drawingml/2006/main" xmlns:r="http://schemas.openxmlformats.org/officeDocument/2006/relationships" xmlns:ac="http://schemas.microsoft.com/office/drawing/2013/main/command" xmlns:pc="http://schemas.microsoft.com/office/powerpoint/2013/main/command">
   <pc:docChgLst>
     <pc:chgData name="Matthieu De Mari" userId="dfb708c9-d8dc-439f-9a3b-c772bf4a311c" providerId="ADAL" clId="{3C5169EE-A97A-435D-9C7E-3653962501C6}"/>
-    <pc:docChg chg="custSel modSld">
-      <pc:chgData name="Matthieu De Mari" userId="dfb708c9-d8dc-439f-9a3b-c772bf4a311c" providerId="ADAL" clId="{3C5169EE-A97A-435D-9C7E-3653962501C6}" dt="2024-01-21T10:12:49.414" v="91" actId="20577"/>
+    <pc:docChg chg="custSel addSld modSld addSection modSection">
+      <pc:chgData name="Matthieu De Mari" userId="dfb708c9-d8dc-439f-9a3b-c772bf4a311c" providerId="ADAL" clId="{3C5169EE-A97A-435D-9C7E-3653962501C6}" dt="2024-02-06T09:37:33.579" v="519" actId="22"/>
       <pc:docMkLst>
         <pc:docMk/>
       </pc:docMkLst>
@@ -276,13 +282,13 @@
         </pc:spChg>
       </pc:sldChg>
       <pc:sldChg chg="modSp mod">
-        <pc:chgData name="Matthieu De Mari" userId="dfb708c9-d8dc-439f-9a3b-c772bf4a311c" providerId="ADAL" clId="{3C5169EE-A97A-435D-9C7E-3653962501C6}" dt="2024-01-21T10:08:16.662" v="47" actId="20577"/>
+        <pc:chgData name="Matthieu De Mari" userId="dfb708c9-d8dc-439f-9a3b-c772bf4a311c" providerId="ADAL" clId="{3C5169EE-A97A-435D-9C7E-3653962501C6}" dt="2024-02-02T09:10:08.851" v="97" actId="5793"/>
         <pc:sldMkLst>
           <pc:docMk/>
           <pc:sldMk cId="1879463264" sldId="764"/>
         </pc:sldMkLst>
         <pc:spChg chg="mod">
-          <ac:chgData name="Matthieu De Mari" userId="dfb708c9-d8dc-439f-9a3b-c772bf4a311c" providerId="ADAL" clId="{3C5169EE-A97A-435D-9C7E-3653962501C6}" dt="2024-01-21T10:08:16.662" v="47" actId="20577"/>
+          <ac:chgData name="Matthieu De Mari" userId="dfb708c9-d8dc-439f-9a3b-c772bf4a311c" providerId="ADAL" clId="{3C5169EE-A97A-435D-9C7E-3653962501C6}" dt="2024-02-02T09:10:08.851" v="97" actId="5793"/>
           <ac:spMkLst>
             <pc:docMk/>
             <pc:sldMk cId="1879463264" sldId="764"/>
@@ -291,6 +297,21 @@
         </pc:spChg>
       </pc:sldChg>
       <pc:sldChg chg="modSp mod">
+        <pc:chgData name="Matthieu De Mari" userId="dfb708c9-d8dc-439f-9a3b-c772bf4a311c" providerId="ADAL" clId="{3C5169EE-A97A-435D-9C7E-3653962501C6}" dt="2024-02-02T09:10:42.651" v="99" actId="20577"/>
+        <pc:sldMkLst>
+          <pc:docMk/>
+          <pc:sldMk cId="2909899754" sldId="769"/>
+        </pc:sldMkLst>
+        <pc:spChg chg="mod">
+          <ac:chgData name="Matthieu De Mari" userId="dfb708c9-d8dc-439f-9a3b-c772bf4a311c" providerId="ADAL" clId="{3C5169EE-A97A-435D-9C7E-3653962501C6}" dt="2024-02-02T09:10:42.651" v="99" actId="20577"/>
+          <ac:spMkLst>
+            <pc:docMk/>
+            <pc:sldMk cId="2909899754" sldId="769"/>
+            <ac:spMk id="3" creationId="{70FF8A92-BFB5-623C-CBC8-C3AB284F9C4F}"/>
+          </ac:spMkLst>
+        </pc:spChg>
+      </pc:sldChg>
+      <pc:sldChg chg="modSp mod">
         <pc:chgData name="Matthieu De Mari" userId="dfb708c9-d8dc-439f-9a3b-c772bf4a311c" providerId="ADAL" clId="{3C5169EE-A97A-435D-9C7E-3653962501C6}" dt="2024-01-21T10:10:04.734" v="60"/>
         <pc:sldMkLst>
           <pc:docMk/>
@@ -364,6 +385,99 @@
             <ac:spMk id="3" creationId="{434F9CC2-454D-E009-C2D1-3A775BEB1B4B}"/>
           </ac:spMkLst>
         </pc:spChg>
+      </pc:sldChg>
+      <pc:sldChg chg="modSp mod">
+        <pc:chgData name="Matthieu De Mari" userId="dfb708c9-d8dc-439f-9a3b-c772bf4a311c" providerId="ADAL" clId="{3C5169EE-A97A-435D-9C7E-3653962501C6}" dt="2024-02-02T09:11:33.303" v="102" actId="5793"/>
+        <pc:sldMkLst>
+          <pc:docMk/>
+          <pc:sldMk cId="2678238830" sldId="780"/>
+        </pc:sldMkLst>
+        <pc:spChg chg="mod">
+          <ac:chgData name="Matthieu De Mari" userId="dfb708c9-d8dc-439f-9a3b-c772bf4a311c" providerId="ADAL" clId="{3C5169EE-A97A-435D-9C7E-3653962501C6}" dt="2024-02-02T09:11:33.303" v="102" actId="5793"/>
+          <ac:spMkLst>
+            <pc:docMk/>
+            <pc:sldMk cId="2678238830" sldId="780"/>
+            <ac:spMk id="4" creationId="{7B27ED01-4B43-7115-3D3C-53FF72E7590A}"/>
+          </ac:spMkLst>
+        </pc:spChg>
+      </pc:sldChg>
+      <pc:sldChg chg="addSp delSp mod">
+        <pc:chgData name="Matthieu De Mari" userId="dfb708c9-d8dc-439f-9a3b-c772bf4a311c" providerId="ADAL" clId="{3C5169EE-A97A-435D-9C7E-3653962501C6}" dt="2024-02-06T09:37:33.579" v="519" actId="22"/>
+        <pc:sldMkLst>
+          <pc:docMk/>
+          <pc:sldMk cId="3029045816" sldId="781"/>
+        </pc:sldMkLst>
+        <pc:picChg chg="add">
+          <ac:chgData name="Matthieu De Mari" userId="dfb708c9-d8dc-439f-9a3b-c772bf4a311c" providerId="ADAL" clId="{3C5169EE-A97A-435D-9C7E-3653962501C6}" dt="2024-02-06T09:37:33.579" v="519" actId="22"/>
+          <ac:picMkLst>
+            <pc:docMk/>
+            <pc:sldMk cId="3029045816" sldId="781"/>
+            <ac:picMk id="3" creationId="{5088AB5C-8CCA-062E-2B52-F8206FEF6BDF}"/>
+          </ac:picMkLst>
+        </pc:picChg>
+        <pc:picChg chg="del">
+          <ac:chgData name="Matthieu De Mari" userId="dfb708c9-d8dc-439f-9a3b-c772bf4a311c" providerId="ADAL" clId="{3C5169EE-A97A-435D-9C7E-3653962501C6}" dt="2024-02-06T09:27:02.619" v="107" actId="478"/>
+          <ac:picMkLst>
+            <pc:docMk/>
+            <pc:sldMk cId="3029045816" sldId="781"/>
+            <ac:picMk id="5" creationId="{3E023E11-7496-BE2E-7A45-955789BC0F1F}"/>
+          </ac:picMkLst>
+        </pc:picChg>
+      </pc:sldChg>
+      <pc:sldChg chg="addSp delSp modSp new mod modClrScheme chgLayout">
+        <pc:chgData name="Matthieu De Mari" userId="dfb708c9-d8dc-439f-9a3b-c772bf4a311c" providerId="ADAL" clId="{3C5169EE-A97A-435D-9C7E-3653962501C6}" dt="2024-02-06T09:37:12.215" v="518" actId="1076"/>
+        <pc:sldMkLst>
+          <pc:docMk/>
+          <pc:sldMk cId="2116083586" sldId="786"/>
+        </pc:sldMkLst>
+        <pc:spChg chg="mod ord">
+          <ac:chgData name="Matthieu De Mari" userId="dfb708c9-d8dc-439f-9a3b-c772bf4a311c" providerId="ADAL" clId="{3C5169EE-A97A-435D-9C7E-3653962501C6}" dt="2024-02-06T09:27:17.118" v="153" actId="700"/>
+          <ac:spMkLst>
+            <pc:docMk/>
+            <pc:sldMk cId="2116083586" sldId="786"/>
+            <ac:spMk id="2" creationId="{B7FB77E7-CB2D-6A18-874E-BE9479EAB217}"/>
+          </ac:spMkLst>
+        </pc:spChg>
+        <pc:spChg chg="del mod ord">
+          <ac:chgData name="Matthieu De Mari" userId="dfb708c9-d8dc-439f-9a3b-c772bf4a311c" providerId="ADAL" clId="{3C5169EE-A97A-435D-9C7E-3653962501C6}" dt="2024-02-06T09:27:17.118" v="153" actId="700"/>
+          <ac:spMkLst>
+            <pc:docMk/>
+            <pc:sldMk cId="2116083586" sldId="786"/>
+            <ac:spMk id="3" creationId="{F0197F2F-A182-3005-C55C-655C90C2D7B7}"/>
+          </ac:spMkLst>
+        </pc:spChg>
+        <pc:spChg chg="add mod ord">
+          <ac:chgData name="Matthieu De Mari" userId="dfb708c9-d8dc-439f-9a3b-c772bf4a311c" providerId="ADAL" clId="{3C5169EE-A97A-435D-9C7E-3653962501C6}" dt="2024-02-06T09:29:07.644" v="510" actId="20577"/>
+          <ac:spMkLst>
+            <pc:docMk/>
+            <pc:sldMk cId="2116083586" sldId="786"/>
+            <ac:spMk id="4" creationId="{875DF954-50B0-50B8-B602-A4BADC48B243}"/>
+          </ac:spMkLst>
+        </pc:spChg>
+        <pc:spChg chg="add del mod ord">
+          <ac:chgData name="Matthieu De Mari" userId="dfb708c9-d8dc-439f-9a3b-c772bf4a311c" providerId="ADAL" clId="{3C5169EE-A97A-435D-9C7E-3653962501C6}" dt="2024-02-06T09:29:11.470" v="511" actId="478"/>
+          <ac:spMkLst>
+            <pc:docMk/>
+            <pc:sldMk cId="2116083586" sldId="786"/>
+            <ac:spMk id="5" creationId="{D388F311-F83B-F349-93C5-287B4992F341}"/>
+          </ac:spMkLst>
+        </pc:spChg>
+        <pc:picChg chg="add del mod">
+          <ac:chgData name="Matthieu De Mari" userId="dfb708c9-d8dc-439f-9a3b-c772bf4a311c" providerId="ADAL" clId="{3C5169EE-A97A-435D-9C7E-3653962501C6}" dt="2024-02-06T09:37:04.586" v="514" actId="478"/>
+          <ac:picMkLst>
+            <pc:docMk/>
+            <pc:sldMk cId="2116083586" sldId="786"/>
+            <ac:picMk id="7" creationId="{D397F8AD-C966-779A-90C9-B7B1525228C3}"/>
+          </ac:picMkLst>
+        </pc:picChg>
+        <pc:picChg chg="add mod">
+          <ac:chgData name="Matthieu De Mari" userId="dfb708c9-d8dc-439f-9a3b-c772bf4a311c" providerId="ADAL" clId="{3C5169EE-A97A-435D-9C7E-3653962501C6}" dt="2024-02-06T09:37:12.215" v="518" actId="1076"/>
+          <ac:picMkLst>
+            <pc:docMk/>
+            <pc:sldMk cId="2116083586" sldId="786"/>
+            <ac:picMk id="9" creationId="{8EB51A59-EDBF-04FF-A358-04B81894FD97}"/>
+          </ac:picMkLst>
+        </pc:picChg>
       </pc:sldChg>
     </pc:docChg>
   </pc:docChgLst>
@@ -5218,7 +5332,7 @@
           <a:p>
             <a:fld id="{61478373-EB31-4867-8CF0-FA31364748A5}" type="datetimeFigureOut">
               <a:rPr lang="en-GB" smtClean="0"/>
-              <a:t>21/01/2024</a:t>
+              <a:t>06/02/2024</a:t>
             </a:fld>
             <a:endParaRPr lang="en-GB"/>
           </a:p>
@@ -5635,7 +5749,7 @@
           <a:p>
             <a:fld id="{E85DF616-B21E-4EF6-A6A5-95E2FB3EB1A1}" type="datetimeFigureOut">
               <a:rPr lang="en-GB" smtClean="0"/>
-              <a:t>21/01/2024</a:t>
+              <a:t>06/02/2024</a:t>
             </a:fld>
             <a:endParaRPr lang="en-GB"/>
           </a:p>
@@ -5835,7 +5949,7 @@
           <a:p>
             <a:fld id="{E85DF616-B21E-4EF6-A6A5-95E2FB3EB1A1}" type="datetimeFigureOut">
               <a:rPr lang="en-GB" smtClean="0"/>
-              <a:t>21/01/2024</a:t>
+              <a:t>06/02/2024</a:t>
             </a:fld>
             <a:endParaRPr lang="en-GB"/>
           </a:p>
@@ -6045,7 +6159,7 @@
           <a:p>
             <a:fld id="{E85DF616-B21E-4EF6-A6A5-95E2FB3EB1A1}" type="datetimeFigureOut">
               <a:rPr lang="en-GB" smtClean="0"/>
-              <a:t>21/01/2024</a:t>
+              <a:t>06/02/2024</a:t>
             </a:fld>
             <a:endParaRPr lang="en-GB"/>
           </a:p>
@@ -6245,7 +6359,7 @@
           <a:p>
             <a:fld id="{E85DF616-B21E-4EF6-A6A5-95E2FB3EB1A1}" type="datetimeFigureOut">
               <a:rPr lang="en-GB" smtClean="0"/>
-              <a:t>21/01/2024</a:t>
+              <a:t>06/02/2024</a:t>
             </a:fld>
             <a:endParaRPr lang="en-GB"/>
           </a:p>
@@ -6521,7 +6635,7 @@
           <a:p>
             <a:fld id="{E85DF616-B21E-4EF6-A6A5-95E2FB3EB1A1}" type="datetimeFigureOut">
               <a:rPr lang="en-GB" smtClean="0"/>
-              <a:t>21/01/2024</a:t>
+              <a:t>06/02/2024</a:t>
             </a:fld>
             <a:endParaRPr lang="en-GB"/>
           </a:p>
@@ -6789,7 +6903,7 @@
           <a:p>
             <a:fld id="{E85DF616-B21E-4EF6-A6A5-95E2FB3EB1A1}" type="datetimeFigureOut">
               <a:rPr lang="en-GB" smtClean="0"/>
-              <a:t>21/01/2024</a:t>
+              <a:t>06/02/2024</a:t>
             </a:fld>
             <a:endParaRPr lang="en-GB"/>
           </a:p>
@@ -7204,7 +7318,7 @@
           <a:p>
             <a:fld id="{E85DF616-B21E-4EF6-A6A5-95E2FB3EB1A1}" type="datetimeFigureOut">
               <a:rPr lang="en-GB" smtClean="0"/>
-              <a:t>21/01/2024</a:t>
+              <a:t>06/02/2024</a:t>
             </a:fld>
             <a:endParaRPr lang="en-GB"/>
           </a:p>
@@ -7346,7 +7460,7 @@
           <a:p>
             <a:fld id="{E85DF616-B21E-4EF6-A6A5-95E2FB3EB1A1}" type="datetimeFigureOut">
               <a:rPr lang="en-GB" smtClean="0"/>
-              <a:t>21/01/2024</a:t>
+              <a:t>06/02/2024</a:t>
             </a:fld>
             <a:endParaRPr lang="en-GB"/>
           </a:p>
@@ -7459,7 +7573,7 @@
           <a:p>
             <a:fld id="{E85DF616-B21E-4EF6-A6A5-95E2FB3EB1A1}" type="datetimeFigureOut">
               <a:rPr lang="en-GB" smtClean="0"/>
-              <a:t>21/01/2024</a:t>
+              <a:t>06/02/2024</a:t>
             </a:fld>
             <a:endParaRPr lang="en-GB"/>
           </a:p>
@@ -7772,7 +7886,7 @@
           <a:p>
             <a:fld id="{E85DF616-B21E-4EF6-A6A5-95E2FB3EB1A1}" type="datetimeFigureOut">
               <a:rPr lang="en-GB" smtClean="0"/>
-              <a:t>21/01/2024</a:t>
+              <a:t>06/02/2024</a:t>
             </a:fld>
             <a:endParaRPr lang="en-GB"/>
           </a:p>
@@ -8061,7 +8175,7 @@
           <a:p>
             <a:fld id="{E85DF616-B21E-4EF6-A6A5-95E2FB3EB1A1}" type="datetimeFigureOut">
               <a:rPr lang="en-GB" smtClean="0"/>
-              <a:t>21/01/2024</a:t>
+              <a:t>06/02/2024</a:t>
             </a:fld>
             <a:endParaRPr lang="en-GB"/>
           </a:p>
@@ -8304,7 +8418,7 @@
           <a:p>
             <a:fld id="{E85DF616-B21E-4EF6-A6A5-95E2FB3EB1A1}" type="datetimeFigureOut">
               <a:rPr lang="en-GB" smtClean="0"/>
-              <a:t>21/01/2024</a:t>
+              <a:t>06/02/2024</a:t>
             </a:fld>
             <a:endParaRPr lang="en-GB"/>
           </a:p>
@@ -9008,8 +9122,8 @@
           </a:p>
         </p:txBody>
       </p:sp>
-      <mc:AlternateContent xmlns:mc="http://schemas.openxmlformats.org/markup-compatibility/2006">
-        <mc:Choice xmlns:a14="http://schemas.microsoft.com/office/drawing/2010/main" Requires="a14">
+      <mc:AlternateContent xmlns:mc="http://schemas.openxmlformats.org/markup-compatibility/2006" xmlns:a14="http://schemas.microsoft.com/office/drawing/2010/main">
+        <mc:Choice Requires="a14">
           <p:sp>
             <p:nvSpPr>
               <p:cNvPr id="5" name="Content Placeholder 4">
@@ -9073,18 +9187,16 @@
                   <a:rPr lang="en-GB" b="1" dirty="0"/>
                   <a:t>Hints that there should be a way to automate differentiation!</a:t>
                 </a:r>
+                <a:endParaRPr lang="en-GB" b="1" dirty="0">
+                  <a:solidFill>
+                    <a:srgbClr val="7030A0"/>
+                  </a:solidFill>
+                </a:endParaRPr>
               </a:p>
               <a:p>
                 <a:pPr marL="0" indent="0">
                   <a:buNone/>
                 </a:pPr>
-                <a:br>
-                  <a:rPr lang="en-GB" b="1" dirty="0">
-                    <a:solidFill>
-                      <a:srgbClr val="7030A0"/>
-                    </a:solidFill>
-                  </a:rPr>
-                </a:br>
                 <a:r>
                   <a:rPr lang="en-GB" b="1" dirty="0">
                     <a:solidFill>
@@ -9131,7 +9243,7 @@
             </p:txBody>
           </p:sp>
         </mc:Choice>
-        <mc:Fallback>
+        <mc:Fallback xmlns="">
           <p:sp>
             <p:nvSpPr>
               <p:cNvPr id="5" name="Content Placeholder 4">
@@ -9156,7 +9268,7 @@
               <a:blipFill>
                 <a:blip r:embed="rId2"/>
                 <a:stretch>
-                  <a:fillRect l="-2577" t="-2663" r="-2320" b="-1211"/>
+                  <a:fillRect l="-2577" t="-2663" r="-2320"/>
                 </a:stretch>
               </a:blipFill>
             </p:spPr>
@@ -12174,7 +12286,7 @@
             </a:r>
             <a:r>
               <a:rPr lang="en-GB" b="1" dirty="0" err="1"/>
-              <a:t>PyTorchMetrics</a:t>
+              <a:t>TorchMetrics</a:t>
             </a:r>
             <a:r>
               <a:rPr lang="en-GB" dirty="0"/>
@@ -14679,7 +14791,7 @@
         </p:spPr>
         <p:txBody>
           <a:bodyPr>
-            <a:normAutofit/>
+            <a:normAutofit lnSpcReduction="10000"/>
           </a:bodyPr>
           <a:lstStyle/>
           <a:p>
@@ -14721,6 +14833,11 @@
               <a:rPr lang="en-GB" dirty="0"/>
               <a:t>.</a:t>
             </a:r>
+          </a:p>
+          <a:p>
+            <a:pPr marL="0" indent="0">
+              <a:buNone/>
+            </a:pPr>
             <a:br>
               <a:rPr lang="en-GB" dirty="0"/>
             </a:br>
@@ -15136,6 +15253,278 @@
       </p:grpSpPr>
       <p:sp>
         <p:nvSpPr>
+          <p:cNvPr id="2" name="Title 1">
+            <a:extLst>
+              <a:ext uri="{FF2B5EF4-FFF2-40B4-BE49-F238E27FC236}">
+                <a16:creationId xmlns:a16="http://schemas.microsoft.com/office/drawing/2014/main" id="{B7FB77E7-CB2D-6A18-874E-BE9479EAB217}"/>
+              </a:ext>
+            </a:extLst>
+          </p:cNvPr>
+          <p:cNvSpPr>
+            <a:spLocks noGrp="1"/>
+          </p:cNvSpPr>
+          <p:nvPr>
+            <p:ph type="title"/>
+          </p:nvPr>
+        </p:nvSpPr>
+        <p:spPr/>
+        <p:txBody>
+          <a:bodyPr/>
+          <a:lstStyle/>
+          <a:p>
+            <a:r>
+              <a:rPr lang="en-GB" dirty="0"/>
+              <a:t>Last but not least, using layers prototypes</a:t>
+            </a:r>
+          </a:p>
+        </p:txBody>
+      </p:sp>
+      <mc:AlternateContent xmlns:mc="http://schemas.openxmlformats.org/markup-compatibility/2006">
+        <mc:Choice xmlns:a14="http://schemas.microsoft.com/office/drawing/2010/main" Requires="a14">
+          <p:sp>
+            <p:nvSpPr>
+              <p:cNvPr id="4" name="Content Placeholder 3">
+                <a:extLst>
+                  <a:ext uri="{FF2B5EF4-FFF2-40B4-BE49-F238E27FC236}">
+                    <a16:creationId xmlns:a16="http://schemas.microsoft.com/office/drawing/2014/main" id="{875DF954-50B0-50B8-B602-A4BADC48B243}"/>
+                  </a:ext>
+                </a:extLst>
+              </p:cNvPr>
+              <p:cNvSpPr>
+                <a:spLocks noGrp="1"/>
+              </p:cNvSpPr>
+              <p:nvPr>
+                <p:ph sz="half" idx="1"/>
+              </p:nvPr>
+            </p:nvSpPr>
+            <p:spPr>
+              <a:xfrm>
+                <a:off x="838200" y="1825624"/>
+                <a:ext cx="5181600" cy="5032375"/>
+              </a:xfrm>
+            </p:spPr>
+            <p:txBody>
+              <a:bodyPr>
+                <a:normAutofit lnSpcReduction="10000"/>
+              </a:bodyPr>
+              <a:lstStyle/>
+              <a:p>
+                <a:pPr marL="0" indent="0">
+                  <a:buNone/>
+                </a:pPr>
+                <a:r>
+                  <a:rPr lang="en-GB" dirty="0"/>
+                  <a:t>We could:</a:t>
+                </a:r>
+              </a:p>
+              <a:p>
+                <a:r>
+                  <a:rPr lang="en-GB" dirty="0"/>
+                  <a:t>Define the trainable parameters,</a:t>
+                </a:r>
+              </a:p>
+              <a:p>
+                <a:r>
+                  <a:rPr lang="en-GB" dirty="0"/>
+                  <a:t>And the operation </a:t>
+                </a:r>
+                <a14:m>
+                  <m:oMath xmlns:m="http://schemas.openxmlformats.org/officeDocument/2006/math">
+                    <m:r>
+                      <a:rPr lang="en-GB" i="1" dirty="0" smtClean="0">
+                        <a:latin typeface="Cambria Math" panose="02040503050406030204" pitchFamily="18" charset="0"/>
+                      </a:rPr>
+                      <m:t>𝑊𝑋</m:t>
+                    </m:r>
+                    <m:r>
+                      <a:rPr lang="en-GB" i="1" dirty="0" smtClean="0">
+                        <a:latin typeface="Cambria Math" panose="02040503050406030204" pitchFamily="18" charset="0"/>
+                      </a:rPr>
+                      <m:t>+</m:t>
+                    </m:r>
+                    <m:r>
+                      <a:rPr lang="en-GB" i="1" dirty="0" smtClean="0">
+                        <a:latin typeface="Cambria Math" panose="02040503050406030204" pitchFamily="18" charset="0"/>
+                      </a:rPr>
+                      <m:t>𝑏</m:t>
+                    </m:r>
+                    <m:r>
+                      <a:rPr lang="en-GB" i="1" dirty="0" smtClean="0">
+                        <a:latin typeface="Cambria Math" panose="02040503050406030204" pitchFamily="18" charset="0"/>
+                      </a:rPr>
+                      <m:t> </m:t>
+                    </m:r>
+                  </m:oMath>
+                </a14:m>
+                <a:r>
+                  <a:rPr lang="en-GB" dirty="0"/>
+                  <a:t>to use in a given layer,</a:t>
+                </a:r>
+              </a:p>
+              <a:p>
+                <a:pPr marL="0" indent="0">
+                  <a:buNone/>
+                </a:pPr>
+                <a:r>
+                  <a:rPr lang="en-GB" dirty="0"/>
+                  <a:t>All at once, by using the </a:t>
+                </a:r>
+                <a:r>
+                  <a:rPr lang="en-GB" b="1" dirty="0">
+                    <a:solidFill>
+                      <a:schemeClr val="accent2"/>
+                    </a:solidFill>
+                  </a:rPr>
+                  <a:t>Linear() </a:t>
+                </a:r>
+                <a:r>
+                  <a:rPr lang="en-GB" dirty="0"/>
+                  <a:t>layer prototype available in </a:t>
+                </a:r>
+                <a:r>
+                  <a:rPr lang="en-GB" dirty="0" err="1"/>
+                  <a:t>PyTorch</a:t>
+                </a:r>
+                <a:r>
+                  <a:rPr lang="en-GB" dirty="0"/>
+                  <a:t>!</a:t>
+                </a:r>
+              </a:p>
+              <a:p>
+                <a:pPr marL="0" indent="0">
+                  <a:buNone/>
+                </a:pPr>
+                <a:r>
+                  <a:rPr lang="en-GB" dirty="0"/>
+                  <a:t>We simply use the layer and call it as a function in the forward method!</a:t>
+                </a:r>
+              </a:p>
+              <a:p>
+                <a:pPr marL="0" indent="0">
+                  <a:buNone/>
+                </a:pPr>
+                <a:r>
+                  <a:rPr lang="en-GB" dirty="0"/>
+                  <a:t>And remove the Parameter objects in our __</a:t>
+                </a:r>
+                <a:r>
+                  <a:rPr lang="en-GB" dirty="0" err="1"/>
+                  <a:t>init</a:t>
+                </a:r>
+                <a:r>
+                  <a:rPr lang="en-GB" dirty="0"/>
+                  <a:t>__!</a:t>
+                </a:r>
+              </a:p>
+            </p:txBody>
+          </p:sp>
+        </mc:Choice>
+        <mc:Fallback>
+          <p:sp>
+            <p:nvSpPr>
+              <p:cNvPr id="4" name="Content Placeholder 3">
+                <a:extLst>
+                  <a:ext uri="{FF2B5EF4-FFF2-40B4-BE49-F238E27FC236}">
+                    <a16:creationId xmlns:a16="http://schemas.microsoft.com/office/drawing/2014/main" id="{875DF954-50B0-50B8-B602-A4BADC48B243}"/>
+                  </a:ext>
+                </a:extLst>
+              </p:cNvPr>
+              <p:cNvSpPr>
+                <a:spLocks noGrp="1" noRot="1" noChangeAspect="1" noMove="1" noResize="1" noEditPoints="1" noAdjustHandles="1" noChangeArrowheads="1" noChangeShapeType="1" noTextEdit="1"/>
+              </p:cNvSpPr>
+              <p:nvPr>
+                <p:ph sz="half" idx="1"/>
+              </p:nvPr>
+            </p:nvSpPr>
+            <p:spPr>
+              <a:xfrm>
+                <a:off x="838200" y="1825624"/>
+                <a:ext cx="5181600" cy="5032375"/>
+              </a:xfrm>
+              <a:blipFill>
+                <a:blip r:embed="rId2"/>
+                <a:stretch>
+                  <a:fillRect l="-2471" t="-2663" r="-1765"/>
+                </a:stretch>
+              </a:blipFill>
+            </p:spPr>
+            <p:txBody>
+              <a:bodyPr/>
+              <a:lstStyle/>
+              <a:p>
+                <a:r>
+                  <a:rPr lang="en-GB">
+                    <a:noFill/>
+                  </a:rPr>
+                  <a:t> </a:t>
+                </a:r>
+              </a:p>
+            </p:txBody>
+          </p:sp>
+        </mc:Fallback>
+      </mc:AlternateContent>
+      <p:pic>
+        <p:nvPicPr>
+          <p:cNvPr id="9" name="Picture 8">
+            <a:extLst>
+              <a:ext uri="{FF2B5EF4-FFF2-40B4-BE49-F238E27FC236}">
+                <a16:creationId xmlns:a16="http://schemas.microsoft.com/office/drawing/2014/main" id="{8EB51A59-EDBF-04FF-A358-04B81894FD97}"/>
+              </a:ext>
+            </a:extLst>
+          </p:cNvPr>
+          <p:cNvPicPr>
+            <a:picLocks noChangeAspect="1"/>
+          </p:cNvPicPr>
+          <p:nvPr/>
+        </p:nvPicPr>
+        <p:blipFill>
+          <a:blip r:embed="rId3"/>
+          <a:stretch>
+            <a:fillRect/>
+          </a:stretch>
+        </p:blipFill>
+        <p:spPr>
+          <a:xfrm>
+            <a:off x="6315777" y="1690688"/>
+            <a:ext cx="5876223" cy="4446031"/>
+          </a:xfrm>
+          <a:prstGeom prst="rect">
+            <a:avLst/>
+          </a:prstGeom>
+        </p:spPr>
+      </p:pic>
+    </p:spTree>
+    <p:extLst>
+      <p:ext uri="{BB962C8B-B14F-4D97-AF65-F5344CB8AC3E}">
+        <p14:creationId xmlns:p14="http://schemas.microsoft.com/office/powerpoint/2010/main" val="2116083586"/>
+      </p:ext>
+    </p:extLst>
+  </p:cSld>
+  <p:clrMapOvr>
+    <a:masterClrMapping/>
+  </p:clrMapOvr>
+</p:sld>
+</file>
+
+<file path=ppt/slides/slide35.xml><?xml version="1.0" encoding="utf-8"?>
+<p:sld xmlns:a="http://schemas.openxmlformats.org/drawingml/2006/main" xmlns:r="http://schemas.openxmlformats.org/officeDocument/2006/relationships" xmlns:p="http://schemas.openxmlformats.org/presentationml/2006/main">
+  <p:cSld>
+    <p:spTree>
+      <p:nvGrpSpPr>
+        <p:cNvPr id="1" name=""/>
+        <p:cNvGrpSpPr/>
+        <p:nvPr/>
+      </p:nvGrpSpPr>
+      <p:grpSpPr>
+        <a:xfrm>
+          <a:off x="0" y="0"/>
+          <a:ext cx="0" cy="0"/>
+          <a:chOff x="0" y="0"/>
+          <a:chExt cx="0" cy="0"/>
+        </a:xfrm>
+      </p:grpSpPr>
+      <p:sp>
+        <p:nvSpPr>
           <p:cNvPr id="5" name="Title 4">
             <a:extLst>
               <a:ext uri="{FF2B5EF4-FFF2-40B4-BE49-F238E27FC236}">
@@ -15287,7 +15676,7 @@
 </p:sld>
 </file>
 
-<file path=ppt/slides/slide35.xml><?xml version="1.0" encoding="utf-8"?>
+<file path=ppt/slides/slide36.xml><?xml version="1.0" encoding="utf-8"?>
 <p:sld xmlns:a="http://schemas.openxmlformats.org/drawingml/2006/main" xmlns:r="http://schemas.openxmlformats.org/officeDocument/2006/relationships" xmlns:p="http://schemas.openxmlformats.org/presentationml/2006/main">
   <p:cSld>
     <p:spTree>
@@ -15306,10 +15695,10 @@
       </p:grpSpPr>
       <p:pic>
         <p:nvPicPr>
-          <p:cNvPr id="5" name="Picture 4">
+          <p:cNvPr id="3" name="Picture 2">
             <a:extLst>
               <a:ext uri="{FF2B5EF4-FFF2-40B4-BE49-F238E27FC236}">
-                <a16:creationId xmlns:a16="http://schemas.microsoft.com/office/drawing/2014/main" id="{3E023E11-7496-BE2E-7A45-955789BC0F1F}"/>
+                <a16:creationId xmlns:a16="http://schemas.microsoft.com/office/drawing/2014/main" id="{5088AB5C-8CCA-062E-2B52-F8206FEF6BDF}"/>
               </a:ext>
             </a:extLst>
           </p:cNvPr>
@@ -15326,8 +15715,8 @@
         </p:blipFill>
         <p:spPr>
           <a:xfrm>
-            <a:off x="1473593" y="0"/>
-            <a:ext cx="9244814" cy="6858000"/>
+            <a:off x="1480493" y="209100"/>
+            <a:ext cx="9231013" cy="6439799"/>
           </a:xfrm>
           <a:prstGeom prst="rect">
             <a:avLst/>

--- a/W3/2. W3S2 final/W3S2.pptx
+++ b/W3/2. W3S2 final/W3S2.pptx
@@ -5,7 +5,7 @@
     <p:sldMasterId id="2147483648" r:id="rId1"/>
   </p:sldMasterIdLst>
   <p:notesMasterIdLst>
-    <p:notesMasterId r:id="rId38"/>
+    <p:notesMasterId r:id="rId39"/>
   </p:notesMasterIdLst>
   <p:sldIdLst>
     <p:sldId id="377" r:id="rId2"/>
@@ -15,35 +15,36 @@
     <p:sldId id="650" r:id="rId6"/>
     <p:sldId id="387" r:id="rId7"/>
     <p:sldId id="761" r:id="rId8"/>
-    <p:sldId id="762" r:id="rId9"/>
-    <p:sldId id="763" r:id="rId10"/>
-    <p:sldId id="764" r:id="rId11"/>
+    <p:sldId id="787" r:id="rId9"/>
+    <p:sldId id="762" r:id="rId10"/>
+    <p:sldId id="763" r:id="rId11"/>
     <p:sldId id="388" r:id="rId12"/>
     <p:sldId id="765" r:id="rId13"/>
-    <p:sldId id="389" r:id="rId14"/>
-    <p:sldId id="766" r:id="rId15"/>
-    <p:sldId id="767" r:id="rId16"/>
-    <p:sldId id="768" r:id="rId17"/>
-    <p:sldId id="390" r:id="rId18"/>
-    <p:sldId id="770" r:id="rId19"/>
-    <p:sldId id="771" r:id="rId20"/>
-    <p:sldId id="769" r:id="rId21"/>
-    <p:sldId id="772" r:id="rId22"/>
-    <p:sldId id="773" r:id="rId23"/>
-    <p:sldId id="774" r:id="rId24"/>
-    <p:sldId id="391" r:id="rId25"/>
-    <p:sldId id="775" r:id="rId26"/>
-    <p:sldId id="776" r:id="rId27"/>
-    <p:sldId id="777" r:id="rId28"/>
-    <p:sldId id="778" r:id="rId29"/>
-    <p:sldId id="779" r:id="rId30"/>
-    <p:sldId id="392" r:id="rId31"/>
-    <p:sldId id="394" r:id="rId32"/>
-    <p:sldId id="780" r:id="rId33"/>
-    <p:sldId id="395" r:id="rId34"/>
-    <p:sldId id="786" r:id="rId35"/>
-    <p:sldId id="782" r:id="rId36"/>
-    <p:sldId id="781" r:id="rId37"/>
+    <p:sldId id="764" r:id="rId14"/>
+    <p:sldId id="389" r:id="rId15"/>
+    <p:sldId id="766" r:id="rId16"/>
+    <p:sldId id="767" r:id="rId17"/>
+    <p:sldId id="768" r:id="rId18"/>
+    <p:sldId id="390" r:id="rId19"/>
+    <p:sldId id="770" r:id="rId20"/>
+    <p:sldId id="771" r:id="rId21"/>
+    <p:sldId id="769" r:id="rId22"/>
+    <p:sldId id="772" r:id="rId23"/>
+    <p:sldId id="773" r:id="rId24"/>
+    <p:sldId id="774" r:id="rId25"/>
+    <p:sldId id="391" r:id="rId26"/>
+    <p:sldId id="775" r:id="rId27"/>
+    <p:sldId id="776" r:id="rId28"/>
+    <p:sldId id="777" r:id="rId29"/>
+    <p:sldId id="778" r:id="rId30"/>
+    <p:sldId id="779" r:id="rId31"/>
+    <p:sldId id="392" r:id="rId32"/>
+    <p:sldId id="394" r:id="rId33"/>
+    <p:sldId id="780" r:id="rId34"/>
+    <p:sldId id="395" r:id="rId35"/>
+    <p:sldId id="786" r:id="rId36"/>
+    <p:sldId id="782" r:id="rId37"/>
+    <p:sldId id="781" r:id="rId38"/>
   </p:sldIdLst>
   <p:sldSz cx="12192000" cy="6858000"/>
   <p:notesSz cx="6858000" cy="9144000"/>
@@ -162,9 +163,9 @@
           <p14:sldIdLst>
             <p14:sldId id="387"/>
             <p14:sldId id="761"/>
+            <p14:sldId id="787"/>
             <p14:sldId id="762"/>
             <p14:sldId id="763"/>
-            <p14:sldId id="764"/>
           </p14:sldIdLst>
         </p14:section>
         <p14:section name="III.2. Implementing a simple gradient descent" id="{76A3535D-AB29-4E9E-8C0A-231B2FE96A38}">
@@ -175,6 +176,7 @@
         </p14:section>
         <p14:section name="III.3. Backpropagation and no_grad()" id="{CB5D7E1A-1513-4D06-AD0A-63CEC9F8E7C4}">
           <p14:sldIdLst>
+            <p14:sldId id="764"/>
             <p14:sldId id="389"/>
             <p14:sldId id="766"/>
             <p14:sldId id="767"/>
@@ -237,7 +239,7 @@
 <file path=ppt/revisionInfo.xml><?xml version="1.0" encoding="utf-8"?>
 <p1510:revInfo xmlns:a="http://schemas.openxmlformats.org/drawingml/2006/main" xmlns:r="http://schemas.openxmlformats.org/officeDocument/2006/relationships" xmlns:p1510="http://schemas.microsoft.com/office/powerpoint/2015/10/main">
   <p1510:revLst>
-    <p1510:client id="{3C5169EE-A97A-435D-9C7E-3653962501C6}" v="46" dt="2024-02-06T09:28:00.005"/>
+    <p1510:client id="{3C5169EE-A97A-435D-9C7E-3653962501C6}" v="52" dt="2024-02-07T02:57:32.286"/>
   </p1510:revLst>
 </p1510:revInfo>
 </file>
@@ -246,8 +248,8 @@
 <pc:chgInfo xmlns:a="http://schemas.openxmlformats.org/drawingml/2006/main" xmlns:r="http://schemas.openxmlformats.org/officeDocument/2006/relationships" xmlns:ac="http://schemas.microsoft.com/office/drawing/2013/main/command" xmlns:pc="http://schemas.microsoft.com/office/powerpoint/2013/main/command">
   <pc:docChgLst>
     <pc:chgData name="Matthieu De Mari" userId="dfb708c9-d8dc-439f-9a3b-c772bf4a311c" providerId="ADAL" clId="{3C5169EE-A97A-435D-9C7E-3653962501C6}"/>
-    <pc:docChg chg="custSel addSld modSld addSection modSection">
-      <pc:chgData name="Matthieu De Mari" userId="dfb708c9-d8dc-439f-9a3b-c772bf4a311c" providerId="ADAL" clId="{3C5169EE-A97A-435D-9C7E-3653962501C6}" dt="2024-02-06T09:37:33.579" v="519" actId="22"/>
+    <pc:docChg chg="custSel addSld modSld sldOrd addSection modSection">
+      <pc:chgData name="Matthieu De Mari" userId="dfb708c9-d8dc-439f-9a3b-c772bf4a311c" providerId="ADAL" clId="{3C5169EE-A97A-435D-9C7E-3653962501C6}" dt="2024-02-07T02:59:22.033" v="1066" actId="207"/>
       <pc:docMkLst>
         <pc:docMk/>
       </pc:docMkLst>
@@ -266,6 +268,21 @@
           </ac:spMkLst>
         </pc:spChg>
       </pc:sldChg>
+      <pc:sldChg chg="modSp">
+        <pc:chgData name="Matthieu De Mari" userId="dfb708c9-d8dc-439f-9a3b-c772bf4a311c" providerId="ADAL" clId="{3C5169EE-A97A-435D-9C7E-3653962501C6}" dt="2024-02-07T02:53:35.472" v="520" actId="20577"/>
+        <pc:sldMkLst>
+          <pc:docMk/>
+          <pc:sldMk cId="1546007078" sldId="762"/>
+        </pc:sldMkLst>
+        <pc:spChg chg="mod">
+          <ac:chgData name="Matthieu De Mari" userId="dfb708c9-d8dc-439f-9a3b-c772bf4a311c" providerId="ADAL" clId="{3C5169EE-A97A-435D-9C7E-3653962501C6}" dt="2024-02-07T02:53:35.472" v="520" actId="20577"/>
+          <ac:spMkLst>
+            <pc:docMk/>
+            <pc:sldMk cId="1546007078" sldId="762"/>
+            <ac:spMk id="11" creationId="{0EEC07FE-D839-07DF-7C1A-CDBE72FE6BB9}"/>
+          </ac:spMkLst>
+        </pc:spChg>
+      </pc:sldChg>
       <pc:sldChg chg="modSp mod">
         <pc:chgData name="Matthieu De Mari" userId="dfb708c9-d8dc-439f-9a3b-c772bf4a311c" providerId="ADAL" clId="{3C5169EE-A97A-435D-9C7E-3653962501C6}" dt="2024-01-21T10:07:13.728" v="0" actId="20577"/>
         <pc:sldMkLst>
@@ -281,12 +298,20 @@
           </ac:spMkLst>
         </pc:spChg>
       </pc:sldChg>
-      <pc:sldChg chg="modSp mod">
-        <pc:chgData name="Matthieu De Mari" userId="dfb708c9-d8dc-439f-9a3b-c772bf4a311c" providerId="ADAL" clId="{3C5169EE-A97A-435D-9C7E-3653962501C6}" dt="2024-02-02T09:10:08.851" v="97" actId="5793"/>
+      <pc:sldChg chg="modSp mod ord">
+        <pc:chgData name="Matthieu De Mari" userId="dfb708c9-d8dc-439f-9a3b-c772bf4a311c" providerId="ADAL" clId="{3C5169EE-A97A-435D-9C7E-3653962501C6}" dt="2024-02-07T02:54:43.303" v="539" actId="20578"/>
         <pc:sldMkLst>
           <pc:docMk/>
           <pc:sldMk cId="1879463264" sldId="764"/>
         </pc:sldMkLst>
+        <pc:spChg chg="mod">
+          <ac:chgData name="Matthieu De Mari" userId="dfb708c9-d8dc-439f-9a3b-c772bf4a311c" providerId="ADAL" clId="{3C5169EE-A97A-435D-9C7E-3653962501C6}" dt="2024-02-07T02:54:35.093" v="538" actId="14100"/>
+          <ac:spMkLst>
+            <pc:docMk/>
+            <pc:sldMk cId="1879463264" sldId="764"/>
+            <ac:spMk id="2" creationId="{219F4681-3E05-3370-3E46-11417BFE0CA3}"/>
+          </ac:spMkLst>
+        </pc:spChg>
         <pc:spChg chg="mod">
           <ac:chgData name="Matthieu De Mari" userId="dfb708c9-d8dc-439f-9a3b-c772bf4a311c" providerId="ADAL" clId="{3C5169EE-A97A-435D-9C7E-3653962501C6}" dt="2024-02-02T09:10:08.851" v="97" actId="5793"/>
           <ac:spMkLst>
@@ -424,8 +449,23 @@
           </ac:picMkLst>
         </pc:picChg>
       </pc:sldChg>
+      <pc:sldChg chg="modSp mod">
+        <pc:chgData name="Matthieu De Mari" userId="dfb708c9-d8dc-439f-9a3b-c772bf4a311c" providerId="ADAL" clId="{3C5169EE-A97A-435D-9C7E-3653962501C6}" dt="2024-02-07T02:59:22.033" v="1066" actId="207"/>
+        <pc:sldMkLst>
+          <pc:docMk/>
+          <pc:sldMk cId="639852900" sldId="783"/>
+        </pc:sldMkLst>
+        <pc:spChg chg="mod">
+          <ac:chgData name="Matthieu De Mari" userId="dfb708c9-d8dc-439f-9a3b-c772bf4a311c" providerId="ADAL" clId="{3C5169EE-A97A-435D-9C7E-3653962501C6}" dt="2024-02-07T02:59:22.033" v="1066" actId="207"/>
+          <ac:spMkLst>
+            <pc:docMk/>
+            <pc:sldMk cId="639852900" sldId="783"/>
+            <ac:spMk id="3" creationId="{65B58308-C101-BC04-E972-00C74DE5080B}"/>
+          </ac:spMkLst>
+        </pc:spChg>
+      </pc:sldChg>
       <pc:sldChg chg="addSp delSp modSp new mod modClrScheme chgLayout">
-        <pc:chgData name="Matthieu De Mari" userId="dfb708c9-d8dc-439f-9a3b-c772bf4a311c" providerId="ADAL" clId="{3C5169EE-A97A-435D-9C7E-3653962501C6}" dt="2024-02-06T09:37:12.215" v="518" actId="1076"/>
+        <pc:chgData name="Matthieu De Mari" userId="dfb708c9-d8dc-439f-9a3b-c772bf4a311c" providerId="ADAL" clId="{3C5169EE-A97A-435D-9C7E-3653962501C6}" dt="2024-02-07T02:58:48.139" v="1065" actId="12"/>
         <pc:sldMkLst>
           <pc:docMk/>
           <pc:sldMk cId="2116083586" sldId="786"/>
@@ -447,7 +487,7 @@
           </ac:spMkLst>
         </pc:spChg>
         <pc:spChg chg="add mod ord">
-          <ac:chgData name="Matthieu De Mari" userId="dfb708c9-d8dc-439f-9a3b-c772bf4a311c" providerId="ADAL" clId="{3C5169EE-A97A-435D-9C7E-3653962501C6}" dt="2024-02-06T09:29:07.644" v="510" actId="20577"/>
+          <ac:chgData name="Matthieu De Mari" userId="dfb708c9-d8dc-439f-9a3b-c772bf4a311c" providerId="ADAL" clId="{3C5169EE-A97A-435D-9C7E-3653962501C6}" dt="2024-02-07T02:58:48.139" v="1065" actId="12"/>
           <ac:spMkLst>
             <pc:docMk/>
             <pc:sldMk cId="2116083586" sldId="786"/>
@@ -478,6 +518,21 @@
             <ac:picMk id="9" creationId="{8EB51A59-EDBF-04FF-A358-04B81894FD97}"/>
           </ac:picMkLst>
         </pc:picChg>
+      </pc:sldChg>
+      <pc:sldChg chg="modSp add mod">
+        <pc:chgData name="Matthieu De Mari" userId="dfb708c9-d8dc-439f-9a3b-c772bf4a311c" providerId="ADAL" clId="{3C5169EE-A97A-435D-9C7E-3653962501C6}" dt="2024-02-07T02:57:41.537" v="971" actId="113"/>
+        <pc:sldMkLst>
+          <pc:docMk/>
+          <pc:sldMk cId="1002846102" sldId="787"/>
+        </pc:sldMkLst>
+        <pc:spChg chg="mod">
+          <ac:chgData name="Matthieu De Mari" userId="dfb708c9-d8dc-439f-9a3b-c772bf4a311c" providerId="ADAL" clId="{3C5169EE-A97A-435D-9C7E-3653962501C6}" dt="2024-02-07T02:57:41.537" v="971" actId="113"/>
+          <ac:spMkLst>
+            <pc:docMk/>
+            <pc:sldMk cId="1002846102" sldId="787"/>
+            <ac:spMk id="11" creationId="{982DA01D-CDF4-6F03-220D-18E06E9ABA89}"/>
+          </ac:spMkLst>
+        </pc:spChg>
       </pc:sldChg>
     </pc:docChg>
   </pc:docChgLst>
@@ -5332,7 +5387,7 @@
           <a:p>
             <a:fld id="{61478373-EB31-4867-8CF0-FA31364748A5}" type="datetimeFigureOut">
               <a:rPr lang="en-GB" smtClean="0"/>
-              <a:t>06/02/2024</a:t>
+              <a:t>07/02/2024</a:t>
             </a:fld>
             <a:endParaRPr lang="en-GB"/>
           </a:p>
@@ -5749,7 +5804,7 @@
           <a:p>
             <a:fld id="{E85DF616-B21E-4EF6-A6A5-95E2FB3EB1A1}" type="datetimeFigureOut">
               <a:rPr lang="en-GB" smtClean="0"/>
-              <a:t>06/02/2024</a:t>
+              <a:t>07/02/2024</a:t>
             </a:fld>
             <a:endParaRPr lang="en-GB"/>
           </a:p>
@@ -5949,7 +6004,7 @@
           <a:p>
             <a:fld id="{E85DF616-B21E-4EF6-A6A5-95E2FB3EB1A1}" type="datetimeFigureOut">
               <a:rPr lang="en-GB" smtClean="0"/>
-              <a:t>06/02/2024</a:t>
+              <a:t>07/02/2024</a:t>
             </a:fld>
             <a:endParaRPr lang="en-GB"/>
           </a:p>
@@ -6159,7 +6214,7 @@
           <a:p>
             <a:fld id="{E85DF616-B21E-4EF6-A6A5-95E2FB3EB1A1}" type="datetimeFigureOut">
               <a:rPr lang="en-GB" smtClean="0"/>
-              <a:t>06/02/2024</a:t>
+              <a:t>07/02/2024</a:t>
             </a:fld>
             <a:endParaRPr lang="en-GB"/>
           </a:p>
@@ -6359,7 +6414,7 @@
           <a:p>
             <a:fld id="{E85DF616-B21E-4EF6-A6A5-95E2FB3EB1A1}" type="datetimeFigureOut">
               <a:rPr lang="en-GB" smtClean="0"/>
-              <a:t>06/02/2024</a:t>
+              <a:t>07/02/2024</a:t>
             </a:fld>
             <a:endParaRPr lang="en-GB"/>
           </a:p>
@@ -6635,7 +6690,7 @@
           <a:p>
             <a:fld id="{E85DF616-B21E-4EF6-A6A5-95E2FB3EB1A1}" type="datetimeFigureOut">
               <a:rPr lang="en-GB" smtClean="0"/>
-              <a:t>06/02/2024</a:t>
+              <a:t>07/02/2024</a:t>
             </a:fld>
             <a:endParaRPr lang="en-GB"/>
           </a:p>
@@ -6903,7 +6958,7 @@
           <a:p>
             <a:fld id="{E85DF616-B21E-4EF6-A6A5-95E2FB3EB1A1}" type="datetimeFigureOut">
               <a:rPr lang="en-GB" smtClean="0"/>
-              <a:t>06/02/2024</a:t>
+              <a:t>07/02/2024</a:t>
             </a:fld>
             <a:endParaRPr lang="en-GB"/>
           </a:p>
@@ -7318,7 +7373,7 @@
           <a:p>
             <a:fld id="{E85DF616-B21E-4EF6-A6A5-95E2FB3EB1A1}" type="datetimeFigureOut">
               <a:rPr lang="en-GB" smtClean="0"/>
-              <a:t>06/02/2024</a:t>
+              <a:t>07/02/2024</a:t>
             </a:fld>
             <a:endParaRPr lang="en-GB"/>
           </a:p>
@@ -7460,7 +7515,7 @@
           <a:p>
             <a:fld id="{E85DF616-B21E-4EF6-A6A5-95E2FB3EB1A1}" type="datetimeFigureOut">
               <a:rPr lang="en-GB" smtClean="0"/>
-              <a:t>06/02/2024</a:t>
+              <a:t>07/02/2024</a:t>
             </a:fld>
             <a:endParaRPr lang="en-GB"/>
           </a:p>
@@ -7573,7 +7628,7 @@
           <a:p>
             <a:fld id="{E85DF616-B21E-4EF6-A6A5-95E2FB3EB1A1}" type="datetimeFigureOut">
               <a:rPr lang="en-GB" smtClean="0"/>
-              <a:t>06/02/2024</a:t>
+              <a:t>07/02/2024</a:t>
             </a:fld>
             <a:endParaRPr lang="en-GB"/>
           </a:p>
@@ -7886,7 +7941,7 @@
           <a:p>
             <a:fld id="{E85DF616-B21E-4EF6-A6A5-95E2FB3EB1A1}" type="datetimeFigureOut">
               <a:rPr lang="en-GB" smtClean="0"/>
-              <a:t>06/02/2024</a:t>
+              <a:t>07/02/2024</a:t>
             </a:fld>
             <a:endParaRPr lang="en-GB"/>
           </a:p>
@@ -8175,7 +8230,7 @@
           <a:p>
             <a:fld id="{E85DF616-B21E-4EF6-A6A5-95E2FB3EB1A1}" type="datetimeFigureOut">
               <a:rPr lang="en-GB" smtClean="0"/>
-              <a:t>06/02/2024</a:t>
+              <a:t>07/02/2024</a:t>
             </a:fld>
             <a:endParaRPr lang="en-GB"/>
           </a:p>
@@ -8418,7 +8473,7 @@
           <a:p>
             <a:fld id="{E85DF616-B21E-4EF6-A6A5-95E2FB3EB1A1}" type="datetimeFigureOut">
               <a:rPr lang="en-GB" smtClean="0"/>
-              <a:t>06/02/2024</a:t>
+              <a:t>07/02/2024</a:t>
             </a:fld>
             <a:endParaRPr lang="en-GB"/>
           </a:p>
@@ -9111,428 +9166,119 @@
               <a:rPr lang="en-GB" dirty="0" err="1"/>
               <a:t>Autograd</a:t>
             </a:r>
-            <a:br>
-              <a:rPr lang="en-GB" dirty="0"/>
-            </a:br>
-            <a:r>
-              <a:rPr lang="en-GB" dirty="0"/>
-              <a:t>intuition</a:t>
+            <a:r>
+              <a:rPr lang="en-GB" dirty="0"/>
+              <a:t>, in short</a:t>
             </a:r>
             <a:endParaRPr lang="en-SG" dirty="0"/>
-          </a:p>
-        </p:txBody>
-      </p:sp>
-      <mc:AlternateContent xmlns:mc="http://schemas.openxmlformats.org/markup-compatibility/2006" xmlns:a14="http://schemas.microsoft.com/office/drawing/2010/main">
-        <mc:Choice Requires="a14">
-          <p:sp>
-            <p:nvSpPr>
-              <p:cNvPr id="5" name="Content Placeholder 4">
-                <a:extLst>
-                  <a:ext uri="{FF2B5EF4-FFF2-40B4-BE49-F238E27FC236}">
-                    <a16:creationId xmlns:a16="http://schemas.microsoft.com/office/drawing/2014/main" id="{1A87BA25-5926-816A-6E16-0F90D4B62FB8}"/>
-                  </a:ext>
-                </a:extLst>
-              </p:cNvPr>
-              <p:cNvSpPr>
-                <a:spLocks noGrp="1"/>
-              </p:cNvSpPr>
-              <p:nvPr>
-                <p:ph idx="1"/>
-              </p:nvPr>
-            </p:nvSpPr>
-            <p:spPr>
-              <a:xfrm>
-                <a:off x="508000" y="1825624"/>
-                <a:ext cx="4726487" cy="5032375"/>
-              </a:xfrm>
-            </p:spPr>
-            <p:txBody>
-              <a:bodyPr>
-                <a:normAutofit lnSpcReduction="10000"/>
-              </a:bodyPr>
-              <a:lstStyle/>
-              <a:p>
-                <a:pPr marL="0" indent="0">
-                  <a:buNone/>
-                </a:pPr>
-                <a:r>
-                  <a:rPr lang="en-GB" dirty="0"/>
-                  <a:t>Recall Week 2 Notebook 8, our three-layers model.</a:t>
-                </a:r>
-              </a:p>
-              <a:p>
-                <a:r>
-                  <a:rPr lang="en-GB" dirty="0"/>
-                  <a:t>We can </a:t>
-                </a:r>
-                <a:r>
-                  <a:rPr lang="en-GB" b="1" dirty="0"/>
-                  <a:t>recognize</a:t>
-                </a:r>
-                <a:r>
-                  <a:rPr lang="en-GB" dirty="0"/>
-                  <a:t> </a:t>
-                </a:r>
-                <a:r>
-                  <a:rPr lang="en-GB" b="1" dirty="0"/>
-                  <a:t>patterns</a:t>
-                </a:r>
-                <a:r>
-                  <a:rPr lang="en-GB" dirty="0"/>
-                  <a:t> in the way to calculate derivatives and gradient descent update rules.</a:t>
-                </a:r>
-              </a:p>
-              <a:p>
-                <a:r>
-                  <a:rPr lang="en-GB" b="1" dirty="0"/>
-                  <a:t>Hints that there should be a way to automate differentiation!</a:t>
-                </a:r>
-                <a:endParaRPr lang="en-GB" b="1" dirty="0">
-                  <a:solidFill>
-                    <a:srgbClr val="7030A0"/>
-                  </a:solidFill>
-                </a:endParaRPr>
-              </a:p>
-              <a:p>
-                <a:pPr marL="0" indent="0">
-                  <a:buNone/>
-                </a:pPr>
-                <a:r>
-                  <a:rPr lang="en-GB" b="1" dirty="0">
-                    <a:solidFill>
-                      <a:srgbClr val="7030A0"/>
-                    </a:solidFill>
-                  </a:rPr>
-                  <a:t>Practice: </a:t>
-                </a:r>
-                <a:r>
-                  <a:rPr lang="en-GB" dirty="0">
-                    <a:solidFill>
-                      <a:srgbClr val="7030A0"/>
-                    </a:solidFill>
-                  </a:rPr>
-                  <a:t>automate the gradient descent rule process for any number </a:t>
-                </a:r>
-                <a14:m>
-                  <m:oMath xmlns:m="http://schemas.openxmlformats.org/officeDocument/2006/math">
-                    <m:r>
-                      <a:rPr lang="en-GB" i="1" dirty="0" smtClean="0">
-                        <a:solidFill>
-                          <a:srgbClr val="7030A0"/>
-                        </a:solidFill>
-                        <a:latin typeface="Cambria Math" panose="02040503050406030204" pitchFamily="18" charset="0"/>
-                      </a:rPr>
-                      <m:t>𝑁</m:t>
-                    </m:r>
-                  </m:oMath>
-                </a14:m>
-                <a:r>
-                  <a:rPr lang="en-GB" dirty="0">
-                    <a:solidFill>
-                      <a:srgbClr val="7030A0"/>
-                    </a:solidFill>
-                  </a:rPr>
-                  <a:t> of layers?</a:t>
-                </a:r>
-                <a:endParaRPr lang="en-SG" dirty="0">
-                  <a:solidFill>
-                    <a:srgbClr val="7030A0"/>
-                  </a:solidFill>
-                </a:endParaRPr>
-              </a:p>
-            </p:txBody>
-          </p:sp>
-        </mc:Choice>
-        <mc:Fallback xmlns="">
-          <p:sp>
-            <p:nvSpPr>
-              <p:cNvPr id="5" name="Content Placeholder 4">
-                <a:extLst>
-                  <a:ext uri="{FF2B5EF4-FFF2-40B4-BE49-F238E27FC236}">
-                    <a16:creationId xmlns:a16="http://schemas.microsoft.com/office/drawing/2014/main" id="{1A87BA25-5926-816A-6E16-0F90D4B62FB8}"/>
-                  </a:ext>
-                </a:extLst>
-              </p:cNvPr>
-              <p:cNvSpPr>
-                <a:spLocks noGrp="1" noRot="1" noChangeAspect="1" noMove="1" noResize="1" noEditPoints="1" noAdjustHandles="1" noChangeArrowheads="1" noChangeShapeType="1" noTextEdit="1"/>
-              </p:cNvSpPr>
-              <p:nvPr>
-                <p:ph idx="1"/>
-              </p:nvPr>
-            </p:nvSpPr>
-            <p:spPr>
-              <a:xfrm>
-                <a:off x="508000" y="1825624"/>
-                <a:ext cx="4726487" cy="5032375"/>
-              </a:xfrm>
-              <a:blipFill>
-                <a:blip r:embed="rId2"/>
-                <a:stretch>
-                  <a:fillRect l="-2577" t="-2663" r="-2320"/>
-                </a:stretch>
-              </a:blipFill>
-            </p:spPr>
-            <p:txBody>
-              <a:bodyPr/>
-              <a:lstStyle/>
-              <a:p>
-                <a:r>
-                  <a:rPr lang="en-GB">
-                    <a:noFill/>
-                  </a:rPr>
-                  <a:t> </a:t>
-                </a:r>
-              </a:p>
-            </p:txBody>
-          </p:sp>
-        </mc:Fallback>
-      </mc:AlternateContent>
-      <p:pic>
-        <p:nvPicPr>
-          <p:cNvPr id="4" name="Picture 3">
-            <a:extLst>
-              <a:ext uri="{FF2B5EF4-FFF2-40B4-BE49-F238E27FC236}">
-                <a16:creationId xmlns:a16="http://schemas.microsoft.com/office/drawing/2014/main" id="{11D096F0-0255-2417-C5F6-A8EFB107AF87}"/>
-              </a:ext>
-            </a:extLst>
-          </p:cNvPr>
-          <p:cNvPicPr>
-            <a:picLocks noChangeAspect="1"/>
-          </p:cNvPicPr>
-          <p:nvPr/>
-        </p:nvPicPr>
-        <p:blipFill>
-          <a:blip r:embed="rId3"/>
-          <a:stretch>
-            <a:fillRect/>
-          </a:stretch>
-        </p:blipFill>
-        <p:spPr>
-          <a:xfrm>
-            <a:off x="5234489" y="577024"/>
-            <a:ext cx="6916115" cy="5915851"/>
-          </a:xfrm>
-          <a:prstGeom prst="rect">
-            <a:avLst/>
-          </a:prstGeom>
-        </p:spPr>
-      </p:pic>
-      <p:sp>
-        <p:nvSpPr>
-          <p:cNvPr id="6" name="Rectangle 5">
-            <a:extLst>
-              <a:ext uri="{FF2B5EF4-FFF2-40B4-BE49-F238E27FC236}">
-                <a16:creationId xmlns:a16="http://schemas.microsoft.com/office/drawing/2014/main" id="{B71B8432-2941-E985-296B-548380048287}"/>
-              </a:ext>
-            </a:extLst>
-          </p:cNvPr>
-          <p:cNvSpPr/>
-          <p:nvPr/>
-        </p:nvSpPr>
-        <p:spPr>
-          <a:xfrm>
-            <a:off x="6347930" y="5830278"/>
-            <a:ext cx="5802673" cy="662598"/>
-          </a:xfrm>
-          <a:prstGeom prst="rect">
-            <a:avLst/>
-          </a:prstGeom>
-          <a:noFill/>
-          <a:ln w="38100">
-            <a:solidFill>
-              <a:schemeClr val="accent2"/>
-            </a:solidFill>
-            <a:prstDash val="sysDash"/>
-          </a:ln>
-        </p:spPr>
-        <p:style>
-          <a:lnRef idx="2">
-            <a:schemeClr val="accent1">
-              <a:shade val="50000"/>
-            </a:schemeClr>
-          </a:lnRef>
-          <a:fillRef idx="1">
-            <a:schemeClr val="accent1"/>
-          </a:fillRef>
-          <a:effectRef idx="0">
-            <a:schemeClr val="accent1"/>
-          </a:effectRef>
-          <a:fontRef idx="minor">
-            <a:schemeClr val="lt1"/>
-          </a:fontRef>
-        </p:style>
-        <p:txBody>
-          <a:bodyPr rtlCol="0" anchor="ctr"/>
-          <a:lstStyle/>
-          <a:p>
-            <a:pPr algn="ctr"/>
-            <a:endParaRPr lang="en-SG"/>
           </a:p>
         </p:txBody>
       </p:sp>
       <p:sp>
         <p:nvSpPr>
-          <p:cNvPr id="7" name="Rectangle 6">
+          <p:cNvPr id="5" name="Content Placeholder 4">
             <a:extLst>
               <a:ext uri="{FF2B5EF4-FFF2-40B4-BE49-F238E27FC236}">
-                <a16:creationId xmlns:a16="http://schemas.microsoft.com/office/drawing/2014/main" id="{6F218B3D-3CEC-F710-D995-1AFFD1565B4A}"/>
+                <a16:creationId xmlns:a16="http://schemas.microsoft.com/office/drawing/2014/main" id="{1A87BA25-5926-816A-6E16-0F90D4B62FB8}"/>
               </a:ext>
             </a:extLst>
           </p:cNvPr>
-          <p:cNvSpPr/>
-          <p:nvPr/>
-        </p:nvSpPr>
-        <p:spPr>
-          <a:xfrm flipV="1">
-            <a:off x="6347930" y="5212862"/>
-            <a:ext cx="5802673" cy="617416"/>
-          </a:xfrm>
-          <a:prstGeom prst="rect">
-            <a:avLst/>
-          </a:prstGeom>
-          <a:noFill/>
-          <a:ln w="38100">
-            <a:solidFill>
-              <a:schemeClr val="accent2"/>
-            </a:solidFill>
-            <a:prstDash val="sysDash"/>
-          </a:ln>
-        </p:spPr>
-        <p:style>
-          <a:lnRef idx="2">
-            <a:schemeClr val="accent1">
-              <a:shade val="50000"/>
-            </a:schemeClr>
-          </a:lnRef>
-          <a:fillRef idx="1">
-            <a:schemeClr val="accent1"/>
-          </a:fillRef>
-          <a:effectRef idx="0">
-            <a:schemeClr val="accent1"/>
-          </a:effectRef>
-          <a:fontRef idx="minor">
-            <a:schemeClr val="lt1"/>
-          </a:fontRef>
-        </p:style>
-        <p:txBody>
-          <a:bodyPr rtlCol="0" anchor="ctr"/>
-          <a:lstStyle/>
-          <a:p>
-            <a:pPr algn="ctr"/>
-            <a:endParaRPr lang="en-SG"/>
-          </a:p>
-        </p:txBody>
-      </p:sp>
-      <p:sp>
-        <p:nvSpPr>
-          <p:cNvPr id="8" name="Rectangle 7">
-            <a:extLst>
-              <a:ext uri="{FF2B5EF4-FFF2-40B4-BE49-F238E27FC236}">
-                <a16:creationId xmlns:a16="http://schemas.microsoft.com/office/drawing/2014/main" id="{48FBEB34-F974-353C-F986-6F7C897CC38D}"/>
-              </a:ext>
-            </a:extLst>
-          </p:cNvPr>
-          <p:cNvSpPr/>
-          <p:nvPr/>
+          <p:cNvSpPr>
+            <a:spLocks noGrp="1"/>
+          </p:cNvSpPr>
+          <p:nvPr>
+            <p:ph idx="1"/>
+          </p:nvPr>
         </p:nvSpPr>
         <p:spPr>
           <a:xfrm>
-            <a:off x="6347930" y="4064000"/>
-            <a:ext cx="4134339" cy="812800"/>
+            <a:off x="838200" y="1825624"/>
+            <a:ext cx="10515600" cy="5032375"/>
           </a:xfrm>
-          <a:prstGeom prst="rect">
-            <a:avLst/>
-          </a:prstGeom>
-          <a:noFill/>
-          <a:ln w="38100">
-            <a:solidFill>
-              <a:schemeClr val="accent2"/>
-            </a:solidFill>
-            <a:prstDash val="sysDash"/>
-          </a:ln>
         </p:spPr>
-        <p:style>
-          <a:lnRef idx="2">
-            <a:schemeClr val="accent1">
-              <a:shade val="50000"/>
-            </a:schemeClr>
-          </a:lnRef>
-          <a:fillRef idx="1">
-            <a:schemeClr val="accent1"/>
-          </a:fillRef>
-          <a:effectRef idx="0">
-            <a:schemeClr val="accent1"/>
-          </a:effectRef>
-          <a:fontRef idx="minor">
-            <a:schemeClr val="lt1"/>
-          </a:fontRef>
-        </p:style>
         <p:txBody>
-          <a:bodyPr rtlCol="0" anchor="ctr"/>
+          <a:bodyPr>
+            <a:normAutofit/>
+          </a:bodyPr>
           <a:lstStyle/>
           <a:p>
-            <a:pPr algn="ctr"/>
-            <a:endParaRPr lang="en-SG"/>
-          </a:p>
-        </p:txBody>
-      </p:sp>
-      <p:sp>
-        <p:nvSpPr>
-          <p:cNvPr id="9" name="Rectangle 8">
-            <a:extLst>
-              <a:ext uri="{FF2B5EF4-FFF2-40B4-BE49-F238E27FC236}">
-                <a16:creationId xmlns:a16="http://schemas.microsoft.com/office/drawing/2014/main" id="{EA98C24F-C098-48AA-2AEA-65A891013313}"/>
-              </a:ext>
-            </a:extLst>
-          </p:cNvPr>
-          <p:cNvSpPr/>
-          <p:nvPr/>
-        </p:nvSpPr>
-        <p:spPr>
-          <a:xfrm>
-            <a:off x="6347930" y="3493477"/>
-            <a:ext cx="4134339" cy="570523"/>
-          </a:xfrm>
-          <a:prstGeom prst="rect">
-            <a:avLst/>
-          </a:prstGeom>
-          <a:noFill/>
-          <a:ln w="38100">
-            <a:solidFill>
-              <a:schemeClr val="accent2"/>
-            </a:solidFill>
-            <a:prstDash val="sysDash"/>
-          </a:ln>
-        </p:spPr>
-        <p:style>
-          <a:lnRef idx="2">
-            <a:schemeClr val="accent1">
-              <a:shade val="50000"/>
-            </a:schemeClr>
-          </a:lnRef>
-          <a:fillRef idx="1">
-            <a:schemeClr val="accent1"/>
-          </a:fillRef>
-          <a:effectRef idx="0">
-            <a:schemeClr val="accent1"/>
-          </a:effectRef>
-          <a:fontRef idx="minor">
-            <a:schemeClr val="lt1"/>
-          </a:fontRef>
-        </p:style>
-        <p:txBody>
-          <a:bodyPr rtlCol="0" anchor="ctr"/>
-          <a:lstStyle/>
-          <a:p>
-            <a:pPr algn="ctr"/>
-            <a:endParaRPr lang="en-SG"/>
+            <a:pPr marL="0" indent="0">
+              <a:buNone/>
+            </a:pPr>
+            <a:r>
+              <a:rPr lang="en-GB" dirty="0"/>
+              <a:t>The </a:t>
+            </a:r>
+            <a:r>
+              <a:rPr lang="en-GB" b="1" dirty="0" err="1"/>
+              <a:t>autograd</a:t>
+            </a:r>
+            <a:r>
+              <a:rPr lang="en-GB" dirty="0"/>
+              <a:t> is one of the most powerful features of the </a:t>
+            </a:r>
+            <a:r>
+              <a:rPr lang="en-GB" dirty="0" err="1"/>
+              <a:t>PyTorch</a:t>
+            </a:r>
+            <a:r>
+              <a:rPr lang="en-GB" dirty="0"/>
+              <a:t> framework, and why we like it so much for training Neural Networks.</a:t>
+            </a:r>
+          </a:p>
+          <a:p>
+            <a:r>
+              <a:rPr lang="en-GB" b="1" dirty="0"/>
+              <a:t>Thanks to </a:t>
+            </a:r>
+            <a:r>
+              <a:rPr lang="en-GB" b="1" dirty="0" err="1"/>
+              <a:t>autograd</a:t>
+            </a:r>
+            <a:r>
+              <a:rPr lang="en-GB" b="1" dirty="0"/>
+              <a:t>, we do not need to calculate the gradients for any of our future gradient descent rules, manually again! (yay!)</a:t>
+            </a:r>
+          </a:p>
+          <a:p>
+            <a:r>
+              <a:rPr lang="en-GB" dirty="0"/>
+              <a:t>The counterpart however is that all operation must involve tensors and must use </a:t>
+            </a:r>
+            <a:r>
+              <a:rPr lang="en-GB" dirty="0" err="1"/>
+              <a:t>PyTorch</a:t>
+            </a:r>
+            <a:r>
+              <a:rPr lang="en-GB" dirty="0"/>
+              <a:t> functions and methods... (but that is ok).</a:t>
+            </a:r>
+          </a:p>
+          <a:p>
+            <a:r>
+              <a:rPr lang="en-GB" dirty="0"/>
+              <a:t>You do not need to know how it implements the computation of all gradients in the background, but if you are curious, have a look at: </a:t>
+            </a:r>
+            <a:r>
+              <a:rPr lang="en-GB" dirty="0">
+                <a:hlinkClick r:id="rId2"/>
+              </a:rPr>
+              <a:t>https://pytorch.org/blog/computational-graphs-constructed-in-pytorch/</a:t>
+            </a:r>
+            <a:r>
+              <a:rPr lang="en-GB" dirty="0"/>
+              <a:t>.</a:t>
+            </a:r>
+          </a:p>
+          <a:p>
+            <a:endParaRPr lang="en-SG" dirty="0"/>
           </a:p>
         </p:txBody>
       </p:sp>
     </p:spTree>
     <p:extLst>
       <p:ext uri="{BB962C8B-B14F-4D97-AF65-F5344CB8AC3E}">
-        <p14:creationId xmlns:p14="http://schemas.microsoft.com/office/powerpoint/2010/main" val="1879463264"/>
+        <p14:creationId xmlns:p14="http://schemas.microsoft.com/office/powerpoint/2010/main" val="2580175991"/>
       </p:ext>
     </p:extLst>
   </p:cSld>
@@ -10633,7 +10379,7 @@
           <p:cNvPr id="2" name="Title 1">
             <a:extLst>
               <a:ext uri="{FF2B5EF4-FFF2-40B4-BE49-F238E27FC236}">
-                <a16:creationId xmlns:a16="http://schemas.microsoft.com/office/drawing/2014/main" id="{62DF8571-F31A-11B4-26C7-2C202A57B4A3}"/>
+                <a16:creationId xmlns:a16="http://schemas.microsoft.com/office/drawing/2014/main" id="{219F4681-3E05-3370-3E46-11417BFE0CA3}"/>
               </a:ext>
             </a:extLst>
           </p:cNvPr>
@@ -10644,172 +10390,435 @@
             <p:ph type="title"/>
           </p:nvPr>
         </p:nvSpPr>
-        <p:spPr/>
+        <p:spPr>
+          <a:xfrm>
+            <a:off x="508000" y="365125"/>
+            <a:ext cx="10845800" cy="1325563"/>
+          </a:xfrm>
+        </p:spPr>
         <p:txBody>
           <a:bodyPr/>
           <a:lstStyle/>
           <a:p>
             <a:r>
               <a:rPr lang="en-GB" dirty="0"/>
-              <a:t>Rewriting our backpropagation</a:t>
+              <a:t>Intuition for our NN</a:t>
             </a:r>
             <a:endParaRPr lang="en-SG" dirty="0"/>
+          </a:p>
+        </p:txBody>
+      </p:sp>
+      <mc:AlternateContent xmlns:mc="http://schemas.openxmlformats.org/markup-compatibility/2006" xmlns:a14="http://schemas.microsoft.com/office/drawing/2010/main">
+        <mc:Choice Requires="a14">
+          <p:sp>
+            <p:nvSpPr>
+              <p:cNvPr id="5" name="Content Placeholder 4">
+                <a:extLst>
+                  <a:ext uri="{FF2B5EF4-FFF2-40B4-BE49-F238E27FC236}">
+                    <a16:creationId xmlns:a16="http://schemas.microsoft.com/office/drawing/2014/main" id="{1A87BA25-5926-816A-6E16-0F90D4B62FB8}"/>
+                  </a:ext>
+                </a:extLst>
+              </p:cNvPr>
+              <p:cNvSpPr>
+                <a:spLocks noGrp="1"/>
+              </p:cNvSpPr>
+              <p:nvPr>
+                <p:ph idx="1"/>
+              </p:nvPr>
+            </p:nvSpPr>
+            <p:spPr>
+              <a:xfrm>
+                <a:off x="508000" y="1825624"/>
+                <a:ext cx="4726487" cy="5032375"/>
+              </a:xfrm>
+            </p:spPr>
+            <p:txBody>
+              <a:bodyPr>
+                <a:normAutofit lnSpcReduction="10000"/>
+              </a:bodyPr>
+              <a:lstStyle/>
+              <a:p>
+                <a:pPr marL="0" indent="0">
+                  <a:buNone/>
+                </a:pPr>
+                <a:r>
+                  <a:rPr lang="en-GB" dirty="0"/>
+                  <a:t>Recall Week 2 Notebook 8, our three-layers model.</a:t>
+                </a:r>
+              </a:p>
+              <a:p>
+                <a:r>
+                  <a:rPr lang="en-GB" dirty="0"/>
+                  <a:t>We can </a:t>
+                </a:r>
+                <a:r>
+                  <a:rPr lang="en-GB" b="1" dirty="0"/>
+                  <a:t>recognize</a:t>
+                </a:r>
+                <a:r>
+                  <a:rPr lang="en-GB" dirty="0"/>
+                  <a:t> </a:t>
+                </a:r>
+                <a:r>
+                  <a:rPr lang="en-GB" b="1" dirty="0"/>
+                  <a:t>patterns</a:t>
+                </a:r>
+                <a:r>
+                  <a:rPr lang="en-GB" dirty="0"/>
+                  <a:t> in the way to calculate derivatives and gradient descent update rules.</a:t>
+                </a:r>
+              </a:p>
+              <a:p>
+                <a:r>
+                  <a:rPr lang="en-GB" b="1" dirty="0"/>
+                  <a:t>Hints that there should be a way to automate differentiation!</a:t>
+                </a:r>
+                <a:endParaRPr lang="en-GB" b="1" dirty="0">
+                  <a:solidFill>
+                    <a:srgbClr val="7030A0"/>
+                  </a:solidFill>
+                </a:endParaRPr>
+              </a:p>
+              <a:p>
+                <a:pPr marL="0" indent="0">
+                  <a:buNone/>
+                </a:pPr>
+                <a:r>
+                  <a:rPr lang="en-GB" b="1" dirty="0">
+                    <a:solidFill>
+                      <a:srgbClr val="7030A0"/>
+                    </a:solidFill>
+                  </a:rPr>
+                  <a:t>Practice: </a:t>
+                </a:r>
+                <a:r>
+                  <a:rPr lang="en-GB" dirty="0">
+                    <a:solidFill>
+                      <a:srgbClr val="7030A0"/>
+                    </a:solidFill>
+                  </a:rPr>
+                  <a:t>automate the gradient descent rule process for any number </a:t>
+                </a:r>
+                <a14:m>
+                  <m:oMath xmlns:m="http://schemas.openxmlformats.org/officeDocument/2006/math">
+                    <m:r>
+                      <a:rPr lang="en-GB" i="1" dirty="0" smtClean="0">
+                        <a:solidFill>
+                          <a:srgbClr val="7030A0"/>
+                        </a:solidFill>
+                        <a:latin typeface="Cambria Math" panose="02040503050406030204" pitchFamily="18" charset="0"/>
+                      </a:rPr>
+                      <m:t>𝑁</m:t>
+                    </m:r>
+                  </m:oMath>
+                </a14:m>
+                <a:r>
+                  <a:rPr lang="en-GB" dirty="0">
+                    <a:solidFill>
+                      <a:srgbClr val="7030A0"/>
+                    </a:solidFill>
+                  </a:rPr>
+                  <a:t> of layers?</a:t>
+                </a:r>
+                <a:endParaRPr lang="en-SG" dirty="0">
+                  <a:solidFill>
+                    <a:srgbClr val="7030A0"/>
+                  </a:solidFill>
+                </a:endParaRPr>
+              </a:p>
+            </p:txBody>
+          </p:sp>
+        </mc:Choice>
+        <mc:Fallback xmlns="">
+          <p:sp>
+            <p:nvSpPr>
+              <p:cNvPr id="5" name="Content Placeholder 4">
+                <a:extLst>
+                  <a:ext uri="{FF2B5EF4-FFF2-40B4-BE49-F238E27FC236}">
+                    <a16:creationId xmlns:a16="http://schemas.microsoft.com/office/drawing/2014/main" id="{1A87BA25-5926-816A-6E16-0F90D4B62FB8}"/>
+                  </a:ext>
+                </a:extLst>
+              </p:cNvPr>
+              <p:cNvSpPr>
+                <a:spLocks noGrp="1" noRot="1" noChangeAspect="1" noMove="1" noResize="1" noEditPoints="1" noAdjustHandles="1" noChangeArrowheads="1" noChangeShapeType="1" noTextEdit="1"/>
+              </p:cNvSpPr>
+              <p:nvPr>
+                <p:ph idx="1"/>
+              </p:nvPr>
+            </p:nvSpPr>
+            <p:spPr>
+              <a:xfrm>
+                <a:off x="508000" y="1825624"/>
+                <a:ext cx="4726487" cy="5032375"/>
+              </a:xfrm>
+              <a:blipFill>
+                <a:blip r:embed="rId2"/>
+                <a:stretch>
+                  <a:fillRect l="-2577" t="-2663" r="-2320"/>
+                </a:stretch>
+              </a:blipFill>
+            </p:spPr>
+            <p:txBody>
+              <a:bodyPr/>
+              <a:lstStyle/>
+              <a:p>
+                <a:r>
+                  <a:rPr lang="en-GB">
+                    <a:noFill/>
+                  </a:rPr>
+                  <a:t> </a:t>
+                </a:r>
+              </a:p>
+            </p:txBody>
+          </p:sp>
+        </mc:Fallback>
+      </mc:AlternateContent>
+      <p:pic>
+        <p:nvPicPr>
+          <p:cNvPr id="4" name="Picture 3">
+            <a:extLst>
+              <a:ext uri="{FF2B5EF4-FFF2-40B4-BE49-F238E27FC236}">
+                <a16:creationId xmlns:a16="http://schemas.microsoft.com/office/drawing/2014/main" id="{11D096F0-0255-2417-C5F6-A8EFB107AF87}"/>
+              </a:ext>
+            </a:extLst>
+          </p:cNvPr>
+          <p:cNvPicPr>
+            <a:picLocks noChangeAspect="1"/>
+          </p:cNvPicPr>
+          <p:nvPr/>
+        </p:nvPicPr>
+        <p:blipFill>
+          <a:blip r:embed="rId3"/>
+          <a:stretch>
+            <a:fillRect/>
+          </a:stretch>
+        </p:blipFill>
+        <p:spPr>
+          <a:xfrm>
+            <a:off x="5234489" y="577024"/>
+            <a:ext cx="6916115" cy="5915851"/>
+          </a:xfrm>
+          <a:prstGeom prst="rect">
+            <a:avLst/>
+          </a:prstGeom>
+        </p:spPr>
+      </p:pic>
+      <p:sp>
+        <p:nvSpPr>
+          <p:cNvPr id="6" name="Rectangle 5">
+            <a:extLst>
+              <a:ext uri="{FF2B5EF4-FFF2-40B4-BE49-F238E27FC236}">
+                <a16:creationId xmlns:a16="http://schemas.microsoft.com/office/drawing/2014/main" id="{B71B8432-2941-E985-296B-548380048287}"/>
+              </a:ext>
+            </a:extLst>
+          </p:cNvPr>
+          <p:cNvSpPr/>
+          <p:nvPr/>
+        </p:nvSpPr>
+        <p:spPr>
+          <a:xfrm>
+            <a:off x="6347930" y="5830278"/>
+            <a:ext cx="5802673" cy="662598"/>
+          </a:xfrm>
+          <a:prstGeom prst="rect">
+            <a:avLst/>
+          </a:prstGeom>
+          <a:noFill/>
+          <a:ln w="38100">
+            <a:solidFill>
+              <a:schemeClr val="accent2"/>
+            </a:solidFill>
+            <a:prstDash val="sysDash"/>
+          </a:ln>
+        </p:spPr>
+        <p:style>
+          <a:lnRef idx="2">
+            <a:schemeClr val="accent1">
+              <a:shade val="50000"/>
+            </a:schemeClr>
+          </a:lnRef>
+          <a:fillRef idx="1">
+            <a:schemeClr val="accent1"/>
+          </a:fillRef>
+          <a:effectRef idx="0">
+            <a:schemeClr val="accent1"/>
+          </a:effectRef>
+          <a:fontRef idx="minor">
+            <a:schemeClr val="lt1"/>
+          </a:fontRef>
+        </p:style>
+        <p:txBody>
+          <a:bodyPr rtlCol="0" anchor="ctr"/>
+          <a:lstStyle/>
+          <a:p>
+            <a:pPr algn="ctr"/>
+            <a:endParaRPr lang="en-SG"/>
           </a:p>
         </p:txBody>
       </p:sp>
       <p:sp>
         <p:nvSpPr>
-          <p:cNvPr id="3" name="Content Placeholder 2">
+          <p:cNvPr id="7" name="Rectangle 6">
             <a:extLst>
               <a:ext uri="{FF2B5EF4-FFF2-40B4-BE49-F238E27FC236}">
-                <a16:creationId xmlns:a16="http://schemas.microsoft.com/office/drawing/2014/main" id="{6C4142A3-3578-C842-742A-3495AD72B776}"/>
+                <a16:creationId xmlns:a16="http://schemas.microsoft.com/office/drawing/2014/main" id="{6F218B3D-3CEC-F710-D995-1AFFD1565B4A}"/>
               </a:ext>
             </a:extLst>
           </p:cNvPr>
-          <p:cNvSpPr>
-            <a:spLocks noGrp="1"/>
-          </p:cNvSpPr>
-          <p:nvPr>
-            <p:ph idx="1"/>
-          </p:nvPr>
+          <p:cNvSpPr/>
+          <p:nvPr/>
+        </p:nvSpPr>
+        <p:spPr>
+          <a:xfrm flipV="1">
+            <a:off x="6347930" y="5212862"/>
+            <a:ext cx="5802673" cy="617416"/>
+          </a:xfrm>
+          <a:prstGeom prst="rect">
+            <a:avLst/>
+          </a:prstGeom>
+          <a:noFill/>
+          <a:ln w="38100">
+            <a:solidFill>
+              <a:schemeClr val="accent2"/>
+            </a:solidFill>
+            <a:prstDash val="sysDash"/>
+          </a:ln>
+        </p:spPr>
+        <p:style>
+          <a:lnRef idx="2">
+            <a:schemeClr val="accent1">
+              <a:shade val="50000"/>
+            </a:schemeClr>
+          </a:lnRef>
+          <a:fillRef idx="1">
+            <a:schemeClr val="accent1"/>
+          </a:fillRef>
+          <a:effectRef idx="0">
+            <a:schemeClr val="accent1"/>
+          </a:effectRef>
+          <a:fontRef idx="minor">
+            <a:schemeClr val="lt1"/>
+          </a:fontRef>
+        </p:style>
+        <p:txBody>
+          <a:bodyPr rtlCol="0" anchor="ctr"/>
+          <a:lstStyle/>
+          <a:p>
+            <a:pPr algn="ctr"/>
+            <a:endParaRPr lang="en-SG"/>
+          </a:p>
+        </p:txBody>
+      </p:sp>
+      <p:sp>
+        <p:nvSpPr>
+          <p:cNvPr id="8" name="Rectangle 7">
+            <a:extLst>
+              <a:ext uri="{FF2B5EF4-FFF2-40B4-BE49-F238E27FC236}">
+                <a16:creationId xmlns:a16="http://schemas.microsoft.com/office/drawing/2014/main" id="{48FBEB34-F974-353C-F986-6F7C897CC38D}"/>
+              </a:ext>
+            </a:extLst>
+          </p:cNvPr>
+          <p:cNvSpPr/>
+          <p:nvPr/>
         </p:nvSpPr>
         <p:spPr>
           <a:xfrm>
-            <a:off x="838200" y="1825624"/>
-            <a:ext cx="10515600" cy="5032375"/>
+            <a:off x="6347930" y="4064000"/>
+            <a:ext cx="4134339" cy="812800"/>
           </a:xfrm>
+          <a:prstGeom prst="rect">
+            <a:avLst/>
+          </a:prstGeom>
+          <a:noFill/>
+          <a:ln w="38100">
+            <a:solidFill>
+              <a:schemeClr val="accent2"/>
+            </a:solidFill>
+            <a:prstDash val="sysDash"/>
+          </a:ln>
         </p:spPr>
+        <p:style>
+          <a:lnRef idx="2">
+            <a:schemeClr val="accent1">
+              <a:shade val="50000"/>
+            </a:schemeClr>
+          </a:lnRef>
+          <a:fillRef idx="1">
+            <a:schemeClr val="accent1"/>
+          </a:fillRef>
+          <a:effectRef idx="0">
+            <a:schemeClr val="accent1"/>
+          </a:effectRef>
+          <a:fontRef idx="minor">
+            <a:schemeClr val="lt1"/>
+          </a:fontRef>
+        </p:style>
         <p:txBody>
-          <a:bodyPr>
-            <a:normAutofit/>
-          </a:bodyPr>
+          <a:bodyPr rtlCol="0" anchor="ctr"/>
           <a:lstStyle/>
           <a:p>
-            <a:pPr marL="0" indent="0">
-              <a:buNone/>
-            </a:pPr>
-            <a:r>
-              <a:rPr lang="en-GB" dirty="0"/>
-              <a:t>In order to train our Neural Network using backprop, we rely on </a:t>
-            </a:r>
-            <a:r>
-              <a:rPr lang="en-GB" dirty="0" err="1"/>
-              <a:t>autograd</a:t>
-            </a:r>
-            <a:r>
-              <a:rPr lang="en-GB" dirty="0"/>
-              <a:t> to compute the gradient updates for us automatically.</a:t>
-            </a:r>
-          </a:p>
-          <a:p>
-            <a:pPr marL="0" indent="0">
-              <a:buNone/>
-            </a:pPr>
-            <a:r>
-              <a:rPr lang="en-GB" dirty="0"/>
-              <a:t>For this reason,</a:t>
-            </a:r>
-          </a:p>
-          <a:p>
-            <a:r>
-              <a:rPr lang="en-GB" dirty="0"/>
-              <a:t>There is no need for a </a:t>
-            </a:r>
-            <a:r>
-              <a:rPr lang="en-GB" b="1" dirty="0"/>
-              <a:t>backward() </a:t>
-            </a:r>
-            <a:r>
-              <a:rPr lang="en-GB" dirty="0"/>
-              <a:t>method as before to compute gradients and gradient descent update rules (built-in method for </a:t>
-            </a:r>
-            <a:r>
-              <a:rPr lang="en-GB" dirty="0" err="1"/>
-              <a:t>nn.Module</a:t>
-            </a:r>
-            <a:r>
-              <a:rPr lang="en-GB" dirty="0"/>
-              <a:t> classes, covered automatically by </a:t>
-            </a:r>
-            <a:r>
-              <a:rPr lang="en-GB" dirty="0" err="1"/>
-              <a:t>PyTorch</a:t>
-            </a:r>
-            <a:r>
-              <a:rPr lang="en-GB" dirty="0"/>
-              <a:t> </a:t>
-            </a:r>
-            <a:r>
-              <a:rPr lang="en-GB" dirty="0" err="1"/>
-              <a:t>autograd</a:t>
-            </a:r>
-            <a:r>
-              <a:rPr lang="en-GB" dirty="0"/>
-              <a:t>, yay!).</a:t>
-            </a:r>
-          </a:p>
-          <a:p>
-            <a:r>
-              <a:rPr lang="en-GB" dirty="0"/>
-              <a:t>Our </a:t>
-            </a:r>
-            <a:r>
-              <a:rPr lang="en-GB" b="1" dirty="0"/>
-              <a:t>train() </a:t>
-            </a:r>
-            <a:r>
-              <a:rPr lang="en-GB" dirty="0"/>
-              <a:t>method will now consist of several iterations of</a:t>
-            </a:r>
-          </a:p>
-          <a:p>
-            <a:pPr lvl="1"/>
-            <a:r>
-              <a:rPr lang="en-GB" sz="2800" b="1" dirty="0"/>
-              <a:t>forward()</a:t>
-            </a:r>
-            <a:r>
-              <a:rPr lang="en-GB" sz="2800" dirty="0"/>
-              <a:t> pass and loss calculation,</a:t>
-            </a:r>
-          </a:p>
-          <a:p>
-            <a:pPr lvl="1"/>
-            <a:r>
-              <a:rPr lang="en-GB" sz="2800" dirty="0"/>
-              <a:t>gradient computation with the </a:t>
-            </a:r>
-            <a:r>
-              <a:rPr lang="en-GB" sz="2800" b="1" dirty="0"/>
-              <a:t>backward() </a:t>
-            </a:r>
-            <a:r>
-              <a:rPr lang="en-GB" sz="2800" dirty="0"/>
-              <a:t>method, used on loss,</a:t>
-            </a:r>
-          </a:p>
-          <a:p>
-            <a:pPr lvl="1"/>
-            <a:r>
-              <a:rPr lang="en-GB" sz="2800" dirty="0"/>
-              <a:t>and </a:t>
-            </a:r>
-            <a:r>
-              <a:rPr lang="en-GB" sz="2800" b="1" dirty="0"/>
-              <a:t>gradient descent updates </a:t>
-            </a:r>
-            <a:r>
-              <a:rPr lang="en-GB" sz="2800" dirty="0"/>
-              <a:t>on trainable parameters.</a:t>
-            </a:r>
-            <a:endParaRPr lang="en-SG" sz="2800" dirty="0"/>
+            <a:pPr algn="ctr"/>
+            <a:endParaRPr lang="en-SG"/>
+          </a:p>
+        </p:txBody>
+      </p:sp>
+      <p:sp>
+        <p:nvSpPr>
+          <p:cNvPr id="9" name="Rectangle 8">
+            <a:extLst>
+              <a:ext uri="{FF2B5EF4-FFF2-40B4-BE49-F238E27FC236}">
+                <a16:creationId xmlns:a16="http://schemas.microsoft.com/office/drawing/2014/main" id="{EA98C24F-C098-48AA-2AEA-65A891013313}"/>
+              </a:ext>
+            </a:extLst>
+          </p:cNvPr>
+          <p:cNvSpPr/>
+          <p:nvPr/>
+        </p:nvSpPr>
+        <p:spPr>
+          <a:xfrm>
+            <a:off x="6347930" y="3493477"/>
+            <a:ext cx="4134339" cy="570523"/>
+          </a:xfrm>
+          <a:prstGeom prst="rect">
+            <a:avLst/>
+          </a:prstGeom>
+          <a:noFill/>
+          <a:ln w="38100">
+            <a:solidFill>
+              <a:schemeClr val="accent2"/>
+            </a:solidFill>
+            <a:prstDash val="sysDash"/>
+          </a:ln>
+        </p:spPr>
+        <p:style>
+          <a:lnRef idx="2">
+            <a:schemeClr val="accent1">
+              <a:shade val="50000"/>
+            </a:schemeClr>
+          </a:lnRef>
+          <a:fillRef idx="1">
+            <a:schemeClr val="accent1"/>
+          </a:fillRef>
+          <a:effectRef idx="0">
+            <a:schemeClr val="accent1"/>
+          </a:effectRef>
+          <a:fontRef idx="minor">
+            <a:schemeClr val="lt1"/>
+          </a:fontRef>
+        </p:style>
+        <p:txBody>
+          <a:bodyPr rtlCol="0" anchor="ctr"/>
+          <a:lstStyle/>
+          <a:p>
+            <a:pPr algn="ctr"/>
+            <a:endParaRPr lang="en-SG"/>
           </a:p>
         </p:txBody>
       </p:sp>
     </p:spTree>
     <p:extLst>
       <p:ext uri="{BB962C8B-B14F-4D97-AF65-F5344CB8AC3E}">
-        <p14:creationId xmlns:p14="http://schemas.microsoft.com/office/powerpoint/2010/main" val="481628505"/>
+        <p14:creationId xmlns:p14="http://schemas.microsoft.com/office/powerpoint/2010/main" val="1879463264"/>
       </p:ext>
     </p:extLst>
   </p:cSld>
@@ -10859,6 +10868,214 @@
           <a:p>
             <a:r>
               <a:rPr lang="en-GB" dirty="0"/>
+              <a:t>Rewriting our backpropagation</a:t>
+            </a:r>
+            <a:endParaRPr lang="en-SG" dirty="0"/>
+          </a:p>
+        </p:txBody>
+      </p:sp>
+      <p:sp>
+        <p:nvSpPr>
+          <p:cNvPr id="3" name="Content Placeholder 2">
+            <a:extLst>
+              <a:ext uri="{FF2B5EF4-FFF2-40B4-BE49-F238E27FC236}">
+                <a16:creationId xmlns:a16="http://schemas.microsoft.com/office/drawing/2014/main" id="{6C4142A3-3578-C842-742A-3495AD72B776}"/>
+              </a:ext>
+            </a:extLst>
+          </p:cNvPr>
+          <p:cNvSpPr>
+            <a:spLocks noGrp="1"/>
+          </p:cNvSpPr>
+          <p:nvPr>
+            <p:ph idx="1"/>
+          </p:nvPr>
+        </p:nvSpPr>
+        <p:spPr>
+          <a:xfrm>
+            <a:off x="838200" y="1825624"/>
+            <a:ext cx="10515600" cy="5032375"/>
+          </a:xfrm>
+        </p:spPr>
+        <p:txBody>
+          <a:bodyPr>
+            <a:normAutofit/>
+          </a:bodyPr>
+          <a:lstStyle/>
+          <a:p>
+            <a:pPr marL="0" indent="0">
+              <a:buNone/>
+            </a:pPr>
+            <a:r>
+              <a:rPr lang="en-GB" dirty="0"/>
+              <a:t>In order to train our Neural Network using backprop, we rely on </a:t>
+            </a:r>
+            <a:r>
+              <a:rPr lang="en-GB" dirty="0" err="1"/>
+              <a:t>autograd</a:t>
+            </a:r>
+            <a:r>
+              <a:rPr lang="en-GB" dirty="0"/>
+              <a:t> to compute the gradient updates for us automatically.</a:t>
+            </a:r>
+          </a:p>
+          <a:p>
+            <a:pPr marL="0" indent="0">
+              <a:buNone/>
+            </a:pPr>
+            <a:r>
+              <a:rPr lang="en-GB" dirty="0"/>
+              <a:t>For this reason,</a:t>
+            </a:r>
+          </a:p>
+          <a:p>
+            <a:r>
+              <a:rPr lang="en-GB" dirty="0"/>
+              <a:t>There is no need for a </a:t>
+            </a:r>
+            <a:r>
+              <a:rPr lang="en-GB" b="1" dirty="0"/>
+              <a:t>backward() </a:t>
+            </a:r>
+            <a:r>
+              <a:rPr lang="en-GB" dirty="0"/>
+              <a:t>method as before to compute gradients and gradient descent update rules (built-in method for </a:t>
+            </a:r>
+            <a:r>
+              <a:rPr lang="en-GB" dirty="0" err="1"/>
+              <a:t>nn.Module</a:t>
+            </a:r>
+            <a:r>
+              <a:rPr lang="en-GB" dirty="0"/>
+              <a:t> classes, covered automatically by </a:t>
+            </a:r>
+            <a:r>
+              <a:rPr lang="en-GB" dirty="0" err="1"/>
+              <a:t>PyTorch</a:t>
+            </a:r>
+            <a:r>
+              <a:rPr lang="en-GB" dirty="0"/>
+              <a:t> </a:t>
+            </a:r>
+            <a:r>
+              <a:rPr lang="en-GB" dirty="0" err="1"/>
+              <a:t>autograd</a:t>
+            </a:r>
+            <a:r>
+              <a:rPr lang="en-GB" dirty="0"/>
+              <a:t>, yay!).</a:t>
+            </a:r>
+          </a:p>
+          <a:p>
+            <a:r>
+              <a:rPr lang="en-GB" dirty="0"/>
+              <a:t>Our </a:t>
+            </a:r>
+            <a:r>
+              <a:rPr lang="en-GB" b="1" dirty="0"/>
+              <a:t>train() </a:t>
+            </a:r>
+            <a:r>
+              <a:rPr lang="en-GB" dirty="0"/>
+              <a:t>method will now consist of several iterations of</a:t>
+            </a:r>
+          </a:p>
+          <a:p>
+            <a:pPr lvl="1"/>
+            <a:r>
+              <a:rPr lang="en-GB" sz="2800" b="1" dirty="0"/>
+              <a:t>forward()</a:t>
+            </a:r>
+            <a:r>
+              <a:rPr lang="en-GB" sz="2800" dirty="0"/>
+              <a:t> pass and loss calculation,</a:t>
+            </a:r>
+          </a:p>
+          <a:p>
+            <a:pPr lvl="1"/>
+            <a:r>
+              <a:rPr lang="en-GB" sz="2800" dirty="0"/>
+              <a:t>gradient computation with the </a:t>
+            </a:r>
+            <a:r>
+              <a:rPr lang="en-GB" sz="2800" b="1" dirty="0"/>
+              <a:t>backward() </a:t>
+            </a:r>
+            <a:r>
+              <a:rPr lang="en-GB" sz="2800" dirty="0"/>
+              <a:t>method, used on loss,</a:t>
+            </a:r>
+          </a:p>
+          <a:p>
+            <a:pPr lvl="1"/>
+            <a:r>
+              <a:rPr lang="en-GB" sz="2800" dirty="0"/>
+              <a:t>and </a:t>
+            </a:r>
+            <a:r>
+              <a:rPr lang="en-GB" sz="2800" b="1" dirty="0"/>
+              <a:t>gradient descent updates </a:t>
+            </a:r>
+            <a:r>
+              <a:rPr lang="en-GB" sz="2800" dirty="0"/>
+              <a:t>on trainable parameters.</a:t>
+            </a:r>
+            <a:endParaRPr lang="en-SG" sz="2800" dirty="0"/>
+          </a:p>
+        </p:txBody>
+      </p:sp>
+    </p:spTree>
+    <p:extLst>
+      <p:ext uri="{BB962C8B-B14F-4D97-AF65-F5344CB8AC3E}">
+        <p14:creationId xmlns:p14="http://schemas.microsoft.com/office/powerpoint/2010/main" val="481628505"/>
+      </p:ext>
+    </p:extLst>
+  </p:cSld>
+  <p:clrMapOvr>
+    <a:masterClrMapping/>
+  </p:clrMapOvr>
+</p:sld>
+</file>
+
+<file path=ppt/slides/slide15.xml><?xml version="1.0" encoding="utf-8"?>
+<p:sld xmlns:a="http://schemas.openxmlformats.org/drawingml/2006/main" xmlns:r="http://schemas.openxmlformats.org/officeDocument/2006/relationships" xmlns:p="http://schemas.openxmlformats.org/presentationml/2006/main">
+  <p:cSld>
+    <p:spTree>
+      <p:nvGrpSpPr>
+        <p:cNvPr id="1" name=""/>
+        <p:cNvGrpSpPr/>
+        <p:nvPr/>
+      </p:nvGrpSpPr>
+      <p:grpSpPr>
+        <a:xfrm>
+          <a:off x="0" y="0"/>
+          <a:ext cx="0" cy="0"/>
+          <a:chOff x="0" y="0"/>
+          <a:chExt cx="0" cy="0"/>
+        </a:xfrm>
+      </p:grpSpPr>
+      <p:sp>
+        <p:nvSpPr>
+          <p:cNvPr id="2" name="Title 1">
+            <a:extLst>
+              <a:ext uri="{FF2B5EF4-FFF2-40B4-BE49-F238E27FC236}">
+                <a16:creationId xmlns:a16="http://schemas.microsoft.com/office/drawing/2014/main" id="{62DF8571-F31A-11B4-26C7-2C202A57B4A3}"/>
+              </a:ext>
+            </a:extLst>
+          </p:cNvPr>
+          <p:cNvSpPr>
+            <a:spLocks noGrp="1"/>
+          </p:cNvSpPr>
+          <p:nvPr>
+            <p:ph type="title"/>
+          </p:nvPr>
+        </p:nvSpPr>
+        <p:spPr/>
+        <p:txBody>
+          <a:bodyPr/>
+          <a:lstStyle/>
+          <a:p>
+            <a:r>
+              <a:rPr lang="en-GB" dirty="0"/>
               <a:t>Backpropagation</a:t>
             </a:r>
             <a:endParaRPr lang="en-SG" dirty="0"/>
@@ -10993,7 +11210,7 @@
 </p:sld>
 </file>
 
-<file path=ppt/slides/slide15.xml><?xml version="1.0" encoding="utf-8"?>
+<file path=ppt/slides/slide16.xml><?xml version="1.0" encoding="utf-8"?>
 <p:sld xmlns:a="http://schemas.openxmlformats.org/drawingml/2006/main" xmlns:r="http://schemas.openxmlformats.org/officeDocument/2006/relationships" xmlns:p="http://schemas.openxmlformats.org/presentationml/2006/main">
   <p:cSld>
     <p:spTree>
@@ -11229,7 +11446,7 @@
 </p:sld>
 </file>
 
-<file path=ppt/slides/slide16.xml><?xml version="1.0" encoding="utf-8"?>
+<file path=ppt/slides/slide17.xml><?xml version="1.0" encoding="utf-8"?>
 <p:sld xmlns:a="http://schemas.openxmlformats.org/drawingml/2006/main" xmlns:r="http://schemas.openxmlformats.org/officeDocument/2006/relationships" xmlns:p="http://schemas.openxmlformats.org/presentationml/2006/main">
   <p:cSld>
     <p:spTree>
@@ -11453,98 +11670,6 @@
 </p:sld>
 </file>
 
-<file path=ppt/slides/slide17.xml><?xml version="1.0" encoding="utf-8"?>
-<p:sld xmlns:a="http://schemas.openxmlformats.org/drawingml/2006/main" xmlns:r="http://schemas.openxmlformats.org/officeDocument/2006/relationships" xmlns:p="http://schemas.openxmlformats.org/presentationml/2006/main">
-  <p:cSld>
-    <p:spTree>
-      <p:nvGrpSpPr>
-        <p:cNvPr id="1" name=""/>
-        <p:cNvGrpSpPr/>
-        <p:nvPr/>
-      </p:nvGrpSpPr>
-      <p:grpSpPr>
-        <a:xfrm>
-          <a:off x="0" y="0"/>
-          <a:ext cx="0" cy="0"/>
-          <a:chOff x="0" y="0"/>
-          <a:chExt cx="0" cy="0"/>
-        </a:xfrm>
-      </p:grpSpPr>
-      <p:sp>
-        <p:nvSpPr>
-          <p:cNvPr id="2" name="Title 1">
-            <a:extLst>
-              <a:ext uri="{FF2B5EF4-FFF2-40B4-BE49-F238E27FC236}">
-                <a16:creationId xmlns:a16="http://schemas.microsoft.com/office/drawing/2014/main" id="{C902DDAE-7B18-E047-726C-A4619D106A2D}"/>
-              </a:ext>
-            </a:extLst>
-          </p:cNvPr>
-          <p:cNvSpPr>
-            <a:spLocks noGrp="1"/>
-          </p:cNvSpPr>
-          <p:nvPr>
-            <p:ph type="title"/>
-          </p:nvPr>
-        </p:nvSpPr>
-        <p:spPr/>
-        <p:txBody>
-          <a:bodyPr/>
-          <a:lstStyle/>
-          <a:p>
-            <a:r>
-              <a:rPr lang="en-GB" dirty="0"/>
-              <a:t>Trying our trainer function… Works!</a:t>
-            </a:r>
-            <a:br>
-              <a:rPr lang="en-GB" dirty="0"/>
-            </a:br>
-            <a:endParaRPr lang="en-SG" dirty="0"/>
-          </a:p>
-        </p:txBody>
-      </p:sp>
-      <p:pic>
-        <p:nvPicPr>
-          <p:cNvPr id="5" name="Picture 4">
-            <a:extLst>
-              <a:ext uri="{FF2B5EF4-FFF2-40B4-BE49-F238E27FC236}">
-                <a16:creationId xmlns:a16="http://schemas.microsoft.com/office/drawing/2014/main" id="{4A8B1291-A554-8B80-6FA0-9146AA644C29}"/>
-              </a:ext>
-            </a:extLst>
-          </p:cNvPr>
-          <p:cNvPicPr>
-            <a:picLocks noChangeAspect="1"/>
-          </p:cNvPicPr>
-          <p:nvPr/>
-        </p:nvPicPr>
-        <p:blipFill>
-          <a:blip r:embed="rId2"/>
-          <a:stretch>
-            <a:fillRect/>
-          </a:stretch>
-        </p:blipFill>
-        <p:spPr>
-          <a:xfrm>
-            <a:off x="2272294" y="1402086"/>
-            <a:ext cx="7647411" cy="5455914"/>
-          </a:xfrm>
-          <a:prstGeom prst="rect">
-            <a:avLst/>
-          </a:prstGeom>
-        </p:spPr>
-      </p:pic>
-    </p:spTree>
-    <p:extLst>
-      <p:ext uri="{BB962C8B-B14F-4D97-AF65-F5344CB8AC3E}">
-        <p14:creationId xmlns:p14="http://schemas.microsoft.com/office/powerpoint/2010/main" val="2128707751"/>
-      </p:ext>
-    </p:extLst>
-  </p:cSld>
-  <p:clrMapOvr>
-    <a:masterClrMapping/>
-  </p:clrMapOvr>
-</p:sld>
-</file>
-
 <file path=ppt/slides/slide18.xml><?xml version="1.0" encoding="utf-8"?>
 <p:sld xmlns:a="http://schemas.openxmlformats.org/drawingml/2006/main" xmlns:r="http://schemas.openxmlformats.org/officeDocument/2006/relationships" xmlns:p="http://schemas.openxmlformats.org/presentationml/2006/main">
   <p:cSld>
@@ -11596,10 +11721,10 @@
       </p:sp>
       <p:pic>
         <p:nvPicPr>
-          <p:cNvPr id="4" name="Picture 3">
+          <p:cNvPr id="5" name="Picture 4">
             <a:extLst>
               <a:ext uri="{FF2B5EF4-FFF2-40B4-BE49-F238E27FC236}">
-                <a16:creationId xmlns:a16="http://schemas.microsoft.com/office/drawing/2014/main" id="{DB513CD6-1CBE-A3B1-1E6F-41F285705A04}"/>
+                <a16:creationId xmlns:a16="http://schemas.microsoft.com/office/drawing/2014/main" id="{4A8B1291-A554-8B80-6FA0-9146AA644C29}"/>
               </a:ext>
             </a:extLst>
           </p:cNvPr>
@@ -11616,8 +11741,8 @@
         </p:blipFill>
         <p:spPr>
           <a:xfrm>
-            <a:off x="1799283" y="1410982"/>
-            <a:ext cx="8593433" cy="5447018"/>
+            <a:off x="2272294" y="1402086"/>
+            <a:ext cx="7647411" cy="5455914"/>
           </a:xfrm>
           <a:prstGeom prst="rect">
             <a:avLst/>
@@ -11627,7 +11752,7 @@
     </p:spTree>
     <p:extLst>
       <p:ext uri="{BB962C8B-B14F-4D97-AF65-F5344CB8AC3E}">
-        <p14:creationId xmlns:p14="http://schemas.microsoft.com/office/powerpoint/2010/main" val="581091786"/>
+        <p14:creationId xmlns:p14="http://schemas.microsoft.com/office/powerpoint/2010/main" val="2128707751"/>
       </p:ext>
     </p:extLst>
   </p:cSld>
@@ -11688,10 +11813,10 @@
       </p:sp>
       <p:pic>
         <p:nvPicPr>
-          <p:cNvPr id="5" name="Picture 4">
+          <p:cNvPr id="4" name="Picture 3">
             <a:extLst>
               <a:ext uri="{FF2B5EF4-FFF2-40B4-BE49-F238E27FC236}">
-                <a16:creationId xmlns:a16="http://schemas.microsoft.com/office/drawing/2014/main" id="{0B55E7AB-B38B-DC28-57B5-D4F3CA5543A9}"/>
+                <a16:creationId xmlns:a16="http://schemas.microsoft.com/office/drawing/2014/main" id="{DB513CD6-1CBE-A3B1-1E6F-41F285705A04}"/>
               </a:ext>
             </a:extLst>
           </p:cNvPr>
@@ -11708,8 +11833,8 @@
         </p:blipFill>
         <p:spPr>
           <a:xfrm>
-            <a:off x="2123542" y="1473715"/>
-            <a:ext cx="7944915" cy="5384285"/>
+            <a:off x="1799283" y="1410982"/>
+            <a:ext cx="8593433" cy="5447018"/>
           </a:xfrm>
           <a:prstGeom prst="rect">
             <a:avLst/>
@@ -11719,7 +11844,7 @@
     </p:spTree>
     <p:extLst>
       <p:ext uri="{BB962C8B-B14F-4D97-AF65-F5344CB8AC3E}">
-        <p14:creationId xmlns:p14="http://schemas.microsoft.com/office/powerpoint/2010/main" val="2768410648"/>
+        <p14:creationId xmlns:p14="http://schemas.microsoft.com/office/powerpoint/2010/main" val="581091786"/>
       </p:ext>
     </p:extLst>
   </p:cSld>
@@ -11806,31 +11931,73 @@
               <a:buAutoNum type="arabicPeriod"/>
             </a:pPr>
             <a:r>
-              <a:rPr lang="en-GB" dirty="0"/>
+              <a:rPr lang="en-GB" dirty="0">
+                <a:solidFill>
+                  <a:schemeClr val="bg1">
+                    <a:lumMod val="65000"/>
+                  </a:schemeClr>
+                </a:solidFill>
+              </a:rPr>
               <a:t>What is the </a:t>
             </a:r>
             <a:r>
-              <a:rPr lang="en-GB" b="1" dirty="0" err="1"/>
+              <a:rPr lang="en-GB" b="1" dirty="0" err="1">
+                <a:solidFill>
+                  <a:schemeClr val="bg1">
+                    <a:lumMod val="65000"/>
+                  </a:schemeClr>
+                </a:solidFill>
+              </a:rPr>
               <a:t>PyTorch</a:t>
             </a:r>
             <a:r>
-              <a:rPr lang="en-GB" dirty="0"/>
+              <a:rPr lang="en-GB" dirty="0">
+                <a:solidFill>
+                  <a:schemeClr val="bg1">
+                    <a:lumMod val="65000"/>
+                  </a:schemeClr>
+                </a:solidFill>
+              </a:rPr>
               <a:t> </a:t>
             </a:r>
             <a:r>
-              <a:rPr lang="en-GB" b="1" dirty="0"/>
+              <a:rPr lang="en-GB" b="1" dirty="0">
+                <a:solidFill>
+                  <a:schemeClr val="bg1">
+                    <a:lumMod val="65000"/>
+                  </a:schemeClr>
+                </a:solidFill>
+              </a:rPr>
               <a:t>library</a:t>
             </a:r>
             <a:r>
-              <a:rPr lang="en-GB" dirty="0"/>
+              <a:rPr lang="en-GB" dirty="0">
+                <a:solidFill>
+                  <a:schemeClr val="bg1">
+                    <a:lumMod val="65000"/>
+                  </a:schemeClr>
+                </a:solidFill>
+              </a:rPr>
               <a:t> and its </a:t>
             </a:r>
             <a:r>
-              <a:rPr lang="en-GB" b="1" dirty="0"/>
+              <a:rPr lang="en-GB" b="1" dirty="0">
+                <a:solidFill>
+                  <a:schemeClr val="bg1">
+                    <a:lumMod val="65000"/>
+                  </a:schemeClr>
+                </a:solidFill>
+              </a:rPr>
               <a:t>benefits</a:t>
             </a:r>
             <a:r>
-              <a:rPr lang="en-GB" dirty="0"/>
+              <a:rPr lang="en-GB" dirty="0">
+                <a:solidFill>
+                  <a:schemeClr val="bg1">
+                    <a:lumMod val="65000"/>
+                  </a:schemeClr>
+                </a:solidFill>
+              </a:rPr>
               <a:t>?</a:t>
             </a:r>
           </a:p>
@@ -11840,39 +12007,93 @@
               <a:buAutoNum type="arabicPeriod"/>
             </a:pPr>
             <a:r>
-              <a:rPr lang="en-GB" dirty="0"/>
+              <a:rPr lang="en-GB" dirty="0">
+                <a:solidFill>
+                  <a:schemeClr val="bg1">
+                    <a:lumMod val="65000"/>
+                  </a:schemeClr>
+                </a:solidFill>
+              </a:rPr>
               <a:t>What is a </a:t>
             </a:r>
             <a:r>
-              <a:rPr lang="en-GB" b="1" dirty="0" err="1"/>
+              <a:rPr lang="en-GB" b="1" dirty="0" err="1">
+                <a:solidFill>
+                  <a:schemeClr val="bg1">
+                    <a:lumMod val="65000"/>
+                  </a:schemeClr>
+                </a:solidFill>
+              </a:rPr>
               <a:t>PyTorch</a:t>
             </a:r>
             <a:r>
-              <a:rPr lang="en-GB" dirty="0"/>
+              <a:rPr lang="en-GB" dirty="0">
+                <a:solidFill>
+                  <a:schemeClr val="bg1">
+                    <a:lumMod val="65000"/>
+                  </a:schemeClr>
+                </a:solidFill>
+              </a:rPr>
               <a:t> </a:t>
             </a:r>
             <a:r>
-              <a:rPr lang="en-GB" b="1" dirty="0"/>
+              <a:rPr lang="en-GB" b="1" dirty="0">
+                <a:solidFill>
+                  <a:schemeClr val="bg1">
+                    <a:lumMod val="65000"/>
+                  </a:schemeClr>
+                </a:solidFill>
+              </a:rPr>
               <a:t>tensor</a:t>
             </a:r>
             <a:r>
-              <a:rPr lang="en-GB" dirty="0"/>
+              <a:rPr lang="en-GB" dirty="0">
+                <a:solidFill>
+                  <a:schemeClr val="bg1">
+                    <a:lumMod val="65000"/>
+                  </a:schemeClr>
+                </a:solidFill>
+              </a:rPr>
               <a:t> </a:t>
             </a:r>
             <a:r>
-              <a:rPr lang="en-GB" b="1" dirty="0"/>
+              <a:rPr lang="en-GB" b="1" dirty="0">
+                <a:solidFill>
+                  <a:schemeClr val="bg1">
+                    <a:lumMod val="65000"/>
+                  </a:schemeClr>
+                </a:solidFill>
+              </a:rPr>
               <a:t>object</a:t>
             </a:r>
             <a:r>
-              <a:rPr lang="en-GB" dirty="0"/>
+              <a:rPr lang="en-GB" dirty="0">
+                <a:solidFill>
+                  <a:schemeClr val="bg1">
+                    <a:lumMod val="65000"/>
+                  </a:schemeClr>
+                </a:solidFill>
+              </a:rPr>
               <a:t> and its typical </a:t>
             </a:r>
             <a:r>
-              <a:rPr lang="en-GB" b="1" dirty="0"/>
+              <a:rPr lang="en-GB" b="1" dirty="0">
+                <a:solidFill>
+                  <a:schemeClr val="bg1">
+                    <a:lumMod val="65000"/>
+                  </a:schemeClr>
+                </a:solidFill>
+              </a:rPr>
               <a:t>attributes</a:t>
             </a:r>
             <a:r>
-              <a:rPr lang="en-GB" dirty="0"/>
+              <a:rPr lang="en-GB" dirty="0">
+                <a:solidFill>
+                  <a:schemeClr val="bg1">
+                    <a:lumMod val="65000"/>
+                  </a:schemeClr>
+                </a:solidFill>
+              </a:rPr>
               <a:t>?</a:t>
             </a:r>
           </a:p>
@@ -11882,23 +12103,53 @@
               <a:buAutoNum type="arabicPeriod"/>
             </a:pPr>
             <a:r>
-              <a:rPr lang="en-GB" dirty="0"/>
+              <a:rPr lang="en-GB" dirty="0">
+                <a:solidFill>
+                  <a:schemeClr val="bg1">
+                    <a:lumMod val="65000"/>
+                  </a:schemeClr>
+                </a:solidFill>
+              </a:rPr>
               <a:t>How to implement some typical </a:t>
             </a:r>
             <a:r>
-              <a:rPr lang="en-GB" b="1" dirty="0"/>
+              <a:rPr lang="en-GB" b="1" dirty="0">
+                <a:solidFill>
+                  <a:schemeClr val="bg1">
+                    <a:lumMod val="65000"/>
+                  </a:schemeClr>
+                </a:solidFill>
+              </a:rPr>
               <a:t>tensor</a:t>
             </a:r>
             <a:r>
-              <a:rPr lang="en-GB" dirty="0"/>
+              <a:rPr lang="en-GB" dirty="0">
+                <a:solidFill>
+                  <a:schemeClr val="bg1">
+                    <a:lumMod val="65000"/>
+                  </a:schemeClr>
+                </a:solidFill>
+              </a:rPr>
               <a:t> </a:t>
             </a:r>
             <a:r>
-              <a:rPr lang="en-GB" b="1" dirty="0"/>
+              <a:rPr lang="en-GB" b="1" dirty="0">
+                <a:solidFill>
+                  <a:schemeClr val="bg1">
+                    <a:lumMod val="65000"/>
+                  </a:schemeClr>
+                </a:solidFill>
+              </a:rPr>
               <a:t>operations</a:t>
             </a:r>
             <a:r>
-              <a:rPr lang="en-GB" dirty="0"/>
+              <a:rPr lang="en-GB" dirty="0">
+                <a:solidFill>
+                  <a:schemeClr val="bg1">
+                    <a:lumMod val="65000"/>
+                  </a:schemeClr>
+                </a:solidFill>
+              </a:rPr>
               <a:t>?</a:t>
             </a:r>
           </a:p>
@@ -11908,15 +12159,33 @@
               <a:buAutoNum type="arabicPeriod"/>
             </a:pPr>
             <a:r>
-              <a:rPr lang="en-GB" dirty="0"/>
+              <a:rPr lang="en-GB" dirty="0">
+                <a:solidFill>
+                  <a:schemeClr val="bg1">
+                    <a:lumMod val="65000"/>
+                  </a:schemeClr>
+                </a:solidFill>
+              </a:rPr>
               <a:t>What is </a:t>
             </a:r>
             <a:r>
-              <a:rPr lang="en-GB" b="1" dirty="0"/>
+              <a:rPr lang="en-GB" b="1" dirty="0">
+                <a:solidFill>
+                  <a:schemeClr val="bg1">
+                    <a:lumMod val="65000"/>
+                  </a:schemeClr>
+                </a:solidFill>
+              </a:rPr>
               <a:t>broadcasting</a:t>
             </a:r>
             <a:r>
-              <a:rPr lang="en-GB" dirty="0"/>
+              <a:rPr lang="en-GB" dirty="0">
+                <a:solidFill>
+                  <a:schemeClr val="bg1">
+                    <a:lumMod val="65000"/>
+                  </a:schemeClr>
+                </a:solidFill>
+              </a:rPr>
               <a:t> on tensors?</a:t>
             </a:r>
           </a:p>
@@ -11926,23 +12195,53 @@
               <a:buAutoNum type="arabicPeriod"/>
             </a:pPr>
             <a:r>
-              <a:rPr lang="en-GB" dirty="0"/>
+              <a:rPr lang="en-GB" dirty="0">
+                <a:solidFill>
+                  <a:schemeClr val="bg1">
+                    <a:lumMod val="65000"/>
+                  </a:schemeClr>
+                </a:solidFill>
+              </a:rPr>
               <a:t>What are </a:t>
             </a:r>
             <a:r>
-              <a:rPr lang="en-GB" b="1" dirty="0"/>
+              <a:rPr lang="en-GB" b="1" dirty="0">
+                <a:solidFill>
+                  <a:schemeClr val="bg1">
+                    <a:lumMod val="65000"/>
+                  </a:schemeClr>
+                </a:solidFill>
+              </a:rPr>
               <a:t>tensor</a:t>
             </a:r>
             <a:r>
-              <a:rPr lang="en-GB" dirty="0"/>
+              <a:rPr lang="en-GB" dirty="0">
+                <a:solidFill>
+                  <a:schemeClr val="bg1">
+                    <a:lumMod val="65000"/>
+                  </a:schemeClr>
+                </a:solidFill>
+              </a:rPr>
               <a:t> </a:t>
             </a:r>
             <a:r>
-              <a:rPr lang="en-GB" b="1" dirty="0"/>
+              <a:rPr lang="en-GB" b="1" dirty="0">
+                <a:solidFill>
+                  <a:schemeClr val="bg1">
+                    <a:lumMod val="65000"/>
+                  </a:schemeClr>
+                </a:solidFill>
+              </a:rPr>
               <a:t>locations</a:t>
             </a:r>
             <a:r>
-              <a:rPr lang="en-GB" dirty="0"/>
+              <a:rPr lang="en-GB" dirty="0">
+                <a:solidFill>
+                  <a:schemeClr val="bg1">
+                    <a:lumMod val="65000"/>
+                  </a:schemeClr>
+                </a:solidFill>
+              </a:rPr>
               <a:t> in terms of computation?</a:t>
             </a:r>
           </a:p>
@@ -11952,71 +12251,173 @@
               <a:buAutoNum type="arabicPeriod"/>
             </a:pPr>
             <a:r>
-              <a:rPr lang="en-GB" dirty="0"/>
+              <a:rPr lang="en-GB" dirty="0">
+                <a:solidFill>
+                  <a:schemeClr val="bg1">
+                    <a:lumMod val="65000"/>
+                  </a:schemeClr>
+                </a:solidFill>
+              </a:rPr>
               <a:t>How to </a:t>
             </a:r>
             <a:r>
-              <a:rPr lang="en-GB" b="1" dirty="0"/>
+              <a:rPr lang="en-GB" b="1" dirty="0">
+                <a:solidFill>
+                  <a:schemeClr val="bg1">
+                    <a:lumMod val="65000"/>
+                  </a:schemeClr>
+                </a:solidFill>
+              </a:rPr>
               <a:t>transform</a:t>
             </a:r>
             <a:r>
-              <a:rPr lang="en-GB" dirty="0"/>
+              <a:rPr lang="en-GB" dirty="0">
+                <a:solidFill>
+                  <a:schemeClr val="bg1">
+                    <a:lumMod val="65000"/>
+                  </a:schemeClr>
+                </a:solidFill>
+              </a:rPr>
               <a:t> </a:t>
             </a:r>
             <a:r>
-              <a:rPr lang="en-GB" b="1" dirty="0"/>
+              <a:rPr lang="en-GB" b="1" dirty="0">
+                <a:solidFill>
+                  <a:schemeClr val="bg1">
+                    <a:lumMod val="65000"/>
+                  </a:schemeClr>
+                </a:solidFill>
+              </a:rPr>
               <a:t>our</a:t>
             </a:r>
             <a:r>
-              <a:rPr lang="en-GB" dirty="0"/>
+              <a:rPr lang="en-GB" dirty="0">
+                <a:solidFill>
+                  <a:schemeClr val="bg1">
+                    <a:lumMod val="65000"/>
+                  </a:schemeClr>
+                </a:solidFill>
+              </a:rPr>
               <a:t> </a:t>
             </a:r>
             <a:r>
-              <a:rPr lang="en-GB" b="1" dirty="0"/>
+              <a:rPr lang="en-GB" b="1" dirty="0">
+                <a:solidFill>
+                  <a:schemeClr val="bg1">
+                    <a:lumMod val="65000"/>
+                  </a:schemeClr>
+                </a:solidFill>
+              </a:rPr>
               <a:t>original</a:t>
             </a:r>
             <a:r>
-              <a:rPr lang="en-GB" dirty="0"/>
+              <a:rPr lang="en-GB" dirty="0">
+                <a:solidFill>
+                  <a:schemeClr val="bg1">
+                    <a:lumMod val="65000"/>
+                  </a:schemeClr>
+                </a:solidFill>
+              </a:rPr>
               <a:t> </a:t>
             </a:r>
             <a:r>
-              <a:rPr lang="en-GB" b="1" dirty="0"/>
+              <a:rPr lang="en-GB" b="1" dirty="0">
+                <a:solidFill>
+                  <a:schemeClr val="bg1">
+                    <a:lumMod val="65000"/>
+                  </a:schemeClr>
+                </a:solidFill>
+              </a:rPr>
               <a:t>NumPy</a:t>
             </a:r>
             <a:r>
-              <a:rPr lang="en-GB" dirty="0"/>
+              <a:rPr lang="en-GB" dirty="0">
+                <a:solidFill>
+                  <a:schemeClr val="bg1">
+                    <a:lumMod val="65000"/>
+                  </a:schemeClr>
+                </a:solidFill>
+              </a:rPr>
               <a:t> </a:t>
             </a:r>
             <a:r>
-              <a:rPr lang="en-GB" b="1" dirty="0"/>
+              <a:rPr lang="en-GB" b="1" dirty="0">
+                <a:solidFill>
+                  <a:schemeClr val="bg1">
+                    <a:lumMod val="65000"/>
+                  </a:schemeClr>
+                </a:solidFill>
+              </a:rPr>
               <a:t>shallow</a:t>
             </a:r>
             <a:r>
-              <a:rPr lang="en-GB" dirty="0"/>
+              <a:rPr lang="en-GB" dirty="0">
+                <a:solidFill>
+                  <a:schemeClr val="bg1">
+                    <a:lumMod val="65000"/>
+                  </a:schemeClr>
+                </a:solidFill>
+              </a:rPr>
               <a:t> </a:t>
             </a:r>
             <a:r>
-              <a:rPr lang="en-GB" b="1" dirty="0"/>
+              <a:rPr lang="en-GB" b="1" dirty="0">
+                <a:solidFill>
+                  <a:schemeClr val="bg1">
+                    <a:lumMod val="65000"/>
+                  </a:schemeClr>
+                </a:solidFill>
+              </a:rPr>
               <a:t>Neural</a:t>
             </a:r>
             <a:r>
-              <a:rPr lang="en-GB" dirty="0"/>
+              <a:rPr lang="en-GB" dirty="0">
+                <a:solidFill>
+                  <a:schemeClr val="bg1">
+                    <a:lumMod val="65000"/>
+                  </a:schemeClr>
+                </a:solidFill>
+              </a:rPr>
               <a:t> </a:t>
             </a:r>
             <a:r>
-              <a:rPr lang="en-GB" b="1" dirty="0"/>
+              <a:rPr lang="en-GB" b="1" dirty="0">
+                <a:solidFill>
+                  <a:schemeClr val="bg1">
+                    <a:lumMod val="65000"/>
+                  </a:schemeClr>
+                </a:solidFill>
+              </a:rPr>
               <a:t>Network</a:t>
             </a:r>
             <a:r>
-              <a:rPr lang="en-GB" dirty="0"/>
+              <a:rPr lang="en-GB" dirty="0">
+                <a:solidFill>
+                  <a:schemeClr val="bg1">
+                    <a:lumMod val="65000"/>
+                  </a:schemeClr>
+                </a:solidFill>
+              </a:rPr>
               <a:t> class so it uses </a:t>
             </a:r>
             <a:r>
-              <a:rPr lang="en-GB" b="1" dirty="0" err="1"/>
+              <a:rPr lang="en-GB" b="1" dirty="0" err="1">
+                <a:solidFill>
+                  <a:schemeClr val="bg1">
+                    <a:lumMod val="65000"/>
+                  </a:schemeClr>
+                </a:solidFill>
+              </a:rPr>
               <a:t>PyTorch</a:t>
             </a:r>
             <a:r>
-              <a:rPr lang="en-GB" dirty="0"/>
+              <a:rPr lang="en-GB" dirty="0">
+                <a:solidFill>
+                  <a:schemeClr val="bg1">
+                    <a:lumMod val="65000"/>
+                  </a:schemeClr>
+                </a:solidFill>
+              </a:rPr>
               <a:t> now instead?</a:t>
             </a:r>
           </a:p>
@@ -12026,39 +12427,93 @@
               <a:buAutoNum type="arabicPeriod"/>
             </a:pPr>
             <a:r>
-              <a:rPr lang="en-GB" dirty="0"/>
+              <a:rPr lang="en-GB" dirty="0">
+                <a:solidFill>
+                  <a:schemeClr val="bg1">
+                    <a:lumMod val="65000"/>
+                  </a:schemeClr>
+                </a:solidFill>
+              </a:rPr>
               <a:t>How to implement a </a:t>
             </a:r>
             <a:r>
-              <a:rPr lang="en-GB" b="1" dirty="0"/>
+              <a:rPr lang="en-GB" b="1" dirty="0">
+                <a:solidFill>
+                  <a:schemeClr val="bg1">
+                    <a:lumMod val="65000"/>
+                  </a:schemeClr>
+                </a:solidFill>
+              </a:rPr>
               <a:t>forward</a:t>
             </a:r>
             <a:r>
-              <a:rPr lang="en-GB" dirty="0"/>
+              <a:rPr lang="en-GB" dirty="0">
+                <a:solidFill>
+                  <a:schemeClr val="bg1">
+                    <a:lumMod val="65000"/>
+                  </a:schemeClr>
+                </a:solidFill>
+              </a:rPr>
               <a:t>, </a:t>
             </a:r>
             <a:r>
-              <a:rPr lang="en-GB" b="1" dirty="0"/>
+              <a:rPr lang="en-GB" b="1" dirty="0">
+                <a:solidFill>
+                  <a:schemeClr val="bg1">
+                    <a:lumMod val="65000"/>
+                  </a:schemeClr>
+                </a:solidFill>
+              </a:rPr>
               <a:t>loss</a:t>
             </a:r>
             <a:r>
-              <a:rPr lang="en-GB" dirty="0"/>
+              <a:rPr lang="en-GB" dirty="0">
+                <a:solidFill>
+                  <a:schemeClr val="bg1">
+                    <a:lumMod val="65000"/>
+                  </a:schemeClr>
+                </a:solidFill>
+              </a:rPr>
               <a:t> and </a:t>
             </a:r>
             <a:r>
-              <a:rPr lang="en-GB" b="1" dirty="0"/>
+              <a:rPr lang="en-GB" b="1" dirty="0">
+                <a:solidFill>
+                  <a:schemeClr val="bg1">
+                    <a:lumMod val="65000"/>
+                  </a:schemeClr>
+                </a:solidFill>
+              </a:rPr>
               <a:t>accuracy</a:t>
             </a:r>
             <a:r>
-              <a:rPr lang="en-GB" dirty="0"/>
+              <a:rPr lang="en-GB" dirty="0">
+                <a:solidFill>
+                  <a:schemeClr val="bg1">
+                    <a:lumMod val="65000"/>
+                  </a:schemeClr>
+                </a:solidFill>
+              </a:rPr>
               <a:t> metric in </a:t>
             </a:r>
             <a:r>
-              <a:rPr lang="en-GB" dirty="0" err="1"/>
+              <a:rPr lang="en-GB" dirty="0" err="1">
+                <a:solidFill>
+                  <a:schemeClr val="bg1">
+                    <a:lumMod val="65000"/>
+                  </a:schemeClr>
+                </a:solidFill>
+              </a:rPr>
               <a:t>PyTorch</a:t>
             </a:r>
             <a:r>
-              <a:rPr lang="en-GB" dirty="0"/>
+              <a:rPr lang="en-GB" dirty="0">
+                <a:solidFill>
+                  <a:schemeClr val="bg1">
+                    <a:lumMod val="65000"/>
+                  </a:schemeClr>
+                </a:solidFill>
+              </a:rPr>
               <a:t>?</a:t>
             </a:r>
           </a:p>
@@ -12068,39 +12523,93 @@
               <a:buAutoNum type="arabicPeriod"/>
             </a:pPr>
             <a:r>
-              <a:rPr lang="en-GB" dirty="0"/>
+              <a:rPr lang="en-GB" dirty="0">
+                <a:solidFill>
+                  <a:schemeClr val="bg1">
+                    <a:lumMod val="65000"/>
+                  </a:schemeClr>
+                </a:solidFill>
+              </a:rPr>
               <a:t>What are some measurable </a:t>
             </a:r>
             <a:r>
-              <a:rPr lang="en-GB" b="1" dirty="0"/>
+              <a:rPr lang="en-GB" b="1" dirty="0">
+                <a:solidFill>
+                  <a:schemeClr val="bg1">
+                    <a:lumMod val="65000"/>
+                  </a:schemeClr>
+                </a:solidFill>
+              </a:rPr>
               <a:t>performance</a:t>
             </a:r>
             <a:r>
-              <a:rPr lang="en-GB" dirty="0"/>
+              <a:rPr lang="en-GB" dirty="0">
+                <a:solidFill>
+                  <a:schemeClr val="bg1">
+                    <a:lumMod val="65000"/>
+                  </a:schemeClr>
+                </a:solidFill>
+              </a:rPr>
               <a:t> </a:t>
             </a:r>
             <a:r>
-              <a:rPr lang="en-GB" b="1" dirty="0"/>
+              <a:rPr lang="en-GB" b="1" dirty="0">
+                <a:solidFill>
+                  <a:schemeClr val="bg1">
+                    <a:lumMod val="65000"/>
+                  </a:schemeClr>
+                </a:solidFill>
+              </a:rPr>
               <a:t>benefits</a:t>
             </a:r>
             <a:r>
-              <a:rPr lang="en-GB" dirty="0"/>
+              <a:rPr lang="en-GB" dirty="0">
+                <a:solidFill>
+                  <a:schemeClr val="bg1">
+                    <a:lumMod val="65000"/>
+                  </a:schemeClr>
+                </a:solidFill>
+              </a:rPr>
               <a:t> of using </a:t>
             </a:r>
             <a:r>
-              <a:rPr lang="en-GB" b="1" dirty="0" err="1"/>
+              <a:rPr lang="en-GB" b="1" dirty="0" err="1">
+                <a:solidFill>
+                  <a:schemeClr val="bg1">
+                    <a:lumMod val="65000"/>
+                  </a:schemeClr>
+                </a:solidFill>
+              </a:rPr>
               <a:t>PyTorch</a:t>
             </a:r>
             <a:r>
-              <a:rPr lang="en-GB" dirty="0"/>
+              <a:rPr lang="en-GB" dirty="0">
+                <a:solidFill>
+                  <a:schemeClr val="bg1">
+                    <a:lumMod val="65000"/>
+                  </a:schemeClr>
+                </a:solidFill>
+              </a:rPr>
               <a:t> over NumPy and </a:t>
             </a:r>
             <a:r>
-              <a:rPr lang="en-GB" b="1" dirty="0"/>
+              <a:rPr lang="en-GB" b="1" dirty="0">
+                <a:solidFill>
+                  <a:schemeClr val="bg1">
+                    <a:lumMod val="65000"/>
+                  </a:schemeClr>
+                </a:solidFill>
+              </a:rPr>
               <a:t>GPUs</a:t>
             </a:r>
             <a:r>
-              <a:rPr lang="en-GB" dirty="0"/>
+              <a:rPr lang="en-GB" dirty="0">
+                <a:solidFill>
+                  <a:schemeClr val="bg1">
+                    <a:lumMod val="65000"/>
+                  </a:schemeClr>
+                </a:solidFill>
+              </a:rPr>
               <a:t> over CPUs?</a:t>
             </a:r>
           </a:p>
@@ -12109,7 +12618,13 @@
               <a:buFont typeface="+mj-lt"/>
               <a:buAutoNum type="arabicPeriod"/>
             </a:pPr>
-            <a:endParaRPr lang="en-SG" dirty="0"/>
+            <a:endParaRPr lang="en-SG" dirty="0">
+              <a:solidFill>
+                <a:schemeClr val="bg1">
+                  <a:lumMod val="65000"/>
+                </a:schemeClr>
+              </a:solidFill>
+            </a:endParaRPr>
           </a:p>
         </p:txBody>
       </p:sp>
@@ -12148,6 +12663,98 @@
           <p:cNvPr id="2" name="Title 1">
             <a:extLst>
               <a:ext uri="{FF2B5EF4-FFF2-40B4-BE49-F238E27FC236}">
+                <a16:creationId xmlns:a16="http://schemas.microsoft.com/office/drawing/2014/main" id="{C902DDAE-7B18-E047-726C-A4619D106A2D}"/>
+              </a:ext>
+            </a:extLst>
+          </p:cNvPr>
+          <p:cNvSpPr>
+            <a:spLocks noGrp="1"/>
+          </p:cNvSpPr>
+          <p:nvPr>
+            <p:ph type="title"/>
+          </p:nvPr>
+        </p:nvSpPr>
+        <p:spPr/>
+        <p:txBody>
+          <a:bodyPr/>
+          <a:lstStyle/>
+          <a:p>
+            <a:r>
+              <a:rPr lang="en-GB" dirty="0"/>
+              <a:t>Trying our trainer function… Works!</a:t>
+            </a:r>
+            <a:br>
+              <a:rPr lang="en-GB" dirty="0"/>
+            </a:br>
+            <a:endParaRPr lang="en-SG" dirty="0"/>
+          </a:p>
+        </p:txBody>
+      </p:sp>
+      <p:pic>
+        <p:nvPicPr>
+          <p:cNvPr id="5" name="Picture 4">
+            <a:extLst>
+              <a:ext uri="{FF2B5EF4-FFF2-40B4-BE49-F238E27FC236}">
+                <a16:creationId xmlns:a16="http://schemas.microsoft.com/office/drawing/2014/main" id="{0B55E7AB-B38B-DC28-57B5-D4F3CA5543A9}"/>
+              </a:ext>
+            </a:extLst>
+          </p:cNvPr>
+          <p:cNvPicPr>
+            <a:picLocks noChangeAspect="1"/>
+          </p:cNvPicPr>
+          <p:nvPr/>
+        </p:nvPicPr>
+        <p:blipFill>
+          <a:blip r:embed="rId2"/>
+          <a:stretch>
+            <a:fillRect/>
+          </a:stretch>
+        </p:blipFill>
+        <p:spPr>
+          <a:xfrm>
+            <a:off x="2123542" y="1473715"/>
+            <a:ext cx="7944915" cy="5384285"/>
+          </a:xfrm>
+          <a:prstGeom prst="rect">
+            <a:avLst/>
+          </a:prstGeom>
+        </p:spPr>
+      </p:pic>
+    </p:spTree>
+    <p:extLst>
+      <p:ext uri="{BB962C8B-B14F-4D97-AF65-F5344CB8AC3E}">
+        <p14:creationId xmlns:p14="http://schemas.microsoft.com/office/powerpoint/2010/main" val="2768410648"/>
+      </p:ext>
+    </p:extLst>
+  </p:cSld>
+  <p:clrMapOvr>
+    <a:masterClrMapping/>
+  </p:clrMapOvr>
+</p:sld>
+</file>
+
+<file path=ppt/slides/slide21.xml><?xml version="1.0" encoding="utf-8"?>
+<p:sld xmlns:a="http://schemas.openxmlformats.org/drawingml/2006/main" xmlns:r="http://schemas.openxmlformats.org/officeDocument/2006/relationships" xmlns:p="http://schemas.openxmlformats.org/presentationml/2006/main">
+  <p:cSld>
+    <p:spTree>
+      <p:nvGrpSpPr>
+        <p:cNvPr id="1" name=""/>
+        <p:cNvGrpSpPr/>
+        <p:nvPr/>
+      </p:nvGrpSpPr>
+      <p:grpSpPr>
+        <a:xfrm>
+          <a:off x="0" y="0"/>
+          <a:ext cx="0" cy="0"/>
+          <a:chOff x="0" y="0"/>
+          <a:chExt cx="0" cy="0"/>
+        </a:xfrm>
+      </p:grpSpPr>
+      <p:sp>
+        <p:nvSpPr>
+          <p:cNvPr id="2" name="Title 1">
+            <a:extLst>
+              <a:ext uri="{FF2B5EF4-FFF2-40B4-BE49-F238E27FC236}">
                 <a16:creationId xmlns:a16="http://schemas.microsoft.com/office/drawing/2014/main" id="{F73E479C-D045-DD74-CA6E-A60F94A36E18}"/>
               </a:ext>
             </a:extLst>
@@ -12366,7 +12973,7 @@
 </p:sld>
 </file>
 
-<file path=ppt/slides/slide21.xml><?xml version="1.0" encoding="utf-8"?>
+<file path=ppt/slides/slide22.xml><?xml version="1.0" encoding="utf-8"?>
 <p:sld xmlns:a="http://schemas.openxmlformats.org/drawingml/2006/main" xmlns:r="http://schemas.openxmlformats.org/officeDocument/2006/relationships" xmlns:p="http://schemas.openxmlformats.org/presentationml/2006/main">
   <p:cSld>
     <p:spTree>
@@ -12479,7 +13086,7 @@
 </p:sld>
 </file>
 
-<file path=ppt/slides/slide22.xml><?xml version="1.0" encoding="utf-8"?>
+<file path=ppt/slides/slide23.xml><?xml version="1.0" encoding="utf-8"?>
 <p:sld xmlns:a="http://schemas.openxmlformats.org/drawingml/2006/main" xmlns:r="http://schemas.openxmlformats.org/officeDocument/2006/relationships" xmlns:p="http://schemas.openxmlformats.org/presentationml/2006/main">
   <p:cSld>
     <p:spTree>
@@ -12645,7 +13252,7 @@
 </p:sld>
 </file>
 
-<file path=ppt/slides/slide23.xml><?xml version="1.0" encoding="utf-8"?>
+<file path=ppt/slides/slide24.xml><?xml version="1.0" encoding="utf-8"?>
 <p:sld xmlns:a="http://schemas.openxmlformats.org/drawingml/2006/main" xmlns:r="http://schemas.openxmlformats.org/officeDocument/2006/relationships" xmlns:p="http://schemas.openxmlformats.org/presentationml/2006/main">
   <p:cSld>
     <p:spTree>
@@ -12705,206 +13312,6 @@
 </p:sld>
 </file>
 
-<file path=ppt/slides/slide24.xml><?xml version="1.0" encoding="utf-8"?>
-<p:sld xmlns:a="http://schemas.openxmlformats.org/drawingml/2006/main" xmlns:r="http://schemas.openxmlformats.org/officeDocument/2006/relationships" xmlns:p="http://schemas.openxmlformats.org/presentationml/2006/main">
-  <p:cSld>
-    <p:spTree>
-      <p:nvGrpSpPr>
-        <p:cNvPr id="1" name=""/>
-        <p:cNvGrpSpPr/>
-        <p:nvPr/>
-      </p:nvGrpSpPr>
-      <p:grpSpPr>
-        <a:xfrm>
-          <a:off x="0" y="0"/>
-          <a:ext cx="0" cy="0"/>
-          <a:chOff x="0" y="0"/>
-          <a:chExt cx="0" cy="0"/>
-        </a:xfrm>
-      </p:grpSpPr>
-      <p:sp>
-        <p:nvSpPr>
-          <p:cNvPr id="2" name="Title 1">
-            <a:extLst>
-              <a:ext uri="{FF2B5EF4-FFF2-40B4-BE49-F238E27FC236}">
-                <a16:creationId xmlns:a16="http://schemas.microsoft.com/office/drawing/2014/main" id="{9E92E9E4-1AEF-6408-1465-D1DC917DE2AF}"/>
-              </a:ext>
-            </a:extLst>
-          </p:cNvPr>
-          <p:cNvSpPr>
-            <a:spLocks noGrp="1"/>
-          </p:cNvSpPr>
-          <p:nvPr>
-            <p:ph type="title"/>
-          </p:nvPr>
-        </p:nvSpPr>
-        <p:spPr/>
-        <p:txBody>
-          <a:bodyPr/>
-          <a:lstStyle/>
-          <a:p>
-            <a:r>
-              <a:rPr lang="en-GB" dirty="0"/>
-              <a:t>Using advanced optimizers (Adam, etc.)</a:t>
-            </a:r>
-            <a:endParaRPr lang="en-SG" dirty="0"/>
-          </a:p>
-        </p:txBody>
-      </p:sp>
-      <p:sp>
-        <p:nvSpPr>
-          <p:cNvPr id="3" name="Content Placeholder 2">
-            <a:extLst>
-              <a:ext uri="{FF2B5EF4-FFF2-40B4-BE49-F238E27FC236}">
-                <a16:creationId xmlns:a16="http://schemas.microsoft.com/office/drawing/2014/main" id="{EDC87932-752D-FABC-76EF-38023409D8D8}"/>
-              </a:ext>
-            </a:extLst>
-          </p:cNvPr>
-          <p:cNvSpPr>
-            <a:spLocks noGrp="1"/>
-          </p:cNvSpPr>
-          <p:nvPr>
-            <p:ph idx="1"/>
-          </p:nvPr>
-        </p:nvSpPr>
-        <p:spPr>
-          <a:xfrm>
-            <a:off x="838200" y="1825624"/>
-            <a:ext cx="10515600" cy="5032375"/>
-          </a:xfrm>
-        </p:spPr>
-        <p:txBody>
-          <a:bodyPr/>
-          <a:lstStyle/>
-          <a:p>
-            <a:pPr marL="0" indent="0">
-              <a:buNone/>
-            </a:pPr>
-            <a:r>
-              <a:rPr lang="en-GB" dirty="0"/>
-              <a:t>Our next step is logically to </a:t>
-            </a:r>
-            <a:r>
-              <a:rPr lang="en-GB" b="1" dirty="0"/>
-              <a:t>replace our vanilla gradient descent with some more advanced optimizers</a:t>
-            </a:r>
-            <a:r>
-              <a:rPr lang="en-GB" dirty="0"/>
-              <a:t>, e.g. Adam, </a:t>
-            </a:r>
-            <a:r>
-              <a:rPr lang="en-GB" dirty="0" err="1"/>
-              <a:t>AdaGrad</a:t>
-            </a:r>
-            <a:r>
-              <a:rPr lang="en-GB" dirty="0"/>
-              <a:t>, </a:t>
-            </a:r>
-            <a:r>
-              <a:rPr lang="en-GB" dirty="0" err="1"/>
-              <a:t>RMSProp</a:t>
-            </a:r>
-            <a:r>
-              <a:rPr lang="en-GB" dirty="0"/>
-              <a:t>, etc.</a:t>
-            </a:r>
-          </a:p>
-          <a:p>
-            <a:pPr marL="0" indent="0">
-              <a:buNone/>
-            </a:pPr>
-            <a:r>
-              <a:rPr lang="en-GB" dirty="0"/>
-              <a:t>Again, we will be relying on </a:t>
-            </a:r>
-            <a:r>
-              <a:rPr lang="en-GB" dirty="0" err="1"/>
-              <a:t>PyTorch</a:t>
-            </a:r>
-            <a:r>
-              <a:rPr lang="en-GB" dirty="0"/>
-              <a:t> as much as possible.</a:t>
-            </a:r>
-          </a:p>
-          <a:p>
-            <a:pPr marL="0" indent="0">
-              <a:buNone/>
-            </a:pPr>
-            <a:endParaRPr lang="en-GB" dirty="0"/>
-          </a:p>
-          <a:p>
-            <a:pPr marL="0" indent="0">
-              <a:buNone/>
-            </a:pPr>
-            <a:r>
-              <a:rPr lang="en-GB" dirty="0"/>
-              <a:t>Feel free to have a look at all the available </a:t>
-            </a:r>
-            <a:r>
-              <a:rPr lang="en-GB" b="1" dirty="0"/>
-              <a:t>built-in</a:t>
-            </a:r>
-            <a:r>
-              <a:rPr lang="en-GB" dirty="0"/>
-              <a:t> </a:t>
-            </a:r>
-            <a:r>
-              <a:rPr lang="en-GB" b="1" dirty="0"/>
-              <a:t>optimizers</a:t>
-            </a:r>
-            <a:r>
-              <a:rPr lang="en-GB" dirty="0"/>
-              <a:t>, available in </a:t>
-            </a:r>
-            <a:r>
-              <a:rPr lang="en-GB" dirty="0" err="1"/>
-              <a:t>PyTorch</a:t>
-            </a:r>
-            <a:r>
-              <a:rPr lang="en-GB" dirty="0"/>
-              <a:t>, here: </a:t>
-            </a:r>
-            <a:r>
-              <a:rPr lang="en-GB" dirty="0">
-                <a:hlinkClick r:id="rId2"/>
-              </a:rPr>
-              <a:t>https://pytorch.org/docs/stable/optim.html</a:t>
-            </a:r>
-            <a:endParaRPr lang="en-GB" dirty="0"/>
-          </a:p>
-          <a:p>
-            <a:pPr marL="0" indent="0">
-              <a:buNone/>
-            </a:pPr>
-            <a:endParaRPr lang="en-GB" dirty="0"/>
-          </a:p>
-          <a:p>
-            <a:pPr marL="0" indent="0">
-              <a:buNone/>
-            </a:pPr>
-            <a:r>
-              <a:rPr lang="en-GB" dirty="0"/>
-              <a:t>Let us now demonstrate how to use them in our Neural Network!</a:t>
-            </a:r>
-          </a:p>
-          <a:p>
-            <a:endParaRPr lang="en-GB" dirty="0"/>
-          </a:p>
-        </p:txBody>
-      </p:sp>
-    </p:spTree>
-    <p:extLst>
-      <p:ext uri="{BB962C8B-B14F-4D97-AF65-F5344CB8AC3E}">
-        <p14:creationId xmlns:p14="http://schemas.microsoft.com/office/powerpoint/2010/main" val="1283478655"/>
-      </p:ext>
-    </p:extLst>
-  </p:cSld>
-  <p:clrMapOvr>
-    <a:masterClrMapping/>
-  </p:clrMapOvr>
-</p:sld>
-</file>
-
 <file path=ppt/slides/slide25.xml><?xml version="1.0" encoding="utf-8"?>
 <p:sld xmlns:a="http://schemas.openxmlformats.org/drawingml/2006/main" xmlns:r="http://schemas.openxmlformats.org/officeDocument/2006/relationships" xmlns:p="http://schemas.openxmlformats.org/presentationml/2006/main">
   <p:cSld>
@@ -12970,6 +13377,206 @@
         <p:spPr>
           <a:xfrm>
             <a:off x="838200" y="1825624"/>
+            <a:ext cx="10515600" cy="5032375"/>
+          </a:xfrm>
+        </p:spPr>
+        <p:txBody>
+          <a:bodyPr/>
+          <a:lstStyle/>
+          <a:p>
+            <a:pPr marL="0" indent="0">
+              <a:buNone/>
+            </a:pPr>
+            <a:r>
+              <a:rPr lang="en-GB" dirty="0"/>
+              <a:t>Our next step is logically to </a:t>
+            </a:r>
+            <a:r>
+              <a:rPr lang="en-GB" b="1" dirty="0"/>
+              <a:t>replace our vanilla gradient descent with some more advanced optimizers</a:t>
+            </a:r>
+            <a:r>
+              <a:rPr lang="en-GB" dirty="0"/>
+              <a:t>, e.g. Adam, </a:t>
+            </a:r>
+            <a:r>
+              <a:rPr lang="en-GB" dirty="0" err="1"/>
+              <a:t>AdaGrad</a:t>
+            </a:r>
+            <a:r>
+              <a:rPr lang="en-GB" dirty="0"/>
+              <a:t>, </a:t>
+            </a:r>
+            <a:r>
+              <a:rPr lang="en-GB" dirty="0" err="1"/>
+              <a:t>RMSProp</a:t>
+            </a:r>
+            <a:r>
+              <a:rPr lang="en-GB" dirty="0"/>
+              <a:t>, etc.</a:t>
+            </a:r>
+          </a:p>
+          <a:p>
+            <a:pPr marL="0" indent="0">
+              <a:buNone/>
+            </a:pPr>
+            <a:r>
+              <a:rPr lang="en-GB" dirty="0"/>
+              <a:t>Again, we will be relying on </a:t>
+            </a:r>
+            <a:r>
+              <a:rPr lang="en-GB" dirty="0" err="1"/>
+              <a:t>PyTorch</a:t>
+            </a:r>
+            <a:r>
+              <a:rPr lang="en-GB" dirty="0"/>
+              <a:t> as much as possible.</a:t>
+            </a:r>
+          </a:p>
+          <a:p>
+            <a:pPr marL="0" indent="0">
+              <a:buNone/>
+            </a:pPr>
+            <a:endParaRPr lang="en-GB" dirty="0"/>
+          </a:p>
+          <a:p>
+            <a:pPr marL="0" indent="0">
+              <a:buNone/>
+            </a:pPr>
+            <a:r>
+              <a:rPr lang="en-GB" dirty="0"/>
+              <a:t>Feel free to have a look at all the available </a:t>
+            </a:r>
+            <a:r>
+              <a:rPr lang="en-GB" b="1" dirty="0"/>
+              <a:t>built-in</a:t>
+            </a:r>
+            <a:r>
+              <a:rPr lang="en-GB" dirty="0"/>
+              <a:t> </a:t>
+            </a:r>
+            <a:r>
+              <a:rPr lang="en-GB" b="1" dirty="0"/>
+              <a:t>optimizers</a:t>
+            </a:r>
+            <a:r>
+              <a:rPr lang="en-GB" dirty="0"/>
+              <a:t>, available in </a:t>
+            </a:r>
+            <a:r>
+              <a:rPr lang="en-GB" dirty="0" err="1"/>
+              <a:t>PyTorch</a:t>
+            </a:r>
+            <a:r>
+              <a:rPr lang="en-GB" dirty="0"/>
+              <a:t>, here: </a:t>
+            </a:r>
+            <a:r>
+              <a:rPr lang="en-GB" dirty="0">
+                <a:hlinkClick r:id="rId2"/>
+              </a:rPr>
+              <a:t>https://pytorch.org/docs/stable/optim.html</a:t>
+            </a:r>
+            <a:endParaRPr lang="en-GB" dirty="0"/>
+          </a:p>
+          <a:p>
+            <a:pPr marL="0" indent="0">
+              <a:buNone/>
+            </a:pPr>
+            <a:endParaRPr lang="en-GB" dirty="0"/>
+          </a:p>
+          <a:p>
+            <a:pPr marL="0" indent="0">
+              <a:buNone/>
+            </a:pPr>
+            <a:r>
+              <a:rPr lang="en-GB" dirty="0"/>
+              <a:t>Let us now demonstrate how to use them in our Neural Network!</a:t>
+            </a:r>
+          </a:p>
+          <a:p>
+            <a:endParaRPr lang="en-GB" dirty="0"/>
+          </a:p>
+        </p:txBody>
+      </p:sp>
+    </p:spTree>
+    <p:extLst>
+      <p:ext uri="{BB962C8B-B14F-4D97-AF65-F5344CB8AC3E}">
+        <p14:creationId xmlns:p14="http://schemas.microsoft.com/office/powerpoint/2010/main" val="1283478655"/>
+      </p:ext>
+    </p:extLst>
+  </p:cSld>
+  <p:clrMapOvr>
+    <a:masterClrMapping/>
+  </p:clrMapOvr>
+</p:sld>
+</file>
+
+<file path=ppt/slides/slide26.xml><?xml version="1.0" encoding="utf-8"?>
+<p:sld xmlns:a="http://schemas.openxmlformats.org/drawingml/2006/main" xmlns:r="http://schemas.openxmlformats.org/officeDocument/2006/relationships" xmlns:p="http://schemas.openxmlformats.org/presentationml/2006/main">
+  <p:cSld>
+    <p:spTree>
+      <p:nvGrpSpPr>
+        <p:cNvPr id="1" name=""/>
+        <p:cNvGrpSpPr/>
+        <p:nvPr/>
+      </p:nvGrpSpPr>
+      <p:grpSpPr>
+        <a:xfrm>
+          <a:off x="0" y="0"/>
+          <a:ext cx="0" cy="0"/>
+          <a:chOff x="0" y="0"/>
+          <a:chExt cx="0" cy="0"/>
+        </a:xfrm>
+      </p:grpSpPr>
+      <p:sp>
+        <p:nvSpPr>
+          <p:cNvPr id="2" name="Title 1">
+            <a:extLst>
+              <a:ext uri="{FF2B5EF4-FFF2-40B4-BE49-F238E27FC236}">
+                <a16:creationId xmlns:a16="http://schemas.microsoft.com/office/drawing/2014/main" id="{9E92E9E4-1AEF-6408-1465-D1DC917DE2AF}"/>
+              </a:ext>
+            </a:extLst>
+          </p:cNvPr>
+          <p:cNvSpPr>
+            <a:spLocks noGrp="1"/>
+          </p:cNvSpPr>
+          <p:nvPr>
+            <p:ph type="title"/>
+          </p:nvPr>
+        </p:nvSpPr>
+        <p:spPr/>
+        <p:txBody>
+          <a:bodyPr/>
+          <a:lstStyle/>
+          <a:p>
+            <a:r>
+              <a:rPr lang="en-GB" dirty="0"/>
+              <a:t>Using advanced optimizers (Adam, etc.)</a:t>
+            </a:r>
+            <a:endParaRPr lang="en-SG" dirty="0"/>
+          </a:p>
+        </p:txBody>
+      </p:sp>
+      <p:sp>
+        <p:nvSpPr>
+          <p:cNvPr id="3" name="Content Placeholder 2">
+            <a:extLst>
+              <a:ext uri="{FF2B5EF4-FFF2-40B4-BE49-F238E27FC236}">
+                <a16:creationId xmlns:a16="http://schemas.microsoft.com/office/drawing/2014/main" id="{EDC87932-752D-FABC-76EF-38023409D8D8}"/>
+              </a:ext>
+            </a:extLst>
+          </p:cNvPr>
+          <p:cNvSpPr>
+            <a:spLocks noGrp="1"/>
+          </p:cNvSpPr>
+          <p:nvPr>
+            <p:ph idx="1"/>
+          </p:nvPr>
+        </p:nvSpPr>
+        <p:spPr>
+          <a:xfrm>
+            <a:off x="838200" y="1825624"/>
             <a:ext cx="10923954" cy="5032375"/>
           </a:xfrm>
         </p:spPr>
@@ -13134,7 +13741,7 @@
 </p:sld>
 </file>
 
-<file path=ppt/slides/slide26.xml><?xml version="1.0" encoding="utf-8"?>
+<file path=ppt/slides/slide27.xml><?xml version="1.0" encoding="utf-8"?>
 <p:sld xmlns:a="http://schemas.openxmlformats.org/drawingml/2006/main" xmlns:r="http://schemas.openxmlformats.org/officeDocument/2006/relationships" xmlns:p="http://schemas.openxmlformats.org/presentationml/2006/main">
   <p:cSld>
     <p:spTree>
@@ -13406,7 +14013,7 @@
 </p:sld>
 </file>
 
-<file path=ppt/slides/slide27.xml><?xml version="1.0" encoding="utf-8"?>
+<file path=ppt/slides/slide28.xml><?xml version="1.0" encoding="utf-8"?>
 <p:sld xmlns:a="http://schemas.openxmlformats.org/drawingml/2006/main" xmlns:r="http://schemas.openxmlformats.org/officeDocument/2006/relationships" xmlns:p="http://schemas.openxmlformats.org/presentationml/2006/main">
   <p:cSld>
     <p:spTree>
@@ -13560,7 +14167,7 @@
 </p:sld>
 </file>
 
-<file path=ppt/slides/slide28.xml><?xml version="1.0" encoding="utf-8"?>
+<file path=ppt/slides/slide29.xml><?xml version="1.0" encoding="utf-8"?>
 <p:sld xmlns:a="http://schemas.openxmlformats.org/drawingml/2006/main" xmlns:r="http://schemas.openxmlformats.org/officeDocument/2006/relationships" xmlns:p="http://schemas.openxmlformats.org/presentationml/2006/main">
   <p:cSld>
     <p:spTree>
@@ -13768,7 +14375,396 @@
 </p:sld>
 </file>
 
-<file path=ppt/slides/slide29.xml><?xml version="1.0" encoding="utf-8"?>
+<file path=ppt/slides/slide3.xml><?xml version="1.0" encoding="utf-8"?>
+<p:sld xmlns:a="http://schemas.openxmlformats.org/drawingml/2006/main" xmlns:r="http://schemas.openxmlformats.org/officeDocument/2006/relationships" xmlns:p="http://schemas.openxmlformats.org/presentationml/2006/main">
+  <p:cSld>
+    <p:spTree>
+      <p:nvGrpSpPr>
+        <p:cNvPr id="1" name=""/>
+        <p:cNvGrpSpPr/>
+        <p:nvPr/>
+      </p:nvGrpSpPr>
+      <p:grpSpPr>
+        <a:xfrm>
+          <a:off x="0" y="0"/>
+          <a:ext cx="0" cy="0"/>
+          <a:chOff x="0" y="0"/>
+          <a:chExt cx="0" cy="0"/>
+        </a:xfrm>
+      </p:grpSpPr>
+      <p:sp>
+        <p:nvSpPr>
+          <p:cNvPr id="2" name="Title 1">
+            <a:extLst>
+              <a:ext uri="{FF2B5EF4-FFF2-40B4-BE49-F238E27FC236}">
+                <a16:creationId xmlns:a16="http://schemas.microsoft.com/office/drawing/2014/main" id="{3F88AB3E-DF60-4411-7415-7A8708334829}"/>
+              </a:ext>
+            </a:extLst>
+          </p:cNvPr>
+          <p:cNvSpPr>
+            <a:spLocks noGrp="1"/>
+          </p:cNvSpPr>
+          <p:nvPr>
+            <p:ph type="title"/>
+          </p:nvPr>
+        </p:nvSpPr>
+        <p:spPr/>
+        <p:txBody>
+          <a:bodyPr/>
+          <a:lstStyle/>
+          <a:p>
+            <a:r>
+              <a:rPr lang="en-GB" dirty="0"/>
+              <a:t>Introduction (Week 3)</a:t>
+            </a:r>
+            <a:endParaRPr lang="en-SG" dirty="0"/>
+          </a:p>
+        </p:txBody>
+      </p:sp>
+      <p:sp>
+        <p:nvSpPr>
+          <p:cNvPr id="3" name="Content Placeholder 2">
+            <a:extLst>
+              <a:ext uri="{FF2B5EF4-FFF2-40B4-BE49-F238E27FC236}">
+                <a16:creationId xmlns:a16="http://schemas.microsoft.com/office/drawing/2014/main" id="{65B58308-C101-BC04-E972-00C74DE5080B}"/>
+              </a:ext>
+            </a:extLst>
+          </p:cNvPr>
+          <p:cNvSpPr>
+            <a:spLocks noGrp="1"/>
+          </p:cNvSpPr>
+          <p:nvPr>
+            <p:ph idx="1"/>
+          </p:nvPr>
+        </p:nvSpPr>
+        <p:spPr>
+          <a:xfrm>
+            <a:off x="838200" y="1825624"/>
+            <a:ext cx="10515600" cy="5032375"/>
+          </a:xfrm>
+        </p:spPr>
+        <p:txBody>
+          <a:bodyPr>
+            <a:normAutofit lnSpcReduction="10000"/>
+          </a:bodyPr>
+          <a:lstStyle/>
+          <a:p>
+            <a:pPr marL="514350" indent="-514350">
+              <a:buFont typeface="+mj-lt"/>
+              <a:buAutoNum type="arabicPeriod" startAt="9"/>
+            </a:pPr>
+            <a:r>
+              <a:rPr lang="en-GB" dirty="0"/>
+              <a:t>What is the </a:t>
+            </a:r>
+            <a:r>
+              <a:rPr lang="en-GB" b="1" dirty="0" err="1"/>
+              <a:t>autograd</a:t>
+            </a:r>
+            <a:r>
+              <a:rPr lang="en-GB" dirty="0"/>
+              <a:t>/</a:t>
+            </a:r>
+            <a:r>
+              <a:rPr lang="en-GB" b="1" dirty="0"/>
+              <a:t>backprop</a:t>
+            </a:r>
+            <a:r>
+              <a:rPr lang="en-GB" dirty="0"/>
+              <a:t> module in </a:t>
+            </a:r>
+            <a:r>
+              <a:rPr lang="en-GB" dirty="0" err="1"/>
+              <a:t>PyTorch</a:t>
+            </a:r>
+            <a:r>
+              <a:rPr lang="en-GB" dirty="0"/>
+              <a:t>, and how does it use a </a:t>
+            </a:r>
+            <a:r>
+              <a:rPr lang="en-GB" b="1" dirty="0"/>
+              <a:t>computational</a:t>
+            </a:r>
+            <a:r>
+              <a:rPr lang="en-GB" dirty="0"/>
+              <a:t> </a:t>
+            </a:r>
+            <a:r>
+              <a:rPr lang="en-GB" b="1" dirty="0"/>
+              <a:t>graph</a:t>
+            </a:r>
+            <a:r>
+              <a:rPr lang="en-GB" dirty="0"/>
+              <a:t> to </a:t>
+            </a:r>
+            <a:r>
+              <a:rPr lang="en-GB" b="1" dirty="0"/>
+              <a:t>compute</a:t>
+            </a:r>
+            <a:r>
+              <a:rPr lang="en-GB" dirty="0"/>
+              <a:t> </a:t>
+            </a:r>
+            <a:r>
+              <a:rPr lang="en-GB" b="1" dirty="0"/>
+              <a:t>all</a:t>
+            </a:r>
+            <a:r>
+              <a:rPr lang="en-GB" dirty="0"/>
+              <a:t> </a:t>
+            </a:r>
+            <a:r>
+              <a:rPr lang="en-GB" b="1" dirty="0"/>
+              <a:t>derivatives</a:t>
+            </a:r>
+            <a:r>
+              <a:rPr lang="en-GB" dirty="0"/>
+              <a:t>? </a:t>
+            </a:r>
+          </a:p>
+          <a:p>
+            <a:pPr marL="514350" indent="-514350">
+              <a:buFont typeface="+mj-lt"/>
+              <a:buAutoNum type="arabicPeriod" startAt="9"/>
+            </a:pPr>
+            <a:r>
+              <a:rPr lang="en-GB" dirty="0"/>
+              <a:t>How to use the </a:t>
+            </a:r>
+            <a:r>
+              <a:rPr lang="en-GB" b="1" dirty="0" err="1"/>
+              <a:t>autograd</a:t>
+            </a:r>
+            <a:r>
+              <a:rPr lang="en-GB" dirty="0"/>
+              <a:t> to implement </a:t>
+            </a:r>
+            <a:r>
+              <a:rPr lang="en-GB" b="1" dirty="0"/>
+              <a:t>derivatives</a:t>
+            </a:r>
+            <a:r>
+              <a:rPr lang="en-GB" dirty="0"/>
+              <a:t> and a </a:t>
+            </a:r>
+            <a:r>
+              <a:rPr lang="en-GB" b="1" dirty="0"/>
+              <a:t>vanilla</a:t>
+            </a:r>
+            <a:r>
+              <a:rPr lang="en-GB" dirty="0"/>
+              <a:t> </a:t>
+            </a:r>
+            <a:r>
+              <a:rPr lang="en-GB" b="1" dirty="0"/>
+              <a:t>gradient</a:t>
+            </a:r>
+            <a:r>
+              <a:rPr lang="en-GB" dirty="0"/>
+              <a:t> </a:t>
+            </a:r>
+            <a:r>
+              <a:rPr lang="en-GB" b="1" dirty="0"/>
+              <a:t>descent</a:t>
+            </a:r>
+            <a:r>
+              <a:rPr lang="en-GB" dirty="0"/>
+              <a:t>?</a:t>
+            </a:r>
+          </a:p>
+          <a:p>
+            <a:pPr marL="514350" indent="-514350">
+              <a:buFont typeface="+mj-lt"/>
+              <a:buAutoNum type="arabicPeriod" startAt="9"/>
+            </a:pPr>
+            <a:r>
+              <a:rPr lang="en-GB" dirty="0"/>
+              <a:t>How to implement </a:t>
+            </a:r>
+            <a:r>
+              <a:rPr lang="en-GB" b="1" dirty="0"/>
+              <a:t>backprop</a:t>
+            </a:r>
+            <a:r>
+              <a:rPr lang="en-GB" dirty="0"/>
+              <a:t> in </a:t>
+            </a:r>
+            <a:r>
+              <a:rPr lang="en-GB" dirty="0" err="1"/>
+              <a:t>PyTorch</a:t>
+            </a:r>
+            <a:r>
+              <a:rPr lang="en-GB" dirty="0"/>
+              <a:t> for our </a:t>
+            </a:r>
+            <a:r>
+              <a:rPr lang="en-GB" b="1" dirty="0"/>
+              <a:t>shallow</a:t>
+            </a:r>
+            <a:r>
+              <a:rPr lang="en-GB" dirty="0"/>
+              <a:t> </a:t>
+            </a:r>
+            <a:r>
+              <a:rPr lang="en-GB" b="1" dirty="0"/>
+              <a:t>Neural</a:t>
+            </a:r>
+            <a:r>
+              <a:rPr lang="en-GB" dirty="0"/>
+              <a:t> </a:t>
+            </a:r>
+            <a:r>
+              <a:rPr lang="en-GB" b="1" dirty="0"/>
+              <a:t>Network</a:t>
+            </a:r>
+            <a:r>
+              <a:rPr lang="en-GB" dirty="0"/>
+              <a:t> class?</a:t>
+            </a:r>
+          </a:p>
+          <a:p>
+            <a:pPr marL="514350" indent="-514350">
+              <a:buFont typeface="+mj-lt"/>
+              <a:buAutoNum type="arabicPeriod" startAt="9"/>
+            </a:pPr>
+            <a:r>
+              <a:rPr lang="en-GB" dirty="0"/>
+              <a:t>How to use </a:t>
+            </a:r>
+            <a:r>
+              <a:rPr lang="en-GB" b="1" dirty="0" err="1"/>
+              <a:t>PyTorch</a:t>
+            </a:r>
+            <a:r>
+              <a:rPr lang="en-GB" dirty="0"/>
+              <a:t> to implement </a:t>
+            </a:r>
+            <a:r>
+              <a:rPr lang="en-GB" b="1" dirty="0"/>
+              <a:t>advanced</a:t>
+            </a:r>
+            <a:r>
+              <a:rPr lang="en-GB" dirty="0"/>
+              <a:t> </a:t>
+            </a:r>
+            <a:r>
+              <a:rPr lang="en-GB" b="1" dirty="0"/>
+              <a:t>optimizers</a:t>
+            </a:r>
+            <a:r>
+              <a:rPr lang="en-GB" dirty="0"/>
+              <a:t>?</a:t>
+            </a:r>
+          </a:p>
+          <a:p>
+            <a:pPr marL="514350" indent="-514350">
+              <a:buFont typeface="+mj-lt"/>
+              <a:buAutoNum type="arabicPeriod" startAt="9"/>
+            </a:pPr>
+            <a:r>
+              <a:rPr lang="en-GB" dirty="0"/>
+              <a:t>How to use </a:t>
+            </a:r>
+            <a:r>
+              <a:rPr lang="en-GB" b="1" dirty="0" err="1"/>
+              <a:t>PyTorch</a:t>
+            </a:r>
+            <a:r>
+              <a:rPr lang="en-GB" dirty="0"/>
+              <a:t> to implement </a:t>
+            </a:r>
+            <a:r>
+              <a:rPr lang="en-GB" b="1" dirty="0"/>
+              <a:t>advanced</a:t>
+            </a:r>
+            <a:r>
+              <a:rPr lang="en-GB" dirty="0"/>
+              <a:t> </a:t>
+            </a:r>
+            <a:r>
+              <a:rPr lang="en-GB" b="1" dirty="0"/>
+              <a:t>initializers</a:t>
+            </a:r>
+            <a:r>
+              <a:rPr lang="en-GB" dirty="0"/>
+              <a:t>?</a:t>
+            </a:r>
+          </a:p>
+          <a:p>
+            <a:pPr marL="514350" indent="-514350">
+              <a:buFont typeface="+mj-lt"/>
+              <a:buAutoNum type="arabicPeriod" startAt="9"/>
+            </a:pPr>
+            <a:r>
+              <a:rPr lang="en-GB" dirty="0"/>
+              <a:t>How to use </a:t>
+            </a:r>
+            <a:r>
+              <a:rPr lang="en-GB" b="1" dirty="0" err="1"/>
+              <a:t>PyTorch</a:t>
+            </a:r>
+            <a:r>
+              <a:rPr lang="en-GB" dirty="0"/>
+              <a:t> to implement </a:t>
+            </a:r>
+            <a:r>
+              <a:rPr lang="en-GB" b="1" dirty="0"/>
+              <a:t>regularization</a:t>
+            </a:r>
+            <a:r>
+              <a:rPr lang="en-GB" dirty="0"/>
+              <a:t>?</a:t>
+            </a:r>
+          </a:p>
+          <a:p>
+            <a:pPr marL="514350" indent="-514350">
+              <a:buFont typeface="+mj-lt"/>
+              <a:buAutoNum type="arabicPeriod" startAt="9"/>
+            </a:pPr>
+            <a:r>
+              <a:rPr lang="en-GB" dirty="0"/>
+              <a:t>How to finally revise our </a:t>
+            </a:r>
+            <a:r>
+              <a:rPr lang="en-GB" b="1" dirty="0"/>
+              <a:t>trainer</a:t>
+            </a:r>
+            <a:r>
+              <a:rPr lang="en-GB" dirty="0"/>
+              <a:t> function to obtain a minimal, yet complete Neural Network in </a:t>
+            </a:r>
+            <a:r>
+              <a:rPr lang="en-GB" dirty="0" err="1"/>
+              <a:t>PyTorch</a:t>
+            </a:r>
+            <a:r>
+              <a:rPr lang="en-GB" dirty="0"/>
+              <a:t>?</a:t>
+            </a:r>
+          </a:p>
+          <a:p>
+            <a:pPr marL="514350" indent="-514350">
+              <a:buFont typeface="+mj-lt"/>
+              <a:buAutoNum type="arabicPeriod" startAt="9"/>
+            </a:pPr>
+            <a:endParaRPr lang="en-SG" dirty="0"/>
+          </a:p>
+        </p:txBody>
+      </p:sp>
+    </p:spTree>
+    <p:extLst>
+      <p:ext uri="{BB962C8B-B14F-4D97-AF65-F5344CB8AC3E}">
+        <p14:creationId xmlns:p14="http://schemas.microsoft.com/office/powerpoint/2010/main" val="2670805330"/>
+      </p:ext>
+    </p:extLst>
+  </p:cSld>
+  <p:clrMapOvr>
+    <a:masterClrMapping/>
+  </p:clrMapOvr>
+</p:sld>
+</file>
+
+<file path=ppt/slides/slide30.xml><?xml version="1.0" encoding="utf-8"?>
 <p:sld xmlns:a="http://schemas.openxmlformats.org/drawingml/2006/main" xmlns:r="http://schemas.openxmlformats.org/officeDocument/2006/relationships" xmlns:p="http://schemas.openxmlformats.org/presentationml/2006/main">
   <p:cSld>
     <p:spTree>
@@ -14040,396 +15036,7 @@
 </p:sld>
 </file>
 
-<file path=ppt/slides/slide3.xml><?xml version="1.0" encoding="utf-8"?>
-<p:sld xmlns:a="http://schemas.openxmlformats.org/drawingml/2006/main" xmlns:r="http://schemas.openxmlformats.org/officeDocument/2006/relationships" xmlns:p="http://schemas.openxmlformats.org/presentationml/2006/main">
-  <p:cSld>
-    <p:spTree>
-      <p:nvGrpSpPr>
-        <p:cNvPr id="1" name=""/>
-        <p:cNvGrpSpPr/>
-        <p:nvPr/>
-      </p:nvGrpSpPr>
-      <p:grpSpPr>
-        <a:xfrm>
-          <a:off x="0" y="0"/>
-          <a:ext cx="0" cy="0"/>
-          <a:chOff x="0" y="0"/>
-          <a:chExt cx="0" cy="0"/>
-        </a:xfrm>
-      </p:grpSpPr>
-      <p:sp>
-        <p:nvSpPr>
-          <p:cNvPr id="2" name="Title 1">
-            <a:extLst>
-              <a:ext uri="{FF2B5EF4-FFF2-40B4-BE49-F238E27FC236}">
-                <a16:creationId xmlns:a16="http://schemas.microsoft.com/office/drawing/2014/main" id="{3F88AB3E-DF60-4411-7415-7A8708334829}"/>
-              </a:ext>
-            </a:extLst>
-          </p:cNvPr>
-          <p:cNvSpPr>
-            <a:spLocks noGrp="1"/>
-          </p:cNvSpPr>
-          <p:nvPr>
-            <p:ph type="title"/>
-          </p:nvPr>
-        </p:nvSpPr>
-        <p:spPr/>
-        <p:txBody>
-          <a:bodyPr/>
-          <a:lstStyle/>
-          <a:p>
-            <a:r>
-              <a:rPr lang="en-GB" dirty="0"/>
-              <a:t>Introduction (Week 3)</a:t>
-            </a:r>
-            <a:endParaRPr lang="en-SG" dirty="0"/>
-          </a:p>
-        </p:txBody>
-      </p:sp>
-      <p:sp>
-        <p:nvSpPr>
-          <p:cNvPr id="3" name="Content Placeholder 2">
-            <a:extLst>
-              <a:ext uri="{FF2B5EF4-FFF2-40B4-BE49-F238E27FC236}">
-                <a16:creationId xmlns:a16="http://schemas.microsoft.com/office/drawing/2014/main" id="{65B58308-C101-BC04-E972-00C74DE5080B}"/>
-              </a:ext>
-            </a:extLst>
-          </p:cNvPr>
-          <p:cNvSpPr>
-            <a:spLocks noGrp="1"/>
-          </p:cNvSpPr>
-          <p:nvPr>
-            <p:ph idx="1"/>
-          </p:nvPr>
-        </p:nvSpPr>
-        <p:spPr>
-          <a:xfrm>
-            <a:off x="838200" y="1825624"/>
-            <a:ext cx="10515600" cy="5032375"/>
-          </a:xfrm>
-        </p:spPr>
-        <p:txBody>
-          <a:bodyPr>
-            <a:normAutofit lnSpcReduction="10000"/>
-          </a:bodyPr>
-          <a:lstStyle/>
-          <a:p>
-            <a:pPr marL="514350" indent="-514350">
-              <a:buFont typeface="+mj-lt"/>
-              <a:buAutoNum type="arabicPeriod" startAt="9"/>
-            </a:pPr>
-            <a:r>
-              <a:rPr lang="en-GB" dirty="0"/>
-              <a:t>What is the </a:t>
-            </a:r>
-            <a:r>
-              <a:rPr lang="en-GB" b="1" dirty="0" err="1"/>
-              <a:t>autograd</a:t>
-            </a:r>
-            <a:r>
-              <a:rPr lang="en-GB" dirty="0"/>
-              <a:t>/</a:t>
-            </a:r>
-            <a:r>
-              <a:rPr lang="en-GB" b="1" dirty="0"/>
-              <a:t>backprop</a:t>
-            </a:r>
-            <a:r>
-              <a:rPr lang="en-GB" dirty="0"/>
-              <a:t> module in </a:t>
-            </a:r>
-            <a:r>
-              <a:rPr lang="en-GB" dirty="0" err="1"/>
-              <a:t>PyTorch</a:t>
-            </a:r>
-            <a:r>
-              <a:rPr lang="en-GB" dirty="0"/>
-              <a:t>, and how does it use a </a:t>
-            </a:r>
-            <a:r>
-              <a:rPr lang="en-GB" b="1" dirty="0"/>
-              <a:t>computational</a:t>
-            </a:r>
-            <a:r>
-              <a:rPr lang="en-GB" dirty="0"/>
-              <a:t> </a:t>
-            </a:r>
-            <a:r>
-              <a:rPr lang="en-GB" b="1" dirty="0"/>
-              <a:t>graph</a:t>
-            </a:r>
-            <a:r>
-              <a:rPr lang="en-GB" dirty="0"/>
-              <a:t> to </a:t>
-            </a:r>
-            <a:r>
-              <a:rPr lang="en-GB" b="1" dirty="0"/>
-              <a:t>compute</a:t>
-            </a:r>
-            <a:r>
-              <a:rPr lang="en-GB" dirty="0"/>
-              <a:t> </a:t>
-            </a:r>
-            <a:r>
-              <a:rPr lang="en-GB" b="1" dirty="0"/>
-              <a:t>all</a:t>
-            </a:r>
-            <a:r>
-              <a:rPr lang="en-GB" dirty="0"/>
-              <a:t> </a:t>
-            </a:r>
-            <a:r>
-              <a:rPr lang="en-GB" b="1" dirty="0"/>
-              <a:t>derivatives</a:t>
-            </a:r>
-            <a:r>
-              <a:rPr lang="en-GB" dirty="0"/>
-              <a:t>? </a:t>
-            </a:r>
-          </a:p>
-          <a:p>
-            <a:pPr marL="514350" indent="-514350">
-              <a:buFont typeface="+mj-lt"/>
-              <a:buAutoNum type="arabicPeriod" startAt="9"/>
-            </a:pPr>
-            <a:r>
-              <a:rPr lang="en-GB" dirty="0"/>
-              <a:t>How to use the </a:t>
-            </a:r>
-            <a:r>
-              <a:rPr lang="en-GB" b="1" dirty="0" err="1"/>
-              <a:t>autograd</a:t>
-            </a:r>
-            <a:r>
-              <a:rPr lang="en-GB" dirty="0"/>
-              <a:t> to implement </a:t>
-            </a:r>
-            <a:r>
-              <a:rPr lang="en-GB" b="1" dirty="0"/>
-              <a:t>derivatives</a:t>
-            </a:r>
-            <a:r>
-              <a:rPr lang="en-GB" dirty="0"/>
-              <a:t> and a </a:t>
-            </a:r>
-            <a:r>
-              <a:rPr lang="en-GB" b="1" dirty="0"/>
-              <a:t>vanilla</a:t>
-            </a:r>
-            <a:r>
-              <a:rPr lang="en-GB" dirty="0"/>
-              <a:t> </a:t>
-            </a:r>
-            <a:r>
-              <a:rPr lang="en-GB" b="1" dirty="0"/>
-              <a:t>gradient</a:t>
-            </a:r>
-            <a:r>
-              <a:rPr lang="en-GB" dirty="0"/>
-              <a:t> </a:t>
-            </a:r>
-            <a:r>
-              <a:rPr lang="en-GB" b="1" dirty="0"/>
-              <a:t>descent</a:t>
-            </a:r>
-            <a:r>
-              <a:rPr lang="en-GB" dirty="0"/>
-              <a:t>?</a:t>
-            </a:r>
-          </a:p>
-          <a:p>
-            <a:pPr marL="514350" indent="-514350">
-              <a:buFont typeface="+mj-lt"/>
-              <a:buAutoNum type="arabicPeriod" startAt="9"/>
-            </a:pPr>
-            <a:r>
-              <a:rPr lang="en-GB" dirty="0"/>
-              <a:t>How to implement </a:t>
-            </a:r>
-            <a:r>
-              <a:rPr lang="en-GB" b="1" dirty="0"/>
-              <a:t>backprop</a:t>
-            </a:r>
-            <a:r>
-              <a:rPr lang="en-GB" dirty="0"/>
-              <a:t> in </a:t>
-            </a:r>
-            <a:r>
-              <a:rPr lang="en-GB" dirty="0" err="1"/>
-              <a:t>PyTorch</a:t>
-            </a:r>
-            <a:r>
-              <a:rPr lang="en-GB" dirty="0"/>
-              <a:t> for our </a:t>
-            </a:r>
-            <a:r>
-              <a:rPr lang="en-GB" b="1" dirty="0"/>
-              <a:t>shallow</a:t>
-            </a:r>
-            <a:r>
-              <a:rPr lang="en-GB" dirty="0"/>
-              <a:t> </a:t>
-            </a:r>
-            <a:r>
-              <a:rPr lang="en-GB" b="1" dirty="0"/>
-              <a:t>Neural</a:t>
-            </a:r>
-            <a:r>
-              <a:rPr lang="en-GB" dirty="0"/>
-              <a:t> </a:t>
-            </a:r>
-            <a:r>
-              <a:rPr lang="en-GB" b="1" dirty="0"/>
-              <a:t>Network</a:t>
-            </a:r>
-            <a:r>
-              <a:rPr lang="en-GB" dirty="0"/>
-              <a:t> class?</a:t>
-            </a:r>
-          </a:p>
-          <a:p>
-            <a:pPr marL="514350" indent="-514350">
-              <a:buFont typeface="+mj-lt"/>
-              <a:buAutoNum type="arabicPeriod" startAt="9"/>
-            </a:pPr>
-            <a:r>
-              <a:rPr lang="en-GB" dirty="0"/>
-              <a:t>How to use </a:t>
-            </a:r>
-            <a:r>
-              <a:rPr lang="en-GB" b="1" dirty="0" err="1"/>
-              <a:t>PyTorch</a:t>
-            </a:r>
-            <a:r>
-              <a:rPr lang="en-GB" dirty="0"/>
-              <a:t> to implement </a:t>
-            </a:r>
-            <a:r>
-              <a:rPr lang="en-GB" b="1" dirty="0"/>
-              <a:t>advanced</a:t>
-            </a:r>
-            <a:r>
-              <a:rPr lang="en-GB" dirty="0"/>
-              <a:t> </a:t>
-            </a:r>
-            <a:r>
-              <a:rPr lang="en-GB" b="1" dirty="0"/>
-              <a:t>optimizers</a:t>
-            </a:r>
-            <a:r>
-              <a:rPr lang="en-GB" dirty="0"/>
-              <a:t>?</a:t>
-            </a:r>
-          </a:p>
-          <a:p>
-            <a:pPr marL="514350" indent="-514350">
-              <a:buFont typeface="+mj-lt"/>
-              <a:buAutoNum type="arabicPeriod" startAt="9"/>
-            </a:pPr>
-            <a:r>
-              <a:rPr lang="en-GB" dirty="0"/>
-              <a:t>How to use </a:t>
-            </a:r>
-            <a:r>
-              <a:rPr lang="en-GB" b="1" dirty="0" err="1"/>
-              <a:t>PyTorch</a:t>
-            </a:r>
-            <a:r>
-              <a:rPr lang="en-GB" dirty="0"/>
-              <a:t> to implement </a:t>
-            </a:r>
-            <a:r>
-              <a:rPr lang="en-GB" b="1" dirty="0"/>
-              <a:t>advanced</a:t>
-            </a:r>
-            <a:r>
-              <a:rPr lang="en-GB" dirty="0"/>
-              <a:t> </a:t>
-            </a:r>
-            <a:r>
-              <a:rPr lang="en-GB" b="1" dirty="0"/>
-              <a:t>initializers</a:t>
-            </a:r>
-            <a:r>
-              <a:rPr lang="en-GB" dirty="0"/>
-              <a:t>?</a:t>
-            </a:r>
-          </a:p>
-          <a:p>
-            <a:pPr marL="514350" indent="-514350">
-              <a:buFont typeface="+mj-lt"/>
-              <a:buAutoNum type="arabicPeriod" startAt="9"/>
-            </a:pPr>
-            <a:r>
-              <a:rPr lang="en-GB" dirty="0"/>
-              <a:t>How to use </a:t>
-            </a:r>
-            <a:r>
-              <a:rPr lang="en-GB" b="1" dirty="0" err="1"/>
-              <a:t>PyTorch</a:t>
-            </a:r>
-            <a:r>
-              <a:rPr lang="en-GB" dirty="0"/>
-              <a:t> to implement </a:t>
-            </a:r>
-            <a:r>
-              <a:rPr lang="en-GB" b="1" dirty="0"/>
-              <a:t>regularization</a:t>
-            </a:r>
-            <a:r>
-              <a:rPr lang="en-GB" dirty="0"/>
-              <a:t>?</a:t>
-            </a:r>
-          </a:p>
-          <a:p>
-            <a:pPr marL="514350" indent="-514350">
-              <a:buFont typeface="+mj-lt"/>
-              <a:buAutoNum type="arabicPeriod" startAt="9"/>
-            </a:pPr>
-            <a:r>
-              <a:rPr lang="en-GB" dirty="0"/>
-              <a:t>How to finally revise our </a:t>
-            </a:r>
-            <a:r>
-              <a:rPr lang="en-GB" b="1" dirty="0"/>
-              <a:t>trainer</a:t>
-            </a:r>
-            <a:r>
-              <a:rPr lang="en-GB" dirty="0"/>
-              <a:t> function to obtain a minimal, yet complete Neural Network in </a:t>
-            </a:r>
-            <a:r>
-              <a:rPr lang="en-GB" dirty="0" err="1"/>
-              <a:t>PyTorch</a:t>
-            </a:r>
-            <a:r>
-              <a:rPr lang="en-GB" dirty="0"/>
-              <a:t>?</a:t>
-            </a:r>
-          </a:p>
-          <a:p>
-            <a:pPr marL="514350" indent="-514350">
-              <a:buFont typeface="+mj-lt"/>
-              <a:buAutoNum type="arabicPeriod" startAt="9"/>
-            </a:pPr>
-            <a:endParaRPr lang="en-SG" dirty="0"/>
-          </a:p>
-        </p:txBody>
-      </p:sp>
-    </p:spTree>
-    <p:extLst>
-      <p:ext uri="{BB962C8B-B14F-4D97-AF65-F5344CB8AC3E}">
-        <p14:creationId xmlns:p14="http://schemas.microsoft.com/office/powerpoint/2010/main" val="2670805330"/>
-      </p:ext>
-    </p:extLst>
-  </p:cSld>
-  <p:clrMapOvr>
-    <a:masterClrMapping/>
-  </p:clrMapOvr>
-</p:sld>
-</file>
-
-<file path=ppt/slides/slide30.xml><?xml version="1.0" encoding="utf-8"?>
+<file path=ppt/slides/slide31.xml><?xml version="1.0" encoding="utf-8"?>
 <p:sld xmlns:a="http://schemas.openxmlformats.org/drawingml/2006/main" xmlns:r="http://schemas.openxmlformats.org/officeDocument/2006/relationships" xmlns:p="http://schemas.openxmlformats.org/presentationml/2006/main">
   <p:cSld>
     <p:spTree>
@@ -14489,7 +15096,7 @@
 </p:sld>
 </file>
 
-<file path=ppt/slides/slide31.xml><?xml version="1.0" encoding="utf-8"?>
+<file path=ppt/slides/slide32.xml><?xml version="1.0" encoding="utf-8"?>
 <p:sld xmlns:a="http://schemas.openxmlformats.org/drawingml/2006/main" xmlns:r="http://schemas.openxmlformats.org/officeDocument/2006/relationships" xmlns:p="http://schemas.openxmlformats.org/presentationml/2006/main">
   <p:cSld>
     <p:spTree>
@@ -14687,7 +15294,7 @@
 </p:sld>
 </file>
 
-<file path=ppt/slides/slide32.xml><?xml version="1.0" encoding="utf-8"?>
+<file path=ppt/slides/slide33.xml><?xml version="1.0" encoding="utf-8"?>
 <p:sld xmlns:a="http://schemas.openxmlformats.org/drawingml/2006/main" xmlns:r="http://schemas.openxmlformats.org/officeDocument/2006/relationships" xmlns:p="http://schemas.openxmlformats.org/presentationml/2006/main">
   <p:cSld>
     <p:spTree>
@@ -14917,7 +15524,7 @@
 </p:sld>
 </file>
 
-<file path=ppt/slides/slide33.xml><?xml version="1.0" encoding="utf-8"?>
+<file path=ppt/slides/slide34.xml><?xml version="1.0" encoding="utf-8"?>
 <p:sld xmlns:a="http://schemas.openxmlformats.org/drawingml/2006/main" xmlns:r="http://schemas.openxmlformats.org/officeDocument/2006/relationships" xmlns:p="http://schemas.openxmlformats.org/presentationml/2006/main">
   <p:cSld>
     <p:spTree>
@@ -15234,7 +15841,7 @@
 </p:sld>
 </file>
 
-<file path=ppt/slides/slide34.xml><?xml version="1.0" encoding="utf-8"?>
+<file path=ppt/slides/slide35.xml><?xml version="1.0" encoding="utf-8"?>
 <p:sld xmlns:a="http://schemas.openxmlformats.org/drawingml/2006/main" xmlns:r="http://schemas.openxmlformats.org/officeDocument/2006/relationships" xmlns:p="http://schemas.openxmlformats.org/presentationml/2006/main">
   <p:cSld>
     <p:spTree>
@@ -15305,7 +15912,7 @@
             </p:spPr>
             <p:txBody>
               <a:bodyPr>
-                <a:normAutofit lnSpcReduction="10000"/>
+                <a:normAutofit fontScale="92500"/>
               </a:bodyPr>
               <a:lstStyle/>
               <a:p>
@@ -15314,7 +15921,7 @@
                 </a:pPr>
                 <a:r>
                   <a:rPr lang="en-GB" dirty="0"/>
-                  <a:t>We could:</a:t>
+                  <a:t>We could</a:t>
                 </a:r>
               </a:p>
               <a:p>
@@ -15379,7 +15986,7 @@
                 </a:r>
                 <a:r>
                   <a:rPr lang="en-GB" dirty="0"/>
-                  <a:t>layer prototype available in </a:t>
+                  <a:t>layer available in </a:t>
                 </a:r>
                 <a:r>
                   <a:rPr lang="en-GB" dirty="0" err="1"/>
@@ -15391,18 +15998,12 @@
                 </a:r>
               </a:p>
               <a:p>
-                <a:pPr marL="0" indent="0">
-                  <a:buNone/>
-                </a:pPr>
                 <a:r>
                   <a:rPr lang="en-GB" dirty="0"/>
-                  <a:t>We simply use the layer and call it as a function in the forward method!</a:t>
+                  <a:t>We simply use the Linear() layer and call it as a function in the forward method!</a:t>
                 </a:r>
               </a:p>
               <a:p>
-                <a:pPr marL="0" indent="0">
-                  <a:buNone/>
-                </a:pPr>
                 <a:r>
                   <a:rPr lang="en-GB" dirty="0"/>
                   <a:t>And remove the Parameter objects in our __</a:t>
@@ -15413,7 +16014,7 @@
                 </a:r>
                 <a:r>
                   <a:rPr lang="en-GB" dirty="0"/>
-                  <a:t>__!</a:t>
+                  <a:t>__, as they will now be attributes of the Linear() objects.</a:t>
                 </a:r>
               </a:p>
             </p:txBody>
@@ -15444,7 +16045,7 @@
               <a:blipFill>
                 <a:blip r:embed="rId2"/>
                 <a:stretch>
-                  <a:fillRect l="-2471" t="-2663" r="-1765"/>
+                  <a:fillRect l="-2118" t="-1816" r="-1765" b="-2663"/>
                 </a:stretch>
               </a:blipFill>
             </p:spPr>
@@ -15506,7 +16107,7 @@
 </p:sld>
 </file>
 
-<file path=ppt/slides/slide35.xml><?xml version="1.0" encoding="utf-8"?>
+<file path=ppt/slides/slide36.xml><?xml version="1.0" encoding="utf-8"?>
 <p:sld xmlns:a="http://schemas.openxmlformats.org/drawingml/2006/main" xmlns:r="http://schemas.openxmlformats.org/officeDocument/2006/relationships" xmlns:p="http://schemas.openxmlformats.org/presentationml/2006/main">
   <p:cSld>
     <p:spTree>
@@ -15676,7 +16277,7 @@
 </p:sld>
 </file>
 
-<file path=ppt/slides/slide36.xml><?xml version="1.0" encoding="utf-8"?>
+<file path=ppt/slides/slide37.xml><?xml version="1.0" encoding="utf-8"?>
 <p:sld xmlns:a="http://schemas.openxmlformats.org/drawingml/2006/main" xmlns:r="http://schemas.openxmlformats.org/officeDocument/2006/relationships" xmlns:p="http://schemas.openxmlformats.org/presentationml/2006/main">
   <p:cSld>
     <p:spTree>
@@ -16926,6 +17527,294 @@
   <p:cSld>
     <p:spTree>
       <p:nvGrpSpPr>
+        <p:cNvPr id="1" name="">
+          <a:extLst>
+            <a:ext uri="{FF2B5EF4-FFF2-40B4-BE49-F238E27FC236}">
+              <a16:creationId xmlns:a16="http://schemas.microsoft.com/office/drawing/2014/main" id="{D15D4819-3551-C8DE-D1DC-FC5DA2D3571D}"/>
+            </a:ext>
+          </a:extLst>
+        </p:cNvPr>
+        <p:cNvGrpSpPr/>
+        <p:nvPr/>
+      </p:nvGrpSpPr>
+      <p:grpSpPr>
+        <a:xfrm>
+          <a:off x="0" y="0"/>
+          <a:ext cx="0" cy="0"/>
+          <a:chOff x="0" y="0"/>
+          <a:chExt cx="0" cy="0"/>
+        </a:xfrm>
+      </p:grpSpPr>
+      <p:pic>
+        <p:nvPicPr>
+          <p:cNvPr id="9" name="Picture 8">
+            <a:extLst>
+              <a:ext uri="{FF2B5EF4-FFF2-40B4-BE49-F238E27FC236}">
+                <a16:creationId xmlns:a16="http://schemas.microsoft.com/office/drawing/2014/main" id="{152352D7-A90C-146F-10F0-764E4C01C1FE}"/>
+              </a:ext>
+            </a:extLst>
+          </p:cNvPr>
+          <p:cNvPicPr>
+            <a:picLocks noChangeAspect="1"/>
+          </p:cNvPicPr>
+          <p:nvPr/>
+        </p:nvPicPr>
+        <p:blipFill>
+          <a:blip r:embed="rId2"/>
+          <a:stretch>
+            <a:fillRect/>
+          </a:stretch>
+        </p:blipFill>
+        <p:spPr>
+          <a:xfrm>
+            <a:off x="5540306" y="1081548"/>
+            <a:ext cx="6569984" cy="5279945"/>
+          </a:xfrm>
+          <a:prstGeom prst="rect">
+            <a:avLst/>
+          </a:prstGeom>
+        </p:spPr>
+      </p:pic>
+      <p:sp>
+        <p:nvSpPr>
+          <p:cNvPr id="10" name="Title 1">
+            <a:extLst>
+              <a:ext uri="{FF2B5EF4-FFF2-40B4-BE49-F238E27FC236}">
+                <a16:creationId xmlns:a16="http://schemas.microsoft.com/office/drawing/2014/main" id="{E5D54B24-37B4-51E0-F27D-B0389537E797}"/>
+              </a:ext>
+            </a:extLst>
+          </p:cNvPr>
+          <p:cNvSpPr>
+            <a:spLocks noGrp="1"/>
+          </p:cNvSpPr>
+          <p:nvPr>
+            <p:ph type="title"/>
+          </p:nvPr>
+        </p:nvSpPr>
+        <p:spPr/>
+        <p:txBody>
+          <a:bodyPr/>
+          <a:lstStyle/>
+          <a:p>
+            <a:r>
+              <a:rPr lang="en-GB" dirty="0" err="1"/>
+              <a:t>Autograd</a:t>
+            </a:r>
+            <a:br>
+              <a:rPr lang="en-GB" dirty="0"/>
+            </a:br>
+            <a:r>
+              <a:rPr lang="en-GB" dirty="0"/>
+              <a:t>in action</a:t>
+            </a:r>
+            <a:endParaRPr lang="en-SG" dirty="0"/>
+          </a:p>
+        </p:txBody>
+      </p:sp>
+      <mc:AlternateContent xmlns:mc="http://schemas.openxmlformats.org/markup-compatibility/2006">
+        <mc:Choice xmlns:a14="http://schemas.microsoft.com/office/drawing/2010/main" Requires="a14">
+          <p:sp>
+            <p:nvSpPr>
+              <p:cNvPr id="11" name="Content Placeholder 10">
+                <a:extLst>
+                  <a:ext uri="{FF2B5EF4-FFF2-40B4-BE49-F238E27FC236}">
+                    <a16:creationId xmlns:a16="http://schemas.microsoft.com/office/drawing/2014/main" id="{982DA01D-CDF4-6F03-220D-18E06E9ABA89}"/>
+                  </a:ext>
+                </a:extLst>
+              </p:cNvPr>
+              <p:cNvSpPr>
+                <a:spLocks noGrp="1"/>
+              </p:cNvSpPr>
+              <p:nvPr>
+                <p:ph sz="half" idx="1"/>
+              </p:nvPr>
+            </p:nvSpPr>
+            <p:spPr>
+              <a:xfrm>
+                <a:off x="211015" y="1825625"/>
+                <a:ext cx="5226224" cy="4872160"/>
+              </a:xfrm>
+            </p:spPr>
+            <p:txBody>
+              <a:bodyPr>
+                <a:normAutofit lnSpcReduction="10000"/>
+              </a:bodyPr>
+              <a:lstStyle/>
+              <a:p>
+                <a:pPr marL="0" indent="0">
+                  <a:buNone/>
+                </a:pPr>
+                <a:r>
+                  <a:rPr lang="en-GB" b="1" dirty="0"/>
+                  <a:t>Whenever backward() is used:</a:t>
+                </a:r>
+              </a:p>
+              <a:p>
+                <a:r>
+                  <a:rPr lang="en-GB" dirty="0" err="1"/>
+                  <a:t>Autograd</a:t>
+                </a:r>
+                <a:r>
+                  <a:rPr lang="en-GB" dirty="0"/>
+                  <a:t> will look at the computational graph,</a:t>
+                </a:r>
+              </a:p>
+              <a:p>
+                <a:r>
+                  <a:rPr lang="en-GB" dirty="0"/>
+                  <a:t>And it will compute the partial derivatives of the variable </a:t>
+                </a:r>
+                <a14:m>
+                  <m:oMath xmlns:m="http://schemas.openxmlformats.org/officeDocument/2006/math">
+                    <m:r>
+                      <a:rPr lang="en-GB" i="1" dirty="0" smtClean="0">
+                        <a:latin typeface="Cambria Math" panose="02040503050406030204" pitchFamily="18" charset="0"/>
+                      </a:rPr>
+                      <m:t>𝑦</m:t>
+                    </m:r>
+                  </m:oMath>
+                </a14:m>
+                <a:r>
+                  <a:rPr lang="en-GB" dirty="0"/>
+                  <a:t> on which backward() is applied,</a:t>
+                </a:r>
+              </a:p>
+              <a:p>
+                <a:r>
+                  <a:rPr lang="en-GB" dirty="0"/>
+                  <a:t>With respect to all the tensors </a:t>
+                </a:r>
+                <a14:m>
+                  <m:oMath xmlns:m="http://schemas.openxmlformats.org/officeDocument/2006/math">
+                    <m:r>
+                      <a:rPr lang="en-GB" i="1" dirty="0" smtClean="0">
+                        <a:latin typeface="Cambria Math" panose="02040503050406030204" pitchFamily="18" charset="0"/>
+                      </a:rPr>
+                      <m:t>𝑥</m:t>
+                    </m:r>
+                  </m:oMath>
+                </a14:m>
+                <a:r>
+                  <a:rPr lang="en-GB" dirty="0"/>
+                  <a:t> whose </a:t>
+                </a:r>
+                <a:r>
+                  <a:rPr lang="en-GB" dirty="0" err="1"/>
+                  <a:t>requires_grad</a:t>
+                </a:r>
+                <a:r>
+                  <a:rPr lang="en-GB" dirty="0"/>
+                  <a:t> parameter was set to True,</a:t>
+                </a:r>
+              </a:p>
+              <a:p>
+                <a:r>
+                  <a:rPr lang="en-GB" dirty="0"/>
+                  <a:t>And store these derivatives </a:t>
+                </a:r>
+                <a:r>
+                  <a:rPr lang="en-GB" dirty="0" err="1"/>
+                  <a:t>wrt</a:t>
+                </a:r>
+                <a:r>
+                  <a:rPr lang="en-GB" dirty="0"/>
+                  <a:t>. to each tensor </a:t>
+                </a:r>
+                <a14:m>
+                  <m:oMath xmlns:m="http://schemas.openxmlformats.org/officeDocument/2006/math">
+                    <m:r>
+                      <a:rPr lang="en-GB" i="1" dirty="0" smtClean="0">
+                        <a:latin typeface="Cambria Math" panose="02040503050406030204" pitchFamily="18" charset="0"/>
+                      </a:rPr>
+                      <m:t>𝑥</m:t>
+                    </m:r>
+                  </m:oMath>
+                </a14:m>
+                <a:r>
+                  <a:rPr lang="en-GB" dirty="0"/>
+                  <a:t>, in said tensor </a:t>
+                </a:r>
+                <a14:m>
+                  <m:oMath xmlns:m="http://schemas.openxmlformats.org/officeDocument/2006/math">
+                    <m:r>
+                      <a:rPr lang="en-GB" i="1" dirty="0" smtClean="0">
+                        <a:latin typeface="Cambria Math" panose="02040503050406030204" pitchFamily="18" charset="0"/>
+                      </a:rPr>
+                      <m:t>𝑥</m:t>
+                    </m:r>
+                  </m:oMath>
+                </a14:m>
+                <a:r>
+                  <a:rPr lang="en-GB" dirty="0"/>
+                  <a:t>, under the grad attribute.</a:t>
+                </a:r>
+                <a:endParaRPr lang="en-SG" dirty="0"/>
+              </a:p>
+            </p:txBody>
+          </p:sp>
+        </mc:Choice>
+        <mc:Fallback>
+          <p:sp>
+            <p:nvSpPr>
+              <p:cNvPr id="11" name="Content Placeholder 10">
+                <a:extLst>
+                  <a:ext uri="{FF2B5EF4-FFF2-40B4-BE49-F238E27FC236}">
+                    <a16:creationId xmlns:a16="http://schemas.microsoft.com/office/drawing/2014/main" id="{982DA01D-CDF4-6F03-220D-18E06E9ABA89}"/>
+                  </a:ext>
+                </a:extLst>
+              </p:cNvPr>
+              <p:cNvSpPr>
+                <a:spLocks noGrp="1" noRot="1" noChangeAspect="1" noMove="1" noResize="1" noEditPoints="1" noAdjustHandles="1" noChangeArrowheads="1" noChangeShapeType="1" noTextEdit="1"/>
+              </p:cNvSpPr>
+              <p:nvPr>
+                <p:ph sz="half" idx="1"/>
+              </p:nvPr>
+            </p:nvSpPr>
+            <p:spPr>
+              <a:xfrm>
+                <a:off x="211015" y="1825625"/>
+                <a:ext cx="5226224" cy="4872160"/>
+              </a:xfrm>
+              <a:blipFill>
+                <a:blip r:embed="rId3"/>
+                <a:stretch>
+                  <a:fillRect l="-2450" t="-2750" r="-350"/>
+                </a:stretch>
+              </a:blipFill>
+            </p:spPr>
+            <p:txBody>
+              <a:bodyPr/>
+              <a:lstStyle/>
+              <a:p>
+                <a:r>
+                  <a:rPr lang="en-GB">
+                    <a:noFill/>
+                  </a:rPr>
+                  <a:t> </a:t>
+                </a:r>
+              </a:p>
+            </p:txBody>
+          </p:sp>
+        </mc:Fallback>
+      </mc:AlternateContent>
+    </p:spTree>
+    <p:extLst>
+      <p:ext uri="{BB962C8B-B14F-4D97-AF65-F5344CB8AC3E}">
+        <p14:creationId xmlns:p14="http://schemas.microsoft.com/office/powerpoint/2010/main" val="1002846102"/>
+      </p:ext>
+    </p:extLst>
+  </p:cSld>
+  <p:clrMapOvr>
+    <a:masterClrMapping/>
+  </p:clrMapOvr>
+</p:sld>
+</file>
+
+<file path=ppt/slides/slide9.xml><?xml version="1.0" encoding="utf-8"?>
+<p:sld xmlns:a="http://schemas.openxmlformats.org/drawingml/2006/main" xmlns:r="http://schemas.openxmlformats.org/officeDocument/2006/relationships" xmlns:p="http://schemas.openxmlformats.org/presentationml/2006/main">
+  <p:cSld>
+    <p:spTree>
+      <p:nvGrpSpPr>
         <p:cNvPr id="1" name=""/>
         <p:cNvGrpSpPr/>
         <p:nvPr/>
@@ -16974,8 +17863,8 @@
           </a:p>
         </p:txBody>
       </p:sp>
-      <mc:AlternateContent xmlns:mc="http://schemas.openxmlformats.org/markup-compatibility/2006" xmlns:a14="http://schemas.microsoft.com/office/drawing/2010/main">
-        <mc:Choice Requires="a14">
+      <mc:AlternateContent xmlns:mc="http://schemas.openxmlformats.org/markup-compatibility/2006">
+        <mc:Choice xmlns:a14="http://schemas.microsoft.com/office/drawing/2010/main" Requires="a14">
           <p:sp>
             <p:nvSpPr>
               <p:cNvPr id="11" name="Content Placeholder 10">
@@ -17452,7 +18341,7 @@
                         <a:rPr lang="en-GB" i="1" dirty="0" smtClean="0">
                           <a:latin typeface="Cambria Math" panose="02040503050406030204" pitchFamily="18" charset="0"/>
                         </a:rPr>
-                        <m:t>,1) = (2, </m:t>
+                        <m:t>,1) = (2, 2</m:t>
                       </m:r>
                       <m:r>
                         <a:rPr lang="en-GB" i="1" dirty="0" smtClean="0">
@@ -17474,7 +18363,7 @@
             </p:txBody>
           </p:sp>
         </mc:Choice>
-        <mc:Fallback xmlns="">
+        <mc:Fallback>
           <p:sp>
             <p:nvSpPr>
               <p:cNvPr id="11" name="Content Placeholder 10">
@@ -17508,7 +18397,7 @@
               <a:lstStyle/>
               <a:p>
                 <a:r>
-                  <a:rPr lang="en-SG">
+                  <a:rPr lang="en-GB">
                     <a:noFill/>
                   </a:rPr>
                   <a:t> </a:t>
@@ -17552,170 +18441,6 @@
     <p:extLst>
       <p:ext uri="{BB962C8B-B14F-4D97-AF65-F5344CB8AC3E}">
         <p14:creationId xmlns:p14="http://schemas.microsoft.com/office/powerpoint/2010/main" val="1546007078"/>
-      </p:ext>
-    </p:extLst>
-  </p:cSld>
-  <p:clrMapOvr>
-    <a:masterClrMapping/>
-  </p:clrMapOvr>
-</p:sld>
-</file>
-
-<file path=ppt/slides/slide9.xml><?xml version="1.0" encoding="utf-8"?>
-<p:sld xmlns:a="http://schemas.openxmlformats.org/drawingml/2006/main" xmlns:r="http://schemas.openxmlformats.org/officeDocument/2006/relationships" xmlns:p="http://schemas.openxmlformats.org/presentationml/2006/main">
-  <p:cSld>
-    <p:spTree>
-      <p:nvGrpSpPr>
-        <p:cNvPr id="1" name=""/>
-        <p:cNvGrpSpPr/>
-        <p:nvPr/>
-      </p:nvGrpSpPr>
-      <p:grpSpPr>
-        <a:xfrm>
-          <a:off x="0" y="0"/>
-          <a:ext cx="0" cy="0"/>
-          <a:chOff x="0" y="0"/>
-          <a:chExt cx="0" cy="0"/>
-        </a:xfrm>
-      </p:grpSpPr>
-      <p:sp>
-        <p:nvSpPr>
-          <p:cNvPr id="2" name="Title 1">
-            <a:extLst>
-              <a:ext uri="{FF2B5EF4-FFF2-40B4-BE49-F238E27FC236}">
-                <a16:creationId xmlns:a16="http://schemas.microsoft.com/office/drawing/2014/main" id="{219F4681-3E05-3370-3E46-11417BFE0CA3}"/>
-              </a:ext>
-            </a:extLst>
-          </p:cNvPr>
-          <p:cNvSpPr>
-            <a:spLocks noGrp="1"/>
-          </p:cNvSpPr>
-          <p:nvPr>
-            <p:ph type="title"/>
-          </p:nvPr>
-        </p:nvSpPr>
-        <p:spPr/>
-        <p:txBody>
-          <a:bodyPr/>
-          <a:lstStyle/>
-          <a:p>
-            <a:r>
-              <a:rPr lang="en-GB" dirty="0" err="1"/>
-              <a:t>Autograd</a:t>
-            </a:r>
-            <a:r>
-              <a:rPr lang="en-GB" dirty="0"/>
-              <a:t>, in short</a:t>
-            </a:r>
-            <a:endParaRPr lang="en-SG" dirty="0"/>
-          </a:p>
-        </p:txBody>
-      </p:sp>
-      <p:sp>
-        <p:nvSpPr>
-          <p:cNvPr id="5" name="Content Placeholder 4">
-            <a:extLst>
-              <a:ext uri="{FF2B5EF4-FFF2-40B4-BE49-F238E27FC236}">
-                <a16:creationId xmlns:a16="http://schemas.microsoft.com/office/drawing/2014/main" id="{1A87BA25-5926-816A-6E16-0F90D4B62FB8}"/>
-              </a:ext>
-            </a:extLst>
-          </p:cNvPr>
-          <p:cNvSpPr>
-            <a:spLocks noGrp="1"/>
-          </p:cNvSpPr>
-          <p:nvPr>
-            <p:ph idx="1"/>
-          </p:nvPr>
-        </p:nvSpPr>
-        <p:spPr>
-          <a:xfrm>
-            <a:off x="838200" y="1825624"/>
-            <a:ext cx="10515600" cy="5032375"/>
-          </a:xfrm>
-        </p:spPr>
-        <p:txBody>
-          <a:bodyPr>
-            <a:normAutofit/>
-          </a:bodyPr>
-          <a:lstStyle/>
-          <a:p>
-            <a:pPr marL="0" indent="0">
-              <a:buNone/>
-            </a:pPr>
-            <a:r>
-              <a:rPr lang="en-GB" dirty="0"/>
-              <a:t>The </a:t>
-            </a:r>
-            <a:r>
-              <a:rPr lang="en-GB" b="1" dirty="0" err="1"/>
-              <a:t>autograd</a:t>
-            </a:r>
-            <a:r>
-              <a:rPr lang="en-GB" dirty="0"/>
-              <a:t> is one of the most powerful features of the </a:t>
-            </a:r>
-            <a:r>
-              <a:rPr lang="en-GB" dirty="0" err="1"/>
-              <a:t>PyTorch</a:t>
-            </a:r>
-            <a:r>
-              <a:rPr lang="en-GB" dirty="0"/>
-              <a:t> framework, and why we like it so much for training Neural Networks.</a:t>
-            </a:r>
-          </a:p>
-          <a:p>
-            <a:r>
-              <a:rPr lang="en-GB" b="1" dirty="0"/>
-              <a:t>Thanks to </a:t>
-            </a:r>
-            <a:r>
-              <a:rPr lang="en-GB" b="1" dirty="0" err="1"/>
-              <a:t>autograd</a:t>
-            </a:r>
-            <a:r>
-              <a:rPr lang="en-GB" b="1" dirty="0"/>
-              <a:t>, we do not need to calculate the gradients for any of our future gradient descent rules, manually again! (yay!)</a:t>
-            </a:r>
-          </a:p>
-          <a:p>
-            <a:r>
-              <a:rPr lang="en-GB" dirty="0"/>
-              <a:t>The counterpart however is that all operation must involve tensors and must use </a:t>
-            </a:r>
-            <a:r>
-              <a:rPr lang="en-GB" dirty="0" err="1"/>
-              <a:t>PyTorch</a:t>
-            </a:r>
-            <a:r>
-              <a:rPr lang="en-GB" dirty="0"/>
-              <a:t> functions and methods... (but that is ok).</a:t>
-            </a:r>
-          </a:p>
-          <a:p>
-            <a:r>
-              <a:rPr lang="en-GB" dirty="0"/>
-              <a:t>You do not need to know how it implements the computation of all gradients in the background, but if you are curious, have a look at: </a:t>
-            </a:r>
-            <a:r>
-              <a:rPr lang="en-GB" dirty="0">
-                <a:hlinkClick r:id="rId2"/>
-              </a:rPr>
-              <a:t>https://pytorch.org/blog/computational-graphs-constructed-in-pytorch/</a:t>
-            </a:r>
-            <a:r>
-              <a:rPr lang="en-GB" dirty="0"/>
-              <a:t>.</a:t>
-            </a:r>
-          </a:p>
-          <a:p>
-            <a:endParaRPr lang="en-SG" dirty="0"/>
-          </a:p>
-        </p:txBody>
-      </p:sp>
-    </p:spTree>
-    <p:extLst>
-      <p:ext uri="{BB962C8B-B14F-4D97-AF65-F5344CB8AC3E}">
-        <p14:creationId xmlns:p14="http://schemas.microsoft.com/office/powerpoint/2010/main" val="2580175991"/>
       </p:ext>
     </p:extLst>
   </p:cSld>

--- a/W3/2. W3S2 final/W3S2.pptx
+++ b/W3/2. W3S2 final/W3S2.pptx
@@ -236,14 +236,6 @@
 </p:presentation>
 </file>
 
-<file path=ppt/revisionInfo.xml><?xml version="1.0" encoding="utf-8"?>
-<p1510:revInfo xmlns:a="http://schemas.openxmlformats.org/drawingml/2006/main" xmlns:r="http://schemas.openxmlformats.org/officeDocument/2006/relationships" xmlns:p1510="http://schemas.microsoft.com/office/powerpoint/2015/10/main">
-  <p1510:revLst>
-    <p1510:client id="{3C5169EE-A97A-435D-9C7E-3653962501C6}" v="52" dt="2024-02-07T02:57:32.286"/>
-  </p1510:revLst>
-</p1510:revInfo>
-</file>
-
 <file path=ppt/changesInfos/changesInfo1.xml><?xml version="1.0" encoding="utf-8"?>
 <pc:chgInfo xmlns:a="http://schemas.openxmlformats.org/drawingml/2006/main" xmlns:r="http://schemas.openxmlformats.org/officeDocument/2006/relationships" xmlns:ac="http://schemas.microsoft.com/office/drawing/2013/main/command" xmlns:pc="http://schemas.microsoft.com/office/powerpoint/2013/main/command">
   <pc:docChgLst>
@@ -259,14 +251,6 @@
           <pc:docMk/>
           <pc:sldMk cId="2128707751" sldId="390"/>
         </pc:sldMkLst>
-        <pc:spChg chg="mod">
-          <ac:chgData name="Matthieu De Mari" userId="dfb708c9-d8dc-439f-9a3b-c772bf4a311c" providerId="ADAL" clId="{3C5169EE-A97A-435D-9C7E-3653962501C6}" dt="2024-01-21T10:09:58.088" v="59" actId="20577"/>
-          <ac:spMkLst>
-            <pc:docMk/>
-            <pc:sldMk cId="2128707751" sldId="390"/>
-            <ac:spMk id="2" creationId="{C902DDAE-7B18-E047-726C-A4619D106A2D}"/>
-          </ac:spMkLst>
-        </pc:spChg>
       </pc:sldChg>
       <pc:sldChg chg="modSp">
         <pc:chgData name="Matthieu De Mari" userId="dfb708c9-d8dc-439f-9a3b-c772bf4a311c" providerId="ADAL" clId="{3C5169EE-A97A-435D-9C7E-3653962501C6}" dt="2024-02-07T02:53:35.472" v="520" actId="20577"/>
@@ -274,14 +258,6 @@
           <pc:docMk/>
           <pc:sldMk cId="1546007078" sldId="762"/>
         </pc:sldMkLst>
-        <pc:spChg chg="mod">
-          <ac:chgData name="Matthieu De Mari" userId="dfb708c9-d8dc-439f-9a3b-c772bf4a311c" providerId="ADAL" clId="{3C5169EE-A97A-435D-9C7E-3653962501C6}" dt="2024-02-07T02:53:35.472" v="520" actId="20577"/>
-          <ac:spMkLst>
-            <pc:docMk/>
-            <pc:sldMk cId="1546007078" sldId="762"/>
-            <ac:spMk id="11" creationId="{0EEC07FE-D839-07DF-7C1A-CDBE72FE6BB9}"/>
-          </ac:spMkLst>
-        </pc:spChg>
       </pc:sldChg>
       <pc:sldChg chg="modSp mod">
         <pc:chgData name="Matthieu De Mari" userId="dfb708c9-d8dc-439f-9a3b-c772bf4a311c" providerId="ADAL" clId="{3C5169EE-A97A-435D-9C7E-3653962501C6}" dt="2024-01-21T10:07:13.728" v="0" actId="20577"/>
@@ -289,14 +265,6 @@
           <pc:docMk/>
           <pc:sldMk cId="2580175991" sldId="763"/>
         </pc:sldMkLst>
-        <pc:spChg chg="mod">
-          <ac:chgData name="Matthieu De Mari" userId="dfb708c9-d8dc-439f-9a3b-c772bf4a311c" providerId="ADAL" clId="{3C5169EE-A97A-435D-9C7E-3653962501C6}" dt="2024-01-21T10:07:13.728" v="0" actId="20577"/>
-          <ac:spMkLst>
-            <pc:docMk/>
-            <pc:sldMk cId="2580175991" sldId="763"/>
-            <ac:spMk id="5" creationId="{1A87BA25-5926-816A-6E16-0F90D4B62FB8}"/>
-          </ac:spMkLst>
-        </pc:spChg>
       </pc:sldChg>
       <pc:sldChg chg="modSp mod ord">
         <pc:chgData name="Matthieu De Mari" userId="dfb708c9-d8dc-439f-9a3b-c772bf4a311c" providerId="ADAL" clId="{3C5169EE-A97A-435D-9C7E-3653962501C6}" dt="2024-02-07T02:54:43.303" v="539" actId="20578"/>
@@ -304,22 +272,6 @@
           <pc:docMk/>
           <pc:sldMk cId="1879463264" sldId="764"/>
         </pc:sldMkLst>
-        <pc:spChg chg="mod">
-          <ac:chgData name="Matthieu De Mari" userId="dfb708c9-d8dc-439f-9a3b-c772bf4a311c" providerId="ADAL" clId="{3C5169EE-A97A-435D-9C7E-3653962501C6}" dt="2024-02-07T02:54:35.093" v="538" actId="14100"/>
-          <ac:spMkLst>
-            <pc:docMk/>
-            <pc:sldMk cId="1879463264" sldId="764"/>
-            <ac:spMk id="2" creationId="{219F4681-3E05-3370-3E46-11417BFE0CA3}"/>
-          </ac:spMkLst>
-        </pc:spChg>
-        <pc:spChg chg="mod">
-          <ac:chgData name="Matthieu De Mari" userId="dfb708c9-d8dc-439f-9a3b-c772bf4a311c" providerId="ADAL" clId="{3C5169EE-A97A-435D-9C7E-3653962501C6}" dt="2024-02-02T09:10:08.851" v="97" actId="5793"/>
-          <ac:spMkLst>
-            <pc:docMk/>
-            <pc:sldMk cId="1879463264" sldId="764"/>
-            <ac:spMk id="5" creationId="{1A87BA25-5926-816A-6E16-0F90D4B62FB8}"/>
-          </ac:spMkLst>
-        </pc:spChg>
       </pc:sldChg>
       <pc:sldChg chg="modSp mod">
         <pc:chgData name="Matthieu De Mari" userId="dfb708c9-d8dc-439f-9a3b-c772bf4a311c" providerId="ADAL" clId="{3C5169EE-A97A-435D-9C7E-3653962501C6}" dt="2024-02-02T09:10:42.651" v="99" actId="20577"/>
@@ -327,14 +279,6 @@
           <pc:docMk/>
           <pc:sldMk cId="2909899754" sldId="769"/>
         </pc:sldMkLst>
-        <pc:spChg chg="mod">
-          <ac:chgData name="Matthieu De Mari" userId="dfb708c9-d8dc-439f-9a3b-c772bf4a311c" providerId="ADAL" clId="{3C5169EE-A97A-435D-9C7E-3653962501C6}" dt="2024-02-02T09:10:42.651" v="99" actId="20577"/>
-          <ac:spMkLst>
-            <pc:docMk/>
-            <pc:sldMk cId="2909899754" sldId="769"/>
-            <ac:spMk id="3" creationId="{70FF8A92-BFB5-623C-CBC8-C3AB284F9C4F}"/>
-          </ac:spMkLst>
-        </pc:spChg>
       </pc:sldChg>
       <pc:sldChg chg="modSp mod">
         <pc:chgData name="Matthieu De Mari" userId="dfb708c9-d8dc-439f-9a3b-c772bf4a311c" providerId="ADAL" clId="{3C5169EE-A97A-435D-9C7E-3653962501C6}" dt="2024-01-21T10:10:04.734" v="60"/>
@@ -342,14 +286,6 @@
           <pc:docMk/>
           <pc:sldMk cId="581091786" sldId="770"/>
         </pc:sldMkLst>
-        <pc:spChg chg="mod">
-          <ac:chgData name="Matthieu De Mari" userId="dfb708c9-d8dc-439f-9a3b-c772bf4a311c" providerId="ADAL" clId="{3C5169EE-A97A-435D-9C7E-3653962501C6}" dt="2024-01-21T10:10:04.734" v="60"/>
-          <ac:spMkLst>
-            <pc:docMk/>
-            <pc:sldMk cId="581091786" sldId="770"/>
-            <ac:spMk id="2" creationId="{C902DDAE-7B18-E047-726C-A4619D106A2D}"/>
-          </ac:spMkLst>
-        </pc:spChg>
       </pc:sldChg>
       <pc:sldChg chg="modSp mod">
         <pc:chgData name="Matthieu De Mari" userId="dfb708c9-d8dc-439f-9a3b-c772bf4a311c" providerId="ADAL" clId="{3C5169EE-A97A-435D-9C7E-3653962501C6}" dt="2024-01-21T10:10:07.404" v="61"/>
@@ -357,14 +293,6 @@
           <pc:docMk/>
           <pc:sldMk cId="2768410648" sldId="771"/>
         </pc:sldMkLst>
-        <pc:spChg chg="mod">
-          <ac:chgData name="Matthieu De Mari" userId="dfb708c9-d8dc-439f-9a3b-c772bf4a311c" providerId="ADAL" clId="{3C5169EE-A97A-435D-9C7E-3653962501C6}" dt="2024-01-21T10:10:07.404" v="61"/>
-          <ac:spMkLst>
-            <pc:docMk/>
-            <pc:sldMk cId="2768410648" sldId="771"/>
-            <ac:spMk id="2" creationId="{C902DDAE-7B18-E047-726C-A4619D106A2D}"/>
-          </ac:spMkLst>
-        </pc:spChg>
       </pc:sldChg>
       <pc:sldChg chg="modSp mod">
         <pc:chgData name="Matthieu De Mari" userId="dfb708c9-d8dc-439f-9a3b-c772bf4a311c" providerId="ADAL" clId="{3C5169EE-A97A-435D-9C7E-3653962501C6}" dt="2024-01-21T10:11:42.482" v="82" actId="20577"/>
@@ -372,14 +300,6 @@
           <pc:docMk/>
           <pc:sldMk cId="743119883" sldId="775"/>
         </pc:sldMkLst>
-        <pc:spChg chg="mod">
-          <ac:chgData name="Matthieu De Mari" userId="dfb708c9-d8dc-439f-9a3b-c772bf4a311c" providerId="ADAL" clId="{3C5169EE-A97A-435D-9C7E-3653962501C6}" dt="2024-01-21T10:11:42.482" v="82" actId="20577"/>
-          <ac:spMkLst>
-            <pc:docMk/>
-            <pc:sldMk cId="743119883" sldId="775"/>
-            <ac:spMk id="3" creationId="{EDC87932-752D-FABC-76EF-38023409D8D8}"/>
-          </ac:spMkLst>
-        </pc:spChg>
       </pc:sldChg>
       <pc:sldChg chg="modSp mod">
         <pc:chgData name="Matthieu De Mari" userId="dfb708c9-d8dc-439f-9a3b-c772bf4a311c" providerId="ADAL" clId="{3C5169EE-A97A-435D-9C7E-3653962501C6}" dt="2024-01-21T10:12:20.983" v="89" actId="27636"/>
@@ -387,14 +307,6 @@
           <pc:docMk/>
           <pc:sldMk cId="3349972987" sldId="777"/>
         </pc:sldMkLst>
-        <pc:spChg chg="mod">
-          <ac:chgData name="Matthieu De Mari" userId="dfb708c9-d8dc-439f-9a3b-c772bf4a311c" providerId="ADAL" clId="{3C5169EE-A97A-435D-9C7E-3653962501C6}" dt="2024-01-21T10:12:20.983" v="89" actId="27636"/>
-          <ac:spMkLst>
-            <pc:docMk/>
-            <pc:sldMk cId="3349972987" sldId="777"/>
-            <ac:spMk id="3" creationId="{EDC87932-752D-FABC-76EF-38023409D8D8}"/>
-          </ac:spMkLst>
-        </pc:spChg>
       </pc:sldChg>
       <pc:sldChg chg="modSp mod">
         <pc:chgData name="Matthieu De Mari" userId="dfb708c9-d8dc-439f-9a3b-c772bf4a311c" providerId="ADAL" clId="{3C5169EE-A97A-435D-9C7E-3653962501C6}" dt="2024-01-21T10:12:49.414" v="91" actId="20577"/>
@@ -402,14 +314,6 @@
           <pc:docMk/>
           <pc:sldMk cId="4008937125" sldId="778"/>
         </pc:sldMkLst>
-        <pc:spChg chg="mod">
-          <ac:chgData name="Matthieu De Mari" userId="dfb708c9-d8dc-439f-9a3b-c772bf4a311c" providerId="ADAL" clId="{3C5169EE-A97A-435D-9C7E-3653962501C6}" dt="2024-01-21T10:12:49.414" v="91" actId="20577"/>
-          <ac:spMkLst>
-            <pc:docMk/>
-            <pc:sldMk cId="4008937125" sldId="778"/>
-            <ac:spMk id="3" creationId="{434F9CC2-454D-E009-C2D1-3A775BEB1B4B}"/>
-          </ac:spMkLst>
-        </pc:spChg>
       </pc:sldChg>
       <pc:sldChg chg="modSp mod">
         <pc:chgData name="Matthieu De Mari" userId="dfb708c9-d8dc-439f-9a3b-c772bf4a311c" providerId="ADAL" clId="{3C5169EE-A97A-435D-9C7E-3653962501C6}" dt="2024-02-02T09:11:33.303" v="102" actId="5793"/>
@@ -417,14 +321,6 @@
           <pc:docMk/>
           <pc:sldMk cId="2678238830" sldId="780"/>
         </pc:sldMkLst>
-        <pc:spChg chg="mod">
-          <ac:chgData name="Matthieu De Mari" userId="dfb708c9-d8dc-439f-9a3b-c772bf4a311c" providerId="ADAL" clId="{3C5169EE-A97A-435D-9C7E-3653962501C6}" dt="2024-02-02T09:11:33.303" v="102" actId="5793"/>
-          <ac:spMkLst>
-            <pc:docMk/>
-            <pc:sldMk cId="2678238830" sldId="780"/>
-            <ac:spMk id="4" creationId="{7B27ED01-4B43-7115-3D3C-53FF72E7590A}"/>
-          </ac:spMkLst>
-        </pc:spChg>
       </pc:sldChg>
       <pc:sldChg chg="addSp delSp mod">
         <pc:chgData name="Matthieu De Mari" userId="dfb708c9-d8dc-439f-9a3b-c772bf4a311c" providerId="ADAL" clId="{3C5169EE-A97A-435D-9C7E-3653962501C6}" dt="2024-02-06T09:37:33.579" v="519" actId="22"/>
@@ -432,22 +328,6 @@
           <pc:docMk/>
           <pc:sldMk cId="3029045816" sldId="781"/>
         </pc:sldMkLst>
-        <pc:picChg chg="add">
-          <ac:chgData name="Matthieu De Mari" userId="dfb708c9-d8dc-439f-9a3b-c772bf4a311c" providerId="ADAL" clId="{3C5169EE-A97A-435D-9C7E-3653962501C6}" dt="2024-02-06T09:37:33.579" v="519" actId="22"/>
-          <ac:picMkLst>
-            <pc:docMk/>
-            <pc:sldMk cId="3029045816" sldId="781"/>
-            <ac:picMk id="3" creationId="{5088AB5C-8CCA-062E-2B52-F8206FEF6BDF}"/>
-          </ac:picMkLst>
-        </pc:picChg>
-        <pc:picChg chg="del">
-          <ac:chgData name="Matthieu De Mari" userId="dfb708c9-d8dc-439f-9a3b-c772bf4a311c" providerId="ADAL" clId="{3C5169EE-A97A-435D-9C7E-3653962501C6}" dt="2024-02-06T09:27:02.619" v="107" actId="478"/>
-          <ac:picMkLst>
-            <pc:docMk/>
-            <pc:sldMk cId="3029045816" sldId="781"/>
-            <ac:picMk id="5" creationId="{3E023E11-7496-BE2E-7A45-955789BC0F1F}"/>
-          </ac:picMkLst>
-        </pc:picChg>
       </pc:sldChg>
       <pc:sldChg chg="modSp mod">
         <pc:chgData name="Matthieu De Mari" userId="dfb708c9-d8dc-439f-9a3b-c772bf4a311c" providerId="ADAL" clId="{3C5169EE-A97A-435D-9C7E-3653962501C6}" dt="2024-02-07T02:59:22.033" v="1066" actId="207"/>
@@ -455,14 +335,6 @@
           <pc:docMk/>
           <pc:sldMk cId="639852900" sldId="783"/>
         </pc:sldMkLst>
-        <pc:spChg chg="mod">
-          <ac:chgData name="Matthieu De Mari" userId="dfb708c9-d8dc-439f-9a3b-c772bf4a311c" providerId="ADAL" clId="{3C5169EE-A97A-435D-9C7E-3653962501C6}" dt="2024-02-07T02:59:22.033" v="1066" actId="207"/>
-          <ac:spMkLst>
-            <pc:docMk/>
-            <pc:sldMk cId="639852900" sldId="783"/>
-            <ac:spMk id="3" creationId="{65B58308-C101-BC04-E972-00C74DE5080B}"/>
-          </ac:spMkLst>
-        </pc:spChg>
       </pc:sldChg>
       <pc:sldChg chg="addSp delSp modSp new mod modClrScheme chgLayout">
         <pc:chgData name="Matthieu De Mari" userId="dfb708c9-d8dc-439f-9a3b-c772bf4a311c" providerId="ADAL" clId="{3C5169EE-A97A-435D-9C7E-3653962501C6}" dt="2024-02-07T02:58:48.139" v="1065" actId="12"/>
@@ -470,54 +342,6 @@
           <pc:docMk/>
           <pc:sldMk cId="2116083586" sldId="786"/>
         </pc:sldMkLst>
-        <pc:spChg chg="mod ord">
-          <ac:chgData name="Matthieu De Mari" userId="dfb708c9-d8dc-439f-9a3b-c772bf4a311c" providerId="ADAL" clId="{3C5169EE-A97A-435D-9C7E-3653962501C6}" dt="2024-02-06T09:27:17.118" v="153" actId="700"/>
-          <ac:spMkLst>
-            <pc:docMk/>
-            <pc:sldMk cId="2116083586" sldId="786"/>
-            <ac:spMk id="2" creationId="{B7FB77E7-CB2D-6A18-874E-BE9479EAB217}"/>
-          </ac:spMkLst>
-        </pc:spChg>
-        <pc:spChg chg="del mod ord">
-          <ac:chgData name="Matthieu De Mari" userId="dfb708c9-d8dc-439f-9a3b-c772bf4a311c" providerId="ADAL" clId="{3C5169EE-A97A-435D-9C7E-3653962501C6}" dt="2024-02-06T09:27:17.118" v="153" actId="700"/>
-          <ac:spMkLst>
-            <pc:docMk/>
-            <pc:sldMk cId="2116083586" sldId="786"/>
-            <ac:spMk id="3" creationId="{F0197F2F-A182-3005-C55C-655C90C2D7B7}"/>
-          </ac:spMkLst>
-        </pc:spChg>
-        <pc:spChg chg="add mod ord">
-          <ac:chgData name="Matthieu De Mari" userId="dfb708c9-d8dc-439f-9a3b-c772bf4a311c" providerId="ADAL" clId="{3C5169EE-A97A-435D-9C7E-3653962501C6}" dt="2024-02-07T02:58:48.139" v="1065" actId="12"/>
-          <ac:spMkLst>
-            <pc:docMk/>
-            <pc:sldMk cId="2116083586" sldId="786"/>
-            <ac:spMk id="4" creationId="{875DF954-50B0-50B8-B602-A4BADC48B243}"/>
-          </ac:spMkLst>
-        </pc:spChg>
-        <pc:spChg chg="add del mod ord">
-          <ac:chgData name="Matthieu De Mari" userId="dfb708c9-d8dc-439f-9a3b-c772bf4a311c" providerId="ADAL" clId="{3C5169EE-A97A-435D-9C7E-3653962501C6}" dt="2024-02-06T09:29:11.470" v="511" actId="478"/>
-          <ac:spMkLst>
-            <pc:docMk/>
-            <pc:sldMk cId="2116083586" sldId="786"/>
-            <ac:spMk id="5" creationId="{D388F311-F83B-F349-93C5-287B4992F341}"/>
-          </ac:spMkLst>
-        </pc:spChg>
-        <pc:picChg chg="add del mod">
-          <ac:chgData name="Matthieu De Mari" userId="dfb708c9-d8dc-439f-9a3b-c772bf4a311c" providerId="ADAL" clId="{3C5169EE-A97A-435D-9C7E-3653962501C6}" dt="2024-02-06T09:37:04.586" v="514" actId="478"/>
-          <ac:picMkLst>
-            <pc:docMk/>
-            <pc:sldMk cId="2116083586" sldId="786"/>
-            <ac:picMk id="7" creationId="{D397F8AD-C966-779A-90C9-B7B1525228C3}"/>
-          </ac:picMkLst>
-        </pc:picChg>
-        <pc:picChg chg="add mod">
-          <ac:chgData name="Matthieu De Mari" userId="dfb708c9-d8dc-439f-9a3b-c772bf4a311c" providerId="ADAL" clId="{3C5169EE-A97A-435D-9C7E-3653962501C6}" dt="2024-02-06T09:37:12.215" v="518" actId="1076"/>
-          <ac:picMkLst>
-            <pc:docMk/>
-            <pc:sldMk cId="2116083586" sldId="786"/>
-            <ac:picMk id="9" creationId="{8EB51A59-EDBF-04FF-A358-04B81894FD97}"/>
-          </ac:picMkLst>
-        </pc:picChg>
       </pc:sldChg>
       <pc:sldChg chg="modSp add mod">
         <pc:chgData name="Matthieu De Mari" userId="dfb708c9-d8dc-439f-9a3b-c772bf4a311c" providerId="ADAL" clId="{3C5169EE-A97A-435D-9C7E-3653962501C6}" dt="2024-02-07T02:57:41.537" v="971" actId="113"/>
@@ -525,14 +349,6 @@
           <pc:docMk/>
           <pc:sldMk cId="1002846102" sldId="787"/>
         </pc:sldMkLst>
-        <pc:spChg chg="mod">
-          <ac:chgData name="Matthieu De Mari" userId="dfb708c9-d8dc-439f-9a3b-c772bf4a311c" providerId="ADAL" clId="{3C5169EE-A97A-435D-9C7E-3653962501C6}" dt="2024-02-07T02:57:41.537" v="971" actId="113"/>
-          <ac:spMkLst>
-            <pc:docMk/>
-            <pc:sldMk cId="1002846102" sldId="787"/>
-            <ac:spMk id="11" creationId="{982DA01D-CDF4-6F03-220D-18E06E9ABA89}"/>
-          </ac:spMkLst>
-        </pc:spChg>
       </pc:sldChg>
     </pc:docChg>
   </pc:docChgLst>
@@ -549,14 +365,6 @@
           <pc:docMk/>
           <pc:sldMk cId="3442501962" sldId="257"/>
         </pc:sldMkLst>
-        <pc:spChg chg="mod">
-          <ac:chgData name="Matthieu De Mari" userId="dfb708c9-d8dc-439f-9a3b-c772bf4a311c" providerId="ADAL" clId="{D2FDBEB2-E663-41FC-8A3C-AC79657DF6AB}" dt="2023-01-31T09:38:27.909" v="1" actId="20577"/>
-          <ac:spMkLst>
-            <pc:docMk/>
-            <pc:sldMk cId="3442501962" sldId="257"/>
-            <ac:spMk id="2" creationId="{49D40417-A4D3-4CE8-96E7-708E2439AE7B}"/>
-          </ac:spMkLst>
-        </pc:spChg>
       </pc:sldChg>
       <pc:sldChg chg="modSp mod">
         <pc:chgData name="Matthieu De Mari" userId="dfb708c9-d8dc-439f-9a3b-c772bf4a311c" providerId="ADAL" clId="{D2FDBEB2-E663-41FC-8A3C-AC79657DF6AB}" dt="2023-01-31T09:38:33.645" v="7" actId="20577"/>
@@ -564,14 +372,6 @@
           <pc:docMk/>
           <pc:sldMk cId="1036081419" sldId="346"/>
         </pc:sldMkLst>
-        <pc:spChg chg="mod">
-          <ac:chgData name="Matthieu De Mari" userId="dfb708c9-d8dc-439f-9a3b-c772bf4a311c" providerId="ADAL" clId="{D2FDBEB2-E663-41FC-8A3C-AC79657DF6AB}" dt="2023-01-31T09:38:33.645" v="7" actId="20577"/>
-          <ac:spMkLst>
-            <pc:docMk/>
-            <pc:sldMk cId="1036081419" sldId="346"/>
-            <ac:spMk id="2" creationId="{11A08BA8-9DEC-4471-8590-434E8D8BB4A0}"/>
-          </ac:spMkLst>
-        </pc:spChg>
       </pc:sldChg>
       <pc:sldChg chg="modSp mod">
         <pc:chgData name="Matthieu De Mari" userId="dfb708c9-d8dc-439f-9a3b-c772bf4a311c" providerId="ADAL" clId="{D2FDBEB2-E663-41FC-8A3C-AC79657DF6AB}" dt="2023-01-31T09:39:03.009" v="70" actId="20577"/>
@@ -579,14 +379,6 @@
           <pc:docMk/>
           <pc:sldMk cId="1040156172" sldId="377"/>
         </pc:sldMkLst>
-        <pc:spChg chg="mod">
-          <ac:chgData name="Matthieu De Mari" userId="dfb708c9-d8dc-439f-9a3b-c772bf4a311c" providerId="ADAL" clId="{D2FDBEB2-E663-41FC-8A3C-AC79657DF6AB}" dt="2023-01-31T09:39:03.009" v="70" actId="20577"/>
-          <ac:spMkLst>
-            <pc:docMk/>
-            <pc:sldMk cId="1040156172" sldId="377"/>
-            <ac:spMk id="2" creationId="{080CEB46-CC16-4D19-8C2C-AEE9471D8168}"/>
-          </ac:spMkLst>
-        </pc:spChg>
       </pc:sldChg>
       <pc:sldChg chg="addSp delSp modSp new mod modClrScheme chgLayout">
         <pc:chgData name="Matthieu De Mari" userId="dfb708c9-d8dc-439f-9a3b-c772bf4a311c" providerId="ADAL" clId="{D2FDBEB2-E663-41FC-8A3C-AC79657DF6AB}" dt="2023-02-03T06:08:42.324" v="707" actId="20577"/>
@@ -594,38 +386,6 @@
           <pc:docMk/>
           <pc:sldMk cId="380766058" sldId="378"/>
         </pc:sldMkLst>
-        <pc:spChg chg="del mod ord">
-          <ac:chgData name="Matthieu De Mari" userId="dfb708c9-d8dc-439f-9a3b-c772bf4a311c" providerId="ADAL" clId="{D2FDBEB2-E663-41FC-8A3C-AC79657DF6AB}" dt="2023-02-03T06:04:00.097" v="327" actId="700"/>
-          <ac:spMkLst>
-            <pc:docMk/>
-            <pc:sldMk cId="380766058" sldId="378"/>
-            <ac:spMk id="2" creationId="{994AE3DB-EF76-E311-EBF2-7EA1ECA377EA}"/>
-          </ac:spMkLst>
-        </pc:spChg>
-        <pc:spChg chg="mod ord">
-          <ac:chgData name="Matthieu De Mari" userId="dfb708c9-d8dc-439f-9a3b-c772bf4a311c" providerId="ADAL" clId="{D2FDBEB2-E663-41FC-8A3C-AC79657DF6AB}" dt="2023-02-03T06:08:30.465" v="663" actId="20577"/>
-          <ac:spMkLst>
-            <pc:docMk/>
-            <pc:sldMk cId="380766058" sldId="378"/>
-            <ac:spMk id="3" creationId="{65399E50-9E84-8D67-B55F-073C06C3D10E}"/>
-          </ac:spMkLst>
-        </pc:spChg>
-        <pc:spChg chg="add mod ord">
-          <ac:chgData name="Matthieu De Mari" userId="dfb708c9-d8dc-439f-9a3b-c772bf4a311c" providerId="ADAL" clId="{D2FDBEB2-E663-41FC-8A3C-AC79657DF6AB}" dt="2023-02-03T06:08:42.324" v="707" actId="20577"/>
-          <ac:spMkLst>
-            <pc:docMk/>
-            <pc:sldMk cId="380766058" sldId="378"/>
-            <ac:spMk id="4" creationId="{0DC6A3F0-334F-9B7D-CECA-321756F77DD7}"/>
-          </ac:spMkLst>
-        </pc:spChg>
-        <pc:spChg chg="add mod ord">
-          <ac:chgData name="Matthieu De Mari" userId="dfb708c9-d8dc-439f-9a3b-c772bf4a311c" providerId="ADAL" clId="{D2FDBEB2-E663-41FC-8A3C-AC79657DF6AB}" dt="2023-02-03T06:07:40.631" v="545" actId="27636"/>
-          <ac:spMkLst>
-            <pc:docMk/>
-            <pc:sldMk cId="380766058" sldId="378"/>
-            <ac:spMk id="5" creationId="{E85979EA-F014-A9DE-13D1-EA9A2099FCA3}"/>
-          </ac:spMkLst>
-        </pc:spChg>
       </pc:sldChg>
       <pc:sldChg chg="addSp delSp modSp new mod modClrScheme chgLayout">
         <pc:chgData name="Matthieu De Mari" userId="dfb708c9-d8dc-439f-9a3b-c772bf4a311c" providerId="ADAL" clId="{D2FDBEB2-E663-41FC-8A3C-AC79657DF6AB}" dt="2023-02-03T06:12:18.186" v="801" actId="1076"/>
@@ -633,54 +393,6 @@
           <pc:docMk/>
           <pc:sldMk cId="1970187575" sldId="379"/>
         </pc:sldMkLst>
-        <pc:spChg chg="del mod ord">
-          <ac:chgData name="Matthieu De Mari" userId="dfb708c9-d8dc-439f-9a3b-c772bf4a311c" providerId="ADAL" clId="{D2FDBEB2-E663-41FC-8A3C-AC79657DF6AB}" dt="2023-02-03T06:09:52.530" v="721" actId="700"/>
-          <ac:spMkLst>
-            <pc:docMk/>
-            <pc:sldMk cId="1970187575" sldId="379"/>
-            <ac:spMk id="2" creationId="{8E8C2158-1B5F-49B1-EFBA-C654B2C7E327}"/>
-          </ac:spMkLst>
-        </pc:spChg>
-        <pc:spChg chg="del mod ord">
-          <ac:chgData name="Matthieu De Mari" userId="dfb708c9-d8dc-439f-9a3b-c772bf4a311c" providerId="ADAL" clId="{D2FDBEB2-E663-41FC-8A3C-AC79657DF6AB}" dt="2023-02-03T06:09:52.530" v="721" actId="700"/>
-          <ac:spMkLst>
-            <pc:docMk/>
-            <pc:sldMk cId="1970187575" sldId="379"/>
-            <ac:spMk id="3" creationId="{350410A3-AA46-4D57-BBE4-7C2245269B80}"/>
-          </ac:spMkLst>
-        </pc:spChg>
-        <pc:spChg chg="add mod ord">
-          <ac:chgData name="Matthieu De Mari" userId="dfb708c9-d8dc-439f-9a3b-c772bf4a311c" providerId="ADAL" clId="{D2FDBEB2-E663-41FC-8A3C-AC79657DF6AB}" dt="2023-02-03T06:09:56.595" v="738" actId="20577"/>
-          <ac:spMkLst>
-            <pc:docMk/>
-            <pc:sldMk cId="1970187575" sldId="379"/>
-            <ac:spMk id="4" creationId="{35AF26F8-A3EF-1DA4-0F08-821904720C49}"/>
-          </ac:spMkLst>
-        </pc:spChg>
-        <pc:spChg chg="add mod ord">
-          <ac:chgData name="Matthieu De Mari" userId="dfb708c9-d8dc-439f-9a3b-c772bf4a311c" providerId="ADAL" clId="{D2FDBEB2-E663-41FC-8A3C-AC79657DF6AB}" dt="2023-02-03T06:11:03.285" v="798" actId="20577"/>
-          <ac:spMkLst>
-            <pc:docMk/>
-            <pc:sldMk cId="1970187575" sldId="379"/>
-            <ac:spMk id="5" creationId="{DF664FFA-9452-2803-1619-F2562904679D}"/>
-          </ac:spMkLst>
-        </pc:spChg>
-        <pc:spChg chg="add del mod ord">
-          <ac:chgData name="Matthieu De Mari" userId="dfb708c9-d8dc-439f-9a3b-c772bf4a311c" providerId="ADAL" clId="{D2FDBEB2-E663-41FC-8A3C-AC79657DF6AB}" dt="2023-02-03T06:11:06.947" v="799" actId="478"/>
-          <ac:spMkLst>
-            <pc:docMk/>
-            <pc:sldMk cId="1970187575" sldId="379"/>
-            <ac:spMk id="6" creationId="{54FAFB93-0158-7B14-C177-779BCF8BEC15}"/>
-          </ac:spMkLst>
-        </pc:spChg>
-        <pc:picChg chg="add mod">
-          <ac:chgData name="Matthieu De Mari" userId="dfb708c9-d8dc-439f-9a3b-c772bf4a311c" providerId="ADAL" clId="{D2FDBEB2-E663-41FC-8A3C-AC79657DF6AB}" dt="2023-02-03T06:12:18.186" v="801" actId="1076"/>
-          <ac:picMkLst>
-            <pc:docMk/>
-            <pc:sldMk cId="1970187575" sldId="379"/>
-            <ac:picMk id="8" creationId="{38396DA0-ACDE-2CF1-5318-A812A302B91F}"/>
-          </ac:picMkLst>
-        </pc:picChg>
       </pc:sldChg>
       <pc:sldChg chg="addSp delSp modSp new mod modClrScheme chgLayout">
         <pc:chgData name="Matthieu De Mari" userId="dfb708c9-d8dc-439f-9a3b-c772bf4a311c" providerId="ADAL" clId="{D2FDBEB2-E663-41FC-8A3C-AC79657DF6AB}" dt="2023-02-03T06:39:40.751" v="2139" actId="207"/>
@@ -688,62 +400,6 @@
           <pc:docMk/>
           <pc:sldMk cId="2100436947" sldId="380"/>
         </pc:sldMkLst>
-        <pc:spChg chg="mod ord">
-          <ac:chgData name="Matthieu De Mari" userId="dfb708c9-d8dc-439f-9a3b-c772bf4a311c" providerId="ADAL" clId="{D2FDBEB2-E663-41FC-8A3C-AC79657DF6AB}" dt="2023-02-03T06:36:43.027" v="1970" actId="700"/>
-          <ac:spMkLst>
-            <pc:docMk/>
-            <pc:sldMk cId="2100436947" sldId="380"/>
-            <ac:spMk id="2" creationId="{77126354-C35C-9E58-34D0-5861FBC9E6D5}"/>
-          </ac:spMkLst>
-        </pc:spChg>
-        <pc:spChg chg="del mod ord">
-          <ac:chgData name="Matthieu De Mari" userId="dfb708c9-d8dc-439f-9a3b-c772bf4a311c" providerId="ADAL" clId="{D2FDBEB2-E663-41FC-8A3C-AC79657DF6AB}" dt="2023-02-03T06:36:43.027" v="1970" actId="700"/>
-          <ac:spMkLst>
-            <pc:docMk/>
-            <pc:sldMk cId="2100436947" sldId="380"/>
-            <ac:spMk id="3" creationId="{AE633EF7-FE8D-5712-4111-81D6DAA3DCD5}"/>
-          </ac:spMkLst>
-        </pc:spChg>
-        <pc:spChg chg="add mod ord">
-          <ac:chgData name="Matthieu De Mari" userId="dfb708c9-d8dc-439f-9a3b-c772bf4a311c" providerId="ADAL" clId="{D2FDBEB2-E663-41FC-8A3C-AC79657DF6AB}" dt="2023-02-03T06:39:40.751" v="2139" actId="207"/>
-          <ac:spMkLst>
-            <pc:docMk/>
-            <pc:sldMk cId="2100436947" sldId="380"/>
-            <ac:spMk id="4" creationId="{11F8287B-68F9-6307-9899-F1C2672A4FC6}"/>
-          </ac:spMkLst>
-        </pc:spChg>
-        <pc:spChg chg="add del mod ord">
-          <ac:chgData name="Matthieu De Mari" userId="dfb708c9-d8dc-439f-9a3b-c772bf4a311c" providerId="ADAL" clId="{D2FDBEB2-E663-41FC-8A3C-AC79657DF6AB}" dt="2023-02-03T06:37:09.502" v="1971" actId="478"/>
-          <ac:spMkLst>
-            <pc:docMk/>
-            <pc:sldMk cId="2100436947" sldId="380"/>
-            <ac:spMk id="5" creationId="{446D88DD-65EC-951A-F5A9-40ABB1237F28}"/>
-          </ac:spMkLst>
-        </pc:spChg>
-        <pc:picChg chg="add del mod">
-          <ac:chgData name="Matthieu De Mari" userId="dfb708c9-d8dc-439f-9a3b-c772bf4a311c" providerId="ADAL" clId="{D2FDBEB2-E663-41FC-8A3C-AC79657DF6AB}" dt="2023-02-03T06:38:23.552" v="2051" actId="478"/>
-          <ac:picMkLst>
-            <pc:docMk/>
-            <pc:sldMk cId="2100436947" sldId="380"/>
-            <ac:picMk id="7" creationId="{93AE3261-9FCE-E201-2461-9CBC53BDD1C6}"/>
-          </ac:picMkLst>
-        </pc:picChg>
-        <pc:picChg chg="add mod modCrop">
-          <ac:chgData name="Matthieu De Mari" userId="dfb708c9-d8dc-439f-9a3b-c772bf4a311c" providerId="ADAL" clId="{D2FDBEB2-E663-41FC-8A3C-AC79657DF6AB}" dt="2023-02-03T06:38:45.501" v="2060" actId="1076"/>
-          <ac:picMkLst>
-            <pc:docMk/>
-            <pc:sldMk cId="2100436947" sldId="380"/>
-            <ac:picMk id="9" creationId="{56F683A9-058D-AF33-0AA8-27120C94D3E3}"/>
-          </ac:picMkLst>
-        </pc:picChg>
-        <pc:picChg chg="add mod">
-          <ac:chgData name="Matthieu De Mari" userId="dfb708c9-d8dc-439f-9a3b-c772bf4a311c" providerId="ADAL" clId="{D2FDBEB2-E663-41FC-8A3C-AC79657DF6AB}" dt="2023-02-03T06:38:40.424" v="2056" actId="1076"/>
-          <ac:picMkLst>
-            <pc:docMk/>
-            <pc:sldMk cId="2100436947" sldId="380"/>
-            <ac:picMk id="11" creationId="{546EFE0C-C1D6-FB5D-CFDC-E9D49F2BEFDE}"/>
-          </ac:picMkLst>
-        </pc:picChg>
       </pc:sldChg>
       <pc:sldChg chg="addSp modSp new mod modClrScheme chgLayout">
         <pc:chgData name="Matthieu De Mari" userId="dfb708c9-d8dc-439f-9a3b-c772bf4a311c" providerId="ADAL" clId="{D2FDBEB2-E663-41FC-8A3C-AC79657DF6AB}" dt="2023-02-03T06:43:16.501" v="2260" actId="20577"/>
@@ -751,30 +407,6 @@
           <pc:docMk/>
           <pc:sldMk cId="3251402422" sldId="381"/>
         </pc:sldMkLst>
-        <pc:spChg chg="mod ord">
-          <ac:chgData name="Matthieu De Mari" userId="dfb708c9-d8dc-439f-9a3b-c772bf4a311c" providerId="ADAL" clId="{D2FDBEB2-E663-41FC-8A3C-AC79657DF6AB}" dt="2023-02-03T06:42:51.710" v="2241" actId="700"/>
-          <ac:spMkLst>
-            <pc:docMk/>
-            <pc:sldMk cId="3251402422" sldId="381"/>
-            <ac:spMk id="2" creationId="{D5C2C212-E261-A521-5A07-4F79BEE7D615}"/>
-          </ac:spMkLst>
-        </pc:spChg>
-        <pc:spChg chg="mod ord">
-          <ac:chgData name="Matthieu De Mari" userId="dfb708c9-d8dc-439f-9a3b-c772bf4a311c" providerId="ADAL" clId="{D2FDBEB2-E663-41FC-8A3C-AC79657DF6AB}" dt="2023-02-03T06:43:16.501" v="2260" actId="20577"/>
-          <ac:spMkLst>
-            <pc:docMk/>
-            <pc:sldMk cId="3251402422" sldId="381"/>
-            <ac:spMk id="3" creationId="{EB875A09-F649-0453-782D-77AD08503234}"/>
-          </ac:spMkLst>
-        </pc:spChg>
-        <pc:spChg chg="add mod ord">
-          <ac:chgData name="Matthieu De Mari" userId="dfb708c9-d8dc-439f-9a3b-c772bf4a311c" providerId="ADAL" clId="{D2FDBEB2-E663-41FC-8A3C-AC79657DF6AB}" dt="2023-02-03T06:43:05.116" v="2258" actId="20577"/>
-          <ac:spMkLst>
-            <pc:docMk/>
-            <pc:sldMk cId="3251402422" sldId="381"/>
-            <ac:spMk id="4" creationId="{953DB814-D545-5828-A2A0-FEEF73BDC2D8}"/>
-          </ac:spMkLst>
-        </pc:spChg>
       </pc:sldChg>
       <pc:sldChg chg="addSp delSp modSp new mod modClrScheme chgLayout">
         <pc:chgData name="Matthieu De Mari" userId="dfb708c9-d8dc-439f-9a3b-c772bf4a311c" providerId="ADAL" clId="{D2FDBEB2-E663-41FC-8A3C-AC79657DF6AB}" dt="2023-02-03T06:48:14.770" v="2345" actId="14100"/>
@@ -782,46 +414,6 @@
           <pc:docMk/>
           <pc:sldMk cId="1017635827" sldId="382"/>
         </pc:sldMkLst>
-        <pc:spChg chg="mod ord">
-          <ac:chgData name="Matthieu De Mari" userId="dfb708c9-d8dc-439f-9a3b-c772bf4a311c" providerId="ADAL" clId="{D2FDBEB2-E663-41FC-8A3C-AC79657DF6AB}" dt="2023-02-03T06:45:47.810" v="2310" actId="700"/>
-          <ac:spMkLst>
-            <pc:docMk/>
-            <pc:sldMk cId="1017635827" sldId="382"/>
-            <ac:spMk id="2" creationId="{C3F2713C-FE07-816E-6FFD-E2674D11721D}"/>
-          </ac:spMkLst>
-        </pc:spChg>
-        <pc:spChg chg="mod ord">
-          <ac:chgData name="Matthieu De Mari" userId="dfb708c9-d8dc-439f-9a3b-c772bf4a311c" providerId="ADAL" clId="{D2FDBEB2-E663-41FC-8A3C-AC79657DF6AB}" dt="2023-02-03T06:47:20.609" v="2338"/>
-          <ac:spMkLst>
-            <pc:docMk/>
-            <pc:sldMk cId="1017635827" sldId="382"/>
-            <ac:spMk id="3" creationId="{FA1F1CE6-06FF-6DD6-265C-39A26CC7DB57}"/>
-          </ac:spMkLst>
-        </pc:spChg>
-        <pc:spChg chg="add del mod ord">
-          <ac:chgData name="Matthieu De Mari" userId="dfb708c9-d8dc-439f-9a3b-c772bf4a311c" providerId="ADAL" clId="{D2FDBEB2-E663-41FC-8A3C-AC79657DF6AB}" dt="2023-02-03T06:45:33.252" v="2308" actId="478"/>
-          <ac:spMkLst>
-            <pc:docMk/>
-            <pc:sldMk cId="1017635827" sldId="382"/>
-            <ac:spMk id="4" creationId="{5843D25B-9D04-4D41-556D-2F94CE141136}"/>
-          </ac:spMkLst>
-        </pc:spChg>
-        <pc:spChg chg="add del mod ord">
-          <ac:chgData name="Matthieu De Mari" userId="dfb708c9-d8dc-439f-9a3b-c772bf4a311c" providerId="ADAL" clId="{D2FDBEB2-E663-41FC-8A3C-AC79657DF6AB}" dt="2023-02-03T06:47:23.986" v="2339" actId="478"/>
-          <ac:spMkLst>
-            <pc:docMk/>
-            <pc:sldMk cId="1017635827" sldId="382"/>
-            <ac:spMk id="5" creationId="{9CC08854-D3E9-2AA4-3B21-DA2728469A18}"/>
-          </ac:spMkLst>
-        </pc:spChg>
-        <pc:picChg chg="add mod">
-          <ac:chgData name="Matthieu De Mari" userId="dfb708c9-d8dc-439f-9a3b-c772bf4a311c" providerId="ADAL" clId="{D2FDBEB2-E663-41FC-8A3C-AC79657DF6AB}" dt="2023-02-03T06:48:14.770" v="2345" actId="14100"/>
-          <ac:picMkLst>
-            <pc:docMk/>
-            <pc:sldMk cId="1017635827" sldId="382"/>
-            <ac:picMk id="7" creationId="{6AF5739C-A62C-69DB-A2FB-542D29AC8C09}"/>
-          </ac:picMkLst>
-        </pc:picChg>
       </pc:sldChg>
       <pc:sldChg chg="modSp new mod">
         <pc:chgData name="Matthieu De Mari" userId="dfb708c9-d8dc-439f-9a3b-c772bf4a311c" providerId="ADAL" clId="{D2FDBEB2-E663-41FC-8A3C-AC79657DF6AB}" dt="2023-02-03T07:03:32.616" v="2650" actId="20577"/>
@@ -829,22 +421,6 @@
           <pc:docMk/>
           <pc:sldMk cId="1921397945" sldId="383"/>
         </pc:sldMkLst>
-        <pc:spChg chg="mod">
-          <ac:chgData name="Matthieu De Mari" userId="dfb708c9-d8dc-439f-9a3b-c772bf4a311c" providerId="ADAL" clId="{D2FDBEB2-E663-41FC-8A3C-AC79657DF6AB}" dt="2023-02-03T07:03:08.764" v="2609" actId="20577"/>
-          <ac:spMkLst>
-            <pc:docMk/>
-            <pc:sldMk cId="1921397945" sldId="383"/>
-            <ac:spMk id="2" creationId="{FBC36228-8F7A-1389-12CE-514215337F1A}"/>
-          </ac:spMkLst>
-        </pc:spChg>
-        <pc:spChg chg="mod">
-          <ac:chgData name="Matthieu De Mari" userId="dfb708c9-d8dc-439f-9a3b-c772bf4a311c" providerId="ADAL" clId="{D2FDBEB2-E663-41FC-8A3C-AC79657DF6AB}" dt="2023-02-03T07:03:32.616" v="2650" actId="20577"/>
-          <ac:spMkLst>
-            <pc:docMk/>
-            <pc:sldMk cId="1921397945" sldId="383"/>
-            <ac:spMk id="3" creationId="{4E3EB5A2-1EBE-6555-85E5-4CA6DEF3845D}"/>
-          </ac:spMkLst>
-        </pc:spChg>
       </pc:sldChg>
       <pc:sldChg chg="addSp delSp modSp new mod modClrScheme chgLayout">
         <pc:chgData name="Matthieu De Mari" userId="dfb708c9-d8dc-439f-9a3b-c772bf4a311c" providerId="ADAL" clId="{D2FDBEB2-E663-41FC-8A3C-AC79657DF6AB}" dt="2023-02-03T08:27:26.197" v="6114" actId="20577"/>
@@ -852,54 +428,6 @@
           <pc:docMk/>
           <pc:sldMk cId="1420298135" sldId="384"/>
         </pc:sldMkLst>
-        <pc:spChg chg="del mod ord">
-          <ac:chgData name="Matthieu De Mari" userId="dfb708c9-d8dc-439f-9a3b-c772bf4a311c" providerId="ADAL" clId="{D2FDBEB2-E663-41FC-8A3C-AC79657DF6AB}" dt="2023-02-03T07:12:40.970" v="3218" actId="700"/>
-          <ac:spMkLst>
-            <pc:docMk/>
-            <pc:sldMk cId="1420298135" sldId="384"/>
-            <ac:spMk id="2" creationId="{857AA423-E77E-C7F5-72AD-FB7701923EB9}"/>
-          </ac:spMkLst>
-        </pc:spChg>
-        <pc:spChg chg="del mod ord">
-          <ac:chgData name="Matthieu De Mari" userId="dfb708c9-d8dc-439f-9a3b-c772bf4a311c" providerId="ADAL" clId="{D2FDBEB2-E663-41FC-8A3C-AC79657DF6AB}" dt="2023-02-03T07:12:40.970" v="3218" actId="700"/>
-          <ac:spMkLst>
-            <pc:docMk/>
-            <pc:sldMk cId="1420298135" sldId="384"/>
-            <ac:spMk id="3" creationId="{E9F46571-05A8-834D-E8F0-712DFB2A1C4F}"/>
-          </ac:spMkLst>
-        </pc:spChg>
-        <pc:spChg chg="add mod ord">
-          <ac:chgData name="Matthieu De Mari" userId="dfb708c9-d8dc-439f-9a3b-c772bf4a311c" providerId="ADAL" clId="{D2FDBEB2-E663-41FC-8A3C-AC79657DF6AB}" dt="2023-02-03T07:13:50.287" v="3286" actId="700"/>
-          <ac:spMkLst>
-            <pc:docMk/>
-            <pc:sldMk cId="1420298135" sldId="384"/>
-            <ac:spMk id="4" creationId="{42595458-81E2-940F-A3E9-22F09182BCC3}"/>
-          </ac:spMkLst>
-        </pc:spChg>
-        <pc:spChg chg="add mod ord">
-          <ac:chgData name="Matthieu De Mari" userId="dfb708c9-d8dc-439f-9a3b-c772bf4a311c" providerId="ADAL" clId="{D2FDBEB2-E663-41FC-8A3C-AC79657DF6AB}" dt="2023-02-03T08:27:26.197" v="6114" actId="20577"/>
-          <ac:spMkLst>
-            <pc:docMk/>
-            <pc:sldMk cId="1420298135" sldId="384"/>
-            <ac:spMk id="5" creationId="{CBDF5152-8165-F342-BDF9-7CF1D911D8E8}"/>
-          </ac:spMkLst>
-        </pc:spChg>
-        <pc:spChg chg="add del mod ord">
-          <ac:chgData name="Matthieu De Mari" userId="dfb708c9-d8dc-439f-9a3b-c772bf4a311c" providerId="ADAL" clId="{D2FDBEB2-E663-41FC-8A3C-AC79657DF6AB}" dt="2023-02-03T07:12:55.925" v="3280" actId="478"/>
-          <ac:spMkLst>
-            <pc:docMk/>
-            <pc:sldMk cId="1420298135" sldId="384"/>
-            <ac:spMk id="6" creationId="{48565126-CF1C-6D7E-4E25-0531902FF4E8}"/>
-          </ac:spMkLst>
-        </pc:spChg>
-        <pc:picChg chg="add mod">
-          <ac:chgData name="Matthieu De Mari" userId="dfb708c9-d8dc-439f-9a3b-c772bf4a311c" providerId="ADAL" clId="{D2FDBEB2-E663-41FC-8A3C-AC79657DF6AB}" dt="2023-02-03T07:14:26.983" v="3289" actId="1076"/>
-          <ac:picMkLst>
-            <pc:docMk/>
-            <pc:sldMk cId="1420298135" sldId="384"/>
-            <ac:picMk id="8" creationId="{0A7C372F-E912-DE4A-4DF1-EE8281CE0024}"/>
-          </ac:picMkLst>
-        </pc:picChg>
       </pc:sldChg>
       <pc:sldChg chg="addSp modSp new mod">
         <pc:chgData name="Matthieu De Mari" userId="dfb708c9-d8dc-439f-9a3b-c772bf4a311c" providerId="ADAL" clId="{D2FDBEB2-E663-41FC-8A3C-AC79657DF6AB}" dt="2023-02-03T08:27:48.202" v="6121" actId="20577"/>
@@ -907,30 +435,6 @@
           <pc:docMk/>
           <pc:sldMk cId="2560511070" sldId="385"/>
         </pc:sldMkLst>
-        <pc:spChg chg="mod">
-          <ac:chgData name="Matthieu De Mari" userId="dfb708c9-d8dc-439f-9a3b-c772bf4a311c" providerId="ADAL" clId="{D2FDBEB2-E663-41FC-8A3C-AC79657DF6AB}" dt="2023-02-03T07:15:26.249" v="3350" actId="20577"/>
-          <ac:spMkLst>
-            <pc:docMk/>
-            <pc:sldMk cId="2560511070" sldId="385"/>
-            <ac:spMk id="2" creationId="{D7697535-1088-B797-5883-502EDFA1C675}"/>
-          </ac:spMkLst>
-        </pc:spChg>
-        <pc:spChg chg="mod">
-          <ac:chgData name="Matthieu De Mari" userId="dfb708c9-d8dc-439f-9a3b-c772bf4a311c" providerId="ADAL" clId="{D2FDBEB2-E663-41FC-8A3C-AC79657DF6AB}" dt="2023-02-03T08:27:48.202" v="6121" actId="20577"/>
-          <ac:spMkLst>
-            <pc:docMk/>
-            <pc:sldMk cId="2560511070" sldId="385"/>
-            <ac:spMk id="3" creationId="{BA745D00-1AA4-E710-F652-A7E165C17CC6}"/>
-          </ac:spMkLst>
-        </pc:spChg>
-        <pc:picChg chg="add mod">
-          <ac:chgData name="Matthieu De Mari" userId="dfb708c9-d8dc-439f-9a3b-c772bf4a311c" providerId="ADAL" clId="{D2FDBEB2-E663-41FC-8A3C-AC79657DF6AB}" dt="2023-02-03T07:17:11.091" v="3566" actId="14100"/>
-          <ac:picMkLst>
-            <pc:docMk/>
-            <pc:sldMk cId="2560511070" sldId="385"/>
-            <ac:picMk id="5" creationId="{D46F7538-0929-9C7F-4437-2EFA2BF34CB6}"/>
-          </ac:picMkLst>
-        </pc:picChg>
       </pc:sldChg>
       <pc:sldChg chg="addSp delSp modSp new mod modClrScheme chgLayout">
         <pc:chgData name="Matthieu De Mari" userId="dfb708c9-d8dc-439f-9a3b-c772bf4a311c" providerId="ADAL" clId="{D2FDBEB2-E663-41FC-8A3C-AC79657DF6AB}" dt="2023-02-03T07:24:21.886" v="3777" actId="20577"/>
@@ -938,46 +442,6 @@
           <pc:docMk/>
           <pc:sldMk cId="1116470923" sldId="386"/>
         </pc:sldMkLst>
-        <pc:spChg chg="mod ord">
-          <ac:chgData name="Matthieu De Mari" userId="dfb708c9-d8dc-439f-9a3b-c772bf4a311c" providerId="ADAL" clId="{D2FDBEB2-E663-41FC-8A3C-AC79657DF6AB}" dt="2023-02-03T07:22:34.358" v="3703" actId="700"/>
-          <ac:spMkLst>
-            <pc:docMk/>
-            <pc:sldMk cId="1116470923" sldId="386"/>
-            <ac:spMk id="2" creationId="{FBBD2A6B-552C-9A92-9B5D-5DB897023119}"/>
-          </ac:spMkLst>
-        </pc:spChg>
-        <pc:spChg chg="mod ord">
-          <ac:chgData name="Matthieu De Mari" userId="dfb708c9-d8dc-439f-9a3b-c772bf4a311c" providerId="ADAL" clId="{D2FDBEB2-E663-41FC-8A3C-AC79657DF6AB}" dt="2023-02-03T07:24:21.886" v="3777" actId="20577"/>
-          <ac:spMkLst>
-            <pc:docMk/>
-            <pc:sldMk cId="1116470923" sldId="386"/>
-            <ac:spMk id="3" creationId="{44608F03-1D5E-5E62-5A70-1B8EB17DF397}"/>
-          </ac:spMkLst>
-        </pc:spChg>
-        <pc:spChg chg="add del mod ord">
-          <ac:chgData name="Matthieu De Mari" userId="dfb708c9-d8dc-439f-9a3b-c772bf4a311c" providerId="ADAL" clId="{D2FDBEB2-E663-41FC-8A3C-AC79657DF6AB}" dt="2023-02-03T07:21:20.198" v="3685" actId="478"/>
-          <ac:spMkLst>
-            <pc:docMk/>
-            <pc:sldMk cId="1116470923" sldId="386"/>
-            <ac:spMk id="4" creationId="{34F51327-852F-2DAF-82BD-5E83C4E5CD85}"/>
-          </ac:spMkLst>
-        </pc:spChg>
-        <pc:picChg chg="add del mod">
-          <ac:chgData name="Matthieu De Mari" userId="dfb708c9-d8dc-439f-9a3b-c772bf4a311c" providerId="ADAL" clId="{D2FDBEB2-E663-41FC-8A3C-AC79657DF6AB}" dt="2023-02-03T07:22:36.067" v="3704" actId="478"/>
-          <ac:picMkLst>
-            <pc:docMk/>
-            <pc:sldMk cId="1116470923" sldId="386"/>
-            <ac:picMk id="6" creationId="{E646E1A0-EF8B-8076-F40B-06546F4B9B9C}"/>
-          </ac:picMkLst>
-        </pc:picChg>
-        <pc:picChg chg="add mod">
-          <ac:chgData name="Matthieu De Mari" userId="dfb708c9-d8dc-439f-9a3b-c772bf4a311c" providerId="ADAL" clId="{D2FDBEB2-E663-41FC-8A3C-AC79657DF6AB}" dt="2023-02-03T07:23:54.664" v="3719" actId="14100"/>
-          <ac:picMkLst>
-            <pc:docMk/>
-            <pc:sldMk cId="1116470923" sldId="386"/>
-            <ac:picMk id="7" creationId="{ECC234CE-D676-ECD3-D2E7-52357BDE961D}"/>
-          </ac:picMkLst>
-        </pc:picChg>
       </pc:sldChg>
       <pc:sldChg chg="modSp new mod">
         <pc:chgData name="Matthieu De Mari" userId="dfb708c9-d8dc-439f-9a3b-c772bf4a311c" providerId="ADAL" clId="{D2FDBEB2-E663-41FC-8A3C-AC79657DF6AB}" dt="2023-02-03T07:51:47.934" v="3926" actId="20577"/>
@@ -985,22 +449,6 @@
           <pc:docMk/>
           <pc:sldMk cId="2474697269" sldId="387"/>
         </pc:sldMkLst>
-        <pc:spChg chg="mod">
-          <ac:chgData name="Matthieu De Mari" userId="dfb708c9-d8dc-439f-9a3b-c772bf4a311c" providerId="ADAL" clId="{D2FDBEB2-E663-41FC-8A3C-AC79657DF6AB}" dt="2023-02-03T07:49:36.276" v="3809" actId="20577"/>
-          <ac:spMkLst>
-            <pc:docMk/>
-            <pc:sldMk cId="2474697269" sldId="387"/>
-            <ac:spMk id="2" creationId="{917AFA90-DB7E-A390-9716-D81708D85130}"/>
-          </ac:spMkLst>
-        </pc:spChg>
-        <pc:spChg chg="mod">
-          <ac:chgData name="Matthieu De Mari" userId="dfb708c9-d8dc-439f-9a3b-c772bf4a311c" providerId="ADAL" clId="{D2FDBEB2-E663-41FC-8A3C-AC79657DF6AB}" dt="2023-02-03T07:51:47.934" v="3926" actId="20577"/>
-          <ac:spMkLst>
-            <pc:docMk/>
-            <pc:sldMk cId="2474697269" sldId="387"/>
-            <ac:spMk id="3" creationId="{C7732CA9-163D-B4B0-71B2-AEA1EC81E0E6}"/>
-          </ac:spMkLst>
-        </pc:spChg>
       </pc:sldChg>
       <pc:sldChg chg="modSp new mod">
         <pc:chgData name="Matthieu De Mari" userId="dfb708c9-d8dc-439f-9a3b-c772bf4a311c" providerId="ADAL" clId="{D2FDBEB2-E663-41FC-8A3C-AC79657DF6AB}" dt="2023-02-03T08:05:19.527" v="4929" actId="113"/>
@@ -1008,22 +456,6 @@
           <pc:docMk/>
           <pc:sldMk cId="4198773114" sldId="388"/>
         </pc:sldMkLst>
-        <pc:spChg chg="mod">
-          <ac:chgData name="Matthieu De Mari" userId="dfb708c9-d8dc-439f-9a3b-c772bf4a311c" providerId="ADAL" clId="{D2FDBEB2-E663-41FC-8A3C-AC79657DF6AB}" dt="2023-02-03T08:02:09.088" v="4740" actId="20577"/>
-          <ac:spMkLst>
-            <pc:docMk/>
-            <pc:sldMk cId="4198773114" sldId="388"/>
-            <ac:spMk id="2" creationId="{408CA521-96F3-C600-A042-370E3F36CE6B}"/>
-          </ac:spMkLst>
-        </pc:spChg>
-        <pc:spChg chg="mod">
-          <ac:chgData name="Matthieu De Mari" userId="dfb708c9-d8dc-439f-9a3b-c772bf4a311c" providerId="ADAL" clId="{D2FDBEB2-E663-41FC-8A3C-AC79657DF6AB}" dt="2023-02-03T08:05:19.527" v="4929" actId="113"/>
-          <ac:spMkLst>
-            <pc:docMk/>
-            <pc:sldMk cId="4198773114" sldId="388"/>
-            <ac:spMk id="3" creationId="{46D88AA4-084D-50F6-7F5E-69051FD9A887}"/>
-          </ac:spMkLst>
-        </pc:spChg>
       </pc:sldChg>
       <pc:sldChg chg="modSp new mod">
         <pc:chgData name="Matthieu De Mari" userId="dfb708c9-d8dc-439f-9a3b-c772bf4a311c" providerId="ADAL" clId="{D2FDBEB2-E663-41FC-8A3C-AC79657DF6AB}" dt="2023-02-03T08:15:34.322" v="5775" actId="20577"/>
@@ -1031,22 +463,6 @@
           <pc:docMk/>
           <pc:sldMk cId="481628505" sldId="389"/>
         </pc:sldMkLst>
-        <pc:spChg chg="mod">
-          <ac:chgData name="Matthieu De Mari" userId="dfb708c9-d8dc-439f-9a3b-c772bf4a311c" providerId="ADAL" clId="{D2FDBEB2-E663-41FC-8A3C-AC79657DF6AB}" dt="2023-02-03T08:08:20.566" v="5005" actId="20577"/>
-          <ac:spMkLst>
-            <pc:docMk/>
-            <pc:sldMk cId="481628505" sldId="389"/>
-            <ac:spMk id="2" creationId="{62DF8571-F31A-11B4-26C7-2C202A57B4A3}"/>
-          </ac:spMkLst>
-        </pc:spChg>
-        <pc:spChg chg="mod">
-          <ac:chgData name="Matthieu De Mari" userId="dfb708c9-d8dc-439f-9a3b-c772bf4a311c" providerId="ADAL" clId="{D2FDBEB2-E663-41FC-8A3C-AC79657DF6AB}" dt="2023-02-03T08:15:34.322" v="5775" actId="20577"/>
-          <ac:spMkLst>
-            <pc:docMk/>
-            <pc:sldMk cId="481628505" sldId="389"/>
-            <ac:spMk id="3" creationId="{6C4142A3-3578-C842-742A-3495AD72B776}"/>
-          </ac:spMkLst>
-        </pc:spChg>
       </pc:sldChg>
       <pc:sldChg chg="addSp delSp modSp new mod">
         <pc:chgData name="Matthieu De Mari" userId="dfb708c9-d8dc-439f-9a3b-c772bf4a311c" providerId="ADAL" clId="{D2FDBEB2-E663-41FC-8A3C-AC79657DF6AB}" dt="2023-02-03T08:16:23.090" v="5808" actId="1076"/>
@@ -1054,30 +470,6 @@
           <pc:docMk/>
           <pc:sldMk cId="2128707751" sldId="390"/>
         </pc:sldMkLst>
-        <pc:spChg chg="mod">
-          <ac:chgData name="Matthieu De Mari" userId="dfb708c9-d8dc-439f-9a3b-c772bf4a311c" providerId="ADAL" clId="{D2FDBEB2-E663-41FC-8A3C-AC79657DF6AB}" dt="2023-02-03T08:16:09.241" v="5803" actId="20577"/>
-          <ac:spMkLst>
-            <pc:docMk/>
-            <pc:sldMk cId="2128707751" sldId="390"/>
-            <ac:spMk id="2" creationId="{C902DDAE-7B18-E047-726C-A4619D106A2D}"/>
-          </ac:spMkLst>
-        </pc:spChg>
-        <pc:spChg chg="del">
-          <ac:chgData name="Matthieu De Mari" userId="dfb708c9-d8dc-439f-9a3b-c772bf4a311c" providerId="ADAL" clId="{D2FDBEB2-E663-41FC-8A3C-AC79657DF6AB}" dt="2023-02-03T08:16:12.116" v="5804" actId="478"/>
-          <ac:spMkLst>
-            <pc:docMk/>
-            <pc:sldMk cId="2128707751" sldId="390"/>
-            <ac:spMk id="3" creationId="{49277AC5-542C-30AE-22EA-34F02B102AF5}"/>
-          </ac:spMkLst>
-        </pc:spChg>
-        <pc:picChg chg="add mod">
-          <ac:chgData name="Matthieu De Mari" userId="dfb708c9-d8dc-439f-9a3b-c772bf4a311c" providerId="ADAL" clId="{D2FDBEB2-E663-41FC-8A3C-AC79657DF6AB}" dt="2023-02-03T08:16:23.090" v="5808" actId="1076"/>
-          <ac:picMkLst>
-            <pc:docMk/>
-            <pc:sldMk cId="2128707751" sldId="390"/>
-            <ac:picMk id="5" creationId="{4A8B1291-A554-8B80-6FA0-9146AA644C29}"/>
-          </ac:picMkLst>
-        </pc:picChg>
       </pc:sldChg>
       <pc:sldChg chg="addSp delSp modSp new mod modClrScheme chgLayout">
         <pc:chgData name="Matthieu De Mari" userId="dfb708c9-d8dc-439f-9a3b-c772bf4a311c" providerId="ADAL" clId="{D2FDBEB2-E663-41FC-8A3C-AC79657DF6AB}" dt="2023-02-03T08:36:24.788" v="6692" actId="20577"/>
@@ -1085,30 +477,6 @@
           <pc:docMk/>
           <pc:sldMk cId="1283478655" sldId="391"/>
         </pc:sldMkLst>
-        <pc:spChg chg="mod ord">
-          <ac:chgData name="Matthieu De Mari" userId="dfb708c9-d8dc-439f-9a3b-c772bf4a311c" providerId="ADAL" clId="{D2FDBEB2-E663-41FC-8A3C-AC79657DF6AB}" dt="2023-02-03T08:32:37.170" v="6381" actId="700"/>
-          <ac:spMkLst>
-            <pc:docMk/>
-            <pc:sldMk cId="1283478655" sldId="391"/>
-            <ac:spMk id="2" creationId="{9E92E9E4-1AEF-6408-1465-D1DC917DE2AF}"/>
-          </ac:spMkLst>
-        </pc:spChg>
-        <pc:spChg chg="mod ord">
-          <ac:chgData name="Matthieu De Mari" userId="dfb708c9-d8dc-439f-9a3b-c772bf4a311c" providerId="ADAL" clId="{D2FDBEB2-E663-41FC-8A3C-AC79657DF6AB}" dt="2023-02-03T08:36:24.788" v="6692" actId="20577"/>
-          <ac:spMkLst>
-            <pc:docMk/>
-            <pc:sldMk cId="1283478655" sldId="391"/>
-            <ac:spMk id="3" creationId="{EDC87932-752D-FABC-76EF-38023409D8D8}"/>
-          </ac:spMkLst>
-        </pc:spChg>
-        <pc:spChg chg="add del mod ord">
-          <ac:chgData name="Matthieu De Mari" userId="dfb708c9-d8dc-439f-9a3b-c772bf4a311c" providerId="ADAL" clId="{D2FDBEB2-E663-41FC-8A3C-AC79657DF6AB}" dt="2023-02-03T08:32:42.643" v="6383" actId="478"/>
-          <ac:spMkLst>
-            <pc:docMk/>
-            <pc:sldMk cId="1283478655" sldId="391"/>
-            <ac:spMk id="4" creationId="{2A4C576B-2ED6-0560-5E76-758168B5FF17}"/>
-          </ac:spMkLst>
-        </pc:spChg>
       </pc:sldChg>
       <pc:sldChg chg="addSp delSp new mod ord">
         <pc:chgData name="Matthieu De Mari" userId="dfb708c9-d8dc-439f-9a3b-c772bf4a311c" providerId="ADAL" clId="{D2FDBEB2-E663-41FC-8A3C-AC79657DF6AB}" dt="2023-02-03T08:51:08.222" v="7382"/>
@@ -1116,30 +484,6 @@
           <pc:docMk/>
           <pc:sldMk cId="1341638402" sldId="392"/>
         </pc:sldMkLst>
-        <pc:spChg chg="del">
-          <ac:chgData name="Matthieu De Mari" userId="dfb708c9-d8dc-439f-9a3b-c772bf4a311c" providerId="ADAL" clId="{D2FDBEB2-E663-41FC-8A3C-AC79657DF6AB}" dt="2023-02-03T08:49:37.212" v="7373" actId="478"/>
-          <ac:spMkLst>
-            <pc:docMk/>
-            <pc:sldMk cId="1341638402" sldId="392"/>
-            <ac:spMk id="2" creationId="{BA1D3FB9-E5B8-3718-1677-AF583B6288EB}"/>
-          </ac:spMkLst>
-        </pc:spChg>
-        <pc:spChg chg="del">
-          <ac:chgData name="Matthieu De Mari" userId="dfb708c9-d8dc-439f-9a3b-c772bf4a311c" providerId="ADAL" clId="{D2FDBEB2-E663-41FC-8A3C-AC79657DF6AB}" dt="2023-02-03T08:49:39.147" v="7374" actId="478"/>
-          <ac:spMkLst>
-            <pc:docMk/>
-            <pc:sldMk cId="1341638402" sldId="392"/>
-            <ac:spMk id="3" creationId="{FDA8FC24-2AC7-CCB3-CB3F-C8FDA0223A76}"/>
-          </ac:spMkLst>
-        </pc:spChg>
-        <pc:picChg chg="add">
-          <ac:chgData name="Matthieu De Mari" userId="dfb708c9-d8dc-439f-9a3b-c772bf4a311c" providerId="ADAL" clId="{D2FDBEB2-E663-41FC-8A3C-AC79657DF6AB}" dt="2023-02-03T08:49:40.751" v="7375" actId="22"/>
-          <ac:picMkLst>
-            <pc:docMk/>
-            <pc:sldMk cId="1341638402" sldId="392"/>
-            <ac:picMk id="5" creationId="{886D06CA-B3C1-1830-AC72-0181AC10C325}"/>
-          </ac:picMkLst>
-        </pc:picChg>
       </pc:sldChg>
       <pc:sldChg chg="new del">
         <pc:chgData name="Matthieu De Mari" userId="dfb708c9-d8dc-439f-9a3b-c772bf4a311c" providerId="ADAL" clId="{D2FDBEB2-E663-41FC-8A3C-AC79657DF6AB}" dt="2023-02-03T08:51:09.735" v="7383" actId="47"/>
@@ -1154,54 +498,6 @@
           <pc:docMk/>
           <pc:sldMk cId="164097668" sldId="394"/>
         </pc:sldMkLst>
-        <pc:spChg chg="mod ord">
-          <ac:chgData name="Matthieu De Mari" userId="dfb708c9-d8dc-439f-9a3b-c772bf4a311c" providerId="ADAL" clId="{D2FDBEB2-E663-41FC-8A3C-AC79657DF6AB}" dt="2023-02-03T08:52:34.232" v="7416" actId="700"/>
-          <ac:spMkLst>
-            <pc:docMk/>
-            <pc:sldMk cId="164097668" sldId="394"/>
-            <ac:spMk id="2" creationId="{5EE3B6C1-D583-A692-9831-4EBA5FFC0843}"/>
-          </ac:spMkLst>
-        </pc:spChg>
-        <pc:spChg chg="del mod ord">
-          <ac:chgData name="Matthieu De Mari" userId="dfb708c9-d8dc-439f-9a3b-c772bf4a311c" providerId="ADAL" clId="{D2FDBEB2-E663-41FC-8A3C-AC79657DF6AB}" dt="2023-02-03T08:52:34.232" v="7416" actId="700"/>
-          <ac:spMkLst>
-            <pc:docMk/>
-            <pc:sldMk cId="164097668" sldId="394"/>
-            <ac:spMk id="3" creationId="{92E9050B-66A5-FB92-C341-496FFC678FA2}"/>
-          </ac:spMkLst>
-        </pc:spChg>
-        <pc:spChg chg="add mod ord">
-          <ac:chgData name="Matthieu De Mari" userId="dfb708c9-d8dc-439f-9a3b-c772bf4a311c" providerId="ADAL" clId="{D2FDBEB2-E663-41FC-8A3C-AC79657DF6AB}" dt="2023-02-03T08:53:23.633" v="7563" actId="113"/>
-          <ac:spMkLst>
-            <pc:docMk/>
-            <pc:sldMk cId="164097668" sldId="394"/>
-            <ac:spMk id="4" creationId="{7B27ED01-4B43-7115-3D3C-53FF72E7590A}"/>
-          </ac:spMkLst>
-        </pc:spChg>
-        <pc:spChg chg="add del mod ord">
-          <ac:chgData name="Matthieu De Mari" userId="dfb708c9-d8dc-439f-9a3b-c772bf4a311c" providerId="ADAL" clId="{D2FDBEB2-E663-41FC-8A3C-AC79657DF6AB}" dt="2023-02-03T08:52:38.765" v="7422" actId="478"/>
-          <ac:spMkLst>
-            <pc:docMk/>
-            <pc:sldMk cId="164097668" sldId="394"/>
-            <ac:spMk id="5" creationId="{775D5543-5815-B9BF-FF35-878FCBC1C827}"/>
-          </ac:spMkLst>
-        </pc:spChg>
-        <pc:spChg chg="add mod">
-          <ac:chgData name="Matthieu De Mari" userId="dfb708c9-d8dc-439f-9a3b-c772bf4a311c" providerId="ADAL" clId="{D2FDBEB2-E663-41FC-8A3C-AC79657DF6AB}" dt="2023-02-03T08:53:43.343" v="7567" actId="14100"/>
-          <ac:spMkLst>
-            <pc:docMk/>
-            <pc:sldMk cId="164097668" sldId="394"/>
-            <ac:spMk id="8" creationId="{AD6ED9A1-3116-CE4C-FF7F-F3A141ACF6CB}"/>
-          </ac:spMkLst>
-        </pc:spChg>
-        <pc:picChg chg="add mod">
-          <ac:chgData name="Matthieu De Mari" userId="dfb708c9-d8dc-439f-9a3b-c772bf4a311c" providerId="ADAL" clId="{D2FDBEB2-E663-41FC-8A3C-AC79657DF6AB}" dt="2023-02-03T08:52:42.201" v="7424" actId="1076"/>
-          <ac:picMkLst>
-            <pc:docMk/>
-            <pc:sldMk cId="164097668" sldId="394"/>
-            <ac:picMk id="7" creationId="{FA82CB6F-957A-39D7-F6F0-4ED02FB8462B}"/>
-          </ac:picMkLst>
-        </pc:picChg>
       </pc:sldChg>
       <pc:sldChg chg="addSp delSp modSp new mod modClrScheme chgLayout">
         <pc:chgData name="Matthieu De Mari" userId="dfb708c9-d8dc-439f-9a3b-c772bf4a311c" providerId="ADAL" clId="{D2FDBEB2-E663-41FC-8A3C-AC79657DF6AB}" dt="2023-02-03T09:08:43.040" v="8236" actId="14100"/>
@@ -1209,54 +505,6 @@
           <pc:docMk/>
           <pc:sldMk cId="3048177291" sldId="395"/>
         </pc:sldMkLst>
-        <pc:spChg chg="mod ord">
-          <ac:chgData name="Matthieu De Mari" userId="dfb708c9-d8dc-439f-9a3b-c772bf4a311c" providerId="ADAL" clId="{D2FDBEB2-E663-41FC-8A3C-AC79657DF6AB}" dt="2023-02-03T09:03:25.621" v="7775" actId="700"/>
-          <ac:spMkLst>
-            <pc:docMk/>
-            <pc:sldMk cId="3048177291" sldId="395"/>
-            <ac:spMk id="2" creationId="{C0AEB798-137F-1C5F-D3F8-E30049627063}"/>
-          </ac:spMkLst>
-        </pc:spChg>
-        <pc:spChg chg="mod ord">
-          <ac:chgData name="Matthieu De Mari" userId="dfb708c9-d8dc-439f-9a3b-c772bf4a311c" providerId="ADAL" clId="{D2FDBEB2-E663-41FC-8A3C-AC79657DF6AB}" dt="2023-02-03T09:04:10.892" v="7822" actId="113"/>
-          <ac:spMkLst>
-            <pc:docMk/>
-            <pc:sldMk cId="3048177291" sldId="395"/>
-            <ac:spMk id="3" creationId="{6A509501-56C2-23F3-214C-C91AB5067894}"/>
-          </ac:spMkLst>
-        </pc:spChg>
-        <pc:spChg chg="add mod ord">
-          <ac:chgData name="Matthieu De Mari" userId="dfb708c9-d8dc-439f-9a3b-c772bf4a311c" providerId="ADAL" clId="{D2FDBEB2-E663-41FC-8A3C-AC79657DF6AB}" dt="2023-02-03T09:04:19.840" v="7830" actId="14100"/>
-          <ac:spMkLst>
-            <pc:docMk/>
-            <pc:sldMk cId="3048177291" sldId="395"/>
-            <ac:spMk id="4" creationId="{F617EAC8-C948-69D4-C406-FE9CCE702448}"/>
-          </ac:spMkLst>
-        </pc:spChg>
-        <pc:picChg chg="add del mod">
-          <ac:chgData name="Matthieu De Mari" userId="dfb708c9-d8dc-439f-9a3b-c772bf4a311c" providerId="ADAL" clId="{D2FDBEB2-E663-41FC-8A3C-AC79657DF6AB}" dt="2023-02-03T09:08:19.854" v="8230" actId="478"/>
-          <ac:picMkLst>
-            <pc:docMk/>
-            <pc:sldMk cId="3048177291" sldId="395"/>
-            <ac:picMk id="6" creationId="{9D72E1BC-D7A4-153C-41D8-83DAE8DB9A50}"/>
-          </ac:picMkLst>
-        </pc:picChg>
-        <pc:picChg chg="add mod">
-          <ac:chgData name="Matthieu De Mari" userId="dfb708c9-d8dc-439f-9a3b-c772bf4a311c" providerId="ADAL" clId="{D2FDBEB2-E663-41FC-8A3C-AC79657DF6AB}" dt="2023-02-03T09:08:25.400" v="8233" actId="14100"/>
-          <ac:picMkLst>
-            <pc:docMk/>
-            <pc:sldMk cId="3048177291" sldId="395"/>
-            <ac:picMk id="8" creationId="{A052F437-7E98-33DE-6B4B-B496C1861CFF}"/>
-          </ac:picMkLst>
-        </pc:picChg>
-        <pc:picChg chg="add mod">
-          <ac:chgData name="Matthieu De Mari" userId="dfb708c9-d8dc-439f-9a3b-c772bf4a311c" providerId="ADAL" clId="{D2FDBEB2-E663-41FC-8A3C-AC79657DF6AB}" dt="2023-02-03T09:08:43.040" v="8236" actId="14100"/>
-          <ac:picMkLst>
-            <pc:docMk/>
-            <pc:sldMk cId="3048177291" sldId="395"/>
-            <ac:picMk id="10" creationId="{7AE96FE3-0E55-49D9-CEBF-41697612BDAC}"/>
-          </ac:picMkLst>
-        </pc:picChg>
       </pc:sldChg>
       <pc:sldChg chg="new">
         <pc:chgData name="Matthieu De Mari" userId="dfb708c9-d8dc-439f-9a3b-c772bf4a311c" providerId="ADAL" clId="{D2FDBEB2-E663-41FC-8A3C-AC79657DF6AB}" dt="2023-02-03T02:58:04.050" v="175" actId="680"/>
@@ -1285,14 +533,6 @@
           <pc:docMk/>
           <pc:sldMk cId="122423608" sldId="399"/>
         </pc:sldMkLst>
-        <pc:spChg chg="mod">
-          <ac:chgData name="Matthieu De Mari" userId="dfb708c9-d8dc-439f-9a3b-c772bf4a311c" providerId="ADAL" clId="{D2FDBEB2-E663-41FC-8A3C-AC79657DF6AB}" dt="2023-02-03T02:59:22.033" v="235" actId="20577"/>
-          <ac:spMkLst>
-            <pc:docMk/>
-            <pc:sldMk cId="122423608" sldId="399"/>
-            <ac:spMk id="2" creationId="{A8C99902-2A36-9C91-5F2C-9819DE23FB0C}"/>
-          </ac:spMkLst>
-        </pc:spChg>
       </pc:sldChg>
       <pc:sldChg chg="new">
         <pc:chgData name="Matthieu De Mari" userId="dfb708c9-d8dc-439f-9a3b-c772bf4a311c" providerId="ADAL" clId="{D2FDBEB2-E663-41FC-8A3C-AC79657DF6AB}" dt="2023-02-03T02:59:37.988" v="238" actId="680"/>
@@ -1328,22 +568,6 @@
           <pc:docMk/>
           <pc:sldMk cId="3140288791" sldId="404"/>
         </pc:sldMkLst>
-        <pc:spChg chg="mod">
-          <ac:chgData name="Matthieu De Mari" userId="dfb708c9-d8dc-439f-9a3b-c772bf4a311c" providerId="ADAL" clId="{D2FDBEB2-E663-41FC-8A3C-AC79657DF6AB}" dt="2023-02-03T06:54:09.367" v="2541" actId="20577"/>
-          <ac:spMkLst>
-            <pc:docMk/>
-            <pc:sldMk cId="3140288791" sldId="404"/>
-            <ac:spMk id="2" creationId="{581B7E6E-252F-1AB6-6445-27D0020E0280}"/>
-          </ac:spMkLst>
-        </pc:spChg>
-        <pc:spChg chg="mod">
-          <ac:chgData name="Matthieu De Mari" userId="dfb708c9-d8dc-439f-9a3b-c772bf4a311c" providerId="ADAL" clId="{D2FDBEB2-E663-41FC-8A3C-AC79657DF6AB}" dt="2023-02-03T06:53:43.723" v="2499" actId="20577"/>
-          <ac:spMkLst>
-            <pc:docMk/>
-            <pc:sldMk cId="3140288791" sldId="404"/>
-            <ac:spMk id="3" creationId="{088657BF-BB53-D488-1F2B-77F25EDE3A56}"/>
-          </ac:spMkLst>
-        </pc:spChg>
       </pc:sldChg>
       <pc:sldChg chg="add">
         <pc:chgData name="Matthieu De Mari" userId="dfb708c9-d8dc-439f-9a3b-c772bf4a311c" providerId="ADAL" clId="{D2FDBEB2-E663-41FC-8A3C-AC79657DF6AB}" dt="2023-02-03T06:03:02.893" v="259"/>
@@ -1358,62 +582,6 @@
           <pc:docMk/>
           <pc:sldMk cId="3358927626" sldId="406"/>
         </pc:sldMkLst>
-        <pc:spChg chg="mod ord">
-          <ac:chgData name="Matthieu De Mari" userId="dfb708c9-d8dc-439f-9a3b-c772bf4a311c" providerId="ADAL" clId="{D2FDBEB2-E663-41FC-8A3C-AC79657DF6AB}" dt="2023-02-03T06:09:12.869" v="710" actId="700"/>
-          <ac:spMkLst>
-            <pc:docMk/>
-            <pc:sldMk cId="3358927626" sldId="406"/>
-            <ac:spMk id="2" creationId="{28C8E2B8-16B2-DFEB-21E8-D5EA9B09A62A}"/>
-          </ac:spMkLst>
-        </pc:spChg>
-        <pc:spChg chg="mod ord">
-          <ac:chgData name="Matthieu De Mari" userId="dfb708c9-d8dc-439f-9a3b-c772bf4a311c" providerId="ADAL" clId="{D2FDBEB2-E663-41FC-8A3C-AC79657DF6AB}" dt="2023-02-03T06:09:18.627" v="715"/>
-          <ac:spMkLst>
-            <pc:docMk/>
-            <pc:sldMk cId="3358927626" sldId="406"/>
-            <ac:spMk id="3" creationId="{40B01D2C-4BE4-C6CD-31D7-3F2E182779DF}"/>
-          </ac:spMkLst>
-        </pc:spChg>
-        <pc:spChg chg="del mod ord">
-          <ac:chgData name="Matthieu De Mari" userId="dfb708c9-d8dc-439f-9a3b-c772bf4a311c" providerId="ADAL" clId="{D2FDBEB2-E663-41FC-8A3C-AC79657DF6AB}" dt="2023-02-03T06:09:15.196" v="711" actId="478"/>
-          <ac:spMkLst>
-            <pc:docMk/>
-            <pc:sldMk cId="3358927626" sldId="406"/>
-            <ac:spMk id="4" creationId="{D0D29EA2-9996-8782-66AE-561B2D472B85}"/>
-          </ac:spMkLst>
-        </pc:spChg>
-        <pc:picChg chg="del">
-          <ac:chgData name="Matthieu De Mari" userId="dfb708c9-d8dc-439f-9a3b-c772bf4a311c" providerId="ADAL" clId="{D2FDBEB2-E663-41FC-8A3C-AC79657DF6AB}" dt="2023-02-03T06:09:17.129" v="714" actId="478"/>
-          <ac:picMkLst>
-            <pc:docMk/>
-            <pc:sldMk cId="3358927626" sldId="406"/>
-            <ac:picMk id="6" creationId="{174A9CDE-B0B1-2295-86F9-490D9AEF3493}"/>
-          </ac:picMkLst>
-        </pc:picChg>
-        <pc:picChg chg="add mod">
-          <ac:chgData name="Matthieu De Mari" userId="dfb708c9-d8dc-439f-9a3b-c772bf4a311c" providerId="ADAL" clId="{D2FDBEB2-E663-41FC-8A3C-AC79657DF6AB}" dt="2023-02-03T06:09:42.334" v="720" actId="1076"/>
-          <ac:picMkLst>
-            <pc:docMk/>
-            <pc:sldMk cId="3358927626" sldId="406"/>
-            <ac:picMk id="7" creationId="{442DA575-615D-9EA0-0B63-D1F67373C130}"/>
-          </ac:picMkLst>
-        </pc:picChg>
-        <pc:picChg chg="del">
-          <ac:chgData name="Matthieu De Mari" userId="dfb708c9-d8dc-439f-9a3b-c772bf4a311c" providerId="ADAL" clId="{D2FDBEB2-E663-41FC-8A3C-AC79657DF6AB}" dt="2023-02-03T06:09:16.476" v="713" actId="478"/>
-          <ac:picMkLst>
-            <pc:docMk/>
-            <pc:sldMk cId="3358927626" sldId="406"/>
-            <ac:picMk id="8" creationId="{8642BB61-5547-E779-25BC-07029F6867D4}"/>
-          </ac:picMkLst>
-        </pc:picChg>
-        <pc:picChg chg="del">
-          <ac:chgData name="Matthieu De Mari" userId="dfb708c9-d8dc-439f-9a3b-c772bf4a311c" providerId="ADAL" clId="{D2FDBEB2-E663-41FC-8A3C-AC79657DF6AB}" dt="2023-02-03T06:09:16.210" v="712" actId="478"/>
-          <ac:picMkLst>
-            <pc:docMk/>
-            <pc:sldMk cId="3358927626" sldId="406"/>
-            <ac:picMk id="10" creationId="{AAA21B2A-5B1A-3237-C1A9-541D91EEB57A}"/>
-          </ac:picMkLst>
-        </pc:picChg>
       </pc:sldChg>
       <pc:sldChg chg="addSp delSp modSp new mod">
         <pc:chgData name="Matthieu De Mari" userId="dfb708c9-d8dc-439f-9a3b-c772bf4a311c" providerId="ADAL" clId="{D2FDBEB2-E663-41FC-8A3C-AC79657DF6AB}" dt="2023-02-03T06:15:37.685" v="1099" actId="12"/>
@@ -1421,54 +589,6 @@
           <pc:docMk/>
           <pc:sldMk cId="1925028509" sldId="407"/>
         </pc:sldMkLst>
-        <pc:spChg chg="mod">
-          <ac:chgData name="Matthieu De Mari" userId="dfb708c9-d8dc-439f-9a3b-c772bf4a311c" providerId="ADAL" clId="{D2FDBEB2-E663-41FC-8A3C-AC79657DF6AB}" dt="2023-02-03T06:12:32.138" v="819" actId="20577"/>
-          <ac:spMkLst>
-            <pc:docMk/>
-            <pc:sldMk cId="1925028509" sldId="407"/>
-            <ac:spMk id="2" creationId="{445434E9-6928-73A0-43A5-8E0EEE693F2D}"/>
-          </ac:spMkLst>
-        </pc:spChg>
-        <pc:spChg chg="mod">
-          <ac:chgData name="Matthieu De Mari" userId="dfb708c9-d8dc-439f-9a3b-c772bf4a311c" providerId="ADAL" clId="{D2FDBEB2-E663-41FC-8A3C-AC79657DF6AB}" dt="2023-02-03T06:15:37.685" v="1099" actId="12"/>
-          <ac:spMkLst>
-            <pc:docMk/>
-            <pc:sldMk cId="1925028509" sldId="407"/>
-            <ac:spMk id="3" creationId="{8A7D9A86-7C7C-734B-80A4-FB642FF10042}"/>
-          </ac:spMkLst>
-        </pc:spChg>
-        <pc:spChg chg="del">
-          <ac:chgData name="Matthieu De Mari" userId="dfb708c9-d8dc-439f-9a3b-c772bf4a311c" providerId="ADAL" clId="{D2FDBEB2-E663-41FC-8A3C-AC79657DF6AB}" dt="2023-02-03T06:12:53.688" v="851" actId="478"/>
-          <ac:spMkLst>
-            <pc:docMk/>
-            <pc:sldMk cId="1925028509" sldId="407"/>
-            <ac:spMk id="4" creationId="{41CB767C-6FF7-8F08-6225-F27E17B15552}"/>
-          </ac:spMkLst>
-        </pc:spChg>
-        <pc:picChg chg="add mod">
-          <ac:chgData name="Matthieu De Mari" userId="dfb708c9-d8dc-439f-9a3b-c772bf4a311c" providerId="ADAL" clId="{D2FDBEB2-E663-41FC-8A3C-AC79657DF6AB}" dt="2023-02-03T06:13:51.073" v="887" actId="1076"/>
-          <ac:picMkLst>
-            <pc:docMk/>
-            <pc:sldMk cId="1925028509" sldId="407"/>
-            <ac:picMk id="6" creationId="{70EEA628-810A-AF2E-00EE-DF691CE1657B}"/>
-          </ac:picMkLst>
-        </pc:picChg>
-        <pc:picChg chg="add mod">
-          <ac:chgData name="Matthieu De Mari" userId="dfb708c9-d8dc-439f-9a3b-c772bf4a311c" providerId="ADAL" clId="{D2FDBEB2-E663-41FC-8A3C-AC79657DF6AB}" dt="2023-02-03T06:14:22.735" v="957" actId="1076"/>
-          <ac:picMkLst>
-            <pc:docMk/>
-            <pc:sldMk cId="1925028509" sldId="407"/>
-            <ac:picMk id="8" creationId="{C543654B-55A4-7D2C-64C1-EA7202FE615D}"/>
-          </ac:picMkLst>
-        </pc:picChg>
-        <pc:picChg chg="add mod">
-          <ac:chgData name="Matthieu De Mari" userId="dfb708c9-d8dc-439f-9a3b-c772bf4a311c" providerId="ADAL" clId="{D2FDBEB2-E663-41FC-8A3C-AC79657DF6AB}" dt="2023-02-03T06:14:41.466" v="991" actId="1076"/>
-          <ac:picMkLst>
-            <pc:docMk/>
-            <pc:sldMk cId="1925028509" sldId="407"/>
-            <ac:picMk id="10" creationId="{6D8B9614-48EF-8437-0E5E-9FEF509AB4A6}"/>
-          </ac:picMkLst>
-        </pc:picChg>
       </pc:sldChg>
       <pc:sldChg chg="addSp delSp modSp new mod">
         <pc:chgData name="Matthieu De Mari" userId="dfb708c9-d8dc-439f-9a3b-c772bf4a311c" providerId="ADAL" clId="{D2FDBEB2-E663-41FC-8A3C-AC79657DF6AB}" dt="2023-02-03T06:27:00.107" v="1534" actId="20577"/>
@@ -1476,46 +596,6 @@
           <pc:docMk/>
           <pc:sldMk cId="3458396453" sldId="408"/>
         </pc:sldMkLst>
-        <pc:spChg chg="mod">
-          <ac:chgData name="Matthieu De Mari" userId="dfb708c9-d8dc-439f-9a3b-c772bf4a311c" providerId="ADAL" clId="{D2FDBEB2-E663-41FC-8A3C-AC79657DF6AB}" dt="2023-02-03T06:16:07.244" v="1137" actId="20577"/>
-          <ac:spMkLst>
-            <pc:docMk/>
-            <pc:sldMk cId="3458396453" sldId="408"/>
-            <ac:spMk id="2" creationId="{1038DBA5-CB9C-9AAA-DA24-A5BB82454158}"/>
-          </ac:spMkLst>
-        </pc:spChg>
-        <pc:spChg chg="mod">
-          <ac:chgData name="Matthieu De Mari" userId="dfb708c9-d8dc-439f-9a3b-c772bf4a311c" providerId="ADAL" clId="{D2FDBEB2-E663-41FC-8A3C-AC79657DF6AB}" dt="2023-02-03T06:19:37.550" v="1395" actId="20577"/>
-          <ac:spMkLst>
-            <pc:docMk/>
-            <pc:sldMk cId="3458396453" sldId="408"/>
-            <ac:spMk id="3" creationId="{A2C1AD02-2B23-3037-9908-FF09B3499297}"/>
-          </ac:spMkLst>
-        </pc:spChg>
-        <pc:spChg chg="mod">
-          <ac:chgData name="Matthieu De Mari" userId="dfb708c9-d8dc-439f-9a3b-c772bf4a311c" providerId="ADAL" clId="{D2FDBEB2-E663-41FC-8A3C-AC79657DF6AB}" dt="2023-02-03T06:27:00.107" v="1534" actId="20577"/>
-          <ac:spMkLst>
-            <pc:docMk/>
-            <pc:sldMk cId="3458396453" sldId="408"/>
-            <ac:spMk id="4" creationId="{6F2769B1-E04C-7731-027E-A37C8AAEBCC0}"/>
-          </ac:spMkLst>
-        </pc:spChg>
-        <pc:picChg chg="add del mod">
-          <ac:chgData name="Matthieu De Mari" userId="dfb708c9-d8dc-439f-9a3b-c772bf4a311c" providerId="ADAL" clId="{D2FDBEB2-E663-41FC-8A3C-AC79657DF6AB}" dt="2023-02-03T06:19:43.688" v="1397" actId="478"/>
-          <ac:picMkLst>
-            <pc:docMk/>
-            <pc:sldMk cId="3458396453" sldId="408"/>
-            <ac:picMk id="6" creationId="{8D74613D-DF48-BF6C-AB43-CCE9EB512E84}"/>
-          </ac:picMkLst>
-        </pc:picChg>
-        <pc:picChg chg="add mod">
-          <ac:chgData name="Matthieu De Mari" userId="dfb708c9-d8dc-439f-9a3b-c772bf4a311c" providerId="ADAL" clId="{D2FDBEB2-E663-41FC-8A3C-AC79657DF6AB}" dt="2023-02-03T06:26:53.312" v="1522" actId="1076"/>
-          <ac:picMkLst>
-            <pc:docMk/>
-            <pc:sldMk cId="3458396453" sldId="408"/>
-            <ac:picMk id="8" creationId="{F0E0B423-3A8C-32D4-141D-C55B53A72E1E}"/>
-          </ac:picMkLst>
-        </pc:picChg>
       </pc:sldChg>
       <pc:sldChg chg="modSp add mod">
         <pc:chgData name="Matthieu De Mari" userId="dfb708c9-d8dc-439f-9a3b-c772bf4a311c" providerId="ADAL" clId="{D2FDBEB2-E663-41FC-8A3C-AC79657DF6AB}" dt="2023-02-03T06:27:25.758" v="1541" actId="20577"/>
@@ -1523,14 +603,6 @@
           <pc:docMk/>
           <pc:sldMk cId="1339110510" sldId="409"/>
         </pc:sldMkLst>
-        <pc:spChg chg="mod">
-          <ac:chgData name="Matthieu De Mari" userId="dfb708c9-d8dc-439f-9a3b-c772bf4a311c" providerId="ADAL" clId="{D2FDBEB2-E663-41FC-8A3C-AC79657DF6AB}" dt="2023-02-03T06:27:25.758" v="1541" actId="20577"/>
-          <ac:spMkLst>
-            <pc:docMk/>
-            <pc:sldMk cId="1339110510" sldId="409"/>
-            <ac:spMk id="4" creationId="{6F2769B1-E04C-7731-027E-A37C8AAEBCC0}"/>
-          </ac:spMkLst>
-        </pc:spChg>
       </pc:sldChg>
       <pc:sldChg chg="addSp delSp modSp add mod chgLayout">
         <pc:chgData name="Matthieu De Mari" userId="dfb708c9-d8dc-439f-9a3b-c772bf4a311c" providerId="ADAL" clId="{D2FDBEB2-E663-41FC-8A3C-AC79657DF6AB}" dt="2023-02-03T06:29:45.592" v="1649" actId="1076"/>
@@ -1538,62 +610,6 @@
           <pc:docMk/>
           <pc:sldMk cId="1178350440" sldId="410"/>
         </pc:sldMkLst>
-        <pc:spChg chg="mod ord">
-          <ac:chgData name="Matthieu De Mari" userId="dfb708c9-d8dc-439f-9a3b-c772bf4a311c" providerId="ADAL" clId="{D2FDBEB2-E663-41FC-8A3C-AC79657DF6AB}" dt="2023-02-03T06:29:22.216" v="1638" actId="700"/>
-          <ac:spMkLst>
-            <pc:docMk/>
-            <pc:sldMk cId="1178350440" sldId="410"/>
-            <ac:spMk id="2" creationId="{1038DBA5-CB9C-9AAA-DA24-A5BB82454158}"/>
-          </ac:spMkLst>
-        </pc:spChg>
-        <pc:spChg chg="mod ord">
-          <ac:chgData name="Matthieu De Mari" userId="dfb708c9-d8dc-439f-9a3b-c772bf4a311c" providerId="ADAL" clId="{D2FDBEB2-E663-41FC-8A3C-AC79657DF6AB}" dt="2023-02-03T06:29:25.246" v="1643" actId="27636"/>
-          <ac:spMkLst>
-            <pc:docMk/>
-            <pc:sldMk cId="1178350440" sldId="410"/>
-            <ac:spMk id="3" creationId="{A2C1AD02-2B23-3037-9908-FF09B3499297}"/>
-          </ac:spMkLst>
-        </pc:spChg>
-        <pc:spChg chg="del mod">
-          <ac:chgData name="Matthieu De Mari" userId="dfb708c9-d8dc-439f-9a3b-c772bf4a311c" providerId="ADAL" clId="{D2FDBEB2-E663-41FC-8A3C-AC79657DF6AB}" dt="2023-02-03T06:29:11.798" v="1633" actId="478"/>
-          <ac:spMkLst>
-            <pc:docMk/>
-            <pc:sldMk cId="1178350440" sldId="410"/>
-            <ac:spMk id="4" creationId="{6F2769B1-E04C-7731-027E-A37C8AAEBCC0}"/>
-          </ac:spMkLst>
-        </pc:spChg>
-        <pc:spChg chg="add del mod">
-          <ac:chgData name="Matthieu De Mari" userId="dfb708c9-d8dc-439f-9a3b-c772bf4a311c" providerId="ADAL" clId="{D2FDBEB2-E663-41FC-8A3C-AC79657DF6AB}" dt="2023-02-03T06:29:14.905" v="1635" actId="478"/>
-          <ac:spMkLst>
-            <pc:docMk/>
-            <pc:sldMk cId="1178350440" sldId="410"/>
-            <ac:spMk id="7" creationId="{53F5514B-170E-F61A-E21B-B5208500309F}"/>
-          </ac:spMkLst>
-        </pc:spChg>
-        <pc:spChg chg="add mod ord">
-          <ac:chgData name="Matthieu De Mari" userId="dfb708c9-d8dc-439f-9a3b-c772bf4a311c" providerId="ADAL" clId="{D2FDBEB2-E663-41FC-8A3C-AC79657DF6AB}" dt="2023-02-03T06:29:28.688" v="1645" actId="14100"/>
-          <ac:spMkLst>
-            <pc:docMk/>
-            <pc:sldMk cId="1178350440" sldId="410"/>
-            <ac:spMk id="8" creationId="{E77BD23E-F56C-1A2A-8041-A46EFC48D255}"/>
-          </ac:spMkLst>
-        </pc:spChg>
-        <pc:picChg chg="del">
-          <ac:chgData name="Matthieu De Mari" userId="dfb708c9-d8dc-439f-9a3b-c772bf4a311c" providerId="ADAL" clId="{D2FDBEB2-E663-41FC-8A3C-AC79657DF6AB}" dt="2023-02-03T06:29:13.689" v="1634" actId="478"/>
-          <ac:picMkLst>
-            <pc:docMk/>
-            <pc:sldMk cId="1178350440" sldId="410"/>
-            <ac:picMk id="6" creationId="{8D74613D-DF48-BF6C-AB43-CCE9EB512E84}"/>
-          </ac:picMkLst>
-        </pc:picChg>
-        <pc:picChg chg="add mod">
-          <ac:chgData name="Matthieu De Mari" userId="dfb708c9-d8dc-439f-9a3b-c772bf4a311c" providerId="ADAL" clId="{D2FDBEB2-E663-41FC-8A3C-AC79657DF6AB}" dt="2023-02-03T06:29:45.592" v="1649" actId="1076"/>
-          <ac:picMkLst>
-            <pc:docMk/>
-            <pc:sldMk cId="1178350440" sldId="410"/>
-            <ac:picMk id="10" creationId="{C608F0D5-1AC9-5C59-E1F6-A4F9915E4462}"/>
-          </ac:picMkLst>
-        </pc:picChg>
       </pc:sldChg>
       <pc:sldChg chg="addSp delSp modSp add mod">
         <pc:chgData name="Matthieu De Mari" userId="dfb708c9-d8dc-439f-9a3b-c772bf4a311c" providerId="ADAL" clId="{D2FDBEB2-E663-41FC-8A3C-AC79657DF6AB}" dt="2023-02-03T06:30:43.564" v="1656" actId="1076"/>
@@ -1601,22 +617,6 @@
           <pc:docMk/>
           <pc:sldMk cId="2149409242" sldId="411"/>
         </pc:sldMkLst>
-        <pc:picChg chg="add mod">
-          <ac:chgData name="Matthieu De Mari" userId="dfb708c9-d8dc-439f-9a3b-c772bf4a311c" providerId="ADAL" clId="{D2FDBEB2-E663-41FC-8A3C-AC79657DF6AB}" dt="2023-02-03T06:30:43.564" v="1656" actId="1076"/>
-          <ac:picMkLst>
-            <pc:docMk/>
-            <pc:sldMk cId="2149409242" sldId="411"/>
-            <ac:picMk id="5" creationId="{C7C2A4C7-E8B8-6EB6-8E8D-628C46CE1128}"/>
-          </ac:picMkLst>
-        </pc:picChg>
-        <pc:picChg chg="del">
-          <ac:chgData name="Matthieu De Mari" userId="dfb708c9-d8dc-439f-9a3b-c772bf4a311c" providerId="ADAL" clId="{D2FDBEB2-E663-41FC-8A3C-AC79657DF6AB}" dt="2023-02-03T06:30:36.125" v="1651" actId="478"/>
-          <ac:picMkLst>
-            <pc:docMk/>
-            <pc:sldMk cId="2149409242" sldId="411"/>
-            <ac:picMk id="10" creationId="{C608F0D5-1AC9-5C59-E1F6-A4F9915E4462}"/>
-          </ac:picMkLst>
-        </pc:picChg>
       </pc:sldChg>
       <pc:sldChg chg="addSp delSp modSp new mod modClrScheme chgLayout">
         <pc:chgData name="Matthieu De Mari" userId="dfb708c9-d8dc-439f-9a3b-c772bf4a311c" providerId="ADAL" clId="{D2FDBEB2-E663-41FC-8A3C-AC79657DF6AB}" dt="2023-02-03T06:32:52.063" v="1839" actId="1076"/>
@@ -1624,54 +624,6 @@
           <pc:docMk/>
           <pc:sldMk cId="1857929555" sldId="412"/>
         </pc:sldMkLst>
-        <pc:spChg chg="mod ord">
-          <ac:chgData name="Matthieu De Mari" userId="dfb708c9-d8dc-439f-9a3b-c772bf4a311c" providerId="ADAL" clId="{D2FDBEB2-E663-41FC-8A3C-AC79657DF6AB}" dt="2023-02-03T06:31:09.278" v="1694" actId="700"/>
-          <ac:spMkLst>
-            <pc:docMk/>
-            <pc:sldMk cId="1857929555" sldId="412"/>
-            <ac:spMk id="2" creationId="{99E8E432-407E-8907-4328-C2E9EDFC3166}"/>
-          </ac:spMkLst>
-        </pc:spChg>
-        <pc:spChg chg="del mod ord">
-          <ac:chgData name="Matthieu De Mari" userId="dfb708c9-d8dc-439f-9a3b-c772bf4a311c" providerId="ADAL" clId="{D2FDBEB2-E663-41FC-8A3C-AC79657DF6AB}" dt="2023-02-03T06:31:09.278" v="1694" actId="700"/>
-          <ac:spMkLst>
-            <pc:docMk/>
-            <pc:sldMk cId="1857929555" sldId="412"/>
-            <ac:spMk id="3" creationId="{DCE93DEF-D823-A16A-13C0-DA7DA936A773}"/>
-          </ac:spMkLst>
-        </pc:spChg>
-        <pc:spChg chg="del">
-          <ac:chgData name="Matthieu De Mari" userId="dfb708c9-d8dc-439f-9a3b-c772bf4a311c" providerId="ADAL" clId="{D2FDBEB2-E663-41FC-8A3C-AC79657DF6AB}" dt="2023-02-03T06:31:09.278" v="1694" actId="700"/>
-          <ac:spMkLst>
-            <pc:docMk/>
-            <pc:sldMk cId="1857929555" sldId="412"/>
-            <ac:spMk id="4" creationId="{A8F2F000-8414-6A36-4A69-6166C0867D69}"/>
-          </ac:spMkLst>
-        </pc:spChg>
-        <pc:spChg chg="add mod ord">
-          <ac:chgData name="Matthieu De Mari" userId="dfb708c9-d8dc-439f-9a3b-c772bf4a311c" providerId="ADAL" clId="{D2FDBEB2-E663-41FC-8A3C-AC79657DF6AB}" dt="2023-02-03T06:32:09.913" v="1830" actId="113"/>
-          <ac:spMkLst>
-            <pc:docMk/>
-            <pc:sldMk cId="1857929555" sldId="412"/>
-            <ac:spMk id="5" creationId="{4BC25369-B12F-4AC1-0A2A-B7362924B819}"/>
-          </ac:spMkLst>
-        </pc:spChg>
-        <pc:picChg chg="add del mod">
-          <ac:chgData name="Matthieu De Mari" userId="dfb708c9-d8dc-439f-9a3b-c772bf4a311c" providerId="ADAL" clId="{D2FDBEB2-E663-41FC-8A3C-AC79657DF6AB}" dt="2023-02-03T06:32:50.322" v="1838" actId="478"/>
-          <ac:picMkLst>
-            <pc:docMk/>
-            <pc:sldMk cId="1857929555" sldId="412"/>
-            <ac:picMk id="7" creationId="{8A2A851B-519D-6246-1325-49AE148D423B}"/>
-          </ac:picMkLst>
-        </pc:picChg>
-        <pc:picChg chg="add mod modCrop">
-          <ac:chgData name="Matthieu De Mari" userId="dfb708c9-d8dc-439f-9a3b-c772bf4a311c" providerId="ADAL" clId="{D2FDBEB2-E663-41FC-8A3C-AC79657DF6AB}" dt="2023-02-03T06:32:52.063" v="1839" actId="1076"/>
-          <ac:picMkLst>
-            <pc:docMk/>
-            <pc:sldMk cId="1857929555" sldId="412"/>
-            <ac:picMk id="9" creationId="{80A4B957-7E20-0025-8F44-1A1D4A3195B1}"/>
-          </ac:picMkLst>
-        </pc:picChg>
       </pc:sldChg>
       <pc:sldChg chg="delSp modSp add mod">
         <pc:chgData name="Matthieu De Mari" userId="dfb708c9-d8dc-439f-9a3b-c772bf4a311c" providerId="ADAL" clId="{D2FDBEB2-E663-41FC-8A3C-AC79657DF6AB}" dt="2023-02-03T06:32:48.411" v="1837" actId="1076"/>
@@ -1679,30 +631,6 @@
           <pc:docMk/>
           <pc:sldMk cId="3179138343" sldId="413"/>
         </pc:sldMkLst>
-        <pc:spChg chg="mod">
-          <ac:chgData name="Matthieu De Mari" userId="dfb708c9-d8dc-439f-9a3b-c772bf4a311c" providerId="ADAL" clId="{D2FDBEB2-E663-41FC-8A3C-AC79657DF6AB}" dt="2023-02-03T06:32:40.694" v="1835" actId="20577"/>
-          <ac:spMkLst>
-            <pc:docMk/>
-            <pc:sldMk cId="3179138343" sldId="413"/>
-            <ac:spMk id="5" creationId="{4BC25369-B12F-4AC1-0A2A-B7362924B819}"/>
-          </ac:spMkLst>
-        </pc:spChg>
-        <pc:picChg chg="mod">
-          <ac:chgData name="Matthieu De Mari" userId="dfb708c9-d8dc-439f-9a3b-c772bf4a311c" providerId="ADAL" clId="{D2FDBEB2-E663-41FC-8A3C-AC79657DF6AB}" dt="2023-02-03T06:32:48.411" v="1837" actId="1076"/>
-          <ac:picMkLst>
-            <pc:docMk/>
-            <pc:sldMk cId="3179138343" sldId="413"/>
-            <ac:picMk id="7" creationId="{8A2A851B-519D-6246-1325-49AE148D423B}"/>
-          </ac:picMkLst>
-        </pc:picChg>
-        <pc:picChg chg="del">
-          <ac:chgData name="Matthieu De Mari" userId="dfb708c9-d8dc-439f-9a3b-c772bf4a311c" providerId="ADAL" clId="{D2FDBEB2-E663-41FC-8A3C-AC79657DF6AB}" dt="2023-02-03T06:32:41.388" v="1836" actId="478"/>
-          <ac:picMkLst>
-            <pc:docMk/>
-            <pc:sldMk cId="3179138343" sldId="413"/>
-            <ac:picMk id="9" creationId="{80A4B957-7E20-0025-8F44-1A1D4A3195B1}"/>
-          </ac:picMkLst>
-        </pc:picChg>
       </pc:sldChg>
       <pc:sldChg chg="addSp delSp modSp new mod ord modClrScheme chgLayout">
         <pc:chgData name="Matthieu De Mari" userId="dfb708c9-d8dc-439f-9a3b-c772bf4a311c" providerId="ADAL" clId="{D2FDBEB2-E663-41FC-8A3C-AC79657DF6AB}" dt="2023-02-03T06:35:33.161" v="1926" actId="207"/>
@@ -1710,54 +638,6 @@
           <pc:docMk/>
           <pc:sldMk cId="1324969895" sldId="414"/>
         </pc:sldMkLst>
-        <pc:spChg chg="del mod ord">
-          <ac:chgData name="Matthieu De Mari" userId="dfb708c9-d8dc-439f-9a3b-c772bf4a311c" providerId="ADAL" clId="{D2FDBEB2-E663-41FC-8A3C-AC79657DF6AB}" dt="2023-02-03T06:33:11.620" v="1841" actId="700"/>
-          <ac:spMkLst>
-            <pc:docMk/>
-            <pc:sldMk cId="1324969895" sldId="414"/>
-            <ac:spMk id="2" creationId="{C9AED7BB-3BC0-54A9-0717-DE80AF55F38C}"/>
-          </ac:spMkLst>
-        </pc:spChg>
-        <pc:spChg chg="del mod ord">
-          <ac:chgData name="Matthieu De Mari" userId="dfb708c9-d8dc-439f-9a3b-c772bf4a311c" providerId="ADAL" clId="{D2FDBEB2-E663-41FC-8A3C-AC79657DF6AB}" dt="2023-02-03T06:33:11.620" v="1841" actId="700"/>
-          <ac:spMkLst>
-            <pc:docMk/>
-            <pc:sldMk cId="1324969895" sldId="414"/>
-            <ac:spMk id="3" creationId="{ECB73B5E-BC47-D9FF-87B7-F7CC37D611BF}"/>
-          </ac:spMkLst>
-        </pc:spChg>
-        <pc:spChg chg="add mod ord">
-          <ac:chgData name="Matthieu De Mari" userId="dfb708c9-d8dc-439f-9a3b-c772bf4a311c" providerId="ADAL" clId="{D2FDBEB2-E663-41FC-8A3C-AC79657DF6AB}" dt="2023-02-03T06:35:10.497" v="1910" actId="20577"/>
-          <ac:spMkLst>
-            <pc:docMk/>
-            <pc:sldMk cId="1324969895" sldId="414"/>
-            <ac:spMk id="4" creationId="{705EEE8A-9864-C894-ADC1-D56F795F9E62}"/>
-          </ac:spMkLst>
-        </pc:spChg>
-        <pc:spChg chg="add mod ord">
-          <ac:chgData name="Matthieu De Mari" userId="dfb708c9-d8dc-439f-9a3b-c772bf4a311c" providerId="ADAL" clId="{D2FDBEB2-E663-41FC-8A3C-AC79657DF6AB}" dt="2023-02-03T06:35:33.161" v="1926" actId="207"/>
-          <ac:spMkLst>
-            <pc:docMk/>
-            <pc:sldMk cId="1324969895" sldId="414"/>
-            <ac:spMk id="5" creationId="{60D93335-8A92-D60B-8902-7A5CD0AD4E90}"/>
-          </ac:spMkLst>
-        </pc:spChg>
-        <pc:spChg chg="add del mod ord">
-          <ac:chgData name="Matthieu De Mari" userId="dfb708c9-d8dc-439f-9a3b-c772bf4a311c" providerId="ADAL" clId="{D2FDBEB2-E663-41FC-8A3C-AC79657DF6AB}" dt="2023-02-03T06:33:32.715" v="1843" actId="478"/>
-          <ac:spMkLst>
-            <pc:docMk/>
-            <pc:sldMk cId="1324969895" sldId="414"/>
-            <ac:spMk id="6" creationId="{A74000C4-8422-A27D-8C3D-416CF00DB4AB}"/>
-          </ac:spMkLst>
-        </pc:spChg>
-        <pc:picChg chg="add mod">
-          <ac:chgData name="Matthieu De Mari" userId="dfb708c9-d8dc-439f-9a3b-c772bf4a311c" providerId="ADAL" clId="{D2FDBEB2-E663-41FC-8A3C-AC79657DF6AB}" dt="2023-02-03T06:33:46.761" v="1882" actId="1076"/>
-          <ac:picMkLst>
-            <pc:docMk/>
-            <pc:sldMk cId="1324969895" sldId="414"/>
-            <ac:picMk id="8" creationId="{E8F9878A-DE25-3093-AE99-5BACE4EEE502}"/>
-          </ac:picMkLst>
-        </pc:picChg>
       </pc:sldChg>
       <pc:sldChg chg="addSp delSp modSp add mod">
         <pc:chgData name="Matthieu De Mari" userId="dfb708c9-d8dc-439f-9a3b-c772bf4a311c" providerId="ADAL" clId="{D2FDBEB2-E663-41FC-8A3C-AC79657DF6AB}" dt="2023-02-03T06:35:36.345" v="1927" actId="207"/>
@@ -1765,38 +645,6 @@
           <pc:docMk/>
           <pc:sldMk cId="481166971" sldId="415"/>
         </pc:sldMkLst>
-        <pc:spChg chg="mod">
-          <ac:chgData name="Matthieu De Mari" userId="dfb708c9-d8dc-439f-9a3b-c772bf4a311c" providerId="ADAL" clId="{D2FDBEB2-E663-41FC-8A3C-AC79657DF6AB}" dt="2023-02-03T06:35:12.478" v="1912" actId="20577"/>
-          <ac:spMkLst>
-            <pc:docMk/>
-            <pc:sldMk cId="481166971" sldId="415"/>
-            <ac:spMk id="4" creationId="{705EEE8A-9864-C894-ADC1-D56F795F9E62}"/>
-          </ac:spMkLst>
-        </pc:spChg>
-        <pc:spChg chg="mod">
-          <ac:chgData name="Matthieu De Mari" userId="dfb708c9-d8dc-439f-9a3b-c772bf4a311c" providerId="ADAL" clId="{D2FDBEB2-E663-41FC-8A3C-AC79657DF6AB}" dt="2023-02-03T06:35:36.345" v="1927" actId="207"/>
-          <ac:spMkLst>
-            <pc:docMk/>
-            <pc:sldMk cId="481166971" sldId="415"/>
-            <ac:spMk id="5" creationId="{60D93335-8A92-D60B-8902-7A5CD0AD4E90}"/>
-          </ac:spMkLst>
-        </pc:spChg>
-        <pc:picChg chg="add mod">
-          <ac:chgData name="Matthieu De Mari" userId="dfb708c9-d8dc-439f-9a3b-c772bf4a311c" providerId="ADAL" clId="{D2FDBEB2-E663-41FC-8A3C-AC79657DF6AB}" dt="2023-02-03T06:35:22.311" v="1919" actId="1076"/>
-          <ac:picMkLst>
-            <pc:docMk/>
-            <pc:sldMk cId="481166971" sldId="415"/>
-            <ac:picMk id="3" creationId="{E82D5729-698A-A7DC-C629-2FC57EFE14AD}"/>
-          </ac:picMkLst>
-        </pc:picChg>
-        <pc:picChg chg="del">
-          <ac:chgData name="Matthieu De Mari" userId="dfb708c9-d8dc-439f-9a3b-c772bf4a311c" providerId="ADAL" clId="{D2FDBEB2-E663-41FC-8A3C-AC79657DF6AB}" dt="2023-02-03T06:35:18.287" v="1917" actId="478"/>
-          <ac:picMkLst>
-            <pc:docMk/>
-            <pc:sldMk cId="481166971" sldId="415"/>
-            <ac:picMk id="8" creationId="{E8F9878A-DE25-3093-AE99-5BACE4EEE502}"/>
-          </ac:picMkLst>
-        </pc:picChg>
       </pc:sldChg>
       <pc:sldChg chg="addSp delSp modSp add mod">
         <pc:chgData name="Matthieu De Mari" userId="dfb708c9-d8dc-439f-9a3b-c772bf4a311c" providerId="ADAL" clId="{D2FDBEB2-E663-41FC-8A3C-AC79657DF6AB}" dt="2023-02-03T06:35:57.022" v="1933" actId="14100"/>
@@ -1804,38 +652,6 @@
           <pc:docMk/>
           <pc:sldMk cId="4050702309" sldId="416"/>
         </pc:sldMkLst>
-        <pc:spChg chg="mod">
-          <ac:chgData name="Matthieu De Mari" userId="dfb708c9-d8dc-439f-9a3b-c772bf4a311c" providerId="ADAL" clId="{D2FDBEB2-E663-41FC-8A3C-AC79657DF6AB}" dt="2023-02-03T06:35:14.457" v="1914" actId="20577"/>
-          <ac:spMkLst>
-            <pc:docMk/>
-            <pc:sldMk cId="4050702309" sldId="416"/>
-            <ac:spMk id="4" creationId="{705EEE8A-9864-C894-ADC1-D56F795F9E62}"/>
-          </ac:spMkLst>
-        </pc:spChg>
-        <pc:spChg chg="mod">
-          <ac:chgData name="Matthieu De Mari" userId="dfb708c9-d8dc-439f-9a3b-c772bf4a311c" providerId="ADAL" clId="{D2FDBEB2-E663-41FC-8A3C-AC79657DF6AB}" dt="2023-02-03T06:35:39.886" v="1928" actId="207"/>
-          <ac:spMkLst>
-            <pc:docMk/>
-            <pc:sldMk cId="4050702309" sldId="416"/>
-            <ac:spMk id="5" creationId="{60D93335-8A92-D60B-8902-7A5CD0AD4E90}"/>
-          </ac:spMkLst>
-        </pc:spChg>
-        <pc:picChg chg="add mod">
-          <ac:chgData name="Matthieu De Mari" userId="dfb708c9-d8dc-439f-9a3b-c772bf4a311c" providerId="ADAL" clId="{D2FDBEB2-E663-41FC-8A3C-AC79657DF6AB}" dt="2023-02-03T06:35:57.022" v="1933" actId="14100"/>
-          <ac:picMkLst>
-            <pc:docMk/>
-            <pc:sldMk cId="4050702309" sldId="416"/>
-            <ac:picMk id="3" creationId="{08F2A61E-8AF7-2870-14E3-5A5BC11E7310}"/>
-          </ac:picMkLst>
-        </pc:picChg>
-        <pc:picChg chg="del">
-          <ac:chgData name="Matthieu De Mari" userId="dfb708c9-d8dc-439f-9a3b-c772bf4a311c" providerId="ADAL" clId="{D2FDBEB2-E663-41FC-8A3C-AC79657DF6AB}" dt="2023-02-03T06:35:41.294" v="1929" actId="478"/>
-          <ac:picMkLst>
-            <pc:docMk/>
-            <pc:sldMk cId="4050702309" sldId="416"/>
-            <ac:picMk id="8" creationId="{E8F9878A-DE25-3093-AE99-5BACE4EEE502}"/>
-          </ac:picMkLst>
-        </pc:picChg>
       </pc:sldChg>
       <pc:sldChg chg="addSp delSp modSp add mod">
         <pc:chgData name="Matthieu De Mari" userId="dfb708c9-d8dc-439f-9a3b-c772bf4a311c" providerId="ADAL" clId="{D2FDBEB2-E663-41FC-8A3C-AC79657DF6AB}" dt="2023-02-03T06:36:16.380" v="1937" actId="1076"/>
@@ -1843,30 +659,6 @@
           <pc:docMk/>
           <pc:sldMk cId="4249457938" sldId="417"/>
         </pc:sldMkLst>
-        <pc:spChg chg="mod">
-          <ac:chgData name="Matthieu De Mari" userId="dfb708c9-d8dc-439f-9a3b-c772bf4a311c" providerId="ADAL" clId="{D2FDBEB2-E663-41FC-8A3C-AC79657DF6AB}" dt="2023-02-03T06:35:16.348" v="1916" actId="20577"/>
-          <ac:spMkLst>
-            <pc:docMk/>
-            <pc:sldMk cId="4249457938" sldId="417"/>
-            <ac:spMk id="4" creationId="{705EEE8A-9864-C894-ADC1-D56F795F9E62}"/>
-          </ac:spMkLst>
-        </pc:spChg>
-        <pc:picChg chg="add mod">
-          <ac:chgData name="Matthieu De Mari" userId="dfb708c9-d8dc-439f-9a3b-c772bf4a311c" providerId="ADAL" clId="{D2FDBEB2-E663-41FC-8A3C-AC79657DF6AB}" dt="2023-02-03T06:36:16.380" v="1937" actId="1076"/>
-          <ac:picMkLst>
-            <pc:docMk/>
-            <pc:sldMk cId="4249457938" sldId="417"/>
-            <ac:picMk id="3" creationId="{C64189C2-2B91-CB7B-E738-0ED6B5D213A3}"/>
-          </ac:picMkLst>
-        </pc:picChg>
-        <pc:picChg chg="del">
-          <ac:chgData name="Matthieu De Mari" userId="dfb708c9-d8dc-439f-9a3b-c772bf4a311c" providerId="ADAL" clId="{D2FDBEB2-E663-41FC-8A3C-AC79657DF6AB}" dt="2023-02-03T06:35:42.200" v="1930" actId="478"/>
-          <ac:picMkLst>
-            <pc:docMk/>
-            <pc:sldMk cId="4249457938" sldId="417"/>
-            <ac:picMk id="8" creationId="{E8F9878A-DE25-3093-AE99-5BACE4EEE502}"/>
-          </ac:picMkLst>
-        </pc:picChg>
       </pc:sldChg>
       <pc:sldChg chg="addSp delSp modSp add mod">
         <pc:chgData name="Matthieu De Mari" userId="dfb708c9-d8dc-439f-9a3b-c772bf4a311c" providerId="ADAL" clId="{D2FDBEB2-E663-41FC-8A3C-AC79657DF6AB}" dt="2023-02-03T06:40:11.228" v="2148" actId="1076"/>
@@ -1874,30 +666,6 @@
           <pc:docMk/>
           <pc:sldMk cId="3310153579" sldId="418"/>
         </pc:sldMkLst>
-        <pc:spChg chg="mod">
-          <ac:chgData name="Matthieu De Mari" userId="dfb708c9-d8dc-439f-9a3b-c772bf4a311c" providerId="ADAL" clId="{D2FDBEB2-E663-41FC-8A3C-AC79657DF6AB}" dt="2023-02-03T06:39:44.479" v="2140" actId="207"/>
-          <ac:spMkLst>
-            <pc:docMk/>
-            <pc:sldMk cId="3310153579" sldId="418"/>
-            <ac:spMk id="4" creationId="{11F8287B-68F9-6307-9899-F1C2672A4FC6}"/>
-          </ac:spMkLst>
-        </pc:spChg>
-        <pc:picChg chg="add mod">
-          <ac:chgData name="Matthieu De Mari" userId="dfb708c9-d8dc-439f-9a3b-c772bf4a311c" providerId="ADAL" clId="{D2FDBEB2-E663-41FC-8A3C-AC79657DF6AB}" dt="2023-02-03T06:40:11.228" v="2148" actId="1076"/>
-          <ac:picMkLst>
-            <pc:docMk/>
-            <pc:sldMk cId="3310153579" sldId="418"/>
-            <ac:picMk id="5" creationId="{A99F3982-AD07-F3C7-01A6-EB93F8940636}"/>
-          </ac:picMkLst>
-        </pc:picChg>
-        <pc:picChg chg="del">
-          <ac:chgData name="Matthieu De Mari" userId="dfb708c9-d8dc-439f-9a3b-c772bf4a311c" providerId="ADAL" clId="{D2FDBEB2-E663-41FC-8A3C-AC79657DF6AB}" dt="2023-02-03T06:39:53.768" v="2144" actId="478"/>
-          <ac:picMkLst>
-            <pc:docMk/>
-            <pc:sldMk cId="3310153579" sldId="418"/>
-            <ac:picMk id="9" creationId="{56F683A9-058D-AF33-0AA8-27120C94D3E3}"/>
-          </ac:picMkLst>
-        </pc:picChg>
       </pc:sldChg>
       <pc:sldChg chg="addSp delSp modSp add mod">
         <pc:chgData name="Matthieu De Mari" userId="dfb708c9-d8dc-439f-9a3b-c772bf4a311c" providerId="ADAL" clId="{D2FDBEB2-E663-41FC-8A3C-AC79657DF6AB}" dt="2023-02-03T06:40:35.066" v="2150" actId="1076"/>
@@ -1905,30 +673,6 @@
           <pc:docMk/>
           <pc:sldMk cId="1163891923" sldId="419"/>
         </pc:sldMkLst>
-        <pc:spChg chg="mod">
-          <ac:chgData name="Matthieu De Mari" userId="dfb708c9-d8dc-439f-9a3b-c772bf4a311c" providerId="ADAL" clId="{D2FDBEB2-E663-41FC-8A3C-AC79657DF6AB}" dt="2023-02-03T06:39:47.649" v="2141" actId="207"/>
-          <ac:spMkLst>
-            <pc:docMk/>
-            <pc:sldMk cId="1163891923" sldId="419"/>
-            <ac:spMk id="4" creationId="{11F8287B-68F9-6307-9899-F1C2672A4FC6}"/>
-          </ac:spMkLst>
-        </pc:spChg>
-        <pc:picChg chg="add mod">
-          <ac:chgData name="Matthieu De Mari" userId="dfb708c9-d8dc-439f-9a3b-c772bf4a311c" providerId="ADAL" clId="{D2FDBEB2-E663-41FC-8A3C-AC79657DF6AB}" dt="2023-02-03T06:40:35.066" v="2150" actId="1076"/>
-          <ac:picMkLst>
-            <pc:docMk/>
-            <pc:sldMk cId="1163891923" sldId="419"/>
-            <ac:picMk id="5" creationId="{82DC9D72-D860-714E-4315-84A729841977}"/>
-          </ac:picMkLst>
-        </pc:picChg>
-        <pc:picChg chg="del">
-          <ac:chgData name="Matthieu De Mari" userId="dfb708c9-d8dc-439f-9a3b-c772bf4a311c" providerId="ADAL" clId="{D2FDBEB2-E663-41FC-8A3C-AC79657DF6AB}" dt="2023-02-03T06:39:51.254" v="2143" actId="478"/>
-          <ac:picMkLst>
-            <pc:docMk/>
-            <pc:sldMk cId="1163891923" sldId="419"/>
-            <ac:picMk id="9" creationId="{56F683A9-058D-AF33-0AA8-27120C94D3E3}"/>
-          </ac:picMkLst>
-        </pc:picChg>
       </pc:sldChg>
       <pc:sldChg chg="addSp delSp modSp add mod">
         <pc:chgData name="Matthieu De Mari" userId="dfb708c9-d8dc-439f-9a3b-c772bf4a311c" providerId="ADAL" clId="{D2FDBEB2-E663-41FC-8A3C-AC79657DF6AB}" dt="2023-02-03T06:42:16.251" v="2202" actId="1037"/>
@@ -1936,38 +680,6 @@
           <pc:docMk/>
           <pc:sldMk cId="1773283043" sldId="420"/>
         </pc:sldMkLst>
-        <pc:picChg chg="add mod">
-          <ac:chgData name="Matthieu De Mari" userId="dfb708c9-d8dc-439f-9a3b-c772bf4a311c" providerId="ADAL" clId="{D2FDBEB2-E663-41FC-8A3C-AC79657DF6AB}" dt="2023-02-03T06:42:16.251" v="2202" actId="1037"/>
-          <ac:picMkLst>
-            <pc:docMk/>
-            <pc:sldMk cId="1773283043" sldId="420"/>
-            <ac:picMk id="5" creationId="{BF3A71BB-E43D-61AE-122C-4A8C0D315FD0}"/>
-          </ac:picMkLst>
-        </pc:picChg>
-        <pc:picChg chg="add mod">
-          <ac:chgData name="Matthieu De Mari" userId="dfb708c9-d8dc-439f-9a3b-c772bf4a311c" providerId="ADAL" clId="{D2FDBEB2-E663-41FC-8A3C-AC79657DF6AB}" dt="2023-02-03T06:42:12.825" v="2188" actId="1038"/>
-          <ac:picMkLst>
-            <pc:docMk/>
-            <pc:sldMk cId="1773283043" sldId="420"/>
-            <ac:picMk id="7" creationId="{5F383FA4-4E5E-B38F-E7AB-7A2F11CE2D51}"/>
-          </ac:picMkLst>
-        </pc:picChg>
-        <pc:picChg chg="del">
-          <ac:chgData name="Matthieu De Mari" userId="dfb708c9-d8dc-439f-9a3b-c772bf4a311c" providerId="ADAL" clId="{D2FDBEB2-E663-41FC-8A3C-AC79657DF6AB}" dt="2023-02-03T06:39:50.236" v="2142" actId="478"/>
-          <ac:picMkLst>
-            <pc:docMk/>
-            <pc:sldMk cId="1773283043" sldId="420"/>
-            <ac:picMk id="9" creationId="{56F683A9-058D-AF33-0AA8-27120C94D3E3}"/>
-          </ac:picMkLst>
-        </pc:picChg>
-        <pc:picChg chg="mod">
-          <ac:chgData name="Matthieu De Mari" userId="dfb708c9-d8dc-439f-9a3b-c772bf4a311c" providerId="ADAL" clId="{D2FDBEB2-E663-41FC-8A3C-AC79657DF6AB}" dt="2023-02-03T06:41:45.173" v="2157" actId="1076"/>
-          <ac:picMkLst>
-            <pc:docMk/>
-            <pc:sldMk cId="1773283043" sldId="420"/>
-            <ac:picMk id="11" creationId="{546EFE0C-C1D6-FB5D-CFDC-E9D49F2BEFDE}"/>
-          </ac:picMkLst>
-        </pc:picChg>
       </pc:sldChg>
       <pc:sldChg chg="addSp delSp modSp add mod">
         <pc:chgData name="Matthieu De Mari" userId="dfb708c9-d8dc-439f-9a3b-c772bf4a311c" providerId="ADAL" clId="{D2FDBEB2-E663-41FC-8A3C-AC79657DF6AB}" dt="2023-02-03T06:44:22.777" v="2273" actId="1076"/>
@@ -1975,46 +687,6 @@
           <pc:docMk/>
           <pc:sldMk cId="346749718" sldId="421"/>
         </pc:sldMkLst>
-        <pc:spChg chg="del">
-          <ac:chgData name="Matthieu De Mari" userId="dfb708c9-d8dc-439f-9a3b-c772bf4a311c" providerId="ADAL" clId="{D2FDBEB2-E663-41FC-8A3C-AC79657DF6AB}" dt="2023-02-03T06:43:51.987" v="2262" actId="478"/>
-          <ac:spMkLst>
-            <pc:docMk/>
-            <pc:sldMk cId="346749718" sldId="421"/>
-            <ac:spMk id="3" creationId="{EB875A09-F649-0453-782D-77AD08503234}"/>
-          </ac:spMkLst>
-        </pc:spChg>
-        <pc:spChg chg="del">
-          <ac:chgData name="Matthieu De Mari" userId="dfb708c9-d8dc-439f-9a3b-c772bf4a311c" providerId="ADAL" clId="{D2FDBEB2-E663-41FC-8A3C-AC79657DF6AB}" dt="2023-02-03T06:43:53.560" v="2264" actId="478"/>
-          <ac:spMkLst>
-            <pc:docMk/>
-            <pc:sldMk cId="346749718" sldId="421"/>
-            <ac:spMk id="4" creationId="{953DB814-D545-5828-A2A0-FEEF73BDC2D8}"/>
-          </ac:spMkLst>
-        </pc:spChg>
-        <pc:spChg chg="add del mod">
-          <ac:chgData name="Matthieu De Mari" userId="dfb708c9-d8dc-439f-9a3b-c772bf4a311c" providerId="ADAL" clId="{D2FDBEB2-E663-41FC-8A3C-AC79657DF6AB}" dt="2023-02-03T06:43:52.681" v="2263" actId="478"/>
-          <ac:spMkLst>
-            <pc:docMk/>
-            <pc:sldMk cId="346749718" sldId="421"/>
-            <ac:spMk id="6" creationId="{A36F33AF-80AD-8574-F6A2-C210FA7D75E7}"/>
-          </ac:spMkLst>
-        </pc:spChg>
-        <pc:spChg chg="add del mod">
-          <ac:chgData name="Matthieu De Mari" userId="dfb708c9-d8dc-439f-9a3b-c772bf4a311c" providerId="ADAL" clId="{D2FDBEB2-E663-41FC-8A3C-AC79657DF6AB}" dt="2023-02-03T06:43:55.651" v="2265" actId="478"/>
-          <ac:spMkLst>
-            <pc:docMk/>
-            <pc:sldMk cId="346749718" sldId="421"/>
-            <ac:spMk id="8" creationId="{F338E3D4-9F00-A3E7-BFEB-F88E4B017685}"/>
-          </ac:spMkLst>
-        </pc:spChg>
-        <pc:picChg chg="add mod">
-          <ac:chgData name="Matthieu De Mari" userId="dfb708c9-d8dc-439f-9a3b-c772bf4a311c" providerId="ADAL" clId="{D2FDBEB2-E663-41FC-8A3C-AC79657DF6AB}" dt="2023-02-03T06:44:22.777" v="2273" actId="1076"/>
-          <ac:picMkLst>
-            <pc:docMk/>
-            <pc:sldMk cId="346749718" sldId="421"/>
-            <ac:picMk id="10" creationId="{B0491ECF-EDBF-3CF4-5952-E94FBAFD0638}"/>
-          </ac:picMkLst>
-        </pc:picChg>
       </pc:sldChg>
       <pc:sldChg chg="addSp delSp modSp add mod">
         <pc:chgData name="Matthieu De Mari" userId="dfb708c9-d8dc-439f-9a3b-c772bf4a311c" providerId="ADAL" clId="{D2FDBEB2-E663-41FC-8A3C-AC79657DF6AB}" dt="2023-02-03T06:44:28.223" v="2274" actId="1076"/>
@@ -2022,22 +694,6 @@
           <pc:docMk/>
           <pc:sldMk cId="2747530419" sldId="422"/>
         </pc:sldMkLst>
-        <pc:picChg chg="add mod">
-          <ac:chgData name="Matthieu De Mari" userId="dfb708c9-d8dc-439f-9a3b-c772bf4a311c" providerId="ADAL" clId="{D2FDBEB2-E663-41FC-8A3C-AC79657DF6AB}" dt="2023-02-03T06:44:28.223" v="2274" actId="1076"/>
-          <ac:picMkLst>
-            <pc:docMk/>
-            <pc:sldMk cId="2747530419" sldId="422"/>
-            <ac:picMk id="4" creationId="{FB2C1911-B846-8662-232B-3361BF75D4FD}"/>
-          </ac:picMkLst>
-        </pc:picChg>
-        <pc:picChg chg="del">
-          <ac:chgData name="Matthieu De Mari" userId="dfb708c9-d8dc-439f-9a3b-c772bf4a311c" providerId="ADAL" clId="{D2FDBEB2-E663-41FC-8A3C-AC79657DF6AB}" dt="2023-02-03T06:44:02.238" v="2269" actId="478"/>
-          <ac:picMkLst>
-            <pc:docMk/>
-            <pc:sldMk cId="2747530419" sldId="422"/>
-            <ac:picMk id="10" creationId="{B0491ECF-EDBF-3CF4-5952-E94FBAFD0638}"/>
-          </ac:picMkLst>
-        </pc:picChg>
       </pc:sldChg>
       <pc:sldChg chg="addSp delSp modSp add mod chgLayout">
         <pc:chgData name="Matthieu De Mari" userId="dfb708c9-d8dc-439f-9a3b-c772bf4a311c" providerId="ADAL" clId="{D2FDBEB2-E663-41FC-8A3C-AC79657DF6AB}" dt="2023-02-03T06:50:11.938" v="2380" actId="14100"/>
@@ -2045,38 +701,6 @@
           <pc:docMk/>
           <pc:sldMk cId="4145254973" sldId="423"/>
         </pc:sldMkLst>
-        <pc:spChg chg="mod ord">
-          <ac:chgData name="Matthieu De Mari" userId="dfb708c9-d8dc-439f-9a3b-c772bf4a311c" providerId="ADAL" clId="{D2FDBEB2-E663-41FC-8A3C-AC79657DF6AB}" dt="2023-02-03T06:48:35.742" v="2348" actId="700"/>
-          <ac:spMkLst>
-            <pc:docMk/>
-            <pc:sldMk cId="4145254973" sldId="423"/>
-            <ac:spMk id="2" creationId="{C3F2713C-FE07-816E-6FFD-E2674D11721D}"/>
-          </ac:spMkLst>
-        </pc:spChg>
-        <pc:spChg chg="mod ord">
-          <ac:chgData name="Matthieu De Mari" userId="dfb708c9-d8dc-439f-9a3b-c772bf4a311c" providerId="ADAL" clId="{D2FDBEB2-E663-41FC-8A3C-AC79657DF6AB}" dt="2023-02-03T06:49:45.611" v="2372"/>
-          <ac:spMkLst>
-            <pc:docMk/>
-            <pc:sldMk cId="4145254973" sldId="423"/>
-            <ac:spMk id="3" creationId="{FA1F1CE6-06FF-6DD6-265C-39A26CC7DB57}"/>
-          </ac:spMkLst>
-        </pc:spChg>
-        <pc:spChg chg="add del mod ord">
-          <ac:chgData name="Matthieu De Mari" userId="dfb708c9-d8dc-439f-9a3b-c772bf4a311c" providerId="ADAL" clId="{D2FDBEB2-E663-41FC-8A3C-AC79657DF6AB}" dt="2023-02-03T06:48:56.074" v="2360" actId="478"/>
-          <ac:spMkLst>
-            <pc:docMk/>
-            <pc:sldMk cId="4145254973" sldId="423"/>
-            <ac:spMk id="4" creationId="{E64791F5-A404-78DF-C026-D4C294EB6D13}"/>
-          </ac:spMkLst>
-        </pc:spChg>
-        <pc:picChg chg="add mod">
-          <ac:chgData name="Matthieu De Mari" userId="dfb708c9-d8dc-439f-9a3b-c772bf4a311c" providerId="ADAL" clId="{D2FDBEB2-E663-41FC-8A3C-AC79657DF6AB}" dt="2023-02-03T06:50:11.938" v="2380" actId="14100"/>
-          <ac:picMkLst>
-            <pc:docMk/>
-            <pc:sldMk cId="4145254973" sldId="423"/>
-            <ac:picMk id="5" creationId="{F6D4CA45-334A-7101-22BC-2B329A4C4387}"/>
-          </ac:picMkLst>
-        </pc:picChg>
       </pc:sldChg>
       <pc:sldChg chg="addSp delSp modSp add mod">
         <pc:chgData name="Matthieu De Mari" userId="dfb708c9-d8dc-439f-9a3b-c772bf4a311c" providerId="ADAL" clId="{D2FDBEB2-E663-41FC-8A3C-AC79657DF6AB}" dt="2023-02-03T06:51:22.484" v="2410" actId="20577"/>
@@ -2084,38 +708,6 @@
           <pc:docMk/>
           <pc:sldMk cId="1513778887" sldId="424"/>
         </pc:sldMkLst>
-        <pc:spChg chg="mod">
-          <ac:chgData name="Matthieu De Mari" userId="dfb708c9-d8dc-439f-9a3b-c772bf4a311c" providerId="ADAL" clId="{D2FDBEB2-E663-41FC-8A3C-AC79657DF6AB}" dt="2023-02-03T06:49:40.222" v="2371"/>
-          <ac:spMkLst>
-            <pc:docMk/>
-            <pc:sldMk cId="1513778887" sldId="424"/>
-            <ac:spMk id="3" creationId="{FA1F1CE6-06FF-6DD6-265C-39A26CC7DB57}"/>
-          </ac:spMkLst>
-        </pc:spChg>
-        <pc:spChg chg="mod">
-          <ac:chgData name="Matthieu De Mari" userId="dfb708c9-d8dc-439f-9a3b-c772bf4a311c" providerId="ADAL" clId="{D2FDBEB2-E663-41FC-8A3C-AC79657DF6AB}" dt="2023-02-03T06:51:22.484" v="2410" actId="20577"/>
-          <ac:spMkLst>
-            <pc:docMk/>
-            <pc:sldMk cId="1513778887" sldId="424"/>
-            <ac:spMk id="4" creationId="{E64791F5-A404-78DF-C026-D4C294EB6D13}"/>
-          </ac:spMkLst>
-        </pc:spChg>
-        <pc:picChg chg="add del mod modCrop">
-          <ac:chgData name="Matthieu De Mari" userId="dfb708c9-d8dc-439f-9a3b-c772bf4a311c" providerId="ADAL" clId="{D2FDBEB2-E663-41FC-8A3C-AC79657DF6AB}" dt="2023-02-03T06:50:38.792" v="2386" actId="478"/>
-          <ac:picMkLst>
-            <pc:docMk/>
-            <pc:sldMk cId="1513778887" sldId="424"/>
-            <ac:picMk id="6" creationId="{DA719D5C-F926-019C-A83E-0C4DFF147004}"/>
-          </ac:picMkLst>
-        </pc:picChg>
-        <pc:picChg chg="add mod">
-          <ac:chgData name="Matthieu De Mari" userId="dfb708c9-d8dc-439f-9a3b-c772bf4a311c" providerId="ADAL" clId="{D2FDBEB2-E663-41FC-8A3C-AC79657DF6AB}" dt="2023-02-03T06:50:58.458" v="2395" actId="1076"/>
-          <ac:picMkLst>
-            <pc:docMk/>
-            <pc:sldMk cId="1513778887" sldId="424"/>
-            <ac:picMk id="8" creationId="{65211D6B-6ABB-A3D9-3EA0-559457E53E30}"/>
-          </ac:picMkLst>
-        </pc:picChg>
       </pc:sldChg>
       <pc:sldChg chg="addSp delSp modSp add mod">
         <pc:chgData name="Matthieu De Mari" userId="dfb708c9-d8dc-439f-9a3b-c772bf4a311c" providerId="ADAL" clId="{D2FDBEB2-E663-41FC-8A3C-AC79657DF6AB}" dt="2023-02-03T06:50:07.197" v="2378" actId="1076"/>
@@ -2123,46 +715,6 @@
           <pc:docMk/>
           <pc:sldMk cId="548772636" sldId="425"/>
         </pc:sldMkLst>
-        <pc:spChg chg="mod">
-          <ac:chgData name="Matthieu De Mari" userId="dfb708c9-d8dc-439f-9a3b-c772bf4a311c" providerId="ADAL" clId="{D2FDBEB2-E663-41FC-8A3C-AC79657DF6AB}" dt="2023-02-03T06:49:31.713" v="2370" actId="20577"/>
-          <ac:spMkLst>
-            <pc:docMk/>
-            <pc:sldMk cId="548772636" sldId="425"/>
-            <ac:spMk id="3" creationId="{FA1F1CE6-06FF-6DD6-265C-39A26CC7DB57}"/>
-          </ac:spMkLst>
-        </pc:spChg>
-        <pc:spChg chg="del">
-          <ac:chgData name="Matthieu De Mari" userId="dfb708c9-d8dc-439f-9a3b-c772bf4a311c" providerId="ADAL" clId="{D2FDBEB2-E663-41FC-8A3C-AC79657DF6AB}" dt="2023-02-03T06:48:58.254" v="2361" actId="478"/>
-          <ac:spMkLst>
-            <pc:docMk/>
-            <pc:sldMk cId="548772636" sldId="425"/>
-            <ac:spMk id="4" creationId="{E64791F5-A404-78DF-C026-D4C294EB6D13}"/>
-          </ac:spMkLst>
-        </pc:spChg>
-        <pc:spChg chg="add del mod">
-          <ac:chgData name="Matthieu De Mari" userId="dfb708c9-d8dc-439f-9a3b-c772bf4a311c" providerId="ADAL" clId="{D2FDBEB2-E663-41FC-8A3C-AC79657DF6AB}" dt="2023-02-03T06:48:58.819" v="2362" actId="478"/>
-          <ac:spMkLst>
-            <pc:docMk/>
-            <pc:sldMk cId="548772636" sldId="425"/>
-            <ac:spMk id="6" creationId="{EB4BC416-2C35-FF0F-141A-D7D9C0B83BFB}"/>
-          </ac:spMkLst>
-        </pc:spChg>
-        <pc:picChg chg="add del mod">
-          <ac:chgData name="Matthieu De Mari" userId="dfb708c9-d8dc-439f-9a3b-c772bf4a311c" providerId="ADAL" clId="{D2FDBEB2-E663-41FC-8A3C-AC79657DF6AB}" dt="2023-02-03T06:49:50.252" v="2373" actId="21"/>
-          <ac:picMkLst>
-            <pc:docMk/>
-            <pc:sldMk cId="548772636" sldId="425"/>
-            <ac:picMk id="8" creationId="{2CD2AF1E-1512-7239-B2FC-D80FFD4B4C8D}"/>
-          </ac:picMkLst>
-        </pc:picChg>
-        <pc:picChg chg="add mod">
-          <ac:chgData name="Matthieu De Mari" userId="dfb708c9-d8dc-439f-9a3b-c772bf4a311c" providerId="ADAL" clId="{D2FDBEB2-E663-41FC-8A3C-AC79657DF6AB}" dt="2023-02-03T06:50:07.197" v="2378" actId="1076"/>
-          <ac:picMkLst>
-            <pc:docMk/>
-            <pc:sldMk cId="548772636" sldId="425"/>
-            <ac:picMk id="10" creationId="{FB8FD1AB-C7BC-2282-E03B-0783B8994BE6}"/>
-          </ac:picMkLst>
-        </pc:picChg>
       </pc:sldChg>
       <pc:sldChg chg="addSp delSp modSp add mod modClrScheme chgLayout">
         <pc:chgData name="Matthieu De Mari" userId="dfb708c9-d8dc-439f-9a3b-c772bf4a311c" providerId="ADAL" clId="{D2FDBEB2-E663-41FC-8A3C-AC79657DF6AB}" dt="2023-02-03T06:52:56.286" v="2468" actId="20577"/>
@@ -2170,46 +722,6 @@
           <pc:docMk/>
           <pc:sldMk cId="995336806" sldId="426"/>
         </pc:sldMkLst>
-        <pc:spChg chg="mod ord">
-          <ac:chgData name="Matthieu De Mari" userId="dfb708c9-d8dc-439f-9a3b-c772bf4a311c" providerId="ADAL" clId="{D2FDBEB2-E663-41FC-8A3C-AC79657DF6AB}" dt="2023-02-03T06:52:34.480" v="2436" actId="700"/>
-          <ac:spMkLst>
-            <pc:docMk/>
-            <pc:sldMk cId="995336806" sldId="426"/>
-            <ac:spMk id="2" creationId="{C3F2713C-FE07-816E-6FFD-E2674D11721D}"/>
-          </ac:spMkLst>
-        </pc:spChg>
-        <pc:spChg chg="mod ord">
-          <ac:chgData name="Matthieu De Mari" userId="dfb708c9-d8dc-439f-9a3b-c772bf4a311c" providerId="ADAL" clId="{D2FDBEB2-E663-41FC-8A3C-AC79657DF6AB}" dt="2023-02-03T06:52:56.286" v="2468" actId="20577"/>
-          <ac:spMkLst>
-            <pc:docMk/>
-            <pc:sldMk cId="995336806" sldId="426"/>
-            <ac:spMk id="3" creationId="{FA1F1CE6-06FF-6DD6-265C-39A26CC7DB57}"/>
-          </ac:spMkLst>
-        </pc:spChg>
-        <pc:spChg chg="del mod ord">
-          <ac:chgData name="Matthieu De Mari" userId="dfb708c9-d8dc-439f-9a3b-c772bf4a311c" providerId="ADAL" clId="{D2FDBEB2-E663-41FC-8A3C-AC79657DF6AB}" dt="2023-02-03T06:52:41.189" v="2441" actId="478"/>
-          <ac:spMkLst>
-            <pc:docMk/>
-            <pc:sldMk cId="995336806" sldId="426"/>
-            <ac:spMk id="4" creationId="{E64791F5-A404-78DF-C026-D4C294EB6D13}"/>
-          </ac:spMkLst>
-        </pc:spChg>
-        <pc:picChg chg="add mod">
-          <ac:chgData name="Matthieu De Mari" userId="dfb708c9-d8dc-439f-9a3b-c772bf4a311c" providerId="ADAL" clId="{D2FDBEB2-E663-41FC-8A3C-AC79657DF6AB}" dt="2023-02-03T06:52:49.074" v="2444" actId="1076"/>
-          <ac:picMkLst>
-            <pc:docMk/>
-            <pc:sldMk cId="995336806" sldId="426"/>
-            <ac:picMk id="6" creationId="{7E2FF5A8-41F2-D417-514A-60422BEB1F37}"/>
-          </ac:picMkLst>
-        </pc:picChg>
-        <pc:picChg chg="del">
-          <ac:chgData name="Matthieu De Mari" userId="dfb708c9-d8dc-439f-9a3b-c772bf4a311c" providerId="ADAL" clId="{D2FDBEB2-E663-41FC-8A3C-AC79657DF6AB}" dt="2023-02-03T06:51:24.512" v="2411" actId="478"/>
-          <ac:picMkLst>
-            <pc:docMk/>
-            <pc:sldMk cId="995336806" sldId="426"/>
-            <ac:picMk id="8" creationId="{65211D6B-6ABB-A3D9-3EA0-559457E53E30}"/>
-          </ac:picMkLst>
-        </pc:picChg>
       </pc:sldChg>
       <pc:sldChg chg="add">
         <pc:chgData name="Matthieu De Mari" userId="dfb708c9-d8dc-439f-9a3b-c772bf4a311c" providerId="ADAL" clId="{D2FDBEB2-E663-41FC-8A3C-AC79657DF6AB}" dt="2023-02-03T07:27:21.109" v="3778"/>
@@ -2224,14 +736,6 @@
           <pc:docMk/>
           <pc:sldMk cId="1098360026" sldId="646"/>
         </pc:sldMkLst>
-        <pc:spChg chg="mod">
-          <ac:chgData name="Matthieu De Mari" userId="dfb708c9-d8dc-439f-9a3b-c772bf4a311c" providerId="ADAL" clId="{D2FDBEB2-E663-41FC-8A3C-AC79657DF6AB}" dt="2023-02-03T07:04:16.986" v="2681" actId="20577"/>
-          <ac:spMkLst>
-            <pc:docMk/>
-            <pc:sldMk cId="1098360026" sldId="646"/>
-            <ac:spMk id="2" creationId="{C6EDB95A-6F54-1C8E-C7BF-34F5ECB6A00A}"/>
-          </ac:spMkLst>
-        </pc:spChg>
       </pc:sldChg>
       <pc:sldChg chg="modSp new mod">
         <pc:chgData name="Matthieu De Mari" userId="dfb708c9-d8dc-439f-9a3b-c772bf4a311c" providerId="ADAL" clId="{D2FDBEB2-E663-41FC-8A3C-AC79657DF6AB}" dt="2023-02-03T07:07:22.338" v="2871" actId="207"/>
@@ -2239,22 +743,6 @@
           <pc:docMk/>
           <pc:sldMk cId="3471904534" sldId="647"/>
         </pc:sldMkLst>
-        <pc:spChg chg="mod">
-          <ac:chgData name="Matthieu De Mari" userId="dfb708c9-d8dc-439f-9a3b-c772bf4a311c" providerId="ADAL" clId="{D2FDBEB2-E663-41FC-8A3C-AC79657DF6AB}" dt="2023-02-03T07:05:05.247" v="2719" actId="20577"/>
-          <ac:spMkLst>
-            <pc:docMk/>
-            <pc:sldMk cId="3471904534" sldId="647"/>
-            <ac:spMk id="2" creationId="{E4F27A2B-D462-CFC8-D30B-A409AFF0AF82}"/>
-          </ac:spMkLst>
-        </pc:spChg>
-        <pc:spChg chg="mod">
-          <ac:chgData name="Matthieu De Mari" userId="dfb708c9-d8dc-439f-9a3b-c772bf4a311c" providerId="ADAL" clId="{D2FDBEB2-E663-41FC-8A3C-AC79657DF6AB}" dt="2023-02-03T07:07:22.338" v="2871" actId="207"/>
-          <ac:spMkLst>
-            <pc:docMk/>
-            <pc:sldMk cId="3471904534" sldId="647"/>
-            <ac:spMk id="3" creationId="{DC9D8363-826B-D189-78FB-CCD945BC5477}"/>
-          </ac:spMkLst>
-        </pc:spChg>
       </pc:sldChg>
       <pc:sldChg chg="addSp delSp modSp add mod">
         <pc:chgData name="Matthieu De Mari" userId="dfb708c9-d8dc-439f-9a3b-c772bf4a311c" providerId="ADAL" clId="{D2FDBEB2-E663-41FC-8A3C-AC79657DF6AB}" dt="2023-02-03T08:26:52.576" v="6104" actId="14100"/>
@@ -2262,54 +750,6 @@
           <pc:docMk/>
           <pc:sldMk cId="1172112343" sldId="648"/>
         </pc:sldMkLst>
-        <pc:spChg chg="add mod">
-          <ac:chgData name="Matthieu De Mari" userId="dfb708c9-d8dc-439f-9a3b-c772bf4a311c" providerId="ADAL" clId="{D2FDBEB2-E663-41FC-8A3C-AC79657DF6AB}" dt="2023-02-03T08:26:52.576" v="6104" actId="14100"/>
-          <ac:spMkLst>
-            <pc:docMk/>
-            <pc:sldMk cId="1172112343" sldId="648"/>
-            <ac:spMk id="2" creationId="{BF958211-6E53-C1D5-D2C3-2AA446FBEE3E}"/>
-          </ac:spMkLst>
-        </pc:spChg>
-        <pc:spChg chg="del">
-          <ac:chgData name="Matthieu De Mari" userId="dfb708c9-d8dc-439f-9a3b-c772bf4a311c" providerId="ADAL" clId="{D2FDBEB2-E663-41FC-8A3C-AC79657DF6AB}" dt="2023-02-03T07:07:52.109" v="2877" actId="478"/>
-          <ac:spMkLst>
-            <pc:docMk/>
-            <pc:sldMk cId="1172112343" sldId="648"/>
-            <ac:spMk id="2" creationId="{E4F27A2B-D462-CFC8-D30B-A409AFF0AF82}"/>
-          </ac:spMkLst>
-        </pc:spChg>
-        <pc:spChg chg="del mod">
-          <ac:chgData name="Matthieu De Mari" userId="dfb708c9-d8dc-439f-9a3b-c772bf4a311c" providerId="ADAL" clId="{D2FDBEB2-E663-41FC-8A3C-AC79657DF6AB}" dt="2023-02-03T07:07:47.610" v="2874" actId="478"/>
-          <ac:spMkLst>
-            <pc:docMk/>
-            <pc:sldMk cId="1172112343" sldId="648"/>
-            <ac:spMk id="3" creationId="{DC9D8363-826B-D189-78FB-CCD945BC5477}"/>
-          </ac:spMkLst>
-        </pc:spChg>
-        <pc:spChg chg="add del mod">
-          <ac:chgData name="Matthieu De Mari" userId="dfb708c9-d8dc-439f-9a3b-c772bf4a311c" providerId="ADAL" clId="{D2FDBEB2-E663-41FC-8A3C-AC79657DF6AB}" dt="2023-02-03T07:07:50.464" v="2876" actId="478"/>
-          <ac:spMkLst>
-            <pc:docMk/>
-            <pc:sldMk cId="1172112343" sldId="648"/>
-            <ac:spMk id="5" creationId="{6E22BBAE-117E-B1DB-83D6-43BBFFC88B23}"/>
-          </ac:spMkLst>
-        </pc:spChg>
-        <pc:spChg chg="add del mod">
-          <ac:chgData name="Matthieu De Mari" userId="dfb708c9-d8dc-439f-9a3b-c772bf4a311c" providerId="ADAL" clId="{D2FDBEB2-E663-41FC-8A3C-AC79657DF6AB}" dt="2023-02-03T07:07:52.669" v="2878" actId="478"/>
-          <ac:spMkLst>
-            <pc:docMk/>
-            <pc:sldMk cId="1172112343" sldId="648"/>
-            <ac:spMk id="9" creationId="{F1630916-9516-9897-1A89-5A574CEDA84C}"/>
-          </ac:spMkLst>
-        </pc:spChg>
-        <pc:picChg chg="add">
-          <ac:chgData name="Matthieu De Mari" userId="dfb708c9-d8dc-439f-9a3b-c772bf4a311c" providerId="ADAL" clId="{D2FDBEB2-E663-41FC-8A3C-AC79657DF6AB}" dt="2023-02-03T07:07:48.080" v="2875" actId="22"/>
-          <ac:picMkLst>
-            <pc:docMk/>
-            <pc:sldMk cId="1172112343" sldId="648"/>
-            <ac:picMk id="7" creationId="{24CC0564-4705-2D37-8595-2DA1E59BE29D}"/>
-          </ac:picMkLst>
-        </pc:picChg>
       </pc:sldChg>
       <pc:sldChg chg="addSp delSp modSp add mod ord">
         <pc:chgData name="Matthieu De Mari" userId="dfb708c9-d8dc-439f-9a3b-c772bf4a311c" providerId="ADAL" clId="{D2FDBEB2-E663-41FC-8A3C-AC79657DF6AB}" dt="2023-02-03T07:12:02.061" v="3217" actId="20577"/>
@@ -2317,22 +757,6 @@
           <pc:docMk/>
           <pc:sldMk cId="1146881653" sldId="649"/>
         </pc:sldMkLst>
-        <pc:spChg chg="mod">
-          <ac:chgData name="Matthieu De Mari" userId="dfb708c9-d8dc-439f-9a3b-c772bf4a311c" providerId="ADAL" clId="{D2FDBEB2-E663-41FC-8A3C-AC79657DF6AB}" dt="2023-02-03T07:12:02.061" v="3217" actId="20577"/>
-          <ac:spMkLst>
-            <pc:docMk/>
-            <pc:sldMk cId="1146881653" sldId="649"/>
-            <ac:spMk id="3" creationId="{DC9D8363-826B-D189-78FB-CCD945BC5477}"/>
-          </ac:spMkLst>
-        </pc:spChg>
-        <pc:spChg chg="add del">
-          <ac:chgData name="Matthieu De Mari" userId="dfb708c9-d8dc-439f-9a3b-c772bf4a311c" providerId="ADAL" clId="{D2FDBEB2-E663-41FC-8A3C-AC79657DF6AB}" dt="2023-02-03T07:08:57.536" v="2883"/>
-          <ac:spMkLst>
-            <pc:docMk/>
-            <pc:sldMk cId="1146881653" sldId="649"/>
-            <ac:spMk id="4" creationId="{4B52DA4E-3999-A2A5-0FDA-84C5092CB280}"/>
-          </ac:spMkLst>
-        </pc:spChg>
       </pc:sldChg>
       <pc:sldChg chg="addSp delSp modSp add mod">
         <pc:chgData name="Matthieu De Mari" userId="dfb708c9-d8dc-439f-9a3b-c772bf4a311c" providerId="ADAL" clId="{D2FDBEB2-E663-41FC-8A3C-AC79657DF6AB}" dt="2023-02-03T07:18:45.380" v="3575" actId="22"/>
@@ -2340,54 +764,6 @@
           <pc:docMk/>
           <pc:sldMk cId="2437975891" sldId="650"/>
         </pc:sldMkLst>
-        <pc:spChg chg="del">
-          <ac:chgData name="Matthieu De Mari" userId="dfb708c9-d8dc-439f-9a3b-c772bf4a311c" providerId="ADAL" clId="{D2FDBEB2-E663-41FC-8A3C-AC79657DF6AB}" dt="2023-02-03T07:18:43.959" v="3573" actId="478"/>
-          <ac:spMkLst>
-            <pc:docMk/>
-            <pc:sldMk cId="2437975891" sldId="650"/>
-            <ac:spMk id="2" creationId="{D7697535-1088-B797-5883-502EDFA1C675}"/>
-          </ac:spMkLst>
-        </pc:spChg>
-        <pc:spChg chg="del">
-          <ac:chgData name="Matthieu De Mari" userId="dfb708c9-d8dc-439f-9a3b-c772bf4a311c" providerId="ADAL" clId="{D2FDBEB2-E663-41FC-8A3C-AC79657DF6AB}" dt="2023-02-03T07:18:37.052" v="3569" actId="478"/>
-          <ac:spMkLst>
-            <pc:docMk/>
-            <pc:sldMk cId="2437975891" sldId="650"/>
-            <ac:spMk id="3" creationId="{BA745D00-1AA4-E710-F652-A7E165C17CC6}"/>
-          </ac:spMkLst>
-        </pc:spChg>
-        <pc:spChg chg="add del mod">
-          <ac:chgData name="Matthieu De Mari" userId="dfb708c9-d8dc-439f-9a3b-c772bf4a311c" providerId="ADAL" clId="{D2FDBEB2-E663-41FC-8A3C-AC79657DF6AB}" dt="2023-02-03T07:18:42.629" v="3572" actId="478"/>
-          <ac:spMkLst>
-            <pc:docMk/>
-            <pc:sldMk cId="2437975891" sldId="650"/>
-            <ac:spMk id="6" creationId="{C5D8EDF9-06C9-23BC-E6AF-D13AB3915235}"/>
-          </ac:spMkLst>
-        </pc:spChg>
-        <pc:spChg chg="add del mod">
-          <ac:chgData name="Matthieu De Mari" userId="dfb708c9-d8dc-439f-9a3b-c772bf4a311c" providerId="ADAL" clId="{D2FDBEB2-E663-41FC-8A3C-AC79657DF6AB}" dt="2023-02-03T07:18:44.496" v="3574" actId="478"/>
-          <ac:spMkLst>
-            <pc:docMk/>
-            <pc:sldMk cId="2437975891" sldId="650"/>
-            <ac:spMk id="8" creationId="{D6FA1ED2-8FA4-E868-B7B6-AEE1104B8103}"/>
-          </ac:spMkLst>
-        </pc:spChg>
-        <pc:picChg chg="del">
-          <ac:chgData name="Matthieu De Mari" userId="dfb708c9-d8dc-439f-9a3b-c772bf4a311c" providerId="ADAL" clId="{D2FDBEB2-E663-41FC-8A3C-AC79657DF6AB}" dt="2023-02-03T07:18:35.932" v="3568" actId="478"/>
-          <ac:picMkLst>
-            <pc:docMk/>
-            <pc:sldMk cId="2437975891" sldId="650"/>
-            <ac:picMk id="5" creationId="{D46F7538-0929-9C7F-4437-2EFA2BF34CB6}"/>
-          </ac:picMkLst>
-        </pc:picChg>
-        <pc:picChg chg="add">
-          <ac:chgData name="Matthieu De Mari" userId="dfb708c9-d8dc-439f-9a3b-c772bf4a311c" providerId="ADAL" clId="{D2FDBEB2-E663-41FC-8A3C-AC79657DF6AB}" dt="2023-02-03T07:18:45.380" v="3575" actId="22"/>
-          <ac:picMkLst>
-            <pc:docMk/>
-            <pc:sldMk cId="2437975891" sldId="650"/>
-            <ac:picMk id="10" creationId="{F60D675C-F808-15BD-95C2-87052D57C061}"/>
-          </ac:picMkLst>
-        </pc:picChg>
       </pc:sldChg>
       <pc:sldChg chg="addSp delSp modSp add mod chgLayout">
         <pc:chgData name="Matthieu De Mari" userId="dfb708c9-d8dc-439f-9a3b-c772bf4a311c" providerId="ADAL" clId="{D2FDBEB2-E663-41FC-8A3C-AC79657DF6AB}" dt="2023-02-03T08:28:04.146" v="6124" actId="14100"/>
@@ -2395,46 +771,6 @@
           <pc:docMk/>
           <pc:sldMk cId="2710721176" sldId="651"/>
         </pc:sldMkLst>
-        <pc:spChg chg="add mod">
-          <ac:chgData name="Matthieu De Mari" userId="dfb708c9-d8dc-439f-9a3b-c772bf4a311c" providerId="ADAL" clId="{D2FDBEB2-E663-41FC-8A3C-AC79657DF6AB}" dt="2023-02-03T07:19:27.361" v="3617" actId="20577"/>
-          <ac:spMkLst>
-            <pc:docMk/>
-            <pc:sldMk cId="2710721176" sldId="651"/>
-            <ac:spMk id="2" creationId="{12EF2AAA-4A37-008C-E7D6-37C0D48B6120}"/>
-          </ac:spMkLst>
-        </pc:spChg>
-        <pc:spChg chg="add mod">
-          <ac:chgData name="Matthieu De Mari" userId="dfb708c9-d8dc-439f-9a3b-c772bf4a311c" providerId="ADAL" clId="{D2FDBEB2-E663-41FC-8A3C-AC79657DF6AB}" dt="2023-02-03T07:20:04.938" v="3629" actId="122"/>
-          <ac:spMkLst>
-            <pc:docMk/>
-            <pc:sldMk cId="2710721176" sldId="651"/>
-            <ac:spMk id="3" creationId="{B616E96C-A3A7-C270-6E1D-F90C9FE6BDDB}"/>
-          </ac:spMkLst>
-        </pc:spChg>
-        <pc:spChg chg="add mod">
-          <ac:chgData name="Matthieu De Mari" userId="dfb708c9-d8dc-439f-9a3b-c772bf4a311c" providerId="ADAL" clId="{D2FDBEB2-E663-41FC-8A3C-AC79657DF6AB}" dt="2023-02-03T08:28:04.146" v="6124" actId="14100"/>
-          <ac:spMkLst>
-            <pc:docMk/>
-            <pc:sldMk cId="2710721176" sldId="651"/>
-            <ac:spMk id="4" creationId="{B3978380-2A86-3DD8-97EC-1CCEAE7AE11C}"/>
-          </ac:spMkLst>
-        </pc:spChg>
-        <pc:picChg chg="add mod">
-          <ac:chgData name="Matthieu De Mari" userId="dfb708c9-d8dc-439f-9a3b-c772bf4a311c" providerId="ADAL" clId="{D2FDBEB2-E663-41FC-8A3C-AC79657DF6AB}" dt="2023-02-03T07:20:08.405" v="3630" actId="1076"/>
-          <ac:picMkLst>
-            <pc:docMk/>
-            <pc:sldMk cId="2710721176" sldId="651"/>
-            <ac:picMk id="5" creationId="{35FDCF4F-119C-C0DE-4989-887667465AF0}"/>
-          </ac:picMkLst>
-        </pc:picChg>
-        <pc:picChg chg="del">
-          <ac:chgData name="Matthieu De Mari" userId="dfb708c9-d8dc-439f-9a3b-c772bf4a311c" providerId="ADAL" clId="{D2FDBEB2-E663-41FC-8A3C-AC79657DF6AB}" dt="2023-02-03T07:19:13.997" v="3577" actId="478"/>
-          <ac:picMkLst>
-            <pc:docMk/>
-            <pc:sldMk cId="2710721176" sldId="651"/>
-            <ac:picMk id="10" creationId="{F60D675C-F808-15BD-95C2-87052D57C061}"/>
-          </ac:picMkLst>
-        </pc:picChg>
       </pc:sldChg>
       <pc:sldChg chg="addSp delSp modSp add mod">
         <pc:chgData name="Matthieu De Mari" userId="dfb708c9-d8dc-439f-9a3b-c772bf4a311c" providerId="ADAL" clId="{D2FDBEB2-E663-41FC-8A3C-AC79657DF6AB}" dt="2023-02-03T07:22:56.178" v="3713" actId="1076"/>
@@ -2442,30 +778,6 @@
           <pc:docMk/>
           <pc:sldMk cId="2596538432" sldId="652"/>
         </pc:sldMkLst>
-        <pc:spChg chg="del">
-          <ac:chgData name="Matthieu De Mari" userId="dfb708c9-d8dc-439f-9a3b-c772bf4a311c" providerId="ADAL" clId="{D2FDBEB2-E663-41FC-8A3C-AC79657DF6AB}" dt="2023-02-03T07:22:39.562" v="3705" actId="478"/>
-          <ac:spMkLst>
-            <pc:docMk/>
-            <pc:sldMk cId="2596538432" sldId="652"/>
-            <ac:spMk id="3" creationId="{44608F03-1D5E-5E62-5A70-1B8EB17DF397}"/>
-          </ac:spMkLst>
-        </pc:spChg>
-        <pc:spChg chg="add del mod">
-          <ac:chgData name="Matthieu De Mari" userId="dfb708c9-d8dc-439f-9a3b-c772bf4a311c" providerId="ADAL" clId="{D2FDBEB2-E663-41FC-8A3C-AC79657DF6AB}" dt="2023-02-03T07:22:40.164" v="3706" actId="478"/>
-          <ac:spMkLst>
-            <pc:docMk/>
-            <pc:sldMk cId="2596538432" sldId="652"/>
-            <ac:spMk id="5" creationId="{527BDAC6-57FC-4E9E-4B91-81CC3EC6DF0C}"/>
-          </ac:spMkLst>
-        </pc:spChg>
-        <pc:picChg chg="mod modCrop">
-          <ac:chgData name="Matthieu De Mari" userId="dfb708c9-d8dc-439f-9a3b-c772bf4a311c" providerId="ADAL" clId="{D2FDBEB2-E663-41FC-8A3C-AC79657DF6AB}" dt="2023-02-03T07:22:56.178" v="3713" actId="1076"/>
-          <ac:picMkLst>
-            <pc:docMk/>
-            <pc:sldMk cId="2596538432" sldId="652"/>
-            <ac:picMk id="6" creationId="{E646E1A0-EF8B-8076-F40B-06546F4B9B9C}"/>
-          </ac:picMkLst>
-        </pc:picChg>
       </pc:sldChg>
       <pc:sldChg chg="add del">
         <pc:chgData name="Matthieu De Mari" userId="dfb708c9-d8dc-439f-9a3b-c772bf4a311c" providerId="ADAL" clId="{D2FDBEB2-E663-41FC-8A3C-AC79657DF6AB}" dt="2023-02-03T07:20:41.487" v="3632" actId="47"/>
@@ -2508,70 +820,6 @@
           <pc:docMk/>
           <pc:sldMk cId="3339699406" sldId="761"/>
         </pc:sldMkLst>
-        <pc:spChg chg="del mod">
-          <ac:chgData name="Matthieu De Mari" userId="dfb708c9-d8dc-439f-9a3b-c772bf4a311c" providerId="ADAL" clId="{D2FDBEB2-E663-41FC-8A3C-AC79657DF6AB}" dt="2023-02-03T07:52:07.593" v="3931" actId="478"/>
-          <ac:spMkLst>
-            <pc:docMk/>
-            <pc:sldMk cId="3339699406" sldId="761"/>
-            <ac:spMk id="2" creationId="{917AFA90-DB7E-A390-9716-D81708D85130}"/>
-          </ac:spMkLst>
-        </pc:spChg>
-        <pc:spChg chg="del">
-          <ac:chgData name="Matthieu De Mari" userId="dfb708c9-d8dc-439f-9a3b-c772bf4a311c" providerId="ADAL" clId="{D2FDBEB2-E663-41FC-8A3C-AC79657DF6AB}" dt="2023-02-03T07:52:05.843" v="3928" actId="478"/>
-          <ac:spMkLst>
-            <pc:docMk/>
-            <pc:sldMk cId="3339699406" sldId="761"/>
-            <ac:spMk id="3" creationId="{C7732CA9-163D-B4B0-71B2-AEA1EC81E0E6}"/>
-          </ac:spMkLst>
-        </pc:spChg>
-        <pc:spChg chg="add del mod">
-          <ac:chgData name="Matthieu De Mari" userId="dfb708c9-d8dc-439f-9a3b-c772bf4a311c" providerId="ADAL" clId="{D2FDBEB2-E663-41FC-8A3C-AC79657DF6AB}" dt="2023-02-03T07:52:06.419" v="3929" actId="478"/>
-          <ac:spMkLst>
-            <pc:docMk/>
-            <pc:sldMk cId="3339699406" sldId="761"/>
-            <ac:spMk id="5" creationId="{4E0BF71D-8249-1775-6DCA-220106ACA520}"/>
-          </ac:spMkLst>
-        </pc:spChg>
-        <pc:spChg chg="add del mod">
-          <ac:chgData name="Matthieu De Mari" userId="dfb708c9-d8dc-439f-9a3b-c772bf4a311c" providerId="ADAL" clId="{D2FDBEB2-E663-41FC-8A3C-AC79657DF6AB}" dt="2023-02-03T07:52:09.006" v="3932" actId="478"/>
-          <ac:spMkLst>
-            <pc:docMk/>
-            <pc:sldMk cId="3339699406" sldId="761"/>
-            <ac:spMk id="7" creationId="{269A4365-1B75-DDC0-DAC6-18CB0088715B}"/>
-          </ac:spMkLst>
-        </pc:spChg>
-        <pc:spChg chg="add mod ord">
-          <ac:chgData name="Matthieu De Mari" userId="dfb708c9-d8dc-439f-9a3b-c772bf4a311c" providerId="ADAL" clId="{D2FDBEB2-E663-41FC-8A3C-AC79657DF6AB}" dt="2023-02-03T07:52:29.662" v="3949" actId="700"/>
-          <ac:spMkLst>
-            <pc:docMk/>
-            <pc:sldMk cId="3339699406" sldId="761"/>
-            <ac:spMk id="10" creationId="{75788055-7509-D8B6-6340-57C1A2023FA1}"/>
-          </ac:spMkLst>
-        </pc:spChg>
-        <pc:spChg chg="add mod ord">
-          <ac:chgData name="Matthieu De Mari" userId="dfb708c9-d8dc-439f-9a3b-c772bf4a311c" providerId="ADAL" clId="{D2FDBEB2-E663-41FC-8A3C-AC79657DF6AB}" dt="2023-02-03T07:55:26.347" v="4284" actId="20577"/>
-          <ac:spMkLst>
-            <pc:docMk/>
-            <pc:sldMk cId="3339699406" sldId="761"/>
-            <ac:spMk id="11" creationId="{0EEC07FE-D839-07DF-7C1A-CDBE72FE6BB9}"/>
-          </ac:spMkLst>
-        </pc:spChg>
-        <pc:spChg chg="add del mod ord">
-          <ac:chgData name="Matthieu De Mari" userId="dfb708c9-d8dc-439f-9a3b-c772bf4a311c" providerId="ADAL" clId="{D2FDBEB2-E663-41FC-8A3C-AC79657DF6AB}" dt="2023-02-03T07:52:34.072" v="3952" actId="478"/>
-          <ac:spMkLst>
-            <pc:docMk/>
-            <pc:sldMk cId="3339699406" sldId="761"/>
-            <ac:spMk id="12" creationId="{88D4BFB2-AC0E-87E8-0C3D-6AC8E0FB3147}"/>
-          </ac:spMkLst>
-        </pc:spChg>
-        <pc:picChg chg="add del mod">
-          <ac:chgData name="Matthieu De Mari" userId="dfb708c9-d8dc-439f-9a3b-c772bf4a311c" providerId="ADAL" clId="{D2FDBEB2-E663-41FC-8A3C-AC79657DF6AB}" dt="2023-02-03T07:54:51.316" v="4254" actId="1038"/>
-          <ac:picMkLst>
-            <pc:docMk/>
-            <pc:sldMk cId="3339699406" sldId="761"/>
-            <ac:picMk id="9" creationId="{423131A8-4BB8-05EA-55DF-8D5EE17B8509}"/>
-          </ac:picMkLst>
-        </pc:picChg>
       </pc:sldChg>
       <pc:sldChg chg="addSp delSp modSp add mod">
         <pc:chgData name="Matthieu De Mari" userId="dfb708c9-d8dc-439f-9a3b-c772bf4a311c" providerId="ADAL" clId="{D2FDBEB2-E663-41FC-8A3C-AC79657DF6AB}" dt="2023-02-03T07:57:48.123" v="4393" actId="1076"/>
@@ -2579,30 +827,6 @@
           <pc:docMk/>
           <pc:sldMk cId="1546007078" sldId="762"/>
         </pc:sldMkLst>
-        <pc:spChg chg="mod">
-          <ac:chgData name="Matthieu De Mari" userId="dfb708c9-d8dc-439f-9a3b-c772bf4a311c" providerId="ADAL" clId="{D2FDBEB2-E663-41FC-8A3C-AC79657DF6AB}" dt="2023-02-03T07:57:26.717" v="4389" actId="20577"/>
-          <ac:spMkLst>
-            <pc:docMk/>
-            <pc:sldMk cId="1546007078" sldId="762"/>
-            <ac:spMk id="11" creationId="{0EEC07FE-D839-07DF-7C1A-CDBE72FE6BB9}"/>
-          </ac:spMkLst>
-        </pc:spChg>
-        <pc:picChg chg="add mod">
-          <ac:chgData name="Matthieu De Mari" userId="dfb708c9-d8dc-439f-9a3b-c772bf4a311c" providerId="ADAL" clId="{D2FDBEB2-E663-41FC-8A3C-AC79657DF6AB}" dt="2023-02-03T07:57:48.123" v="4393" actId="1076"/>
-          <ac:picMkLst>
-            <pc:docMk/>
-            <pc:sldMk cId="1546007078" sldId="762"/>
-            <ac:picMk id="3" creationId="{519EBF6A-6012-A4A4-6E3E-826320F51D1E}"/>
-          </ac:picMkLst>
-        </pc:picChg>
-        <pc:picChg chg="del">
-          <ac:chgData name="Matthieu De Mari" userId="dfb708c9-d8dc-439f-9a3b-c772bf4a311c" providerId="ADAL" clId="{D2FDBEB2-E663-41FC-8A3C-AC79657DF6AB}" dt="2023-02-03T07:57:24.975" v="4388" actId="478"/>
-          <ac:picMkLst>
-            <pc:docMk/>
-            <pc:sldMk cId="1546007078" sldId="762"/>
-            <ac:picMk id="9" creationId="{423131A8-4BB8-05EA-55DF-8D5EE17B8509}"/>
-          </ac:picMkLst>
-        </pc:picChg>
       </pc:sldChg>
       <pc:sldChg chg="addSp delSp modSp new mod modClrScheme chgLayout">
         <pc:chgData name="Matthieu De Mari" userId="dfb708c9-d8dc-439f-9a3b-c772bf4a311c" providerId="ADAL" clId="{D2FDBEB2-E663-41FC-8A3C-AC79657DF6AB}" dt="2023-02-03T07:59:23.778" v="4443" actId="20577"/>
@@ -2610,38 +834,6 @@
           <pc:docMk/>
           <pc:sldMk cId="2580175991" sldId="763"/>
         </pc:sldMkLst>
-        <pc:spChg chg="mod ord">
-          <ac:chgData name="Matthieu De Mari" userId="dfb708c9-d8dc-439f-9a3b-c772bf4a311c" providerId="ADAL" clId="{D2FDBEB2-E663-41FC-8A3C-AC79657DF6AB}" dt="2023-02-03T07:58:44.196" v="4413" actId="700"/>
-          <ac:spMkLst>
-            <pc:docMk/>
-            <pc:sldMk cId="2580175991" sldId="763"/>
-            <ac:spMk id="2" creationId="{219F4681-3E05-3370-3E46-11417BFE0CA3}"/>
-          </ac:spMkLst>
-        </pc:spChg>
-        <pc:spChg chg="del mod ord">
-          <ac:chgData name="Matthieu De Mari" userId="dfb708c9-d8dc-439f-9a3b-c772bf4a311c" providerId="ADAL" clId="{D2FDBEB2-E663-41FC-8A3C-AC79657DF6AB}" dt="2023-02-03T07:58:44.196" v="4413" actId="700"/>
-          <ac:spMkLst>
-            <pc:docMk/>
-            <pc:sldMk cId="2580175991" sldId="763"/>
-            <ac:spMk id="3" creationId="{D5C60BE0-D41B-59A3-67FE-EE8B0533B9E2}"/>
-          </ac:spMkLst>
-        </pc:spChg>
-        <pc:spChg chg="del">
-          <ac:chgData name="Matthieu De Mari" userId="dfb708c9-d8dc-439f-9a3b-c772bf4a311c" providerId="ADAL" clId="{D2FDBEB2-E663-41FC-8A3C-AC79657DF6AB}" dt="2023-02-03T07:58:44.196" v="4413" actId="700"/>
-          <ac:spMkLst>
-            <pc:docMk/>
-            <pc:sldMk cId="2580175991" sldId="763"/>
-            <ac:spMk id="4" creationId="{A458EE03-650E-3695-1FFE-B80334971326}"/>
-          </ac:spMkLst>
-        </pc:spChg>
-        <pc:spChg chg="add mod ord">
-          <ac:chgData name="Matthieu De Mari" userId="dfb708c9-d8dc-439f-9a3b-c772bf4a311c" providerId="ADAL" clId="{D2FDBEB2-E663-41FC-8A3C-AC79657DF6AB}" dt="2023-02-03T07:59:23.778" v="4443" actId="20577"/>
-          <ac:spMkLst>
-            <pc:docMk/>
-            <pc:sldMk cId="2580175991" sldId="763"/>
-            <ac:spMk id="5" creationId="{1A87BA25-5926-816A-6E16-0F90D4B62FB8}"/>
-          </ac:spMkLst>
-        </pc:spChg>
       </pc:sldChg>
       <pc:sldChg chg="addSp modSp add mod">
         <pc:chgData name="Matthieu De Mari" userId="dfb708c9-d8dc-439f-9a3b-c772bf4a311c" providerId="ADAL" clId="{D2FDBEB2-E663-41FC-8A3C-AC79657DF6AB}" dt="2023-02-03T08:30:06.264" v="6207"/>
@@ -2649,62 +841,6 @@
           <pc:docMk/>
           <pc:sldMk cId="1879463264" sldId="764"/>
         </pc:sldMkLst>
-        <pc:spChg chg="mod">
-          <ac:chgData name="Matthieu De Mari" userId="dfb708c9-d8dc-439f-9a3b-c772bf4a311c" providerId="ADAL" clId="{D2FDBEB2-E663-41FC-8A3C-AC79657DF6AB}" dt="2023-02-03T08:00:28.087" v="4465" actId="20577"/>
-          <ac:spMkLst>
-            <pc:docMk/>
-            <pc:sldMk cId="1879463264" sldId="764"/>
-            <ac:spMk id="2" creationId="{219F4681-3E05-3370-3E46-11417BFE0CA3}"/>
-          </ac:spMkLst>
-        </pc:spChg>
-        <pc:spChg chg="mod">
-          <ac:chgData name="Matthieu De Mari" userId="dfb708c9-d8dc-439f-9a3b-c772bf4a311c" providerId="ADAL" clId="{D2FDBEB2-E663-41FC-8A3C-AC79657DF6AB}" dt="2023-02-03T08:30:06.264" v="6207"/>
-          <ac:spMkLst>
-            <pc:docMk/>
-            <pc:sldMk cId="1879463264" sldId="764"/>
-            <ac:spMk id="5" creationId="{1A87BA25-5926-816A-6E16-0F90D4B62FB8}"/>
-          </ac:spMkLst>
-        </pc:spChg>
-        <pc:spChg chg="add mod">
-          <ac:chgData name="Matthieu De Mari" userId="dfb708c9-d8dc-439f-9a3b-c772bf4a311c" providerId="ADAL" clId="{D2FDBEB2-E663-41FC-8A3C-AC79657DF6AB}" dt="2023-02-03T08:28:44.816" v="6128" actId="14100"/>
-          <ac:spMkLst>
-            <pc:docMk/>
-            <pc:sldMk cId="1879463264" sldId="764"/>
-            <ac:spMk id="6" creationId="{B71B8432-2941-E985-296B-548380048287}"/>
-          </ac:spMkLst>
-        </pc:spChg>
-        <pc:spChg chg="add mod">
-          <ac:chgData name="Matthieu De Mari" userId="dfb708c9-d8dc-439f-9a3b-c772bf4a311c" providerId="ADAL" clId="{D2FDBEB2-E663-41FC-8A3C-AC79657DF6AB}" dt="2023-02-03T08:28:56.447" v="6133" actId="14100"/>
-          <ac:spMkLst>
-            <pc:docMk/>
-            <pc:sldMk cId="1879463264" sldId="764"/>
-            <ac:spMk id="7" creationId="{6F218B3D-3CEC-F710-D995-1AFFD1565B4A}"/>
-          </ac:spMkLst>
-        </pc:spChg>
-        <pc:spChg chg="add mod">
-          <ac:chgData name="Matthieu De Mari" userId="dfb708c9-d8dc-439f-9a3b-c772bf4a311c" providerId="ADAL" clId="{D2FDBEB2-E663-41FC-8A3C-AC79657DF6AB}" dt="2023-02-03T08:29:11.080" v="6139" actId="14100"/>
-          <ac:spMkLst>
-            <pc:docMk/>
-            <pc:sldMk cId="1879463264" sldId="764"/>
-            <ac:spMk id="8" creationId="{48FBEB34-F974-353C-F986-6F7C897CC38D}"/>
-          </ac:spMkLst>
-        </pc:spChg>
-        <pc:spChg chg="add mod">
-          <ac:chgData name="Matthieu De Mari" userId="dfb708c9-d8dc-439f-9a3b-c772bf4a311c" providerId="ADAL" clId="{D2FDBEB2-E663-41FC-8A3C-AC79657DF6AB}" dt="2023-02-03T08:29:28.164" v="6144" actId="14100"/>
-          <ac:spMkLst>
-            <pc:docMk/>
-            <pc:sldMk cId="1879463264" sldId="764"/>
-            <ac:spMk id="9" creationId="{EA98C24F-C098-48AA-2AEA-65A891013313}"/>
-          </ac:spMkLst>
-        </pc:spChg>
-        <pc:picChg chg="add mod">
-          <ac:chgData name="Matthieu De Mari" userId="dfb708c9-d8dc-439f-9a3b-c772bf4a311c" providerId="ADAL" clId="{D2FDBEB2-E663-41FC-8A3C-AC79657DF6AB}" dt="2023-02-03T08:00:19.061" v="4448" actId="1076"/>
-          <ac:picMkLst>
-            <pc:docMk/>
-            <pc:sldMk cId="1879463264" sldId="764"/>
-            <ac:picMk id="4" creationId="{11D096F0-0255-2417-C5F6-A8EFB107AF87}"/>
-          </ac:picMkLst>
-        </pc:picChg>
       </pc:sldChg>
       <pc:sldChg chg="addSp delSp modSp add mod modClrScheme chgLayout">
         <pc:chgData name="Matthieu De Mari" userId="dfb708c9-d8dc-439f-9a3b-c772bf4a311c" providerId="ADAL" clId="{D2FDBEB2-E663-41FC-8A3C-AC79657DF6AB}" dt="2023-02-03T08:07:21.637" v="4960" actId="115"/>
@@ -2712,38 +848,6 @@
           <pc:docMk/>
           <pc:sldMk cId="1996337912" sldId="765"/>
         </pc:sldMkLst>
-        <pc:spChg chg="mod ord">
-          <ac:chgData name="Matthieu De Mari" userId="dfb708c9-d8dc-439f-9a3b-c772bf4a311c" providerId="ADAL" clId="{D2FDBEB2-E663-41FC-8A3C-AC79657DF6AB}" dt="2023-02-03T08:06:39.647" v="4931" actId="700"/>
-          <ac:spMkLst>
-            <pc:docMk/>
-            <pc:sldMk cId="1996337912" sldId="765"/>
-            <ac:spMk id="2" creationId="{408CA521-96F3-C600-A042-370E3F36CE6B}"/>
-          </ac:spMkLst>
-        </pc:spChg>
-        <pc:spChg chg="mod ord">
-          <ac:chgData name="Matthieu De Mari" userId="dfb708c9-d8dc-439f-9a3b-c772bf4a311c" providerId="ADAL" clId="{D2FDBEB2-E663-41FC-8A3C-AC79657DF6AB}" dt="2023-02-03T08:07:21.637" v="4960" actId="115"/>
-          <ac:spMkLst>
-            <pc:docMk/>
-            <pc:sldMk cId="1996337912" sldId="765"/>
-            <ac:spMk id="3" creationId="{46D88AA4-084D-50F6-7F5E-69051FD9A887}"/>
-          </ac:spMkLst>
-        </pc:spChg>
-        <pc:spChg chg="add del mod ord">
-          <ac:chgData name="Matthieu De Mari" userId="dfb708c9-d8dc-439f-9a3b-c772bf4a311c" providerId="ADAL" clId="{D2FDBEB2-E663-41FC-8A3C-AC79657DF6AB}" dt="2023-02-03T08:06:41.627" v="4934" actId="478"/>
-          <ac:spMkLst>
-            <pc:docMk/>
-            <pc:sldMk cId="1996337912" sldId="765"/>
-            <ac:spMk id="4" creationId="{A2D14F3C-FDC4-4024-9BEE-A7DFFC115BB5}"/>
-          </ac:spMkLst>
-        </pc:spChg>
-        <pc:picChg chg="add mod">
-          <ac:chgData name="Matthieu De Mari" userId="dfb708c9-d8dc-439f-9a3b-c772bf4a311c" providerId="ADAL" clId="{D2FDBEB2-E663-41FC-8A3C-AC79657DF6AB}" dt="2023-02-03T08:06:44.788" v="4936" actId="1076"/>
-          <ac:picMkLst>
-            <pc:docMk/>
-            <pc:sldMk cId="1996337912" sldId="765"/>
-            <ac:picMk id="6" creationId="{F7E65437-829A-FD0E-34DF-B7C5610B8C99}"/>
-          </ac:picMkLst>
-        </pc:picChg>
       </pc:sldChg>
       <pc:sldChg chg="addSp delSp modSp add mod modClrScheme chgLayout">
         <pc:chgData name="Matthieu De Mari" userId="dfb708c9-d8dc-439f-9a3b-c772bf4a311c" providerId="ADAL" clId="{D2FDBEB2-E663-41FC-8A3C-AC79657DF6AB}" dt="2023-02-03T08:15:31.961" v="5774" actId="20577"/>
@@ -2751,38 +855,6 @@
           <pc:docMk/>
           <pc:sldMk cId="1554669076" sldId="766"/>
         </pc:sldMkLst>
-        <pc:spChg chg="mod ord">
-          <ac:chgData name="Matthieu De Mari" userId="dfb708c9-d8dc-439f-9a3b-c772bf4a311c" providerId="ADAL" clId="{D2FDBEB2-E663-41FC-8A3C-AC79657DF6AB}" dt="2023-02-03T08:10:32.952" v="5150" actId="20577"/>
-          <ac:spMkLst>
-            <pc:docMk/>
-            <pc:sldMk cId="1554669076" sldId="766"/>
-            <ac:spMk id="2" creationId="{62DF8571-F31A-11B4-26C7-2C202A57B4A3}"/>
-          </ac:spMkLst>
-        </pc:spChg>
-        <pc:spChg chg="mod ord">
-          <ac:chgData name="Matthieu De Mari" userId="dfb708c9-d8dc-439f-9a3b-c772bf4a311c" providerId="ADAL" clId="{D2FDBEB2-E663-41FC-8A3C-AC79657DF6AB}" dt="2023-02-03T08:15:31.961" v="5774" actId="20577"/>
-          <ac:spMkLst>
-            <pc:docMk/>
-            <pc:sldMk cId="1554669076" sldId="766"/>
-            <ac:spMk id="3" creationId="{6C4142A3-3578-C842-742A-3495AD72B776}"/>
-          </ac:spMkLst>
-        </pc:spChg>
-        <pc:spChg chg="add del mod ord">
-          <ac:chgData name="Matthieu De Mari" userId="dfb708c9-d8dc-439f-9a3b-c772bf4a311c" providerId="ADAL" clId="{D2FDBEB2-E663-41FC-8A3C-AC79657DF6AB}" dt="2023-02-03T08:10:29.217" v="5134" actId="478"/>
-          <ac:spMkLst>
-            <pc:docMk/>
-            <pc:sldMk cId="1554669076" sldId="766"/>
-            <ac:spMk id="4" creationId="{ABCE8158-90FE-6E24-8A51-8624D5A8D761}"/>
-          </ac:spMkLst>
-        </pc:spChg>
-        <pc:picChg chg="add mod">
-          <ac:chgData name="Matthieu De Mari" userId="dfb708c9-d8dc-439f-9a3b-c772bf4a311c" providerId="ADAL" clId="{D2FDBEB2-E663-41FC-8A3C-AC79657DF6AB}" dt="2023-02-03T08:10:36.840" v="5152" actId="1076"/>
-          <ac:picMkLst>
-            <pc:docMk/>
-            <pc:sldMk cId="1554669076" sldId="766"/>
-            <ac:picMk id="6" creationId="{8165C00E-7E68-A320-3D25-91D5D0CBC17F}"/>
-          </ac:picMkLst>
-        </pc:picChg>
       </pc:sldChg>
       <pc:sldChg chg="modSp add mod">
         <pc:chgData name="Matthieu De Mari" userId="dfb708c9-d8dc-439f-9a3b-c772bf4a311c" providerId="ADAL" clId="{D2FDBEB2-E663-41FC-8A3C-AC79657DF6AB}" dt="2023-02-03T08:14:24.478" v="5655" actId="113"/>
@@ -2790,14 +862,6 @@
           <pc:docMk/>
           <pc:sldMk cId="887698529" sldId="767"/>
         </pc:sldMkLst>
-        <pc:spChg chg="mod">
-          <ac:chgData name="Matthieu De Mari" userId="dfb708c9-d8dc-439f-9a3b-c772bf4a311c" providerId="ADAL" clId="{D2FDBEB2-E663-41FC-8A3C-AC79657DF6AB}" dt="2023-02-03T08:14:24.478" v="5655" actId="113"/>
-          <ac:spMkLst>
-            <pc:docMk/>
-            <pc:sldMk cId="887698529" sldId="767"/>
-            <ac:spMk id="3" creationId="{6C4142A3-3578-C842-742A-3495AD72B776}"/>
-          </ac:spMkLst>
-        </pc:spChg>
       </pc:sldChg>
       <pc:sldChg chg="modSp add mod">
         <pc:chgData name="Matthieu De Mari" userId="dfb708c9-d8dc-439f-9a3b-c772bf4a311c" providerId="ADAL" clId="{D2FDBEB2-E663-41FC-8A3C-AC79657DF6AB}" dt="2023-02-03T08:15:19.361" v="5773" actId="20577"/>
@@ -2805,14 +869,6 @@
           <pc:docMk/>
           <pc:sldMk cId="3101493777" sldId="768"/>
         </pc:sldMkLst>
-        <pc:spChg chg="mod">
-          <ac:chgData name="Matthieu De Mari" userId="dfb708c9-d8dc-439f-9a3b-c772bf4a311c" providerId="ADAL" clId="{D2FDBEB2-E663-41FC-8A3C-AC79657DF6AB}" dt="2023-02-03T08:15:19.361" v="5773" actId="20577"/>
-          <ac:spMkLst>
-            <pc:docMk/>
-            <pc:sldMk cId="3101493777" sldId="768"/>
-            <ac:spMk id="3" creationId="{6C4142A3-3578-C842-742A-3495AD72B776}"/>
-          </ac:spMkLst>
-        </pc:spChg>
       </pc:sldChg>
       <pc:sldChg chg="modSp new mod">
         <pc:chgData name="Matthieu De Mari" userId="dfb708c9-d8dc-439f-9a3b-c772bf4a311c" providerId="ADAL" clId="{D2FDBEB2-E663-41FC-8A3C-AC79657DF6AB}" dt="2023-02-03T08:22:57.233" v="6026" actId="20577"/>
@@ -2820,22 +876,6 @@
           <pc:docMk/>
           <pc:sldMk cId="2909899754" sldId="769"/>
         </pc:sldMkLst>
-        <pc:spChg chg="mod">
-          <ac:chgData name="Matthieu De Mari" userId="dfb708c9-d8dc-439f-9a3b-c772bf4a311c" providerId="ADAL" clId="{D2FDBEB2-E663-41FC-8A3C-AC79657DF6AB}" dt="2023-02-03T08:21:26.131" v="5871" actId="20577"/>
-          <ac:spMkLst>
-            <pc:docMk/>
-            <pc:sldMk cId="2909899754" sldId="769"/>
-            <ac:spMk id="2" creationId="{F73E479C-D045-DD74-CA6E-A60F94A36E18}"/>
-          </ac:spMkLst>
-        </pc:spChg>
-        <pc:spChg chg="mod">
-          <ac:chgData name="Matthieu De Mari" userId="dfb708c9-d8dc-439f-9a3b-c772bf4a311c" providerId="ADAL" clId="{D2FDBEB2-E663-41FC-8A3C-AC79657DF6AB}" dt="2023-02-03T08:22:57.233" v="6026" actId="20577"/>
-          <ac:spMkLst>
-            <pc:docMk/>
-            <pc:sldMk cId="2909899754" sldId="769"/>
-            <ac:spMk id="3" creationId="{70FF8A92-BFB5-623C-CBC8-C3AB284F9C4F}"/>
-          </ac:spMkLst>
-        </pc:spChg>
       </pc:sldChg>
       <pc:sldChg chg="add del">
         <pc:chgData name="Matthieu De Mari" userId="dfb708c9-d8dc-439f-9a3b-c772bf4a311c" providerId="ADAL" clId="{D2FDBEB2-E663-41FC-8A3C-AC79657DF6AB}" dt="2023-02-03T08:14:32.531" v="5657" actId="47"/>
@@ -2850,22 +890,6 @@
           <pc:docMk/>
           <pc:sldMk cId="581091786" sldId="770"/>
         </pc:sldMkLst>
-        <pc:picChg chg="add mod">
-          <ac:chgData name="Matthieu De Mari" userId="dfb708c9-d8dc-439f-9a3b-c772bf4a311c" providerId="ADAL" clId="{D2FDBEB2-E663-41FC-8A3C-AC79657DF6AB}" dt="2023-02-03T08:16:53.633" v="5816" actId="1076"/>
-          <ac:picMkLst>
-            <pc:docMk/>
-            <pc:sldMk cId="581091786" sldId="770"/>
-            <ac:picMk id="4" creationId="{DB513CD6-1CBE-A3B1-1E6F-41F285705A04}"/>
-          </ac:picMkLst>
-        </pc:picChg>
-        <pc:picChg chg="del">
-          <ac:chgData name="Matthieu De Mari" userId="dfb708c9-d8dc-439f-9a3b-c772bf4a311c" providerId="ADAL" clId="{D2FDBEB2-E663-41FC-8A3C-AC79657DF6AB}" dt="2023-02-03T08:16:45.123" v="5811" actId="478"/>
-          <ac:picMkLst>
-            <pc:docMk/>
-            <pc:sldMk cId="581091786" sldId="770"/>
-            <ac:picMk id="5" creationId="{4A8B1291-A554-8B80-6FA0-9146AA644C29}"/>
-          </ac:picMkLst>
-        </pc:picChg>
       </pc:sldChg>
       <pc:sldChg chg="addSp delSp modSp add mod">
         <pc:chgData name="Matthieu De Mari" userId="dfb708c9-d8dc-439f-9a3b-c772bf4a311c" providerId="ADAL" clId="{D2FDBEB2-E663-41FC-8A3C-AC79657DF6AB}" dt="2023-02-03T08:17:21.113" v="5822" actId="1076"/>
@@ -2873,22 +897,6 @@
           <pc:docMk/>
           <pc:sldMk cId="2768410648" sldId="771"/>
         </pc:sldMkLst>
-        <pc:picChg chg="del">
-          <ac:chgData name="Matthieu De Mari" userId="dfb708c9-d8dc-439f-9a3b-c772bf4a311c" providerId="ADAL" clId="{D2FDBEB2-E663-41FC-8A3C-AC79657DF6AB}" dt="2023-02-03T08:17:14.217" v="5818" actId="478"/>
-          <ac:picMkLst>
-            <pc:docMk/>
-            <pc:sldMk cId="2768410648" sldId="771"/>
-            <ac:picMk id="4" creationId="{DB513CD6-1CBE-A3B1-1E6F-41F285705A04}"/>
-          </ac:picMkLst>
-        </pc:picChg>
-        <pc:picChg chg="add mod">
-          <ac:chgData name="Matthieu De Mari" userId="dfb708c9-d8dc-439f-9a3b-c772bf4a311c" providerId="ADAL" clId="{D2FDBEB2-E663-41FC-8A3C-AC79657DF6AB}" dt="2023-02-03T08:17:21.113" v="5822" actId="1076"/>
-          <ac:picMkLst>
-            <pc:docMk/>
-            <pc:sldMk cId="2768410648" sldId="771"/>
-            <ac:picMk id="5" creationId="{0B55E7AB-B38B-DC28-57B5-D4F3CA5543A9}"/>
-          </ac:picMkLst>
-        </pc:picChg>
       </pc:sldChg>
       <pc:sldChg chg="addSp delSp modSp add mod">
         <pc:chgData name="Matthieu De Mari" userId="dfb708c9-d8dc-439f-9a3b-c772bf4a311c" providerId="ADAL" clId="{D2FDBEB2-E663-41FC-8A3C-AC79657DF6AB}" dt="2023-02-03T08:24:00.796" v="6040" actId="693"/>
@@ -2896,54 +904,6 @@
           <pc:docMk/>
           <pc:sldMk cId="2791462929" sldId="772"/>
         </pc:sldMkLst>
-        <pc:spChg chg="del">
-          <ac:chgData name="Matthieu De Mari" userId="dfb708c9-d8dc-439f-9a3b-c772bf4a311c" providerId="ADAL" clId="{D2FDBEB2-E663-41FC-8A3C-AC79657DF6AB}" dt="2023-02-03T08:23:39.331" v="6033" actId="478"/>
-          <ac:spMkLst>
-            <pc:docMk/>
-            <pc:sldMk cId="2791462929" sldId="772"/>
-            <ac:spMk id="2" creationId="{F73E479C-D045-DD74-CA6E-A60F94A36E18}"/>
-          </ac:spMkLst>
-        </pc:spChg>
-        <pc:spChg chg="del">
-          <ac:chgData name="Matthieu De Mari" userId="dfb708c9-d8dc-439f-9a3b-c772bf4a311c" providerId="ADAL" clId="{D2FDBEB2-E663-41FC-8A3C-AC79657DF6AB}" dt="2023-02-03T08:23:29.499" v="6029" actId="478"/>
-          <ac:spMkLst>
-            <pc:docMk/>
-            <pc:sldMk cId="2791462929" sldId="772"/>
-            <ac:spMk id="3" creationId="{70FF8A92-BFB5-623C-CBC8-C3AB284F9C4F}"/>
-          </ac:spMkLst>
-        </pc:spChg>
-        <pc:spChg chg="add del mod">
-          <ac:chgData name="Matthieu De Mari" userId="dfb708c9-d8dc-439f-9a3b-c772bf4a311c" providerId="ADAL" clId="{D2FDBEB2-E663-41FC-8A3C-AC79657DF6AB}" dt="2023-02-03T08:23:30.402" v="6030" actId="478"/>
-          <ac:spMkLst>
-            <pc:docMk/>
-            <pc:sldMk cId="2791462929" sldId="772"/>
-            <ac:spMk id="5" creationId="{3DD61136-8249-FB02-12AF-1593CC1FF5D8}"/>
-          </ac:spMkLst>
-        </pc:spChg>
-        <pc:spChg chg="add del mod">
-          <ac:chgData name="Matthieu De Mari" userId="dfb708c9-d8dc-439f-9a3b-c772bf4a311c" providerId="ADAL" clId="{D2FDBEB2-E663-41FC-8A3C-AC79657DF6AB}" dt="2023-02-03T08:23:39.846" v="6034" actId="478"/>
-          <ac:spMkLst>
-            <pc:docMk/>
-            <pc:sldMk cId="2791462929" sldId="772"/>
-            <ac:spMk id="9" creationId="{FFB59F14-5BBC-0746-BF94-EA6C66BE9A0B}"/>
-          </ac:spMkLst>
-        </pc:spChg>
-        <pc:spChg chg="add mod">
-          <ac:chgData name="Matthieu De Mari" userId="dfb708c9-d8dc-439f-9a3b-c772bf4a311c" providerId="ADAL" clId="{D2FDBEB2-E663-41FC-8A3C-AC79657DF6AB}" dt="2023-02-03T08:24:00.796" v="6040" actId="693"/>
-          <ac:spMkLst>
-            <pc:docMk/>
-            <pc:sldMk cId="2791462929" sldId="772"/>
-            <ac:spMk id="10" creationId="{05D2C95D-2B70-B440-975A-04C4967C6B36}"/>
-          </ac:spMkLst>
-        </pc:spChg>
-        <pc:picChg chg="add mod">
-          <ac:chgData name="Matthieu De Mari" userId="dfb708c9-d8dc-439f-9a3b-c772bf4a311c" providerId="ADAL" clId="{D2FDBEB2-E663-41FC-8A3C-AC79657DF6AB}" dt="2023-02-03T08:23:43.814" v="6035" actId="1076"/>
-          <ac:picMkLst>
-            <pc:docMk/>
-            <pc:sldMk cId="2791462929" sldId="772"/>
-            <ac:picMk id="7" creationId="{8A22C389-6C54-9099-6A64-828E4E151972}"/>
-          </ac:picMkLst>
-        </pc:picChg>
       </pc:sldChg>
       <pc:sldChg chg="addSp delSp modSp add mod">
         <pc:chgData name="Matthieu De Mari" userId="dfb708c9-d8dc-439f-9a3b-c772bf4a311c" providerId="ADAL" clId="{D2FDBEB2-E663-41FC-8A3C-AC79657DF6AB}" dt="2023-02-03T08:25:06.211" v="6051" actId="14100"/>
@@ -2951,62 +911,6 @@
           <pc:docMk/>
           <pc:sldMk cId="3544439591" sldId="773"/>
         </pc:sldMkLst>
-        <pc:spChg chg="del">
-          <ac:chgData name="Matthieu De Mari" userId="dfb708c9-d8dc-439f-9a3b-c772bf4a311c" providerId="ADAL" clId="{D2FDBEB2-E663-41FC-8A3C-AC79657DF6AB}" dt="2023-02-03T08:24:07.770" v="6042" actId="478"/>
-          <ac:spMkLst>
-            <pc:docMk/>
-            <pc:sldMk cId="3544439591" sldId="773"/>
-            <ac:spMk id="2" creationId="{F73E479C-D045-DD74-CA6E-A60F94A36E18}"/>
-          </ac:spMkLst>
-        </pc:spChg>
-        <pc:spChg chg="del">
-          <ac:chgData name="Matthieu De Mari" userId="dfb708c9-d8dc-439f-9a3b-c772bf4a311c" providerId="ADAL" clId="{D2FDBEB2-E663-41FC-8A3C-AC79657DF6AB}" dt="2023-02-03T08:24:06.105" v="6041" actId="478"/>
-          <ac:spMkLst>
-            <pc:docMk/>
-            <pc:sldMk cId="3544439591" sldId="773"/>
-            <ac:spMk id="3" creationId="{70FF8A92-BFB5-623C-CBC8-C3AB284F9C4F}"/>
-          </ac:spMkLst>
-        </pc:spChg>
-        <pc:spChg chg="add del mod">
-          <ac:chgData name="Matthieu De Mari" userId="dfb708c9-d8dc-439f-9a3b-c772bf4a311c" providerId="ADAL" clId="{D2FDBEB2-E663-41FC-8A3C-AC79657DF6AB}" dt="2023-02-03T08:24:10.221" v="6044" actId="478"/>
-          <ac:spMkLst>
-            <pc:docMk/>
-            <pc:sldMk cId="3544439591" sldId="773"/>
-            <ac:spMk id="5" creationId="{AE319490-EE7A-7727-9750-A567680B8BCF}"/>
-          </ac:spMkLst>
-        </pc:spChg>
-        <pc:spChg chg="add del mod">
-          <ac:chgData name="Matthieu De Mari" userId="dfb708c9-d8dc-439f-9a3b-c772bf4a311c" providerId="ADAL" clId="{D2FDBEB2-E663-41FC-8A3C-AC79657DF6AB}" dt="2023-02-03T08:24:09.501" v="6043" actId="478"/>
-          <ac:spMkLst>
-            <pc:docMk/>
-            <pc:sldMk cId="3544439591" sldId="773"/>
-            <ac:spMk id="7" creationId="{F3BE0FB6-8065-C95F-CC16-20591A2BF2C4}"/>
-          </ac:spMkLst>
-        </pc:spChg>
-        <pc:spChg chg="add mod">
-          <ac:chgData name="Matthieu De Mari" userId="dfb708c9-d8dc-439f-9a3b-c772bf4a311c" providerId="ADAL" clId="{D2FDBEB2-E663-41FC-8A3C-AC79657DF6AB}" dt="2023-02-03T08:24:54.399" v="6048" actId="14100"/>
-          <ac:spMkLst>
-            <pc:docMk/>
-            <pc:sldMk cId="3544439591" sldId="773"/>
-            <ac:spMk id="10" creationId="{40C8C131-441A-C680-9DA7-9EFCD7CB8648}"/>
-          </ac:spMkLst>
-        </pc:spChg>
-        <pc:spChg chg="add mod">
-          <ac:chgData name="Matthieu De Mari" userId="dfb708c9-d8dc-439f-9a3b-c772bf4a311c" providerId="ADAL" clId="{D2FDBEB2-E663-41FC-8A3C-AC79657DF6AB}" dt="2023-02-03T08:25:06.211" v="6051" actId="14100"/>
-          <ac:spMkLst>
-            <pc:docMk/>
-            <pc:sldMk cId="3544439591" sldId="773"/>
-            <ac:spMk id="11" creationId="{CCF19188-331C-56E9-DDFD-E1D8F2293637}"/>
-          </ac:spMkLst>
-        </pc:spChg>
-        <pc:picChg chg="add">
-          <ac:chgData name="Matthieu De Mari" userId="dfb708c9-d8dc-439f-9a3b-c772bf4a311c" providerId="ADAL" clId="{D2FDBEB2-E663-41FC-8A3C-AC79657DF6AB}" dt="2023-02-03T08:24:39.775" v="6045" actId="22"/>
-          <ac:picMkLst>
-            <pc:docMk/>
-            <pc:sldMk cId="3544439591" sldId="773"/>
-            <ac:picMk id="9" creationId="{F74376F7-0E3A-4AAD-EC53-B5CDCF5F5761}"/>
-          </ac:picMkLst>
-        </pc:picChg>
       </pc:sldChg>
       <pc:sldChg chg="addSp delSp modSp add mod">
         <pc:chgData name="Matthieu De Mari" userId="dfb708c9-d8dc-439f-9a3b-c772bf4a311c" providerId="ADAL" clId="{D2FDBEB2-E663-41FC-8A3C-AC79657DF6AB}" dt="2023-02-03T08:25:30.434" v="6061" actId="478"/>
@@ -3014,38 +918,6 @@
           <pc:docMk/>
           <pc:sldMk cId="2831341972" sldId="774"/>
         </pc:sldMkLst>
-        <pc:spChg chg="del">
-          <ac:chgData name="Matthieu De Mari" userId="dfb708c9-d8dc-439f-9a3b-c772bf4a311c" providerId="ADAL" clId="{D2FDBEB2-E663-41FC-8A3C-AC79657DF6AB}" dt="2023-02-03T08:25:28.859" v="6060" actId="478"/>
-          <ac:spMkLst>
-            <pc:docMk/>
-            <pc:sldMk cId="2831341972" sldId="774"/>
-            <ac:spMk id="10" creationId="{40C8C131-441A-C680-9DA7-9EFCD7CB8648}"/>
-          </ac:spMkLst>
-        </pc:spChg>
-        <pc:spChg chg="del">
-          <ac:chgData name="Matthieu De Mari" userId="dfb708c9-d8dc-439f-9a3b-c772bf4a311c" providerId="ADAL" clId="{D2FDBEB2-E663-41FC-8A3C-AC79657DF6AB}" dt="2023-02-03T08:25:30.434" v="6061" actId="478"/>
-          <ac:spMkLst>
-            <pc:docMk/>
-            <pc:sldMk cId="2831341972" sldId="774"/>
-            <ac:spMk id="11" creationId="{CCF19188-331C-56E9-DDFD-E1D8F2293637}"/>
-          </ac:spMkLst>
-        </pc:spChg>
-        <pc:picChg chg="add ord">
-          <ac:chgData name="Matthieu De Mari" userId="dfb708c9-d8dc-439f-9a3b-c772bf4a311c" providerId="ADAL" clId="{D2FDBEB2-E663-41FC-8A3C-AC79657DF6AB}" dt="2023-02-03T08:25:26.871" v="6059" actId="171"/>
-          <ac:picMkLst>
-            <pc:docMk/>
-            <pc:sldMk cId="2831341972" sldId="774"/>
-            <ac:picMk id="3" creationId="{837C229A-616F-199B-C751-22C64F2D23AF}"/>
-          </ac:picMkLst>
-        </pc:picChg>
-        <pc:picChg chg="del">
-          <ac:chgData name="Matthieu De Mari" userId="dfb708c9-d8dc-439f-9a3b-c772bf4a311c" providerId="ADAL" clId="{D2FDBEB2-E663-41FC-8A3C-AC79657DF6AB}" dt="2023-02-03T08:25:11.983" v="6053" actId="478"/>
-          <ac:picMkLst>
-            <pc:docMk/>
-            <pc:sldMk cId="2831341972" sldId="774"/>
-            <ac:picMk id="9" creationId="{F74376F7-0E3A-4AAD-EC53-B5CDCF5F5761}"/>
-          </ac:picMkLst>
-        </pc:picChg>
       </pc:sldChg>
       <pc:sldChg chg="addSp delSp modSp add mod">
         <pc:chgData name="Matthieu De Mari" userId="dfb708c9-d8dc-439f-9a3b-c772bf4a311c" providerId="ADAL" clId="{D2FDBEB2-E663-41FC-8A3C-AC79657DF6AB}" dt="2023-02-03T08:35:42.751" v="6590" actId="20577"/>
@@ -3053,46 +925,6 @@
           <pc:docMk/>
           <pc:sldMk cId="743119883" sldId="775"/>
         </pc:sldMkLst>
-        <pc:spChg chg="mod">
-          <ac:chgData name="Matthieu De Mari" userId="dfb708c9-d8dc-439f-9a3b-c772bf4a311c" providerId="ADAL" clId="{D2FDBEB2-E663-41FC-8A3C-AC79657DF6AB}" dt="2023-02-03T08:35:42.751" v="6590" actId="20577"/>
-          <ac:spMkLst>
-            <pc:docMk/>
-            <pc:sldMk cId="743119883" sldId="775"/>
-            <ac:spMk id="3" creationId="{EDC87932-752D-FABC-76EF-38023409D8D8}"/>
-          </ac:spMkLst>
-        </pc:spChg>
-        <pc:spChg chg="del mod">
-          <ac:chgData name="Matthieu De Mari" userId="dfb708c9-d8dc-439f-9a3b-c772bf4a311c" providerId="ADAL" clId="{D2FDBEB2-E663-41FC-8A3C-AC79657DF6AB}" dt="2023-02-03T08:32:49.483" v="6389" actId="478"/>
-          <ac:spMkLst>
-            <pc:docMk/>
-            <pc:sldMk cId="743119883" sldId="775"/>
-            <ac:spMk id="4" creationId="{2A4C576B-2ED6-0560-5E76-758168B5FF17}"/>
-          </ac:spMkLst>
-        </pc:spChg>
-        <pc:spChg chg="add del">
-          <ac:chgData name="Matthieu De Mari" userId="dfb708c9-d8dc-439f-9a3b-c772bf4a311c" providerId="ADAL" clId="{D2FDBEB2-E663-41FC-8A3C-AC79657DF6AB}" dt="2023-02-03T08:33:34.303" v="6430"/>
-          <ac:spMkLst>
-            <pc:docMk/>
-            <pc:sldMk cId="743119883" sldId="775"/>
-            <ac:spMk id="5" creationId="{AFF69E5F-801B-0C46-BA7C-6F246C173675}"/>
-          </ac:spMkLst>
-        </pc:spChg>
-        <pc:spChg chg="add del">
-          <ac:chgData name="Matthieu De Mari" userId="dfb708c9-d8dc-439f-9a3b-c772bf4a311c" providerId="ADAL" clId="{D2FDBEB2-E663-41FC-8A3C-AC79657DF6AB}" dt="2023-02-03T08:33:57.224" v="6440"/>
-          <ac:spMkLst>
-            <pc:docMk/>
-            <pc:sldMk cId="743119883" sldId="775"/>
-            <ac:spMk id="6" creationId="{C6A063D2-50CF-1A51-4CAB-971191EB54DD}"/>
-          </ac:spMkLst>
-        </pc:spChg>
-        <pc:spChg chg="add del">
-          <ac:chgData name="Matthieu De Mari" userId="dfb708c9-d8dc-439f-9a3b-c772bf4a311c" providerId="ADAL" clId="{D2FDBEB2-E663-41FC-8A3C-AC79657DF6AB}" dt="2023-02-03T08:34:27.329" v="6456"/>
-          <ac:spMkLst>
-            <pc:docMk/>
-            <pc:sldMk cId="743119883" sldId="775"/>
-            <ac:spMk id="7" creationId="{B0D6C9DC-EF97-E61A-C0C6-AFDF71BE7987}"/>
-          </ac:spMkLst>
-        </pc:spChg>
       </pc:sldChg>
       <pc:sldChg chg="addSp delSp modSp add mod modClrScheme chgLayout">
         <pc:chgData name="Matthieu De Mari" userId="dfb708c9-d8dc-439f-9a3b-c772bf4a311c" providerId="ADAL" clId="{D2FDBEB2-E663-41FC-8A3C-AC79657DF6AB}" dt="2023-02-03T08:38:18.521" v="6716" actId="14100"/>
@@ -3100,62 +932,6 @@
           <pc:docMk/>
           <pc:sldMk cId="1966383991" sldId="776"/>
         </pc:sldMkLst>
-        <pc:spChg chg="del mod ord">
-          <ac:chgData name="Matthieu De Mari" userId="dfb708c9-d8dc-439f-9a3b-c772bf4a311c" providerId="ADAL" clId="{D2FDBEB2-E663-41FC-8A3C-AC79657DF6AB}" dt="2023-02-03T08:37:08.521" v="6696" actId="478"/>
-          <ac:spMkLst>
-            <pc:docMk/>
-            <pc:sldMk cId="1966383991" sldId="776"/>
-            <ac:spMk id="2" creationId="{9E92E9E4-1AEF-6408-1465-D1DC917DE2AF}"/>
-          </ac:spMkLst>
-        </pc:spChg>
-        <pc:spChg chg="del mod ord">
-          <ac:chgData name="Matthieu De Mari" userId="dfb708c9-d8dc-439f-9a3b-c772bf4a311c" providerId="ADAL" clId="{D2FDBEB2-E663-41FC-8A3C-AC79657DF6AB}" dt="2023-02-03T08:37:07.261" v="6695" actId="478"/>
-          <ac:spMkLst>
-            <pc:docMk/>
-            <pc:sldMk cId="1966383991" sldId="776"/>
-            <ac:spMk id="3" creationId="{EDC87932-752D-FABC-76EF-38023409D8D8}"/>
-          </ac:spMkLst>
-        </pc:spChg>
-        <pc:spChg chg="add mod">
-          <ac:chgData name="Matthieu De Mari" userId="dfb708c9-d8dc-439f-9a3b-c772bf4a311c" providerId="ADAL" clId="{D2FDBEB2-E663-41FC-8A3C-AC79657DF6AB}" dt="2023-02-03T08:37:44.231" v="6704" actId="14100"/>
-          <ac:spMkLst>
-            <pc:docMk/>
-            <pc:sldMk cId="1966383991" sldId="776"/>
-            <ac:spMk id="6" creationId="{B81BF3B3-CE84-481C-BA68-D4C15AEFD0C8}"/>
-          </ac:spMkLst>
-        </pc:spChg>
-        <pc:spChg chg="add mod">
-          <ac:chgData name="Matthieu De Mari" userId="dfb708c9-d8dc-439f-9a3b-c772bf4a311c" providerId="ADAL" clId="{D2FDBEB2-E663-41FC-8A3C-AC79657DF6AB}" dt="2023-02-03T08:37:51.859" v="6707" actId="14100"/>
-          <ac:spMkLst>
-            <pc:docMk/>
-            <pc:sldMk cId="1966383991" sldId="776"/>
-            <ac:spMk id="7" creationId="{19BF4F18-8542-0DC3-D74A-719630C157EC}"/>
-          </ac:spMkLst>
-        </pc:spChg>
-        <pc:spChg chg="add mod">
-          <ac:chgData name="Matthieu De Mari" userId="dfb708c9-d8dc-439f-9a3b-c772bf4a311c" providerId="ADAL" clId="{D2FDBEB2-E663-41FC-8A3C-AC79657DF6AB}" dt="2023-02-03T08:38:09.319" v="6712" actId="14100"/>
-          <ac:spMkLst>
-            <pc:docMk/>
-            <pc:sldMk cId="1966383991" sldId="776"/>
-            <ac:spMk id="8" creationId="{88F7E578-F57B-3DA6-91CB-FDA0B5ADDE28}"/>
-          </ac:spMkLst>
-        </pc:spChg>
-        <pc:spChg chg="add mod">
-          <ac:chgData name="Matthieu De Mari" userId="dfb708c9-d8dc-439f-9a3b-c772bf4a311c" providerId="ADAL" clId="{D2FDBEB2-E663-41FC-8A3C-AC79657DF6AB}" dt="2023-02-03T08:38:18.521" v="6716" actId="14100"/>
-          <ac:spMkLst>
-            <pc:docMk/>
-            <pc:sldMk cId="1966383991" sldId="776"/>
-            <ac:spMk id="9" creationId="{2EC6039F-E579-454C-DF0C-2DA2980864E5}"/>
-          </ac:spMkLst>
-        </pc:spChg>
-        <pc:picChg chg="add mod">
-          <ac:chgData name="Matthieu De Mari" userId="dfb708c9-d8dc-439f-9a3b-c772bf4a311c" providerId="ADAL" clId="{D2FDBEB2-E663-41FC-8A3C-AC79657DF6AB}" dt="2023-02-03T08:37:38.470" v="6703" actId="14100"/>
-          <ac:picMkLst>
-            <pc:docMk/>
-            <pc:sldMk cId="1966383991" sldId="776"/>
-            <ac:picMk id="5" creationId="{8B96114E-5630-8F4B-7F34-8E0B7043DE39}"/>
-          </ac:picMkLst>
-        </pc:picChg>
       </pc:sldChg>
       <pc:sldChg chg="modSp add mod">
         <pc:chgData name="Matthieu De Mari" userId="dfb708c9-d8dc-439f-9a3b-c772bf4a311c" providerId="ADAL" clId="{D2FDBEB2-E663-41FC-8A3C-AC79657DF6AB}" dt="2023-02-03T08:44:33.674" v="7137" actId="14100"/>
@@ -3163,14 +939,6 @@
           <pc:docMk/>
           <pc:sldMk cId="3349972987" sldId="777"/>
         </pc:sldMkLst>
-        <pc:spChg chg="mod">
-          <ac:chgData name="Matthieu De Mari" userId="dfb708c9-d8dc-439f-9a3b-c772bf4a311c" providerId="ADAL" clId="{D2FDBEB2-E663-41FC-8A3C-AC79657DF6AB}" dt="2023-02-03T08:44:33.674" v="7137" actId="14100"/>
-          <ac:spMkLst>
-            <pc:docMk/>
-            <pc:sldMk cId="3349972987" sldId="777"/>
-            <ac:spMk id="3" creationId="{EDC87932-752D-FABC-76EF-38023409D8D8}"/>
-          </ac:spMkLst>
-        </pc:spChg>
       </pc:sldChg>
       <pc:sldChg chg="modSp new mod ord">
         <pc:chgData name="Matthieu De Mari" userId="dfb708c9-d8dc-439f-9a3b-c772bf4a311c" providerId="ADAL" clId="{D2FDBEB2-E663-41FC-8A3C-AC79657DF6AB}" dt="2023-02-03T08:51:08.222" v="7382"/>
@@ -3178,22 +946,6 @@
           <pc:docMk/>
           <pc:sldMk cId="4008937125" sldId="778"/>
         </pc:sldMkLst>
-        <pc:spChg chg="mod">
-          <ac:chgData name="Matthieu De Mari" userId="dfb708c9-d8dc-439f-9a3b-c772bf4a311c" providerId="ADAL" clId="{D2FDBEB2-E663-41FC-8A3C-AC79657DF6AB}" dt="2023-02-03T08:44:54.903" v="7177" actId="20577"/>
-          <ac:spMkLst>
-            <pc:docMk/>
-            <pc:sldMk cId="4008937125" sldId="778"/>
-            <ac:spMk id="2" creationId="{71E1A1F8-8179-2E4B-0559-23E67A65BC3B}"/>
-          </ac:spMkLst>
-        </pc:spChg>
-        <pc:spChg chg="mod">
-          <ac:chgData name="Matthieu De Mari" userId="dfb708c9-d8dc-439f-9a3b-c772bf4a311c" providerId="ADAL" clId="{D2FDBEB2-E663-41FC-8A3C-AC79657DF6AB}" dt="2023-02-03T08:48:53.159" v="7372" actId="113"/>
-          <ac:spMkLst>
-            <pc:docMk/>
-            <pc:sldMk cId="4008937125" sldId="778"/>
-            <ac:spMk id="3" creationId="{434F9CC2-454D-E009-C2D1-3A775BEB1B4B}"/>
-          </ac:spMkLst>
-        </pc:spChg>
       </pc:sldChg>
       <pc:sldChg chg="addSp delSp modSp add mod ord modClrScheme chgLayout">
         <pc:chgData name="Matthieu De Mari" userId="dfb708c9-d8dc-439f-9a3b-c772bf4a311c" providerId="ADAL" clId="{D2FDBEB2-E663-41FC-8A3C-AC79657DF6AB}" dt="2023-02-03T08:51:08.222" v="7382"/>
@@ -3201,62 +953,6 @@
           <pc:docMk/>
           <pc:sldMk cId="1689794110" sldId="779"/>
         </pc:sldMkLst>
-        <pc:spChg chg="del mod ord">
-          <ac:chgData name="Matthieu De Mari" userId="dfb708c9-d8dc-439f-9a3b-c772bf4a311c" providerId="ADAL" clId="{D2FDBEB2-E663-41FC-8A3C-AC79657DF6AB}" dt="2023-02-03T08:47:18.323" v="7334" actId="478"/>
-          <ac:spMkLst>
-            <pc:docMk/>
-            <pc:sldMk cId="1689794110" sldId="779"/>
-            <ac:spMk id="2" creationId="{71E1A1F8-8179-2E4B-0559-23E67A65BC3B}"/>
-          </ac:spMkLst>
-        </pc:spChg>
-        <pc:spChg chg="del mod ord">
-          <ac:chgData name="Matthieu De Mari" userId="dfb708c9-d8dc-439f-9a3b-c772bf4a311c" providerId="ADAL" clId="{D2FDBEB2-E663-41FC-8A3C-AC79657DF6AB}" dt="2023-02-03T08:47:16.564" v="7333" actId="478"/>
-          <ac:spMkLst>
-            <pc:docMk/>
-            <pc:sldMk cId="1689794110" sldId="779"/>
-            <ac:spMk id="3" creationId="{434F9CC2-454D-E009-C2D1-3A775BEB1B4B}"/>
-          </ac:spMkLst>
-        </pc:spChg>
-        <pc:spChg chg="add mod">
-          <ac:chgData name="Matthieu De Mari" userId="dfb708c9-d8dc-439f-9a3b-c772bf4a311c" providerId="ADAL" clId="{D2FDBEB2-E663-41FC-8A3C-AC79657DF6AB}" dt="2023-02-03T08:48:37.824" v="7355" actId="14100"/>
-          <ac:spMkLst>
-            <pc:docMk/>
-            <pc:sldMk cId="1689794110" sldId="779"/>
-            <ac:spMk id="6" creationId="{DBBF2456-0C4C-AE76-B6E2-E7FC45D9E3BA}"/>
-          </ac:spMkLst>
-        </pc:spChg>
-        <pc:spChg chg="add mod">
-          <ac:chgData name="Matthieu De Mari" userId="dfb708c9-d8dc-439f-9a3b-c772bf4a311c" providerId="ADAL" clId="{D2FDBEB2-E663-41FC-8A3C-AC79657DF6AB}" dt="2023-02-03T08:47:45.050" v="7345" actId="14100"/>
-          <ac:spMkLst>
-            <pc:docMk/>
-            <pc:sldMk cId="1689794110" sldId="779"/>
-            <ac:spMk id="7" creationId="{B95ADA31-58FD-5500-8618-8D30D831D8B0}"/>
-          </ac:spMkLst>
-        </pc:spChg>
-        <pc:spChg chg="add mod">
-          <ac:chgData name="Matthieu De Mari" userId="dfb708c9-d8dc-439f-9a3b-c772bf4a311c" providerId="ADAL" clId="{D2FDBEB2-E663-41FC-8A3C-AC79657DF6AB}" dt="2023-02-03T08:47:59.551" v="7349" actId="14100"/>
-          <ac:spMkLst>
-            <pc:docMk/>
-            <pc:sldMk cId="1689794110" sldId="779"/>
-            <ac:spMk id="8" creationId="{8ED13D18-8BEB-F9E2-EF97-FA30C2C1287A}"/>
-          </ac:spMkLst>
-        </pc:spChg>
-        <pc:spChg chg="add mod">
-          <ac:chgData name="Matthieu De Mari" userId="dfb708c9-d8dc-439f-9a3b-c772bf4a311c" providerId="ADAL" clId="{D2FDBEB2-E663-41FC-8A3C-AC79657DF6AB}" dt="2023-02-03T08:48:25.474" v="7354" actId="14100"/>
-          <ac:spMkLst>
-            <pc:docMk/>
-            <pc:sldMk cId="1689794110" sldId="779"/>
-            <ac:spMk id="9" creationId="{38E02E82-D7E5-732A-71C4-3745B6604D4C}"/>
-          </ac:spMkLst>
-        </pc:spChg>
-        <pc:picChg chg="add">
-          <ac:chgData name="Matthieu De Mari" userId="dfb708c9-d8dc-439f-9a3b-c772bf4a311c" providerId="ADAL" clId="{D2FDBEB2-E663-41FC-8A3C-AC79657DF6AB}" dt="2023-02-03T08:47:20.281" v="7335" actId="22"/>
-          <ac:picMkLst>
-            <pc:docMk/>
-            <pc:sldMk cId="1689794110" sldId="779"/>
-            <ac:picMk id="5" creationId="{8E1B965F-64B9-04CD-4638-0890D97D57DE}"/>
-          </ac:picMkLst>
-        </pc:picChg>
       </pc:sldChg>
       <pc:sldChg chg="addSp delSp modSp add mod">
         <pc:chgData name="Matthieu De Mari" userId="dfb708c9-d8dc-439f-9a3b-c772bf4a311c" providerId="ADAL" clId="{D2FDBEB2-E663-41FC-8A3C-AC79657DF6AB}" dt="2023-02-03T08:55:14.765" v="7629" actId="20577"/>
@@ -3264,38 +960,6 @@
           <pc:docMk/>
           <pc:sldMk cId="2678238830" sldId="780"/>
         </pc:sldMkLst>
-        <pc:spChg chg="mod">
-          <ac:chgData name="Matthieu De Mari" userId="dfb708c9-d8dc-439f-9a3b-c772bf4a311c" providerId="ADAL" clId="{D2FDBEB2-E663-41FC-8A3C-AC79657DF6AB}" dt="2023-02-03T08:55:14.765" v="7629" actId="20577"/>
-          <ac:spMkLst>
-            <pc:docMk/>
-            <pc:sldMk cId="2678238830" sldId="780"/>
-            <ac:spMk id="4" creationId="{7B27ED01-4B43-7115-3D3C-53FF72E7590A}"/>
-          </ac:spMkLst>
-        </pc:spChg>
-        <pc:spChg chg="mod">
-          <ac:chgData name="Matthieu De Mari" userId="dfb708c9-d8dc-439f-9a3b-c772bf4a311c" providerId="ADAL" clId="{D2FDBEB2-E663-41FC-8A3C-AC79657DF6AB}" dt="2023-02-03T08:54:33.588" v="7588" actId="1038"/>
-          <ac:spMkLst>
-            <pc:docMk/>
-            <pc:sldMk cId="2678238830" sldId="780"/>
-            <ac:spMk id="8" creationId="{AD6ED9A1-3116-CE4C-FF7F-F3A141ACF6CB}"/>
-          </ac:spMkLst>
-        </pc:spChg>
-        <pc:picChg chg="add mod ord">
-          <ac:chgData name="Matthieu De Mari" userId="dfb708c9-d8dc-439f-9a3b-c772bf4a311c" providerId="ADAL" clId="{D2FDBEB2-E663-41FC-8A3C-AC79657DF6AB}" dt="2023-02-03T08:54:20.686" v="7584" actId="171"/>
-          <ac:picMkLst>
-            <pc:docMk/>
-            <pc:sldMk cId="2678238830" sldId="780"/>
-            <ac:picMk id="5" creationId="{F9B5E18C-3841-3FEA-69B5-359FC902D27F}"/>
-          </ac:picMkLst>
-        </pc:picChg>
-        <pc:picChg chg="del">
-          <ac:chgData name="Matthieu De Mari" userId="dfb708c9-d8dc-439f-9a3b-c772bf4a311c" providerId="ADAL" clId="{D2FDBEB2-E663-41FC-8A3C-AC79657DF6AB}" dt="2023-02-03T08:54:11.674" v="7576" actId="478"/>
-          <ac:picMkLst>
-            <pc:docMk/>
-            <pc:sldMk cId="2678238830" sldId="780"/>
-            <ac:picMk id="7" creationId="{FA82CB6F-957A-39D7-F6F0-4ED02FB8462B}"/>
-          </ac:picMkLst>
-        </pc:picChg>
       </pc:sldChg>
       <pc:sldChg chg="addSp delSp new mod">
         <pc:chgData name="Matthieu De Mari" userId="dfb708c9-d8dc-439f-9a3b-c772bf4a311c" providerId="ADAL" clId="{D2FDBEB2-E663-41FC-8A3C-AC79657DF6AB}" dt="2023-02-03T09:13:37.539" v="8349" actId="22"/>
@@ -3303,54 +967,6 @@
           <pc:docMk/>
           <pc:sldMk cId="3029045816" sldId="781"/>
         </pc:sldMkLst>
-        <pc:spChg chg="del">
-          <ac:chgData name="Matthieu De Mari" userId="dfb708c9-d8dc-439f-9a3b-c772bf4a311c" providerId="ADAL" clId="{D2FDBEB2-E663-41FC-8A3C-AC79657DF6AB}" dt="2023-02-03T09:00:36.374" v="7631" actId="478"/>
-          <ac:spMkLst>
-            <pc:docMk/>
-            <pc:sldMk cId="3029045816" sldId="781"/>
-            <ac:spMk id="2" creationId="{2811B94F-D42B-639B-F579-89FB0EEFE42C}"/>
-          </ac:spMkLst>
-        </pc:spChg>
-        <pc:spChg chg="del">
-          <ac:chgData name="Matthieu De Mari" userId="dfb708c9-d8dc-439f-9a3b-c772bf4a311c" providerId="ADAL" clId="{D2FDBEB2-E663-41FC-8A3C-AC79657DF6AB}" dt="2023-02-03T09:00:37.185" v="7632" actId="478"/>
-          <ac:spMkLst>
-            <pc:docMk/>
-            <pc:sldMk cId="3029045816" sldId="781"/>
-            <ac:spMk id="3" creationId="{4C6E163F-DC3F-A550-AB78-8FBBA2764417}"/>
-          </ac:spMkLst>
-        </pc:spChg>
-        <pc:spChg chg="add del">
-          <ac:chgData name="Matthieu De Mari" userId="dfb708c9-d8dc-439f-9a3b-c772bf4a311c" providerId="ADAL" clId="{D2FDBEB2-E663-41FC-8A3C-AC79657DF6AB}" dt="2023-02-03T09:13:20.835" v="8348" actId="22"/>
-          <ac:spMkLst>
-            <pc:docMk/>
-            <pc:sldMk cId="3029045816" sldId="781"/>
-            <ac:spMk id="3" creationId="{ED51446F-04AB-17E5-A48B-5197937CC7C4}"/>
-          </ac:spMkLst>
-        </pc:spChg>
-        <pc:picChg chg="add del">
-          <ac:chgData name="Matthieu De Mari" userId="dfb708c9-d8dc-439f-9a3b-c772bf4a311c" providerId="ADAL" clId="{D2FDBEB2-E663-41FC-8A3C-AC79657DF6AB}" dt="2023-02-03T09:01:24.187" v="7634" actId="478"/>
-          <ac:picMkLst>
-            <pc:docMk/>
-            <pc:sldMk cId="3029045816" sldId="781"/>
-            <ac:picMk id="5" creationId="{058B2FB9-2C02-B894-58C8-8678DF318062}"/>
-          </ac:picMkLst>
-        </pc:picChg>
-        <pc:picChg chg="add">
-          <ac:chgData name="Matthieu De Mari" userId="dfb708c9-d8dc-439f-9a3b-c772bf4a311c" providerId="ADAL" clId="{D2FDBEB2-E663-41FC-8A3C-AC79657DF6AB}" dt="2023-02-03T09:13:37.539" v="8349" actId="22"/>
-          <ac:picMkLst>
-            <pc:docMk/>
-            <pc:sldMk cId="3029045816" sldId="781"/>
-            <ac:picMk id="5" creationId="{3E023E11-7496-BE2E-7A45-955789BC0F1F}"/>
-          </ac:picMkLst>
-        </pc:picChg>
-        <pc:picChg chg="add del">
-          <ac:chgData name="Matthieu De Mari" userId="dfb708c9-d8dc-439f-9a3b-c772bf4a311c" providerId="ADAL" clId="{D2FDBEB2-E663-41FC-8A3C-AC79657DF6AB}" dt="2023-02-03T09:13:19.376" v="8346" actId="478"/>
-          <ac:picMkLst>
-            <pc:docMk/>
-            <pc:sldMk cId="3029045816" sldId="781"/>
-            <ac:picMk id="7" creationId="{D090B30F-C885-33CE-949D-6C1E8B0697F2}"/>
-          </ac:picMkLst>
-        </pc:picChg>
       </pc:sldChg>
       <pc:sldChg chg="addSp delSp modSp new mod modClrScheme chgLayout">
         <pc:chgData name="Matthieu De Mari" userId="dfb708c9-d8dc-439f-9a3b-c772bf4a311c" providerId="ADAL" clId="{D2FDBEB2-E663-41FC-8A3C-AC79657DF6AB}" dt="2023-02-03T09:09:53.026" v="8345" actId="20577"/>
@@ -3358,46 +974,6 @@
           <pc:docMk/>
           <pc:sldMk cId="278531271" sldId="782"/>
         </pc:sldMkLst>
-        <pc:spChg chg="del mod ord">
-          <ac:chgData name="Matthieu De Mari" userId="dfb708c9-d8dc-439f-9a3b-c772bf4a311c" providerId="ADAL" clId="{D2FDBEB2-E663-41FC-8A3C-AC79657DF6AB}" dt="2023-02-03T09:04:29.324" v="7832" actId="700"/>
-          <ac:spMkLst>
-            <pc:docMk/>
-            <pc:sldMk cId="278531271" sldId="782"/>
-            <ac:spMk id="2" creationId="{05DDA3F6-97D2-4A7C-CC82-6AB16E153C9D}"/>
-          </ac:spMkLst>
-        </pc:spChg>
-        <pc:spChg chg="del mod ord">
-          <ac:chgData name="Matthieu De Mari" userId="dfb708c9-d8dc-439f-9a3b-c772bf4a311c" providerId="ADAL" clId="{D2FDBEB2-E663-41FC-8A3C-AC79657DF6AB}" dt="2023-02-03T09:04:29.324" v="7832" actId="700"/>
-          <ac:spMkLst>
-            <pc:docMk/>
-            <pc:sldMk cId="278531271" sldId="782"/>
-            <ac:spMk id="3" creationId="{D2564279-4EF0-6C29-D9F1-8EF1BAD565CA}"/>
-          </ac:spMkLst>
-        </pc:spChg>
-        <pc:spChg chg="del">
-          <ac:chgData name="Matthieu De Mari" userId="dfb708c9-d8dc-439f-9a3b-c772bf4a311c" providerId="ADAL" clId="{D2FDBEB2-E663-41FC-8A3C-AC79657DF6AB}" dt="2023-02-03T09:04:29.324" v="7832" actId="700"/>
-          <ac:spMkLst>
-            <pc:docMk/>
-            <pc:sldMk cId="278531271" sldId="782"/>
-            <ac:spMk id="4" creationId="{05552E7A-21EB-5748-CBD4-0DA5370F121B}"/>
-          </ac:spMkLst>
-        </pc:spChg>
-        <pc:spChg chg="add mod ord">
-          <ac:chgData name="Matthieu De Mari" userId="dfb708c9-d8dc-439f-9a3b-c772bf4a311c" providerId="ADAL" clId="{D2FDBEB2-E663-41FC-8A3C-AC79657DF6AB}" dt="2023-02-03T09:09:05.130" v="8246" actId="20577"/>
-          <ac:spMkLst>
-            <pc:docMk/>
-            <pc:sldMk cId="278531271" sldId="782"/>
-            <ac:spMk id="5" creationId="{FD86860C-A975-6A1D-2657-944DB1F94C8A}"/>
-          </ac:spMkLst>
-        </pc:spChg>
-        <pc:spChg chg="add mod ord">
-          <ac:chgData name="Matthieu De Mari" userId="dfb708c9-d8dc-439f-9a3b-c772bf4a311c" providerId="ADAL" clId="{D2FDBEB2-E663-41FC-8A3C-AC79657DF6AB}" dt="2023-02-03T09:09:53.026" v="8345" actId="20577"/>
-          <ac:spMkLst>
-            <pc:docMk/>
-            <pc:sldMk cId="278531271" sldId="782"/>
-            <ac:spMk id="6" creationId="{5282BC02-8C8A-BDB1-A192-B4E530ACD8B1}"/>
-          </ac:spMkLst>
-        </pc:spChg>
       </pc:sldChg>
     </pc:docChg>
   </pc:docChgLst>
@@ -3442,14 +1018,6 @@
           <pc:docMk/>
           <pc:sldMk cId="1040156172" sldId="377"/>
         </pc:sldMkLst>
-        <pc:spChg chg="mod">
-          <ac:chgData name="Matthieu De Mari" userId="dfb708c9-d8dc-439f-9a3b-c772bf4a311c" providerId="ADAL" clId="{CD3BCE5D-F1D9-409A-9E6B-AD5ABB34863C}" dt="2023-02-07T01:24:02.661" v="3" actId="20577"/>
-          <ac:spMkLst>
-            <pc:docMk/>
-            <pc:sldMk cId="1040156172" sldId="377"/>
-            <ac:spMk id="2" creationId="{080CEB46-CC16-4D19-8C2C-AEE9471D8168}"/>
-          </ac:spMkLst>
-        </pc:spChg>
       </pc:sldChg>
       <pc:sldChg chg="del">
         <pc:chgData name="Matthieu De Mari" userId="dfb708c9-d8dc-439f-9a3b-c772bf4a311c" providerId="ADAL" clId="{CD3BCE5D-F1D9-409A-9E6B-AD5ABB34863C}" dt="2023-02-07T01:24:10.953" v="5" actId="47"/>
@@ -3898,54 +1466,6 @@
           <pc:docMk/>
           <pc:sldMk cId="1879463264" sldId="764"/>
         </pc:sldMkLst>
-        <pc:spChg chg="mod">
-          <ac:chgData name="Matthieu De Mari" userId="dfb708c9-d8dc-439f-9a3b-c772bf4a311c" providerId="ADAL" clId="{CD3BCE5D-F1D9-409A-9E6B-AD5ABB34863C}" dt="2023-02-07T02:34:16.315" v="97" actId="113"/>
-          <ac:spMkLst>
-            <pc:docMk/>
-            <pc:sldMk cId="1879463264" sldId="764"/>
-            <ac:spMk id="5" creationId="{1A87BA25-5926-816A-6E16-0F90D4B62FB8}"/>
-          </ac:spMkLst>
-        </pc:spChg>
-        <pc:spChg chg="mod">
-          <ac:chgData name="Matthieu De Mari" userId="dfb708c9-d8dc-439f-9a3b-c772bf4a311c" providerId="ADAL" clId="{CD3BCE5D-F1D9-409A-9E6B-AD5ABB34863C}" dt="2023-02-07T02:34:03.515" v="80" actId="1037"/>
-          <ac:spMkLst>
-            <pc:docMk/>
-            <pc:sldMk cId="1879463264" sldId="764"/>
-            <ac:spMk id="6" creationId="{B71B8432-2941-E985-296B-548380048287}"/>
-          </ac:spMkLst>
-        </pc:spChg>
-        <pc:spChg chg="mod">
-          <ac:chgData name="Matthieu De Mari" userId="dfb708c9-d8dc-439f-9a3b-c772bf4a311c" providerId="ADAL" clId="{CD3BCE5D-F1D9-409A-9E6B-AD5ABB34863C}" dt="2023-02-07T02:34:03.515" v="80" actId="1037"/>
-          <ac:spMkLst>
-            <pc:docMk/>
-            <pc:sldMk cId="1879463264" sldId="764"/>
-            <ac:spMk id="7" creationId="{6F218B3D-3CEC-F710-D995-1AFFD1565B4A}"/>
-          </ac:spMkLst>
-        </pc:spChg>
-        <pc:spChg chg="mod">
-          <ac:chgData name="Matthieu De Mari" userId="dfb708c9-d8dc-439f-9a3b-c772bf4a311c" providerId="ADAL" clId="{CD3BCE5D-F1D9-409A-9E6B-AD5ABB34863C}" dt="2023-02-07T02:34:03.515" v="80" actId="1037"/>
-          <ac:spMkLst>
-            <pc:docMk/>
-            <pc:sldMk cId="1879463264" sldId="764"/>
-            <ac:spMk id="8" creationId="{48FBEB34-F974-353C-F986-6F7C897CC38D}"/>
-          </ac:spMkLst>
-        </pc:spChg>
-        <pc:spChg chg="mod">
-          <ac:chgData name="Matthieu De Mari" userId="dfb708c9-d8dc-439f-9a3b-c772bf4a311c" providerId="ADAL" clId="{CD3BCE5D-F1D9-409A-9E6B-AD5ABB34863C}" dt="2023-02-07T02:34:03.515" v="80" actId="1037"/>
-          <ac:spMkLst>
-            <pc:docMk/>
-            <pc:sldMk cId="1879463264" sldId="764"/>
-            <ac:spMk id="9" creationId="{EA98C24F-C098-48AA-2AEA-65A891013313}"/>
-          </ac:spMkLst>
-        </pc:spChg>
-        <pc:picChg chg="mod">
-          <ac:chgData name="Matthieu De Mari" userId="dfb708c9-d8dc-439f-9a3b-c772bf4a311c" providerId="ADAL" clId="{CD3BCE5D-F1D9-409A-9E6B-AD5ABB34863C}" dt="2023-02-07T02:34:03.515" v="80" actId="1037"/>
-          <ac:picMkLst>
-            <pc:docMk/>
-            <pc:sldMk cId="1879463264" sldId="764"/>
-            <ac:picMk id="4" creationId="{11D096F0-0255-2417-C5F6-A8EFB107AF87}"/>
-          </ac:picMkLst>
-        </pc:picChg>
       </pc:sldChg>
       <pc:sldChg chg="add del">
         <pc:chgData name="Matthieu De Mari" userId="dfb708c9-d8dc-439f-9a3b-c772bf4a311c" providerId="ADAL" clId="{CD3BCE5D-F1D9-409A-9E6B-AD5ABB34863C}" dt="2023-02-07T01:24:46.290" v="33" actId="47"/>
@@ -4109,22 +1629,6 @@
           <pc:docMk/>
           <pc:sldMk cId="3442501962" sldId="257"/>
         </pc:sldMkLst>
-        <pc:spChg chg="mod">
-          <ac:chgData name="Matthieu De Mari" userId="dfb708c9-d8dc-439f-9a3b-c772bf4a311c" providerId="ADAL" clId="{8EE40018-26BD-4A7B-8D17-70AC8417C2D0}" dt="2022-11-16T06:53:53.988" v="14" actId="20577"/>
-          <ac:spMkLst>
-            <pc:docMk/>
-            <pc:sldMk cId="3442501962" sldId="257"/>
-            <ac:spMk id="2" creationId="{49D40417-A4D3-4CE8-96E7-708E2439AE7B}"/>
-          </ac:spMkLst>
-        </pc:spChg>
-        <pc:spChg chg="mod">
-          <ac:chgData name="Matthieu De Mari" userId="dfb708c9-d8dc-439f-9a3b-c772bf4a311c" providerId="ADAL" clId="{8EE40018-26BD-4A7B-8D17-70AC8417C2D0}" dt="2022-11-16T06:55:04.205" v="66" actId="20577"/>
-          <ac:spMkLst>
-            <pc:docMk/>
-            <pc:sldMk cId="3442501962" sldId="257"/>
-            <ac:spMk id="3" creationId="{35995840-A9D9-479A-A34F-EA7DC229D38E}"/>
-          </ac:spMkLst>
-        </pc:spChg>
       </pc:sldChg>
       <pc:sldChg chg="del">
         <pc:chgData name="Matthieu De Mari" userId="dfb708c9-d8dc-439f-9a3b-c772bf4a311c" providerId="ADAL" clId="{8EE40018-26BD-4A7B-8D17-70AC8417C2D0}" dt="2022-11-16T06:54:01.441" v="17" actId="47"/>
@@ -4139,14 +1643,6 @@
           <pc:docMk/>
           <pc:sldMk cId="1893873068" sldId="266"/>
         </pc:sldMkLst>
-        <pc:spChg chg="mod">
-          <ac:chgData name="Matthieu De Mari" userId="dfb708c9-d8dc-439f-9a3b-c772bf4a311c" providerId="ADAL" clId="{8EE40018-26BD-4A7B-8D17-70AC8417C2D0}" dt="2022-11-16T06:54:47.612" v="47" actId="20577"/>
-          <ac:spMkLst>
-            <pc:docMk/>
-            <pc:sldMk cId="1893873068" sldId="266"/>
-            <ac:spMk id="5" creationId="{7D0CB248-82F3-414A-84E4-14EF63C7FB27}"/>
-          </ac:spMkLst>
-        </pc:spChg>
       </pc:sldChg>
       <pc:sldChg chg="modSp mod">
         <pc:chgData name="Matthieu De Mari" userId="dfb708c9-d8dc-439f-9a3b-c772bf4a311c" providerId="ADAL" clId="{8EE40018-26BD-4A7B-8D17-70AC8417C2D0}" dt="2022-11-16T06:54:56.797" v="60" actId="20577"/>
@@ -4154,14 +1650,6 @@
           <pc:docMk/>
           <pc:sldMk cId="3880949074" sldId="267"/>
         </pc:sldMkLst>
-        <pc:spChg chg="mod">
-          <ac:chgData name="Matthieu De Mari" userId="dfb708c9-d8dc-439f-9a3b-c772bf4a311c" providerId="ADAL" clId="{8EE40018-26BD-4A7B-8D17-70AC8417C2D0}" dt="2022-11-16T06:54:56.797" v="60" actId="20577"/>
-          <ac:spMkLst>
-            <pc:docMk/>
-            <pc:sldMk cId="3880949074" sldId="267"/>
-            <ac:spMk id="3" creationId="{C71C8DD6-14D1-44DF-9843-EFEDF44E39A2}"/>
-          </ac:spMkLst>
-        </pc:spChg>
       </pc:sldChg>
       <pc:sldChg chg="del">
         <pc:chgData name="Matthieu De Mari" userId="dfb708c9-d8dc-439f-9a3b-c772bf4a311c" providerId="ADAL" clId="{8EE40018-26BD-4A7B-8D17-70AC8417C2D0}" dt="2022-11-16T06:54:02.421" v="18" actId="47"/>
@@ -4225,22 +1713,6 @@
           <pc:docMk/>
           <pc:sldMk cId="2071167148" sldId="284"/>
         </pc:sldMkLst>
-        <pc:spChg chg="mod">
-          <ac:chgData name="Matthieu De Mari" userId="dfb708c9-d8dc-439f-9a3b-c772bf4a311c" providerId="ADAL" clId="{8EE40018-26BD-4A7B-8D17-70AC8417C2D0}" dt="2022-11-16T06:53:55.915" v="16" actId="20577"/>
-          <ac:spMkLst>
-            <pc:docMk/>
-            <pc:sldMk cId="2071167148" sldId="284"/>
-            <ac:spMk id="2" creationId="{49D40417-A4D3-4CE8-96E7-708E2439AE7B}"/>
-          </ac:spMkLst>
-        </pc:spChg>
-        <pc:spChg chg="mod">
-          <ac:chgData name="Matthieu De Mari" userId="dfb708c9-d8dc-439f-9a3b-c772bf4a311c" providerId="ADAL" clId="{8EE40018-26BD-4A7B-8D17-70AC8417C2D0}" dt="2022-11-16T06:55:01.339" v="63" actId="20577"/>
-          <ac:spMkLst>
-            <pc:docMk/>
-            <pc:sldMk cId="2071167148" sldId="284"/>
-            <ac:spMk id="3" creationId="{35995840-A9D9-479A-A34F-EA7DC229D38E}"/>
-          </ac:spMkLst>
-        </pc:spChg>
       </pc:sldChg>
       <pc:sldChg chg="del">
         <pc:chgData name="Matthieu De Mari" userId="dfb708c9-d8dc-439f-9a3b-c772bf4a311c" providerId="ADAL" clId="{8EE40018-26BD-4A7B-8D17-70AC8417C2D0}" dt="2022-11-16T06:54:14.637" v="28" actId="47"/>
@@ -4584,30 +2056,6 @@
           <pc:docMk/>
           <pc:sldMk cId="1036081419" sldId="346"/>
         </pc:sldMkLst>
-        <pc:spChg chg="mod">
-          <ac:chgData name="Matthieu De Mari" userId="dfb708c9-d8dc-439f-9a3b-c772bf4a311c" providerId="ADAL" clId="{8EE40018-26BD-4A7B-8D17-70AC8417C2D0}" dt="2022-11-16T06:54:19.175" v="32" actId="20577"/>
-          <ac:spMkLst>
-            <pc:docMk/>
-            <pc:sldMk cId="1036081419" sldId="346"/>
-            <ac:spMk id="2" creationId="{11A08BA8-9DEC-4471-8590-434E8D8BB4A0}"/>
-          </ac:spMkLst>
-        </pc:spChg>
-        <pc:spChg chg="mod">
-          <ac:chgData name="Matthieu De Mari" userId="dfb708c9-d8dc-439f-9a3b-c772bf4a311c" providerId="ADAL" clId="{8EE40018-26BD-4A7B-8D17-70AC8417C2D0}" dt="2022-11-16T06:54:21.725" v="35" actId="20577"/>
-          <ac:spMkLst>
-            <pc:docMk/>
-            <pc:sldMk cId="1036081419" sldId="346"/>
-            <ac:spMk id="3" creationId="{47E3549C-D723-41E6-8478-270ACE043694}"/>
-          </ac:spMkLst>
-        </pc:spChg>
-        <pc:spChg chg="mod">
-          <ac:chgData name="Matthieu De Mari" userId="dfb708c9-d8dc-439f-9a3b-c772bf4a311c" providerId="ADAL" clId="{8EE40018-26BD-4A7B-8D17-70AC8417C2D0}" dt="2022-11-16T06:54:26.067" v="39" actId="20577"/>
-          <ac:spMkLst>
-            <pc:docMk/>
-            <pc:sldMk cId="1036081419" sldId="346"/>
-            <ac:spMk id="4" creationId="{7E420A50-DCDA-4FEF-986F-775F53063E3A}"/>
-          </ac:spMkLst>
-        </pc:spChg>
       </pc:sldChg>
       <pc:sldChg chg="del">
         <pc:chgData name="Matthieu De Mari" userId="dfb708c9-d8dc-439f-9a3b-c772bf4a311c" providerId="ADAL" clId="{8EE40018-26BD-4A7B-8D17-70AC8417C2D0}" dt="2022-11-16T06:54:11.293" v="25" actId="47"/>
@@ -4762,14 +2210,6 @@
           <pc:docMk/>
           <pc:sldMk cId="1040156172" sldId="377"/>
         </pc:sldMkLst>
-        <pc:spChg chg="mod">
-          <ac:chgData name="Matthieu De Mari" userId="dfb708c9-d8dc-439f-9a3b-c772bf4a311c" providerId="ADAL" clId="{8EE40018-26BD-4A7B-8D17-70AC8417C2D0}" dt="2022-11-16T06:53:49.572" v="12" actId="20577"/>
-          <ac:spMkLst>
-            <pc:docMk/>
-            <pc:sldMk cId="1040156172" sldId="377"/>
-            <ac:spMk id="2" creationId="{080CEB46-CC16-4D19-8C2C-AEE9471D8168}"/>
-          </ac:spMkLst>
-        </pc:spChg>
       </pc:sldChg>
       <pc:sldChg chg="del">
         <pc:chgData name="Matthieu De Mari" userId="dfb708c9-d8dc-439f-9a3b-c772bf4a311c" providerId="ADAL" clId="{8EE40018-26BD-4A7B-8D17-70AC8417C2D0}" dt="2022-11-16T06:54:08.404" v="23" actId="47"/>
@@ -4877,14 +2317,6 @@
           <pc:docMk/>
           <pc:sldMk cId="4221035150" sldId="256"/>
         </pc:sldMkLst>
-        <pc:spChg chg="mod">
-          <ac:chgData name="Matthieu De Mari" userId="dfb708c9-d8dc-439f-9a3b-c772bf4a311c" providerId="ADAL" clId="{1002CE28-12E1-453F-8E06-90F32FAF9697}" dt="2022-10-19T06:31:01.123" v="4" actId="20577"/>
-          <ac:spMkLst>
-            <pc:docMk/>
-            <pc:sldMk cId="4221035150" sldId="256"/>
-            <ac:spMk id="3" creationId="{816ABDE1-A047-4B53-92F2-67282914DD77}"/>
-          </ac:spMkLst>
-        </pc:spChg>
       </pc:sldChg>
       <pc:sldChg chg="del">
         <pc:chgData name="Matthieu De Mari" userId="dfb708c9-d8dc-439f-9a3b-c772bf4a311c" providerId="ADAL" clId="{1002CE28-12E1-453F-8E06-90F32FAF9697}" dt="2022-10-19T06:32:06.571" v="5" actId="47"/>
@@ -4920,14 +2352,6 @@
           <pc:docMk/>
           <pc:sldMk cId="1040156172" sldId="377"/>
         </pc:sldMkLst>
-        <pc:spChg chg="mod">
-          <ac:chgData name="Matthieu De Mari" userId="dfb708c9-d8dc-439f-9a3b-c772bf4a311c" providerId="ADAL" clId="{1002CE28-12E1-453F-8E06-90F32FAF9697}" dt="2022-10-19T06:32:13.307" v="17" actId="20577"/>
-          <ac:spMkLst>
-            <pc:docMk/>
-            <pc:sldMk cId="1040156172" sldId="377"/>
-            <ac:spMk id="3" creationId="{816ABDE1-A047-4B53-92F2-67282914DD77}"/>
-          </ac:spMkLst>
-        </pc:spChg>
       </pc:sldChg>
       <pc:sldMasterChg chg="addSp mod">
         <pc:chgData name="Matthieu De Mari" userId="dfb708c9-d8dc-439f-9a3b-c772bf4a311c" providerId="ADAL" clId="{1002CE28-12E1-453F-8E06-90F32FAF9697}" dt="2022-10-19T06:30:58.618" v="0" actId="33475"/>
@@ -4935,22 +2359,6 @@
           <pc:docMk/>
           <pc:sldMasterMk cId="2168708284" sldId="2147483648"/>
         </pc:sldMasterMkLst>
-        <pc:spChg chg="add">
-          <ac:chgData name="Matthieu De Mari" userId="dfb708c9-d8dc-439f-9a3b-c772bf4a311c" providerId="ADAL" clId="{1002CE28-12E1-453F-8E06-90F32FAF9697}" dt="2022-10-19T06:30:58.618" v="0" actId="33475"/>
-          <ac:spMkLst>
-            <pc:docMk/>
-            <pc:sldMasterMk cId="2168708284" sldId="2147483648"/>
-            <ac:spMk id="9" creationId="{27504F79-603A-6F7A-93E7-C9CABA0FF303}"/>
-          </ac:spMkLst>
-        </pc:spChg>
-        <pc:spChg chg="add">
-          <ac:chgData name="Matthieu De Mari" userId="dfb708c9-d8dc-439f-9a3b-c772bf4a311c" providerId="ADAL" clId="{1002CE28-12E1-453F-8E06-90F32FAF9697}" dt="2022-10-19T06:30:58.618" v="0" actId="33475"/>
-          <ac:spMkLst>
-            <pc:docMk/>
-            <pc:sldMasterMk cId="2168708284" sldId="2147483648"/>
-            <ac:spMk id="10" creationId="{99872183-7F29-FB0F-D3D7-53204406A33F}"/>
-          </ac:spMkLst>
-        </pc:spChg>
       </pc:sldMasterChg>
     </pc:docChg>
   </pc:docChgLst>
@@ -4967,338 +2375,178 @@
           <pc:docMk/>
           <pc:sldMk cId="1040156172" sldId="377"/>
         </pc:sldMkLst>
+      </pc:sldChg>
+      <pc:sldChg chg="modSp mod">
+        <pc:chgData name="Matthieu De Mari" userId="dfb708c9-d8dc-439f-9a3b-c772bf4a311c" providerId="ADAL" clId="{851712E7-4765-4026-AAE1-C7179918B94D}" dt="2023-07-06T03:00:07.628" v="478" actId="113"/>
+        <pc:sldMkLst>
+          <pc:docMk/>
+          <pc:sldMk cId="2474697269" sldId="387"/>
+        </pc:sldMkLst>
+      </pc:sldChg>
+      <pc:sldChg chg="modSp">
+        <pc:chgData name="Matthieu De Mari" userId="dfb708c9-d8dc-439f-9a3b-c772bf4a311c" providerId="ADAL" clId="{851712E7-4765-4026-AAE1-C7179918B94D}" dt="2023-07-06T03:04:04.577" v="568" actId="20577"/>
+        <pc:sldMkLst>
+          <pc:docMk/>
+          <pc:sldMk cId="4198773114" sldId="388"/>
+        </pc:sldMkLst>
+      </pc:sldChg>
+      <pc:sldChg chg="modSp mod">
+        <pc:chgData name="Matthieu De Mari" userId="dfb708c9-d8dc-439f-9a3b-c772bf4a311c" providerId="ADAL" clId="{851712E7-4765-4026-AAE1-C7179918B94D}" dt="2023-07-06T03:05:25.247" v="619" actId="20577"/>
+        <pc:sldMkLst>
+          <pc:docMk/>
+          <pc:sldMk cId="481628505" sldId="389"/>
+        </pc:sldMkLst>
+      </pc:sldChg>
+      <pc:sldChg chg="modSp mod">
+        <pc:chgData name="Matthieu De Mari" userId="dfb708c9-d8dc-439f-9a3b-c772bf4a311c" providerId="ADAL" clId="{851712E7-4765-4026-AAE1-C7179918B94D}" dt="2023-07-06T03:08:28.347" v="634" actId="20577"/>
+        <pc:sldMkLst>
+          <pc:docMk/>
+          <pc:sldMk cId="1283478655" sldId="391"/>
+        </pc:sldMkLst>
+      </pc:sldChg>
+      <pc:sldChg chg="modSp mod">
+        <pc:chgData name="Matthieu De Mari" userId="dfb708c9-d8dc-439f-9a3b-c772bf4a311c" providerId="ADAL" clId="{851712E7-4765-4026-AAE1-C7179918B94D}" dt="2023-06-22T06:24:28.011" v="466" actId="20577"/>
+        <pc:sldMkLst>
+          <pc:docMk/>
+          <pc:sldMk cId="164097668" sldId="394"/>
+        </pc:sldMkLst>
+      </pc:sldChg>
+      <pc:sldChg chg="modSp mod">
+        <pc:chgData name="Matthieu De Mari" userId="dfb708c9-d8dc-439f-9a3b-c772bf4a311c" providerId="ADAL" clId="{851712E7-4765-4026-AAE1-C7179918B94D}" dt="2023-07-06T03:12:41.739" v="758" actId="20577"/>
+        <pc:sldMkLst>
+          <pc:docMk/>
+          <pc:sldMk cId="3048177291" sldId="395"/>
+        </pc:sldMkLst>
+      </pc:sldChg>
+      <pc:sldChg chg="modSp mod">
+        <pc:chgData name="Matthieu De Mari" userId="dfb708c9-d8dc-439f-9a3b-c772bf4a311c" providerId="ADAL" clId="{851712E7-4765-4026-AAE1-C7179918B94D}" dt="2023-07-06T03:01:23.820" v="541" actId="14100"/>
+        <pc:sldMkLst>
+          <pc:docMk/>
+          <pc:sldMk cId="3339699406" sldId="761"/>
+        </pc:sldMkLst>
+      </pc:sldChg>
+      <pc:sldChg chg="modSp mod">
+        <pc:chgData name="Matthieu De Mari" userId="dfb708c9-d8dc-439f-9a3b-c772bf4a311c" providerId="ADAL" clId="{851712E7-4765-4026-AAE1-C7179918B94D}" dt="2023-07-06T03:01:40.402" v="556" actId="27636"/>
+        <pc:sldMkLst>
+          <pc:docMk/>
+          <pc:sldMk cId="1546007078" sldId="762"/>
+        </pc:sldMkLst>
+      </pc:sldChg>
+      <pc:sldChg chg="modSp mod">
+        <pc:chgData name="Matthieu De Mari" userId="dfb708c9-d8dc-439f-9a3b-c772bf4a311c" providerId="ADAL" clId="{851712E7-4765-4026-AAE1-C7179918B94D}" dt="2023-06-22T06:17:43.042" v="142" actId="20577"/>
+        <pc:sldMkLst>
+          <pc:docMk/>
+          <pc:sldMk cId="2580175991" sldId="763"/>
+        </pc:sldMkLst>
+      </pc:sldChg>
+      <pc:sldChg chg="modSp mod">
+        <pc:chgData name="Matthieu De Mari" userId="dfb708c9-d8dc-439f-9a3b-c772bf4a311c" providerId="ADAL" clId="{851712E7-4765-4026-AAE1-C7179918B94D}" dt="2023-07-06T03:03:15.891" v="566" actId="20577"/>
+        <pc:sldMkLst>
+          <pc:docMk/>
+          <pc:sldMk cId="1879463264" sldId="764"/>
+        </pc:sldMkLst>
+      </pc:sldChg>
+      <pc:sldChg chg="modSp mod">
+        <pc:chgData name="Matthieu De Mari" userId="dfb708c9-d8dc-439f-9a3b-c772bf4a311c" providerId="ADAL" clId="{851712E7-4765-4026-AAE1-C7179918B94D}" dt="2023-07-06T03:04:48.912" v="573" actId="27636"/>
+        <pc:sldMkLst>
+          <pc:docMk/>
+          <pc:sldMk cId="1996337912" sldId="765"/>
+        </pc:sldMkLst>
+      </pc:sldChg>
+      <pc:sldChg chg="modSp mod">
+        <pc:chgData name="Matthieu De Mari" userId="dfb708c9-d8dc-439f-9a3b-c772bf4a311c" providerId="ADAL" clId="{851712E7-4765-4026-AAE1-C7179918B94D}" dt="2023-06-22T06:20:11.669" v="212" actId="113"/>
+        <pc:sldMkLst>
+          <pc:docMk/>
+          <pc:sldMk cId="1554669076" sldId="766"/>
+        </pc:sldMkLst>
+      </pc:sldChg>
+      <pc:sldChg chg="addSp modSp mod">
+        <pc:chgData name="Matthieu De Mari" userId="dfb708c9-d8dc-439f-9a3b-c772bf4a311c" providerId="ADAL" clId="{851712E7-4765-4026-AAE1-C7179918B94D}" dt="2023-07-06T03:06:07.523" v="624" actId="693"/>
+        <pc:sldMkLst>
+          <pc:docMk/>
+          <pc:sldMk cId="887698529" sldId="767"/>
+        </pc:sldMkLst>
+      </pc:sldChg>
+      <pc:sldChg chg="addSp modSp mod">
+        <pc:chgData name="Matthieu De Mari" userId="dfb708c9-d8dc-439f-9a3b-c772bf4a311c" providerId="ADAL" clId="{851712E7-4765-4026-AAE1-C7179918B94D}" dt="2023-07-06T03:06:16.222" v="627" actId="14100"/>
+        <pc:sldMkLst>
+          <pc:docMk/>
+          <pc:sldMk cId="3101493777" sldId="768"/>
+        </pc:sldMkLst>
+      </pc:sldChg>
+      <pc:sldChg chg="modSp mod">
+        <pc:chgData name="Matthieu De Mari" userId="dfb708c9-d8dc-439f-9a3b-c772bf4a311c" providerId="ADAL" clId="{851712E7-4765-4026-AAE1-C7179918B94D}" dt="2023-06-22T06:21:19.225" v="268" actId="20577"/>
+        <pc:sldMkLst>
+          <pc:docMk/>
+          <pc:sldMk cId="2909899754" sldId="769"/>
+        </pc:sldMkLst>
+      </pc:sldChg>
+      <pc:sldChg chg="modSp mod">
+        <pc:chgData name="Matthieu De Mari" userId="dfb708c9-d8dc-439f-9a3b-c772bf4a311c" providerId="ADAL" clId="{851712E7-4765-4026-AAE1-C7179918B94D}" dt="2023-06-22T06:22:41.678" v="327" actId="113"/>
+        <pc:sldMkLst>
+          <pc:docMk/>
+          <pc:sldMk cId="743119883" sldId="775"/>
+        </pc:sldMkLst>
+      </pc:sldChg>
+      <pc:sldChg chg="modSp mod">
+        <pc:chgData name="Matthieu De Mari" userId="dfb708c9-d8dc-439f-9a3b-c772bf4a311c" providerId="ADAL" clId="{851712E7-4765-4026-AAE1-C7179918B94D}" dt="2023-07-06T03:09:16.298" v="635" actId="14100"/>
+        <pc:sldMkLst>
+          <pc:docMk/>
+          <pc:sldMk cId="1966383991" sldId="776"/>
+        </pc:sldMkLst>
+      </pc:sldChg>
+      <pc:sldChg chg="modSp mod">
+        <pc:chgData name="Matthieu De Mari" userId="dfb708c9-d8dc-439f-9a3b-c772bf4a311c" providerId="ADAL" clId="{851712E7-4765-4026-AAE1-C7179918B94D}" dt="2023-07-06T03:10:32.745" v="707" actId="20577"/>
+        <pc:sldMkLst>
+          <pc:docMk/>
+          <pc:sldMk cId="3349972987" sldId="777"/>
+        </pc:sldMkLst>
+      </pc:sldChg>
+      <pc:sldChg chg="modSp mod">
+        <pc:chgData name="Matthieu De Mari" userId="dfb708c9-d8dc-439f-9a3b-c772bf4a311c" providerId="ADAL" clId="{851712E7-4765-4026-AAE1-C7179918B94D}" dt="2023-07-06T03:11:49.580" v="708" actId="5793"/>
+        <pc:sldMkLst>
+          <pc:docMk/>
+          <pc:sldMk cId="2678238830" sldId="780"/>
+        </pc:sldMkLst>
+      </pc:sldChg>
+      <pc:sldChg chg="modSp mod">
+        <pc:chgData name="Matthieu De Mari" userId="dfb708c9-d8dc-439f-9a3b-c772bf4a311c" providerId="ADAL" clId="{851712E7-4765-4026-AAE1-C7179918B94D}" dt="2023-07-06T03:12:53.570" v="760" actId="20577"/>
+        <pc:sldMkLst>
+          <pc:docMk/>
+          <pc:sldMk cId="278531271" sldId="782"/>
+        </pc:sldMkLst>
+      </pc:sldChg>
+    </pc:docChg>
+  </pc:docChgLst>
+  <pc:docChgLst>
+    <pc:chgData name="Matthieu De Mari" userId="dfb708c9-d8dc-439f-9a3b-c772bf4a311c" providerId="ADAL" clId="{C34E2A22-FDC1-4426-9035-4069BE986496}"/>
+    <pc:docChg chg="modSld">
+      <pc:chgData name="Matthieu De Mari" userId="dfb708c9-d8dc-439f-9a3b-c772bf4a311c" providerId="ADAL" clId="{C34E2A22-FDC1-4426-9035-4069BE986496}" dt="2024-12-16T01:33:25.608" v="51" actId="732"/>
+      <pc:docMkLst>
+        <pc:docMk/>
+      </pc:docMkLst>
+      <pc:sldChg chg="modSp mod">
+        <pc:chgData name="Matthieu De Mari" userId="dfb708c9-d8dc-439f-9a3b-c772bf4a311c" providerId="ADAL" clId="{C34E2A22-FDC1-4426-9035-4069BE986496}" dt="2024-12-16T01:33:25.608" v="51" actId="732"/>
+        <pc:sldMkLst>
+          <pc:docMk/>
+          <pc:sldMk cId="2116083586" sldId="786"/>
+        </pc:sldMkLst>
         <pc:spChg chg="mod">
-          <ac:chgData name="Matthieu De Mari" userId="dfb708c9-d8dc-439f-9a3b-c772bf4a311c" providerId="ADAL" clId="{851712E7-4765-4026-AAE1-C7179918B94D}" dt="2023-07-06T02:50:03.612" v="477" actId="20577"/>
+          <ac:chgData name="Matthieu De Mari" userId="dfb708c9-d8dc-439f-9a3b-c772bf4a311c" providerId="ADAL" clId="{C34E2A22-FDC1-4426-9035-4069BE986496}" dt="2024-12-16T01:33:11.815" v="50" actId="20577"/>
           <ac:spMkLst>
             <pc:docMk/>
-            <pc:sldMk cId="1040156172" sldId="377"/>
-            <ac:spMk id="2" creationId="{080CEB46-CC16-4D19-8C2C-AEE9471D8168}"/>
+            <pc:sldMk cId="2116083586" sldId="786"/>
+            <ac:spMk id="4" creationId="{875DF954-50B0-50B8-B602-A4BADC48B243}"/>
           </ac:spMkLst>
         </pc:spChg>
-      </pc:sldChg>
-      <pc:sldChg chg="modSp mod">
-        <pc:chgData name="Matthieu De Mari" userId="dfb708c9-d8dc-439f-9a3b-c772bf4a311c" providerId="ADAL" clId="{851712E7-4765-4026-AAE1-C7179918B94D}" dt="2023-07-06T03:00:07.628" v="478" actId="113"/>
-        <pc:sldMkLst>
-          <pc:docMk/>
-          <pc:sldMk cId="2474697269" sldId="387"/>
-        </pc:sldMkLst>
-        <pc:spChg chg="mod">
-          <ac:chgData name="Matthieu De Mari" userId="dfb708c9-d8dc-439f-9a3b-c772bf4a311c" providerId="ADAL" clId="{851712E7-4765-4026-AAE1-C7179918B94D}" dt="2023-07-06T03:00:07.628" v="478" actId="113"/>
-          <ac:spMkLst>
-            <pc:docMk/>
-            <pc:sldMk cId="2474697269" sldId="387"/>
-            <ac:spMk id="3" creationId="{C7732CA9-163D-B4B0-71B2-AEA1EC81E0E6}"/>
-          </ac:spMkLst>
-        </pc:spChg>
-      </pc:sldChg>
-      <pc:sldChg chg="modSp">
-        <pc:chgData name="Matthieu De Mari" userId="dfb708c9-d8dc-439f-9a3b-c772bf4a311c" providerId="ADAL" clId="{851712E7-4765-4026-AAE1-C7179918B94D}" dt="2023-07-06T03:04:04.577" v="568" actId="20577"/>
-        <pc:sldMkLst>
-          <pc:docMk/>
-          <pc:sldMk cId="4198773114" sldId="388"/>
-        </pc:sldMkLst>
-        <pc:spChg chg="mod">
-          <ac:chgData name="Matthieu De Mari" userId="dfb708c9-d8dc-439f-9a3b-c772bf4a311c" providerId="ADAL" clId="{851712E7-4765-4026-AAE1-C7179918B94D}" dt="2023-07-06T03:04:04.577" v="568" actId="20577"/>
-          <ac:spMkLst>
-            <pc:docMk/>
-            <pc:sldMk cId="4198773114" sldId="388"/>
-            <ac:spMk id="3" creationId="{46D88AA4-084D-50F6-7F5E-69051FD9A887}"/>
-          </ac:spMkLst>
-        </pc:spChg>
-      </pc:sldChg>
-      <pc:sldChg chg="modSp mod">
-        <pc:chgData name="Matthieu De Mari" userId="dfb708c9-d8dc-439f-9a3b-c772bf4a311c" providerId="ADAL" clId="{851712E7-4765-4026-AAE1-C7179918B94D}" dt="2023-07-06T03:05:25.247" v="619" actId="20577"/>
-        <pc:sldMkLst>
-          <pc:docMk/>
-          <pc:sldMk cId="481628505" sldId="389"/>
-        </pc:sldMkLst>
-        <pc:spChg chg="mod">
-          <ac:chgData name="Matthieu De Mari" userId="dfb708c9-d8dc-439f-9a3b-c772bf4a311c" providerId="ADAL" clId="{851712E7-4765-4026-AAE1-C7179918B94D}" dt="2023-07-06T03:05:25.247" v="619" actId="20577"/>
-          <ac:spMkLst>
-            <pc:docMk/>
-            <pc:sldMk cId="481628505" sldId="389"/>
-            <ac:spMk id="3" creationId="{6C4142A3-3578-C842-742A-3495AD72B776}"/>
-          </ac:spMkLst>
-        </pc:spChg>
-      </pc:sldChg>
-      <pc:sldChg chg="modSp mod">
-        <pc:chgData name="Matthieu De Mari" userId="dfb708c9-d8dc-439f-9a3b-c772bf4a311c" providerId="ADAL" clId="{851712E7-4765-4026-AAE1-C7179918B94D}" dt="2023-07-06T03:08:28.347" v="634" actId="20577"/>
-        <pc:sldMkLst>
-          <pc:docMk/>
-          <pc:sldMk cId="1283478655" sldId="391"/>
-        </pc:sldMkLst>
-        <pc:spChg chg="mod">
-          <ac:chgData name="Matthieu De Mari" userId="dfb708c9-d8dc-439f-9a3b-c772bf4a311c" providerId="ADAL" clId="{851712E7-4765-4026-AAE1-C7179918B94D}" dt="2023-07-06T03:08:28.347" v="634" actId="20577"/>
-          <ac:spMkLst>
-            <pc:docMk/>
-            <pc:sldMk cId="1283478655" sldId="391"/>
-            <ac:spMk id="3" creationId="{EDC87932-752D-FABC-76EF-38023409D8D8}"/>
-          </ac:spMkLst>
-        </pc:spChg>
-      </pc:sldChg>
-      <pc:sldChg chg="modSp mod">
-        <pc:chgData name="Matthieu De Mari" userId="dfb708c9-d8dc-439f-9a3b-c772bf4a311c" providerId="ADAL" clId="{851712E7-4765-4026-AAE1-C7179918B94D}" dt="2023-06-22T06:24:28.011" v="466" actId="20577"/>
-        <pc:sldMkLst>
-          <pc:docMk/>
-          <pc:sldMk cId="164097668" sldId="394"/>
-        </pc:sldMkLst>
-        <pc:spChg chg="mod">
-          <ac:chgData name="Matthieu De Mari" userId="dfb708c9-d8dc-439f-9a3b-c772bf4a311c" providerId="ADAL" clId="{851712E7-4765-4026-AAE1-C7179918B94D}" dt="2023-06-22T06:24:28.011" v="466" actId="20577"/>
-          <ac:spMkLst>
-            <pc:docMk/>
-            <pc:sldMk cId="164097668" sldId="394"/>
-            <ac:spMk id="4" creationId="{7B27ED01-4B43-7115-3D3C-53FF72E7590A}"/>
-          </ac:spMkLst>
-        </pc:spChg>
-      </pc:sldChg>
-      <pc:sldChg chg="modSp mod">
-        <pc:chgData name="Matthieu De Mari" userId="dfb708c9-d8dc-439f-9a3b-c772bf4a311c" providerId="ADAL" clId="{851712E7-4765-4026-AAE1-C7179918B94D}" dt="2023-07-06T03:12:41.739" v="758" actId="20577"/>
-        <pc:sldMkLst>
-          <pc:docMk/>
-          <pc:sldMk cId="3048177291" sldId="395"/>
-        </pc:sldMkLst>
-        <pc:spChg chg="mod">
-          <ac:chgData name="Matthieu De Mari" userId="dfb708c9-d8dc-439f-9a3b-c772bf4a311c" providerId="ADAL" clId="{851712E7-4765-4026-AAE1-C7179918B94D}" dt="2023-07-06T03:12:41.739" v="758" actId="20577"/>
-          <ac:spMkLst>
-            <pc:docMk/>
-            <pc:sldMk cId="3048177291" sldId="395"/>
-            <ac:spMk id="2" creationId="{C0AEB798-137F-1C5F-D3F8-E30049627063}"/>
-          </ac:spMkLst>
-        </pc:spChg>
-        <pc:spChg chg="mod">
-          <ac:chgData name="Matthieu De Mari" userId="dfb708c9-d8dc-439f-9a3b-c772bf4a311c" providerId="ADAL" clId="{851712E7-4765-4026-AAE1-C7179918B94D}" dt="2023-07-06T03:12:29.312" v="757" actId="20577"/>
-          <ac:spMkLst>
-            <pc:docMk/>
-            <pc:sldMk cId="3048177291" sldId="395"/>
-            <ac:spMk id="3" creationId="{6A509501-56C2-23F3-214C-C91AB5067894}"/>
-          </ac:spMkLst>
-        </pc:spChg>
-        <pc:picChg chg="mod">
-          <ac:chgData name="Matthieu De Mari" userId="dfb708c9-d8dc-439f-9a3b-c772bf4a311c" providerId="ADAL" clId="{851712E7-4765-4026-AAE1-C7179918B94D}" dt="2023-07-06T03:12:15.129" v="723" actId="1076"/>
+        <pc:picChg chg="mod modCrop">
+          <ac:chgData name="Matthieu De Mari" userId="dfb708c9-d8dc-439f-9a3b-c772bf4a311c" providerId="ADAL" clId="{C34E2A22-FDC1-4426-9035-4069BE986496}" dt="2024-12-16T01:33:25.608" v="51" actId="732"/>
           <ac:picMkLst>
             <pc:docMk/>
-            <pc:sldMk cId="3048177291" sldId="395"/>
-            <ac:picMk id="8" creationId="{A052F437-7E98-33DE-6B4B-B496C1861CFF}"/>
+            <pc:sldMk cId="2116083586" sldId="786"/>
+            <ac:picMk id="9" creationId="{8EB51A59-EDBF-04FF-A358-04B81894FD97}"/>
           </ac:picMkLst>
         </pc:picChg>
-      </pc:sldChg>
-      <pc:sldChg chg="modSp mod">
-        <pc:chgData name="Matthieu De Mari" userId="dfb708c9-d8dc-439f-9a3b-c772bf4a311c" providerId="ADAL" clId="{851712E7-4765-4026-AAE1-C7179918B94D}" dt="2023-07-06T03:01:23.820" v="541" actId="14100"/>
-        <pc:sldMkLst>
-          <pc:docMk/>
-          <pc:sldMk cId="3339699406" sldId="761"/>
-        </pc:sldMkLst>
-        <pc:spChg chg="mod">
-          <ac:chgData name="Matthieu De Mari" userId="dfb708c9-d8dc-439f-9a3b-c772bf4a311c" providerId="ADAL" clId="{851712E7-4765-4026-AAE1-C7179918B94D}" dt="2023-07-06T03:01:18.505" v="540" actId="27636"/>
-          <ac:spMkLst>
-            <pc:docMk/>
-            <pc:sldMk cId="3339699406" sldId="761"/>
-            <ac:spMk id="11" creationId="{0EEC07FE-D839-07DF-7C1A-CDBE72FE6BB9}"/>
-          </ac:spMkLst>
-        </pc:spChg>
-        <pc:picChg chg="mod">
-          <ac:chgData name="Matthieu De Mari" userId="dfb708c9-d8dc-439f-9a3b-c772bf4a311c" providerId="ADAL" clId="{851712E7-4765-4026-AAE1-C7179918B94D}" dt="2023-07-06T03:01:23.820" v="541" actId="14100"/>
-          <ac:picMkLst>
-            <pc:docMk/>
-            <pc:sldMk cId="3339699406" sldId="761"/>
-            <ac:picMk id="9" creationId="{423131A8-4BB8-05EA-55DF-8D5EE17B8509}"/>
-          </ac:picMkLst>
-        </pc:picChg>
-      </pc:sldChg>
-      <pc:sldChg chg="modSp mod">
-        <pc:chgData name="Matthieu De Mari" userId="dfb708c9-d8dc-439f-9a3b-c772bf4a311c" providerId="ADAL" clId="{851712E7-4765-4026-AAE1-C7179918B94D}" dt="2023-07-06T03:01:40.402" v="556" actId="27636"/>
-        <pc:sldMkLst>
-          <pc:docMk/>
-          <pc:sldMk cId="1546007078" sldId="762"/>
-        </pc:sldMkLst>
-        <pc:spChg chg="mod">
-          <ac:chgData name="Matthieu De Mari" userId="dfb708c9-d8dc-439f-9a3b-c772bf4a311c" providerId="ADAL" clId="{851712E7-4765-4026-AAE1-C7179918B94D}" dt="2023-07-06T03:01:40.402" v="556" actId="27636"/>
-          <ac:spMkLst>
-            <pc:docMk/>
-            <pc:sldMk cId="1546007078" sldId="762"/>
-            <ac:spMk id="11" creationId="{0EEC07FE-D839-07DF-7C1A-CDBE72FE6BB9}"/>
-          </ac:spMkLst>
-        </pc:spChg>
-      </pc:sldChg>
-      <pc:sldChg chg="modSp mod">
-        <pc:chgData name="Matthieu De Mari" userId="dfb708c9-d8dc-439f-9a3b-c772bf4a311c" providerId="ADAL" clId="{851712E7-4765-4026-AAE1-C7179918B94D}" dt="2023-06-22T06:17:43.042" v="142" actId="20577"/>
-        <pc:sldMkLst>
-          <pc:docMk/>
-          <pc:sldMk cId="2580175991" sldId="763"/>
-        </pc:sldMkLst>
-        <pc:spChg chg="mod">
-          <ac:chgData name="Matthieu De Mari" userId="dfb708c9-d8dc-439f-9a3b-c772bf4a311c" providerId="ADAL" clId="{851712E7-4765-4026-AAE1-C7179918B94D}" dt="2023-06-22T06:17:43.042" v="142" actId="20577"/>
-          <ac:spMkLst>
-            <pc:docMk/>
-            <pc:sldMk cId="2580175991" sldId="763"/>
-            <ac:spMk id="5" creationId="{1A87BA25-5926-816A-6E16-0F90D4B62FB8}"/>
-          </ac:spMkLst>
-        </pc:spChg>
-      </pc:sldChg>
-      <pc:sldChg chg="modSp mod">
-        <pc:chgData name="Matthieu De Mari" userId="dfb708c9-d8dc-439f-9a3b-c772bf4a311c" providerId="ADAL" clId="{851712E7-4765-4026-AAE1-C7179918B94D}" dt="2023-07-06T03:03:15.891" v="566" actId="20577"/>
-        <pc:sldMkLst>
-          <pc:docMk/>
-          <pc:sldMk cId="1879463264" sldId="764"/>
-        </pc:sldMkLst>
-        <pc:spChg chg="mod">
-          <ac:chgData name="Matthieu De Mari" userId="dfb708c9-d8dc-439f-9a3b-c772bf4a311c" providerId="ADAL" clId="{851712E7-4765-4026-AAE1-C7179918B94D}" dt="2023-07-06T03:03:15.891" v="566" actId="20577"/>
-          <ac:spMkLst>
-            <pc:docMk/>
-            <pc:sldMk cId="1879463264" sldId="764"/>
-            <ac:spMk id="5" creationId="{1A87BA25-5926-816A-6E16-0F90D4B62FB8}"/>
-          </ac:spMkLst>
-        </pc:spChg>
-      </pc:sldChg>
-      <pc:sldChg chg="modSp mod">
-        <pc:chgData name="Matthieu De Mari" userId="dfb708c9-d8dc-439f-9a3b-c772bf4a311c" providerId="ADAL" clId="{851712E7-4765-4026-AAE1-C7179918B94D}" dt="2023-07-06T03:04:48.912" v="573" actId="27636"/>
-        <pc:sldMkLst>
-          <pc:docMk/>
-          <pc:sldMk cId="1996337912" sldId="765"/>
-        </pc:sldMkLst>
-        <pc:spChg chg="mod">
-          <ac:chgData name="Matthieu De Mari" userId="dfb708c9-d8dc-439f-9a3b-c772bf4a311c" providerId="ADAL" clId="{851712E7-4765-4026-AAE1-C7179918B94D}" dt="2023-07-06T03:04:48.912" v="573" actId="27636"/>
-          <ac:spMkLst>
-            <pc:docMk/>
-            <pc:sldMk cId="1996337912" sldId="765"/>
-            <ac:spMk id="3" creationId="{46D88AA4-084D-50F6-7F5E-69051FD9A887}"/>
-          </ac:spMkLst>
-        </pc:spChg>
-      </pc:sldChg>
-      <pc:sldChg chg="modSp mod">
-        <pc:chgData name="Matthieu De Mari" userId="dfb708c9-d8dc-439f-9a3b-c772bf4a311c" providerId="ADAL" clId="{851712E7-4765-4026-AAE1-C7179918B94D}" dt="2023-06-22T06:20:11.669" v="212" actId="113"/>
-        <pc:sldMkLst>
-          <pc:docMk/>
-          <pc:sldMk cId="1554669076" sldId="766"/>
-        </pc:sldMkLst>
-        <pc:spChg chg="mod">
-          <ac:chgData name="Matthieu De Mari" userId="dfb708c9-d8dc-439f-9a3b-c772bf4a311c" providerId="ADAL" clId="{851712E7-4765-4026-AAE1-C7179918B94D}" dt="2023-06-22T06:20:11.669" v="212" actId="113"/>
-          <ac:spMkLst>
-            <pc:docMk/>
-            <pc:sldMk cId="1554669076" sldId="766"/>
-            <ac:spMk id="3" creationId="{6C4142A3-3578-C842-742A-3495AD72B776}"/>
-          </ac:spMkLst>
-        </pc:spChg>
-      </pc:sldChg>
-      <pc:sldChg chg="addSp modSp mod">
-        <pc:chgData name="Matthieu De Mari" userId="dfb708c9-d8dc-439f-9a3b-c772bf4a311c" providerId="ADAL" clId="{851712E7-4765-4026-AAE1-C7179918B94D}" dt="2023-07-06T03:06:07.523" v="624" actId="693"/>
-        <pc:sldMkLst>
-          <pc:docMk/>
-          <pc:sldMk cId="887698529" sldId="767"/>
-        </pc:sldMkLst>
-        <pc:spChg chg="add mod">
-          <ac:chgData name="Matthieu De Mari" userId="dfb708c9-d8dc-439f-9a3b-c772bf4a311c" providerId="ADAL" clId="{851712E7-4765-4026-AAE1-C7179918B94D}" dt="2023-07-06T03:06:07.523" v="624" actId="693"/>
-          <ac:spMkLst>
-            <pc:docMk/>
-            <pc:sldMk cId="887698529" sldId="767"/>
-            <ac:spMk id="4" creationId="{E4C24245-B4D0-5518-62ED-4B29EF65505E}"/>
-          </ac:spMkLst>
-        </pc:spChg>
-      </pc:sldChg>
-      <pc:sldChg chg="addSp modSp mod">
-        <pc:chgData name="Matthieu De Mari" userId="dfb708c9-d8dc-439f-9a3b-c772bf4a311c" providerId="ADAL" clId="{851712E7-4765-4026-AAE1-C7179918B94D}" dt="2023-07-06T03:06:16.222" v="627" actId="14100"/>
-        <pc:sldMkLst>
-          <pc:docMk/>
-          <pc:sldMk cId="3101493777" sldId="768"/>
-        </pc:sldMkLst>
-        <pc:spChg chg="add mod">
-          <ac:chgData name="Matthieu De Mari" userId="dfb708c9-d8dc-439f-9a3b-c772bf4a311c" providerId="ADAL" clId="{851712E7-4765-4026-AAE1-C7179918B94D}" dt="2023-07-06T03:06:16.222" v="627" actId="14100"/>
-          <ac:spMkLst>
-            <pc:docMk/>
-            <pc:sldMk cId="3101493777" sldId="768"/>
-            <ac:spMk id="4" creationId="{777842EB-FFEB-F535-408B-75E036D5B1B3}"/>
-          </ac:spMkLst>
-        </pc:spChg>
-      </pc:sldChg>
-      <pc:sldChg chg="modSp mod">
-        <pc:chgData name="Matthieu De Mari" userId="dfb708c9-d8dc-439f-9a3b-c772bf4a311c" providerId="ADAL" clId="{851712E7-4765-4026-AAE1-C7179918B94D}" dt="2023-06-22T06:21:19.225" v="268" actId="20577"/>
-        <pc:sldMkLst>
-          <pc:docMk/>
-          <pc:sldMk cId="2909899754" sldId="769"/>
-        </pc:sldMkLst>
-        <pc:spChg chg="mod">
-          <ac:chgData name="Matthieu De Mari" userId="dfb708c9-d8dc-439f-9a3b-c772bf4a311c" providerId="ADAL" clId="{851712E7-4765-4026-AAE1-C7179918B94D}" dt="2023-06-22T06:21:19.225" v="268" actId="20577"/>
-          <ac:spMkLst>
-            <pc:docMk/>
-            <pc:sldMk cId="2909899754" sldId="769"/>
-            <ac:spMk id="3" creationId="{70FF8A92-BFB5-623C-CBC8-C3AB284F9C4F}"/>
-          </ac:spMkLst>
-        </pc:spChg>
-      </pc:sldChg>
-      <pc:sldChg chg="modSp mod">
-        <pc:chgData name="Matthieu De Mari" userId="dfb708c9-d8dc-439f-9a3b-c772bf4a311c" providerId="ADAL" clId="{851712E7-4765-4026-AAE1-C7179918B94D}" dt="2023-06-22T06:22:41.678" v="327" actId="113"/>
-        <pc:sldMkLst>
-          <pc:docMk/>
-          <pc:sldMk cId="743119883" sldId="775"/>
-        </pc:sldMkLst>
-        <pc:spChg chg="mod">
-          <ac:chgData name="Matthieu De Mari" userId="dfb708c9-d8dc-439f-9a3b-c772bf4a311c" providerId="ADAL" clId="{851712E7-4765-4026-AAE1-C7179918B94D}" dt="2023-06-22T06:22:41.678" v="327" actId="113"/>
-          <ac:spMkLst>
-            <pc:docMk/>
-            <pc:sldMk cId="743119883" sldId="775"/>
-            <ac:spMk id="3" creationId="{EDC87932-752D-FABC-76EF-38023409D8D8}"/>
-          </ac:spMkLst>
-        </pc:spChg>
-      </pc:sldChg>
-      <pc:sldChg chg="modSp mod">
-        <pc:chgData name="Matthieu De Mari" userId="dfb708c9-d8dc-439f-9a3b-c772bf4a311c" providerId="ADAL" clId="{851712E7-4765-4026-AAE1-C7179918B94D}" dt="2023-07-06T03:09:16.298" v="635" actId="14100"/>
-        <pc:sldMkLst>
-          <pc:docMk/>
-          <pc:sldMk cId="1966383991" sldId="776"/>
-        </pc:sldMkLst>
-        <pc:spChg chg="mod">
-          <ac:chgData name="Matthieu De Mari" userId="dfb708c9-d8dc-439f-9a3b-c772bf4a311c" providerId="ADAL" clId="{851712E7-4765-4026-AAE1-C7179918B94D}" dt="2023-07-06T03:09:16.298" v="635" actId="14100"/>
-          <ac:spMkLst>
-            <pc:docMk/>
-            <pc:sldMk cId="1966383991" sldId="776"/>
-            <ac:spMk id="6" creationId="{B81BF3B3-CE84-481C-BA68-D4C15AEFD0C8}"/>
-          </ac:spMkLst>
-        </pc:spChg>
-      </pc:sldChg>
-      <pc:sldChg chg="modSp mod">
-        <pc:chgData name="Matthieu De Mari" userId="dfb708c9-d8dc-439f-9a3b-c772bf4a311c" providerId="ADAL" clId="{851712E7-4765-4026-AAE1-C7179918B94D}" dt="2023-07-06T03:10:32.745" v="707" actId="20577"/>
-        <pc:sldMkLst>
-          <pc:docMk/>
-          <pc:sldMk cId="3349972987" sldId="777"/>
-        </pc:sldMkLst>
-        <pc:spChg chg="mod">
-          <ac:chgData name="Matthieu De Mari" userId="dfb708c9-d8dc-439f-9a3b-c772bf4a311c" providerId="ADAL" clId="{851712E7-4765-4026-AAE1-C7179918B94D}" dt="2023-07-06T03:10:32.745" v="707" actId="20577"/>
-          <ac:spMkLst>
-            <pc:docMk/>
-            <pc:sldMk cId="3349972987" sldId="777"/>
-            <ac:spMk id="3" creationId="{EDC87932-752D-FABC-76EF-38023409D8D8}"/>
-          </ac:spMkLst>
-        </pc:spChg>
-      </pc:sldChg>
-      <pc:sldChg chg="modSp mod">
-        <pc:chgData name="Matthieu De Mari" userId="dfb708c9-d8dc-439f-9a3b-c772bf4a311c" providerId="ADAL" clId="{851712E7-4765-4026-AAE1-C7179918B94D}" dt="2023-07-06T03:11:49.580" v="708" actId="5793"/>
-        <pc:sldMkLst>
-          <pc:docMk/>
-          <pc:sldMk cId="2678238830" sldId="780"/>
-        </pc:sldMkLst>
-        <pc:spChg chg="mod">
-          <ac:chgData name="Matthieu De Mari" userId="dfb708c9-d8dc-439f-9a3b-c772bf4a311c" providerId="ADAL" clId="{851712E7-4765-4026-AAE1-C7179918B94D}" dt="2023-07-06T03:11:49.580" v="708" actId="5793"/>
-          <ac:spMkLst>
-            <pc:docMk/>
-            <pc:sldMk cId="2678238830" sldId="780"/>
-            <ac:spMk id="4" creationId="{7B27ED01-4B43-7115-3D3C-53FF72E7590A}"/>
-          </ac:spMkLst>
-        </pc:spChg>
-      </pc:sldChg>
-      <pc:sldChg chg="modSp mod">
-        <pc:chgData name="Matthieu De Mari" userId="dfb708c9-d8dc-439f-9a3b-c772bf4a311c" providerId="ADAL" clId="{851712E7-4765-4026-AAE1-C7179918B94D}" dt="2023-07-06T03:12:53.570" v="760" actId="20577"/>
-        <pc:sldMkLst>
-          <pc:docMk/>
-          <pc:sldMk cId="278531271" sldId="782"/>
-        </pc:sldMkLst>
-        <pc:spChg chg="mod">
-          <ac:chgData name="Matthieu De Mari" userId="dfb708c9-d8dc-439f-9a3b-c772bf4a311c" providerId="ADAL" clId="{851712E7-4765-4026-AAE1-C7179918B94D}" dt="2023-07-06T03:12:53.570" v="760" actId="20577"/>
-          <ac:spMkLst>
-            <pc:docMk/>
-            <pc:sldMk cId="278531271" sldId="782"/>
-            <ac:spMk id="6" creationId="{5282BC02-8C8A-BDB1-A192-B4E530ACD8B1}"/>
-          </ac:spMkLst>
-        </pc:spChg>
       </pc:sldChg>
     </pc:docChg>
   </pc:docChgLst>
@@ -5387,7 +2635,7 @@
           <a:p>
             <a:fld id="{61478373-EB31-4867-8CF0-FA31364748A5}" type="datetimeFigureOut">
               <a:rPr lang="en-GB" smtClean="0"/>
-              <a:t>07/02/2024</a:t>
+              <a:t>16/12/2024</a:t>
             </a:fld>
             <a:endParaRPr lang="en-GB"/>
           </a:p>
@@ -5804,7 +3052,7 @@
           <a:p>
             <a:fld id="{E85DF616-B21E-4EF6-A6A5-95E2FB3EB1A1}" type="datetimeFigureOut">
               <a:rPr lang="en-GB" smtClean="0"/>
-              <a:t>07/02/2024</a:t>
+              <a:t>16/12/2024</a:t>
             </a:fld>
             <a:endParaRPr lang="en-GB"/>
           </a:p>
@@ -6004,7 +3252,7 @@
           <a:p>
             <a:fld id="{E85DF616-B21E-4EF6-A6A5-95E2FB3EB1A1}" type="datetimeFigureOut">
               <a:rPr lang="en-GB" smtClean="0"/>
-              <a:t>07/02/2024</a:t>
+              <a:t>16/12/2024</a:t>
             </a:fld>
             <a:endParaRPr lang="en-GB"/>
           </a:p>
@@ -6214,7 +3462,7 @@
           <a:p>
             <a:fld id="{E85DF616-B21E-4EF6-A6A5-95E2FB3EB1A1}" type="datetimeFigureOut">
               <a:rPr lang="en-GB" smtClean="0"/>
-              <a:t>07/02/2024</a:t>
+              <a:t>16/12/2024</a:t>
             </a:fld>
             <a:endParaRPr lang="en-GB"/>
           </a:p>
@@ -6414,7 +3662,7 @@
           <a:p>
             <a:fld id="{E85DF616-B21E-4EF6-A6A5-95E2FB3EB1A1}" type="datetimeFigureOut">
               <a:rPr lang="en-GB" smtClean="0"/>
-              <a:t>07/02/2024</a:t>
+              <a:t>16/12/2024</a:t>
             </a:fld>
             <a:endParaRPr lang="en-GB"/>
           </a:p>
@@ -6690,7 +3938,7 @@
           <a:p>
             <a:fld id="{E85DF616-B21E-4EF6-A6A5-95E2FB3EB1A1}" type="datetimeFigureOut">
               <a:rPr lang="en-GB" smtClean="0"/>
-              <a:t>07/02/2024</a:t>
+              <a:t>16/12/2024</a:t>
             </a:fld>
             <a:endParaRPr lang="en-GB"/>
           </a:p>
@@ -6958,7 +4206,7 @@
           <a:p>
             <a:fld id="{E85DF616-B21E-4EF6-A6A5-95E2FB3EB1A1}" type="datetimeFigureOut">
               <a:rPr lang="en-GB" smtClean="0"/>
-              <a:t>07/02/2024</a:t>
+              <a:t>16/12/2024</a:t>
             </a:fld>
             <a:endParaRPr lang="en-GB"/>
           </a:p>
@@ -7373,7 +4621,7 @@
           <a:p>
             <a:fld id="{E85DF616-B21E-4EF6-A6A5-95E2FB3EB1A1}" type="datetimeFigureOut">
               <a:rPr lang="en-GB" smtClean="0"/>
-              <a:t>07/02/2024</a:t>
+              <a:t>16/12/2024</a:t>
             </a:fld>
             <a:endParaRPr lang="en-GB"/>
           </a:p>
@@ -7515,7 +4763,7 @@
           <a:p>
             <a:fld id="{E85DF616-B21E-4EF6-A6A5-95E2FB3EB1A1}" type="datetimeFigureOut">
               <a:rPr lang="en-GB" smtClean="0"/>
-              <a:t>07/02/2024</a:t>
+              <a:t>16/12/2024</a:t>
             </a:fld>
             <a:endParaRPr lang="en-GB"/>
           </a:p>
@@ -7628,7 +4876,7 @@
           <a:p>
             <a:fld id="{E85DF616-B21E-4EF6-A6A5-95E2FB3EB1A1}" type="datetimeFigureOut">
               <a:rPr lang="en-GB" smtClean="0"/>
-              <a:t>07/02/2024</a:t>
+              <a:t>16/12/2024</a:t>
             </a:fld>
             <a:endParaRPr lang="en-GB"/>
           </a:p>
@@ -7941,7 +5189,7 @@
           <a:p>
             <a:fld id="{E85DF616-B21E-4EF6-A6A5-95E2FB3EB1A1}" type="datetimeFigureOut">
               <a:rPr lang="en-GB" smtClean="0"/>
-              <a:t>07/02/2024</a:t>
+              <a:t>16/12/2024</a:t>
             </a:fld>
             <a:endParaRPr lang="en-GB"/>
           </a:p>
@@ -8230,7 +5478,7 @@
           <a:p>
             <a:fld id="{E85DF616-B21E-4EF6-A6A5-95E2FB3EB1A1}" type="datetimeFigureOut">
               <a:rPr lang="en-GB" smtClean="0"/>
-              <a:t>07/02/2024</a:t>
+              <a:t>16/12/2024</a:t>
             </a:fld>
             <a:endParaRPr lang="en-GB"/>
           </a:p>
@@ -8473,7 +5721,7 @@
           <a:p>
             <a:fld id="{E85DF616-B21E-4EF6-A6A5-95E2FB3EB1A1}" type="datetimeFigureOut">
               <a:rPr lang="en-GB" smtClean="0"/>
-              <a:t>07/02/2024</a:t>
+              <a:t>16/12/2024</a:t>
             </a:fld>
             <a:endParaRPr lang="en-GB"/>
           </a:p>
@@ -15921,7 +13169,7 @@
                 </a:pPr>
                 <a:r>
                   <a:rPr lang="en-GB" dirty="0"/>
-                  <a:t>We could</a:t>
+                  <a:t>A simpler way would be to</a:t>
                 </a:r>
               </a:p>
               <a:p>
@@ -16080,14 +13328,13 @@
         </p:nvPicPr>
         <p:blipFill>
           <a:blip r:embed="rId3"/>
-          <a:stretch>
-            <a:fillRect/>
-          </a:stretch>
+          <a:srcRect l="1590" t="3035"/>
+          <a:stretch/>
         </p:blipFill>
         <p:spPr>
           <a:xfrm>
-            <a:off x="6315777" y="1690688"/>
-            <a:ext cx="5876223" cy="4446031"/>
+            <a:off x="6409189" y="1825624"/>
+            <a:ext cx="5782811" cy="4311095"/>
           </a:xfrm>
           <a:prstGeom prst="rect">
             <a:avLst/>
@@ -17611,8 +14858,8 @@
           </a:p>
         </p:txBody>
       </p:sp>
-      <mc:AlternateContent xmlns:mc="http://schemas.openxmlformats.org/markup-compatibility/2006">
-        <mc:Choice xmlns:a14="http://schemas.microsoft.com/office/drawing/2010/main" Requires="a14">
+      <mc:AlternateContent xmlns:mc="http://schemas.openxmlformats.org/markup-compatibility/2006" xmlns:a14="http://schemas.microsoft.com/office/drawing/2010/main">
+        <mc:Choice Requires="a14">
           <p:sp>
             <p:nvSpPr>
               <p:cNvPr id="11" name="Content Placeholder 10">
@@ -17753,7 +15000,7 @@
             </p:txBody>
           </p:sp>
         </mc:Choice>
-        <mc:Fallback>
+        <mc:Fallback xmlns="">
           <p:sp>
             <p:nvSpPr>
               <p:cNvPr id="11" name="Content Placeholder 10">
@@ -17863,8 +15110,8 @@
           </a:p>
         </p:txBody>
       </p:sp>
-      <mc:AlternateContent xmlns:mc="http://schemas.openxmlformats.org/markup-compatibility/2006">
-        <mc:Choice xmlns:a14="http://schemas.microsoft.com/office/drawing/2010/main" Requires="a14">
+      <mc:AlternateContent xmlns:mc="http://schemas.openxmlformats.org/markup-compatibility/2006" xmlns:a14="http://schemas.microsoft.com/office/drawing/2010/main">
+        <mc:Choice Requires="a14">
           <p:sp>
             <p:nvSpPr>
               <p:cNvPr id="11" name="Content Placeholder 10">
@@ -18363,7 +15610,7 @@
             </p:txBody>
           </p:sp>
         </mc:Choice>
-        <mc:Fallback>
+        <mc:Fallback xmlns="">
           <p:sp>
             <p:nvSpPr>
               <p:cNvPr id="11" name="Content Placeholder 10">
